--- a/Dokumentation/ShopAdmin_slidecollection.pptx
+++ b/Dokumentation/ShopAdmin_slidecollection.pptx
@@ -32,8 +32,10 @@
     <p:sldId id="285" r:id="rId26"/>
     <p:sldId id="284" r:id="rId27"/>
     <p:sldId id="274" r:id="rId28"/>
-    <p:sldId id="268" r:id="rId29"/>
-    <p:sldId id="266" r:id="rId30"/>
+    <p:sldId id="289" r:id="rId29"/>
+    <p:sldId id="288" r:id="rId30"/>
+    <p:sldId id="268" r:id="rId31"/>
+    <p:sldId id="266" r:id="rId32"/>
   </p:sldIdLst>
   <p:sldSz cx="9144000" cy="6858000" type="screen4x3"/>
   <p:notesSz cx="6858000" cy="9144000"/>
@@ -333,7 +335,7 @@
             <a:fld id="{682900CF-52F1-4F95-BCD7-A007BF19B186}" type="datetimeFigureOut">
               <a:rPr lang="de-DE" smtClean="0"/>
               <a:pPr/>
-              <a:t>03.12.2015</a:t>
+              <a:t>05.12.2015</a:t>
             </a:fld>
             <a:endParaRPr lang="de-DE"/>
           </a:p>
@@ -500,7 +502,7 @@
             <a:fld id="{682900CF-52F1-4F95-BCD7-A007BF19B186}" type="datetimeFigureOut">
               <a:rPr lang="de-DE" smtClean="0"/>
               <a:pPr/>
-              <a:t>03.12.2015</a:t>
+              <a:t>05.12.2015</a:t>
             </a:fld>
             <a:endParaRPr lang="de-DE"/>
           </a:p>
@@ -677,7 +679,7 @@
             <a:fld id="{682900CF-52F1-4F95-BCD7-A007BF19B186}" type="datetimeFigureOut">
               <a:rPr lang="de-DE" smtClean="0"/>
               <a:pPr/>
-              <a:t>03.12.2015</a:t>
+              <a:t>05.12.2015</a:t>
             </a:fld>
             <a:endParaRPr lang="de-DE"/>
           </a:p>
@@ -844,7 +846,7 @@
             <a:fld id="{682900CF-52F1-4F95-BCD7-A007BF19B186}" type="datetimeFigureOut">
               <a:rPr lang="de-DE" smtClean="0"/>
               <a:pPr/>
-              <a:t>03.12.2015</a:t>
+              <a:t>05.12.2015</a:t>
             </a:fld>
             <a:endParaRPr lang="de-DE"/>
           </a:p>
@@ -1087,7 +1089,7 @@
             <a:fld id="{682900CF-52F1-4F95-BCD7-A007BF19B186}" type="datetimeFigureOut">
               <a:rPr lang="de-DE" smtClean="0"/>
               <a:pPr/>
-              <a:t>03.12.2015</a:t>
+              <a:t>05.12.2015</a:t>
             </a:fld>
             <a:endParaRPr lang="de-DE"/>
           </a:p>
@@ -1372,7 +1374,7 @@
             <a:fld id="{682900CF-52F1-4F95-BCD7-A007BF19B186}" type="datetimeFigureOut">
               <a:rPr lang="de-DE" smtClean="0"/>
               <a:pPr/>
-              <a:t>03.12.2015</a:t>
+              <a:t>05.12.2015</a:t>
             </a:fld>
             <a:endParaRPr lang="de-DE"/>
           </a:p>
@@ -1791,7 +1793,7 @@
             <a:fld id="{682900CF-52F1-4F95-BCD7-A007BF19B186}" type="datetimeFigureOut">
               <a:rPr lang="de-DE" smtClean="0"/>
               <a:pPr/>
-              <a:t>03.12.2015</a:t>
+              <a:t>05.12.2015</a:t>
             </a:fld>
             <a:endParaRPr lang="de-DE"/>
           </a:p>
@@ -1906,7 +1908,7 @@
             <a:fld id="{682900CF-52F1-4F95-BCD7-A007BF19B186}" type="datetimeFigureOut">
               <a:rPr lang="de-DE" smtClean="0"/>
               <a:pPr/>
-              <a:t>03.12.2015</a:t>
+              <a:t>05.12.2015</a:t>
             </a:fld>
             <a:endParaRPr lang="de-DE"/>
           </a:p>
@@ -1998,7 +2000,7 @@
             <a:fld id="{682900CF-52F1-4F95-BCD7-A007BF19B186}" type="datetimeFigureOut">
               <a:rPr lang="de-DE" smtClean="0"/>
               <a:pPr/>
-              <a:t>03.12.2015</a:t>
+              <a:t>05.12.2015</a:t>
             </a:fld>
             <a:endParaRPr lang="de-DE"/>
           </a:p>
@@ -2272,7 +2274,7 @@
             <a:fld id="{682900CF-52F1-4F95-BCD7-A007BF19B186}" type="datetimeFigureOut">
               <a:rPr lang="de-DE" smtClean="0"/>
               <a:pPr/>
-              <a:t>03.12.2015</a:t>
+              <a:t>05.12.2015</a:t>
             </a:fld>
             <a:endParaRPr lang="de-DE"/>
           </a:p>
@@ -2522,7 +2524,7 @@
             <a:fld id="{682900CF-52F1-4F95-BCD7-A007BF19B186}" type="datetimeFigureOut">
               <a:rPr lang="de-DE" smtClean="0"/>
               <a:pPr/>
-              <a:t>03.12.2015</a:t>
+              <a:t>05.12.2015</a:t>
             </a:fld>
             <a:endParaRPr lang="de-DE"/>
           </a:p>
@@ -2732,7 +2734,7 @@
             <a:fld id="{682900CF-52F1-4F95-BCD7-A007BF19B186}" type="datetimeFigureOut">
               <a:rPr lang="de-DE" smtClean="0"/>
               <a:pPr/>
-              <a:t>03.12.2015</a:t>
+              <a:t>05.12.2015</a:t>
             </a:fld>
             <a:endParaRPr lang="de-DE"/>
           </a:p>
@@ -4508,13 +4510,6 @@
               </a:rPr>
               <a:t>: </a:t>
             </a:r>
-            <a:endParaRPr lang="en-US" dirty="0" smtClean="0">
-              <a:solidFill>
-                <a:schemeClr val="tx1"/>
-              </a:solidFill>
-              <a:latin typeface="Times New Roman" pitchFamily="18" charset="0"/>
-              <a:cs typeface="Times New Roman" pitchFamily="18" charset="0"/>
-            </a:endParaRPr>
           </a:p>
           <a:p>
             <a:pPr marL="742950" lvl="1" indent="-285750">
@@ -4603,17 +4598,7 @@
                 <a:latin typeface="Times New Roman" pitchFamily="18" charset="0"/>
                 <a:cs typeface="Times New Roman" pitchFamily="18" charset="0"/>
               </a:rPr>
-              <a:t>Suppor</a:t>
-            </a:r>
-            <a:r>
-              <a:rPr lang="en-US" dirty="0" smtClean="0">
-                <a:solidFill>
-                  <a:schemeClr val="tx1"/>
-                </a:solidFill>
-                <a:latin typeface="Times New Roman" pitchFamily="18" charset="0"/>
-                <a:cs typeface="Times New Roman" pitchFamily="18" charset="0"/>
-              </a:rPr>
-              <a:t>t regarding product backlog refinement</a:t>
+              <a:t>Support regarding product backlog refinement</a:t>
             </a:r>
           </a:p>
           <a:p>
@@ -4735,13 +4720,6 @@
               </a:rPr>
               <a:t>: </a:t>
             </a:r>
-            <a:endParaRPr lang="en-US" dirty="0" smtClean="0">
-              <a:solidFill>
-                <a:schemeClr val="tx1"/>
-              </a:solidFill>
-              <a:latin typeface="Times New Roman" pitchFamily="18" charset="0"/>
-              <a:cs typeface="Times New Roman" pitchFamily="18" charset="0"/>
-            </a:endParaRPr>
           </a:p>
           <a:p>
             <a:pPr marL="742950" lvl="1" indent="-285750">
@@ -4780,13 +4758,6 @@
               </a:rPr>
               <a:t>Ideally T-Shaped members</a:t>
             </a:r>
-            <a:endParaRPr lang="en-US" dirty="0" smtClean="0">
-              <a:solidFill>
-                <a:schemeClr val="tx1"/>
-              </a:solidFill>
-              <a:latin typeface="Times New Roman" pitchFamily="18" charset="0"/>
-              <a:cs typeface="Times New Roman" pitchFamily="18" charset="0"/>
-            </a:endParaRPr>
           </a:p>
           <a:p>
             <a:pPr lvl="0">
@@ -4811,11 +4782,11 @@
   <p:clrMapOvr>
     <a:masterClrMapping/>
   </p:clrMapOvr>
-  <mc:AlternateContent xmlns:mc="http://schemas.openxmlformats.org/markup-compatibility/2006">
-    <mc:Choice xmlns:p14="http://schemas.microsoft.com/office/powerpoint/2010/main" Requires="p14">
+  <mc:AlternateContent xmlns:mc="http://schemas.openxmlformats.org/markup-compatibility/2006" xmlns:p14="http://schemas.microsoft.com/office/powerpoint/2010/main">
+    <mc:Choice Requires="p14">
       <p:transition spd="slow" p14:dur="2000"/>
     </mc:Choice>
-    <mc:Fallback>
+    <mc:Fallback xmlns="">
       <p:transition spd="slow"/>
     </mc:Fallback>
   </mc:AlternateContent>
@@ -5027,13 +4998,6 @@
               </a:rPr>
               <a:t>: </a:t>
             </a:r>
-            <a:endParaRPr lang="en-US" dirty="0" smtClean="0">
-              <a:solidFill>
-                <a:schemeClr val="tx1"/>
-              </a:solidFill>
-              <a:latin typeface="Times New Roman" pitchFamily="18" charset="0"/>
-              <a:cs typeface="Times New Roman" pitchFamily="18" charset="0"/>
-            </a:endParaRPr>
           </a:p>
           <a:p>
             <a:pPr marL="742950" lvl="1" indent="-285750">
@@ -5053,13 +5017,6 @@
               </a:rPr>
               <a:t>Many T-Shapes cover all aspects and everybody has base knowledge in all areas</a:t>
             </a:r>
-            <a:endParaRPr lang="en-US" dirty="0" smtClean="0">
-              <a:solidFill>
-                <a:schemeClr val="tx1"/>
-              </a:solidFill>
-              <a:latin typeface="Times New Roman" pitchFamily="18" charset="0"/>
-              <a:cs typeface="Times New Roman" pitchFamily="18" charset="0"/>
-            </a:endParaRPr>
           </a:p>
           <a:p>
             <a:pPr lvl="0">
@@ -5688,22 +5645,6 @@
               </a:rPr>
               <a:t>…</a:t>
             </a:r>
-            <a:endParaRPr lang="de-DE" sz="2000" i="1" dirty="0" smtClean="0">
-              <a:solidFill>
-                <a:schemeClr val="tx2">
-                  <a:lumMod val="50000"/>
-                </a:schemeClr>
-              </a:solidFill>
-              <a:effectLst>
-                <a:outerShdw blurRad="38100" dist="38100" dir="2700000" algn="tl">
-                  <a:srgbClr val="000000">
-                    <a:alpha val="43137"/>
-                  </a:srgbClr>
-                </a:outerShdw>
-              </a:effectLst>
-              <a:latin typeface="Times New Roman" pitchFamily="18" charset="0"/>
-              <a:cs typeface="Times New Roman" pitchFamily="18" charset="0"/>
-            </a:endParaRPr>
           </a:p>
         </p:txBody>
       </p:sp>
@@ -5717,11 +5658,11 @@
   <p:clrMapOvr>
     <a:masterClrMapping/>
   </p:clrMapOvr>
-  <mc:AlternateContent xmlns:mc="http://schemas.openxmlformats.org/markup-compatibility/2006">
-    <mc:Choice xmlns:p14="http://schemas.microsoft.com/office/powerpoint/2010/main" Requires="p14">
+  <mc:AlternateContent xmlns:mc="http://schemas.openxmlformats.org/markup-compatibility/2006" xmlns:p14="http://schemas.microsoft.com/office/powerpoint/2010/main">
+    <mc:Choice Requires="p14">
       <p:transition spd="slow" p14:dur="2000"/>
     </mc:Choice>
-    <mc:Fallback>
+    <mc:Fallback xmlns="">
       <p:transition spd="slow"/>
     </mc:Fallback>
   </mc:AlternateContent>
@@ -6879,25 +6820,8 @@
                 <a:latin typeface="Times New Roman" pitchFamily="18" charset="0"/>
                 <a:cs typeface="Times New Roman" pitchFamily="18" charset="0"/>
               </a:rPr>
-              <a:t>Wher</a:t>
-            </a:r>
-            <a:r>
-              <a:rPr lang="en-US" dirty="0" smtClean="0">
-                <a:solidFill>
-                  <a:schemeClr val="tx1"/>
-                </a:solidFill>
-                <a:latin typeface="Times New Roman" pitchFamily="18" charset="0"/>
-                <a:cs typeface="Times New Roman" pitchFamily="18" charset="0"/>
-              </a:rPr>
-              <a:t>e are we now?</a:t>
-            </a:r>
-            <a:endParaRPr lang="en-US" dirty="0" smtClean="0">
-              <a:solidFill>
-                <a:schemeClr val="tx1"/>
-              </a:solidFill>
-              <a:latin typeface="Times New Roman" pitchFamily="18" charset="0"/>
-              <a:cs typeface="Times New Roman" pitchFamily="18" charset="0"/>
-            </a:endParaRPr>
+              <a:t>Where are we now?</a:t>
+            </a:r>
           </a:p>
           <a:p>
             <a:pPr lvl="0">
@@ -9852,35 +9776,18 @@
                 <a:latin typeface="Times New Roman" pitchFamily="18" charset="0"/>
                 <a:cs typeface="Times New Roman" pitchFamily="18" charset="0"/>
               </a:rPr>
-              <a:t>Definition of </a:t>
-            </a:r>
-            <a:r>
-              <a:rPr lang="en-US" b="1" dirty="0" smtClean="0">
+              <a:t>Definition of done</a:t>
+            </a:r>
+            <a:r>
+              <a:rPr lang="en-US" dirty="0" smtClean="0">
                 <a:solidFill>
                   <a:schemeClr val="tx1"/>
                 </a:solidFill>
                 <a:latin typeface="Times New Roman" pitchFamily="18" charset="0"/>
                 <a:cs typeface="Times New Roman" pitchFamily="18" charset="0"/>
               </a:rPr>
-              <a:t>done</a:t>
-            </a:r>
-            <a:r>
-              <a:rPr lang="en-US" dirty="0" smtClean="0">
-                <a:solidFill>
-                  <a:schemeClr val="tx1"/>
-                </a:solidFill>
-                <a:latin typeface="Times New Roman" pitchFamily="18" charset="0"/>
-                <a:cs typeface="Times New Roman" pitchFamily="18" charset="0"/>
-              </a:rPr>
               <a:t>: </a:t>
             </a:r>
-            <a:endParaRPr lang="en-US" dirty="0" smtClean="0">
-              <a:solidFill>
-                <a:schemeClr val="tx1"/>
-              </a:solidFill>
-              <a:latin typeface="Times New Roman" pitchFamily="18" charset="0"/>
-              <a:cs typeface="Times New Roman" pitchFamily="18" charset="0"/>
-            </a:endParaRPr>
           </a:p>
           <a:p>
             <a:pPr marL="800100" lvl="1" indent="-342900">
@@ -11142,13 +11049,6 @@
               </a:rPr>
               <a:t> Sprint</a:t>
             </a:r>
-            <a:endParaRPr lang="de-DE" sz="2000" cap="small" dirty="0">
-              <a:solidFill>
-                <a:schemeClr val="tx1"/>
-              </a:solidFill>
-              <a:latin typeface="Times New Roman" pitchFamily="18" charset="0"/>
-              <a:cs typeface="Times New Roman" pitchFamily="18" charset="0"/>
-            </a:endParaRPr>
           </a:p>
         </p:txBody>
       </p:sp>
@@ -11256,25 +11156,8 @@
                 <a:latin typeface="Times New Roman" pitchFamily="18" charset="0"/>
                 <a:cs typeface="Times New Roman" pitchFamily="18" charset="0"/>
               </a:rPr>
-              <a:t>Wher</a:t>
-            </a:r>
-            <a:r>
-              <a:rPr lang="en-US" dirty="0" smtClean="0">
-                <a:solidFill>
-                  <a:schemeClr val="tx1"/>
-                </a:solidFill>
-                <a:latin typeface="Times New Roman" pitchFamily="18" charset="0"/>
-                <a:cs typeface="Times New Roman" pitchFamily="18" charset="0"/>
-              </a:rPr>
-              <a:t>e are we now?</a:t>
-            </a:r>
-            <a:endParaRPr lang="en-US" dirty="0" smtClean="0">
-              <a:solidFill>
-                <a:schemeClr val="tx1"/>
-              </a:solidFill>
-              <a:latin typeface="Times New Roman" pitchFamily="18" charset="0"/>
-              <a:cs typeface="Times New Roman" pitchFamily="18" charset="0"/>
-            </a:endParaRPr>
+              <a:t>Where are we now?</a:t>
+            </a:r>
           </a:p>
           <a:p>
             <a:pPr lvl="0">
@@ -13069,13 +12952,6 @@
               </a:rPr>
               <a:t> Sprint</a:t>
             </a:r>
-            <a:endParaRPr lang="de-DE" sz="2000" cap="small" dirty="0">
-              <a:solidFill>
-                <a:schemeClr val="tx1"/>
-              </a:solidFill>
-              <a:latin typeface="Times New Roman" pitchFamily="18" charset="0"/>
-              <a:cs typeface="Times New Roman" pitchFamily="18" charset="0"/>
-            </a:endParaRPr>
           </a:p>
         </p:txBody>
       </p:sp>
@@ -13195,13 +13071,6 @@
               </a:rPr>
               <a:t> of the sprint planning: </a:t>
             </a:r>
-            <a:endParaRPr lang="en-US" dirty="0" smtClean="0">
-              <a:solidFill>
-                <a:schemeClr val="tx1"/>
-              </a:solidFill>
-              <a:latin typeface="Times New Roman" pitchFamily="18" charset="0"/>
-              <a:cs typeface="Times New Roman" pitchFamily="18" charset="0"/>
-            </a:endParaRPr>
           </a:p>
           <a:p>
             <a:pPr marL="742950" lvl="1" indent="-285750">
@@ -13238,20 +13107,6 @@
               </a:rPr>
               <a:t>(What?)</a:t>
             </a:r>
-            <a:endParaRPr lang="en-US" b="1" i="1" dirty="0" smtClean="0">
-              <a:solidFill>
-                <a:schemeClr val="tx1"/>
-              </a:solidFill>
-              <a:effectLst>
-                <a:outerShdw blurRad="38100" dist="38100" dir="2700000" algn="tl">
-                  <a:srgbClr val="000000">
-                    <a:alpha val="43137"/>
-                  </a:srgbClr>
-                </a:outerShdw>
-              </a:effectLst>
-              <a:latin typeface="Times New Roman" pitchFamily="18" charset="0"/>
-              <a:cs typeface="Times New Roman" pitchFamily="18" charset="0"/>
-            </a:endParaRPr>
           </a:p>
           <a:p>
             <a:pPr marL="742950" lvl="1" indent="-285750">
@@ -13288,20 +13143,6 @@
               </a:rPr>
               <a:t>(How?)</a:t>
             </a:r>
-            <a:endParaRPr lang="en-US" b="1" i="1" dirty="0" smtClean="0">
-              <a:solidFill>
-                <a:schemeClr val="tx1"/>
-              </a:solidFill>
-              <a:effectLst>
-                <a:outerShdw blurRad="38100" dist="38100" dir="2700000" algn="tl">
-                  <a:srgbClr val="000000">
-                    <a:alpha val="43137"/>
-                  </a:srgbClr>
-                </a:outerShdw>
-              </a:effectLst>
-              <a:latin typeface="Times New Roman" pitchFamily="18" charset="0"/>
-              <a:cs typeface="Times New Roman" pitchFamily="18" charset="0"/>
-            </a:endParaRPr>
           </a:p>
           <a:p>
             <a:pPr lvl="0">
@@ -13380,13 +13221,6 @@
               </a:rPr>
               <a:t>: </a:t>
             </a:r>
-            <a:endParaRPr lang="en-US" dirty="0" smtClean="0">
-              <a:solidFill>
-                <a:schemeClr val="tx1"/>
-              </a:solidFill>
-              <a:latin typeface="Times New Roman" pitchFamily="18" charset="0"/>
-              <a:cs typeface="Times New Roman" pitchFamily="18" charset="0"/>
-            </a:endParaRPr>
           </a:p>
           <a:p>
             <a:pPr marL="742950" lvl="1" indent="-285750">
@@ -13458,13 +13292,6 @@
               </a:rPr>
               <a:t>Clarity of the capacity of the development team (resources and tools)</a:t>
             </a:r>
-            <a:endParaRPr lang="en-US" dirty="0" smtClean="0">
-              <a:solidFill>
-                <a:schemeClr val="tx1"/>
-              </a:solidFill>
-              <a:latin typeface="Times New Roman" pitchFamily="18" charset="0"/>
-              <a:cs typeface="Times New Roman" pitchFamily="18" charset="0"/>
-            </a:endParaRPr>
           </a:p>
           <a:p>
             <a:pPr lvl="0">
@@ -13543,13 +13370,6 @@
               </a:rPr>
               <a:t>: </a:t>
             </a:r>
-            <a:endParaRPr lang="en-US" dirty="0" smtClean="0">
-              <a:solidFill>
-                <a:schemeClr val="tx1"/>
-              </a:solidFill>
-              <a:latin typeface="Times New Roman" pitchFamily="18" charset="0"/>
-              <a:cs typeface="Times New Roman" pitchFamily="18" charset="0"/>
-            </a:endParaRPr>
           </a:p>
           <a:p>
             <a:pPr marL="742950" lvl="1" indent="-285750">
@@ -13588,13 +13408,6 @@
               </a:rPr>
               <a:t>Commitment on sprint goal</a:t>
             </a:r>
-            <a:endParaRPr lang="en-US" dirty="0" smtClean="0">
-              <a:solidFill>
-                <a:schemeClr val="tx1"/>
-              </a:solidFill>
-              <a:latin typeface="Times New Roman" pitchFamily="18" charset="0"/>
-              <a:cs typeface="Times New Roman" pitchFamily="18" charset="0"/>
-            </a:endParaRPr>
           </a:p>
           <a:p>
             <a:pPr lvl="0">
@@ -13619,11 +13432,11 @@
   <p:clrMapOvr>
     <a:masterClrMapping/>
   </p:clrMapOvr>
-  <mc:AlternateContent xmlns:mc="http://schemas.openxmlformats.org/markup-compatibility/2006">
-    <mc:Choice xmlns:p14="http://schemas.microsoft.com/office/powerpoint/2010/main" Requires="p14">
+  <mc:AlternateContent xmlns:mc="http://schemas.openxmlformats.org/markup-compatibility/2006" xmlns:p14="http://schemas.microsoft.com/office/powerpoint/2010/main">
+    <mc:Choice Requires="p14">
       <p:transition spd="slow" p14:dur="2000"/>
     </mc:Choice>
-    <mc:Fallback>
+    <mc:Fallback xmlns="">
       <p:transition spd="slow"/>
     </mc:Fallback>
   </mc:AlternateContent>
@@ -13757,17 +13570,7 @@
                 <a:latin typeface="Times New Roman" pitchFamily="18" charset="0"/>
                 <a:cs typeface="Times New Roman" pitchFamily="18" charset="0"/>
               </a:rPr>
-              <a:t> </a:t>
-            </a:r>
-            <a:r>
-              <a:rPr lang="de-DE" sz="2000" cap="small" dirty="0" smtClean="0">
-                <a:solidFill>
-                  <a:schemeClr val="tx1"/>
-                </a:solidFill>
-                <a:latin typeface="Times New Roman" pitchFamily="18" charset="0"/>
-                <a:cs typeface="Times New Roman" pitchFamily="18" charset="0"/>
-              </a:rPr>
-              <a:t>Sprint</a:t>
+              <a:t> Sprint</a:t>
             </a:r>
             <a:endParaRPr lang="de-DE" sz="2000" cap="small" dirty="0">
               <a:solidFill>
@@ -13885,13 +13688,6 @@
               </a:rPr>
               <a:t>The Sprint Goal:</a:t>
             </a:r>
-            <a:endParaRPr lang="en-US" dirty="0" smtClean="0">
-              <a:solidFill>
-                <a:schemeClr val="tx1"/>
-              </a:solidFill>
-              <a:latin typeface="Times New Roman" pitchFamily="18" charset="0"/>
-              <a:cs typeface="Times New Roman" pitchFamily="18" charset="0"/>
-            </a:endParaRPr>
           </a:p>
           <a:p>
             <a:pPr marL="800100" lvl="1" indent="-342900">
@@ -13950,13 +13746,6 @@
               </a:rPr>
               <a:t> Registration and Login are targeted for implementation.</a:t>
             </a:r>
-            <a:endParaRPr lang="en-US" dirty="0" smtClean="0">
-              <a:solidFill>
-                <a:schemeClr val="tx1"/>
-              </a:solidFill>
-              <a:latin typeface="Times New Roman" pitchFamily="18" charset="0"/>
-              <a:cs typeface="Times New Roman" pitchFamily="18" charset="0"/>
-            </a:endParaRPr>
           </a:p>
           <a:p>
             <a:pPr marL="800100" lvl="1" indent="-342900">
@@ -14690,13 +14479,6 @@
               </a:rPr>
               <a:t>Additional benefit in getting used to Android development and strengthening of the SCRUM methodology.</a:t>
             </a:r>
-            <a:endParaRPr lang="en-US" dirty="0" smtClean="0">
-              <a:solidFill>
-                <a:schemeClr val="tx1"/>
-              </a:solidFill>
-              <a:latin typeface="Times New Roman" pitchFamily="18" charset="0"/>
-              <a:cs typeface="Times New Roman" pitchFamily="18" charset="0"/>
-            </a:endParaRPr>
           </a:p>
           <a:p>
             <a:pPr lvl="0">
@@ -14903,17 +14685,7 @@
                 <a:latin typeface="Times New Roman" pitchFamily="18" charset="0"/>
                 <a:cs typeface="Times New Roman" pitchFamily="18" charset="0"/>
               </a:rPr>
-              <a:t> </a:t>
-            </a:r>
-            <a:r>
-              <a:rPr lang="de-DE" sz="2000" cap="small" dirty="0" smtClean="0">
-                <a:solidFill>
-                  <a:schemeClr val="tx1"/>
-                </a:solidFill>
-                <a:latin typeface="Times New Roman" pitchFamily="18" charset="0"/>
-                <a:cs typeface="Times New Roman" pitchFamily="18" charset="0"/>
-              </a:rPr>
-              <a:t>Sprint</a:t>
+              <a:t> Sprint</a:t>
             </a:r>
             <a:endParaRPr lang="de-DE" sz="2000" cap="small" dirty="0">
               <a:solidFill>
@@ -14981,13 +14753,6 @@
               </a:rPr>
               <a:t>Scheme of screens:</a:t>
             </a:r>
-            <a:endParaRPr lang="en-US" dirty="0" smtClean="0">
-              <a:solidFill>
-                <a:schemeClr val="tx1"/>
-              </a:solidFill>
-              <a:latin typeface="Times New Roman" pitchFamily="18" charset="0"/>
-              <a:cs typeface="Times New Roman" pitchFamily="18" charset="0"/>
-            </a:endParaRPr>
           </a:p>
           <a:p>
             <a:pPr lvl="0">
@@ -16206,11 +15971,11 @@
   <p:clrMapOvr>
     <a:masterClrMapping/>
   </p:clrMapOvr>
-  <mc:AlternateContent xmlns:mc="http://schemas.openxmlformats.org/markup-compatibility/2006">
-    <mc:Choice xmlns:p14="http://schemas.microsoft.com/office/powerpoint/2010/main" Requires="p14">
+  <mc:AlternateContent xmlns:mc="http://schemas.openxmlformats.org/markup-compatibility/2006" xmlns:p14="http://schemas.microsoft.com/office/powerpoint/2010/main">
+    <mc:Choice Requires="p14">
       <p:transition spd="slow" p14:dur="2000"/>
     </mc:Choice>
-    <mc:Fallback>
+    <mc:Fallback xmlns="">
       <p:transition spd="slow"/>
     </mc:Fallback>
   </mc:AlternateContent>
@@ -16805,64 +16570,24 @@
           <a:p>
             <a:pPr algn="r"/>
             <a:r>
-              <a:rPr lang="de-DE" sz="2000" cap="small" dirty="0" err="1">
+              <a:rPr lang="de-DE" sz="2000" cap="small" dirty="0" smtClean="0">
                 <a:solidFill>
                   <a:schemeClr val="tx1"/>
                 </a:solidFill>
                 <a:latin typeface="Times New Roman" pitchFamily="18" charset="0"/>
                 <a:cs typeface="Times New Roman" pitchFamily="18" charset="0"/>
               </a:rPr>
-              <a:t>Planing</a:t>
-            </a:r>
-            <a:r>
-              <a:rPr lang="de-DE" sz="2000" cap="small" dirty="0">
+              <a:t>Daily </a:t>
+            </a:r>
+            <a:r>
+              <a:rPr lang="de-DE" sz="2000" cap="small" dirty="0" err="1" smtClean="0">
                 <a:solidFill>
                   <a:schemeClr val="tx1"/>
                 </a:solidFill>
                 <a:latin typeface="Times New Roman" pitchFamily="18" charset="0"/>
                 <a:cs typeface="Times New Roman" pitchFamily="18" charset="0"/>
               </a:rPr>
-              <a:t> </a:t>
-            </a:r>
-            <a:r>
-              <a:rPr lang="de-DE" sz="2000" cap="small" dirty="0" err="1">
-                <a:solidFill>
-                  <a:schemeClr val="tx1"/>
-                </a:solidFill>
-                <a:latin typeface="Times New Roman" pitchFamily="18" charset="0"/>
-                <a:cs typeface="Times New Roman" pitchFamily="18" charset="0"/>
-              </a:rPr>
-              <a:t>the</a:t>
-            </a:r>
-            <a:r>
-              <a:rPr lang="de-DE" sz="2000" cap="small" dirty="0">
-                <a:solidFill>
-                  <a:schemeClr val="tx1"/>
-                </a:solidFill>
-                <a:latin typeface="Times New Roman" pitchFamily="18" charset="0"/>
-                <a:cs typeface="Times New Roman" pitchFamily="18" charset="0"/>
-              </a:rPr>
-              <a:t> </a:t>
-            </a:r>
-            <a:r>
-              <a:rPr lang="de-DE" sz="2000" cap="small" dirty="0" err="1">
-                <a:solidFill>
-                  <a:schemeClr val="tx1"/>
-                </a:solidFill>
-                <a:latin typeface="Times New Roman" pitchFamily="18" charset="0"/>
-                <a:cs typeface="Times New Roman" pitchFamily="18" charset="0"/>
-              </a:rPr>
-              <a:t>first</a:t>
-            </a:r>
-            <a:r>
-              <a:rPr lang="de-DE" sz="2000" cap="small" dirty="0">
-                <a:solidFill>
-                  <a:schemeClr val="tx1"/>
-                </a:solidFill>
-                <a:latin typeface="Times New Roman" pitchFamily="18" charset="0"/>
-                <a:cs typeface="Times New Roman" pitchFamily="18" charset="0"/>
-              </a:rPr>
-              <a:t> Sprint</a:t>
+              <a:t>Scrum</a:t>
             </a:r>
             <a:endParaRPr lang="de-DE" sz="2000" cap="small" dirty="0">
               <a:solidFill>
@@ -16978,25 +16703,8 @@
                 <a:latin typeface="Times New Roman" pitchFamily="18" charset="0"/>
                 <a:cs typeface="Times New Roman" pitchFamily="18" charset="0"/>
               </a:rPr>
-              <a:t>Wher</a:t>
-            </a:r>
-            <a:r>
-              <a:rPr lang="en-US" dirty="0" smtClean="0">
-                <a:solidFill>
-                  <a:schemeClr val="tx1"/>
-                </a:solidFill>
-                <a:latin typeface="Times New Roman" pitchFamily="18" charset="0"/>
-                <a:cs typeface="Times New Roman" pitchFamily="18" charset="0"/>
-              </a:rPr>
-              <a:t>e are we now?</a:t>
-            </a:r>
-            <a:endParaRPr lang="en-US" dirty="0" smtClean="0">
-              <a:solidFill>
-                <a:schemeClr val="tx1"/>
-              </a:solidFill>
-              <a:latin typeface="Times New Roman" pitchFamily="18" charset="0"/>
-              <a:cs typeface="Times New Roman" pitchFamily="18" charset="0"/>
-            </a:endParaRPr>
+              <a:t>Where are we now?</a:t>
+            </a:r>
           </a:p>
           <a:p>
             <a:pPr lvl="0">
@@ -18932,13 +18640,6 @@
               </a:rPr>
               <a:t>: </a:t>
             </a:r>
-            <a:endParaRPr lang="en-US" dirty="0" smtClean="0">
-              <a:solidFill>
-                <a:schemeClr val="tx1"/>
-              </a:solidFill>
-              <a:latin typeface="Times New Roman" pitchFamily="18" charset="0"/>
-              <a:cs typeface="Times New Roman" pitchFamily="18" charset="0"/>
-            </a:endParaRPr>
           </a:p>
           <a:p>
             <a:pPr marL="742950" lvl="1" indent="-285750">
@@ -19008,20 +18709,6 @@
               </a:rPr>
               <a:t>(Inspect &amp; Adapt)</a:t>
             </a:r>
-            <a:endParaRPr lang="en-US" b="1" i="1" dirty="0" smtClean="0">
-              <a:solidFill>
-                <a:schemeClr val="tx1"/>
-              </a:solidFill>
-              <a:effectLst>
-                <a:outerShdw blurRad="38100" dist="38100" dir="2700000" algn="tl">
-                  <a:srgbClr val="000000">
-                    <a:alpha val="43137"/>
-                  </a:srgbClr>
-                </a:outerShdw>
-              </a:effectLst>
-              <a:latin typeface="Times New Roman" pitchFamily="18" charset="0"/>
-              <a:cs typeface="Times New Roman" pitchFamily="18" charset="0"/>
-            </a:endParaRPr>
           </a:p>
           <a:p>
             <a:pPr lvl="0">
@@ -19100,13 +18787,6 @@
               </a:rPr>
               <a:t>: </a:t>
             </a:r>
-            <a:endParaRPr lang="en-US" dirty="0" smtClean="0">
-              <a:solidFill>
-                <a:schemeClr val="tx1"/>
-              </a:solidFill>
-              <a:latin typeface="Times New Roman" pitchFamily="18" charset="0"/>
-              <a:cs typeface="Times New Roman" pitchFamily="18" charset="0"/>
-            </a:endParaRPr>
           </a:p>
           <a:p>
             <a:pPr marL="742950" lvl="1" indent="-285750">
@@ -19124,25 +18804,8 @@
                 <a:latin typeface="Times New Roman" pitchFamily="18" charset="0"/>
                 <a:cs typeface="Times New Roman" pitchFamily="18" charset="0"/>
               </a:rPr>
-              <a:t>Disciplin</a:t>
-            </a:r>
-            <a:r>
-              <a:rPr lang="en-US" dirty="0" smtClean="0">
-                <a:solidFill>
-                  <a:schemeClr val="tx1"/>
-                </a:solidFill>
-                <a:latin typeface="Times New Roman" pitchFamily="18" charset="0"/>
-                <a:cs typeface="Times New Roman" pitchFamily="18" charset="0"/>
-              </a:rPr>
-              <a:t>e regarding time box, communication, accuracy</a:t>
-            </a:r>
-            <a:endParaRPr lang="en-US" dirty="0" smtClean="0">
-              <a:solidFill>
-                <a:schemeClr val="tx1"/>
-              </a:solidFill>
-              <a:latin typeface="Times New Roman" pitchFamily="18" charset="0"/>
-              <a:cs typeface="Times New Roman" pitchFamily="18" charset="0"/>
-            </a:endParaRPr>
+              <a:t>Discipline regarding time box, communication, accuracy</a:t>
+            </a:r>
           </a:p>
           <a:p>
             <a:pPr lvl="0">
@@ -19221,13 +18884,6 @@
               </a:rPr>
               <a:t>: </a:t>
             </a:r>
-            <a:endParaRPr lang="en-US" dirty="0" smtClean="0">
-              <a:solidFill>
-                <a:schemeClr val="tx1"/>
-              </a:solidFill>
-              <a:latin typeface="Times New Roman" pitchFamily="18" charset="0"/>
-              <a:cs typeface="Times New Roman" pitchFamily="18" charset="0"/>
-            </a:endParaRPr>
           </a:p>
           <a:p>
             <a:pPr marL="742950" lvl="1" indent="-285750">
@@ -19392,11 +19048,11 @@
   <p:clrMapOvr>
     <a:masterClrMapping/>
   </p:clrMapOvr>
-  <mc:AlternateContent xmlns:mc="http://schemas.openxmlformats.org/markup-compatibility/2006">
-    <mc:Choice xmlns:p14="http://schemas.microsoft.com/office/powerpoint/2010/main" Requires="p14">
+  <mc:AlternateContent xmlns:mc="http://schemas.openxmlformats.org/markup-compatibility/2006" xmlns:p14="http://schemas.microsoft.com/office/powerpoint/2010/main">
+    <mc:Choice Requires="p14">
       <p:transition spd="slow" p14:dur="2000"/>
     </mc:Choice>
-    <mc:Fallback>
+    <mc:Fallback xmlns="">
       <p:transition spd="slow"/>
     </mc:Fallback>
   </mc:AlternateContent>
@@ -19473,14 +19129,24 @@
           <a:p>
             <a:pPr algn="r"/>
             <a:r>
-              <a:rPr lang="de-DE" sz="2000" cap="small" dirty="0" smtClean="0">
+              <a:rPr lang="de-DE" sz="2000" cap="small" dirty="0">
                 <a:solidFill>
                   <a:schemeClr val="tx1"/>
                 </a:solidFill>
                 <a:latin typeface="Times New Roman" pitchFamily="18" charset="0"/>
                 <a:cs typeface="Times New Roman" pitchFamily="18" charset="0"/>
               </a:rPr>
-              <a:t>Vision Establishment</a:t>
+              <a:t>Daily </a:t>
+            </a:r>
+            <a:r>
+              <a:rPr lang="de-DE" sz="2000" cap="small" dirty="0" err="1">
+                <a:solidFill>
+                  <a:schemeClr val="tx1"/>
+                </a:solidFill>
+                <a:latin typeface="Times New Roman" pitchFamily="18" charset="0"/>
+                <a:cs typeface="Times New Roman" pitchFamily="18" charset="0"/>
+              </a:rPr>
+              <a:t>Scrum</a:t>
             </a:r>
             <a:endParaRPr lang="de-DE" sz="2000" cap="small" dirty="0">
               <a:solidFill>
@@ -19583,12 +19249,40 @@
           <a:bodyPr rtlCol="0" anchor="t"/>
           <a:lstStyle/>
           <a:p>
-            <a:pPr lvl="0">
+            <a:pPr marL="285750" indent="-285750">
               <a:lnSpc>
                 <a:spcPct val="150000"/>
               </a:lnSpc>
+              <a:buFont typeface="Arial" panose="020B0604020202020204" pitchFamily="34" charset="0"/>
+              <a:buChar char="•"/>
             </a:pPr>
             <a:r>
+              <a:rPr lang="en-US" b="1" dirty="0" err="1" smtClean="0">
+                <a:solidFill>
+                  <a:schemeClr val="tx1"/>
+                </a:solidFill>
+                <a:latin typeface="Times New Roman" pitchFamily="18" charset="0"/>
+                <a:cs typeface="Times New Roman" pitchFamily="18" charset="0"/>
+              </a:rPr>
+              <a:t>MokUp</a:t>
+            </a:r>
+            <a:endParaRPr lang="en-US" b="1" dirty="0" smtClean="0">
+              <a:solidFill>
+                <a:schemeClr val="tx1"/>
+              </a:solidFill>
+              <a:latin typeface="Times New Roman" pitchFamily="18" charset="0"/>
+              <a:cs typeface="Times New Roman" pitchFamily="18" charset="0"/>
+            </a:endParaRPr>
+          </a:p>
+          <a:p>
+            <a:pPr marL="742950" lvl="1" indent="-285750">
+              <a:lnSpc>
+                <a:spcPct val="150000"/>
+              </a:lnSpc>
+              <a:buFont typeface="Arial" panose="020B0604020202020204" pitchFamily="34" charset="0"/>
+              <a:buChar char="•"/>
+            </a:pPr>
+            <a:r>
               <a:rPr lang="en-US" dirty="0" smtClean="0">
                 <a:solidFill>
                   <a:schemeClr val="tx1"/>
@@ -19596,8 +19290,418 @@
                 <a:latin typeface="Times New Roman" pitchFamily="18" charset="0"/>
                 <a:cs typeface="Times New Roman" pitchFamily="18" charset="0"/>
               </a:rPr>
-              <a:t>Open topics for this phase: </a:t>
-            </a:r>
+              <a:t>Corporate Design based on three colors:</a:t>
+            </a:r>
+          </a:p>
+          <a:p>
+            <a:pPr marL="1200150" lvl="2" indent="-285750">
+              <a:lnSpc>
+                <a:spcPct val="150000"/>
+              </a:lnSpc>
+              <a:buFont typeface="Arial" panose="020B0604020202020204" pitchFamily="34" charset="0"/>
+              <a:buChar char="•"/>
+            </a:pPr>
+            <a:r>
+              <a:rPr lang="en-US" dirty="0" smtClean="0">
+                <a:solidFill>
+                  <a:schemeClr val="tx1"/>
+                </a:solidFill>
+                <a:latin typeface="Times New Roman" pitchFamily="18" charset="0"/>
+                <a:cs typeface="Times New Roman" pitchFamily="18" charset="0"/>
+              </a:rPr>
+              <a:t> pink</a:t>
+            </a:r>
+          </a:p>
+          <a:p>
+            <a:pPr marL="1200150" lvl="2" indent="-285750">
+              <a:lnSpc>
+                <a:spcPct val="150000"/>
+              </a:lnSpc>
+              <a:buFont typeface="Arial" panose="020B0604020202020204" pitchFamily="34" charset="0"/>
+              <a:buChar char="•"/>
+            </a:pPr>
+            <a:r>
+              <a:rPr lang="en-US" dirty="0" smtClean="0">
+                <a:solidFill>
+                  <a:schemeClr val="tx1"/>
+                </a:solidFill>
+                <a:latin typeface="Times New Roman" pitchFamily="18" charset="0"/>
+                <a:cs typeface="Times New Roman" pitchFamily="18" charset="0"/>
+              </a:rPr>
+              <a:t>white</a:t>
+            </a:r>
+          </a:p>
+          <a:p>
+            <a:pPr marL="1200150" lvl="2" indent="-285750">
+              <a:lnSpc>
+                <a:spcPct val="150000"/>
+              </a:lnSpc>
+              <a:buFont typeface="Arial" panose="020B0604020202020204" pitchFamily="34" charset="0"/>
+              <a:buChar char="•"/>
+            </a:pPr>
+            <a:r>
+              <a:rPr lang="en-US" dirty="0" smtClean="0">
+                <a:solidFill>
+                  <a:schemeClr val="tx1"/>
+                </a:solidFill>
+                <a:latin typeface="Times New Roman" pitchFamily="18" charset="0"/>
+                <a:cs typeface="Times New Roman" pitchFamily="18" charset="0"/>
+              </a:rPr>
+              <a:t>light grey</a:t>
+            </a:r>
+          </a:p>
+          <a:p>
+            <a:pPr marL="1200150" lvl="2" indent="-285750">
+              <a:lnSpc>
+                <a:spcPct val="150000"/>
+              </a:lnSpc>
+              <a:buFont typeface="Arial" panose="020B0604020202020204" pitchFamily="34" charset="0"/>
+              <a:buChar char="•"/>
+            </a:pPr>
+            <a:r>
+              <a:rPr lang="en-US" dirty="0" smtClean="0">
+                <a:solidFill>
+                  <a:schemeClr val="tx1"/>
+                </a:solidFill>
+                <a:latin typeface="Times New Roman" pitchFamily="18" charset="0"/>
+                <a:cs typeface="Times New Roman" pitchFamily="18" charset="0"/>
+              </a:rPr>
+              <a:t>Font:</a:t>
+            </a:r>
+          </a:p>
+          <a:p>
+            <a:pPr marL="1657350" lvl="3" indent="-285750">
+              <a:lnSpc>
+                <a:spcPct val="150000"/>
+              </a:lnSpc>
+              <a:buFont typeface="Arial" panose="020B0604020202020204" pitchFamily="34" charset="0"/>
+              <a:buChar char="•"/>
+            </a:pPr>
+            <a:r>
+              <a:rPr lang="en-US" dirty="0" smtClean="0">
+                <a:solidFill>
+                  <a:schemeClr val="tx1"/>
+                </a:solidFill>
+                <a:latin typeface="Times New Roman" pitchFamily="18" charset="0"/>
+                <a:cs typeface="Times New Roman" pitchFamily="18" charset="0"/>
+              </a:rPr>
+              <a:t>black</a:t>
+            </a:r>
+          </a:p>
+          <a:p>
+            <a:pPr marL="1657350" lvl="3" indent="-285750">
+              <a:lnSpc>
+                <a:spcPct val="150000"/>
+              </a:lnSpc>
+              <a:buFont typeface="Arial" panose="020B0604020202020204" pitchFamily="34" charset="0"/>
+              <a:buChar char="•"/>
+            </a:pPr>
+            <a:r>
+              <a:rPr lang="en-US" dirty="0" smtClean="0">
+                <a:solidFill>
+                  <a:schemeClr val="tx1"/>
+                </a:solidFill>
+                <a:latin typeface="Times New Roman" pitchFamily="18" charset="0"/>
+                <a:cs typeface="Times New Roman" pitchFamily="18" charset="0"/>
+              </a:rPr>
+              <a:t>white</a:t>
+            </a:r>
+          </a:p>
+        </p:txBody>
+      </p:sp>
+      <p:sp>
+        <p:nvSpPr>
+          <p:cNvPr id="6" name="Abgerundetes Rechteck 5"/>
+          <p:cNvSpPr/>
+          <p:nvPr/>
+        </p:nvSpPr>
+        <p:spPr>
+          <a:xfrm>
+            <a:off x="5004048" y="1806371"/>
+            <a:ext cx="1329997" cy="360831"/>
+          </a:xfrm>
+          <a:prstGeom prst="roundRect">
+            <a:avLst/>
+          </a:prstGeom>
+          <a:solidFill>
+            <a:schemeClr val="accent2">
+              <a:lumMod val="60000"/>
+              <a:lumOff val="40000"/>
+            </a:schemeClr>
+          </a:solidFill>
+          <a:ln>
+            <a:solidFill>
+              <a:schemeClr val="tx1"/>
+            </a:solidFill>
+          </a:ln>
+        </p:spPr>
+        <p:style>
+          <a:lnRef idx="2">
+            <a:schemeClr val="accent1">
+              <a:shade val="50000"/>
+            </a:schemeClr>
+          </a:lnRef>
+          <a:fillRef idx="1">
+            <a:schemeClr val="accent1"/>
+          </a:fillRef>
+          <a:effectRef idx="0">
+            <a:schemeClr val="accent1"/>
+          </a:effectRef>
+          <a:fontRef idx="minor">
+            <a:schemeClr val="lt1"/>
+          </a:fontRef>
+        </p:style>
+        <p:txBody>
+          <a:bodyPr rtlCol="0" anchor="ctr"/>
+          <a:lstStyle/>
+          <a:p>
+            <a:pPr algn="r"/>
+            <a:endParaRPr lang="de-DE" sz="2000" cap="small" dirty="0">
+              <a:solidFill>
+                <a:schemeClr val="tx1"/>
+              </a:solidFill>
+              <a:latin typeface="Times New Roman" pitchFamily="18" charset="0"/>
+              <a:cs typeface="Times New Roman" pitchFamily="18" charset="0"/>
+            </a:endParaRPr>
+          </a:p>
+        </p:txBody>
+      </p:sp>
+      <p:sp>
+        <p:nvSpPr>
+          <p:cNvPr id="7" name="Abgerundetes Rechteck 6"/>
+          <p:cNvSpPr/>
+          <p:nvPr/>
+        </p:nvSpPr>
+        <p:spPr>
+          <a:xfrm>
+            <a:off x="5652120" y="2204864"/>
+            <a:ext cx="1329997" cy="360831"/>
+          </a:xfrm>
+          <a:prstGeom prst="roundRect">
+            <a:avLst/>
+          </a:prstGeom>
+          <a:solidFill>
+            <a:schemeClr val="bg1"/>
+          </a:solidFill>
+          <a:ln>
+            <a:solidFill>
+              <a:schemeClr val="tx1"/>
+            </a:solidFill>
+          </a:ln>
+        </p:spPr>
+        <p:style>
+          <a:lnRef idx="2">
+            <a:schemeClr val="accent1">
+              <a:shade val="50000"/>
+            </a:schemeClr>
+          </a:lnRef>
+          <a:fillRef idx="1">
+            <a:schemeClr val="accent1"/>
+          </a:fillRef>
+          <a:effectRef idx="0">
+            <a:schemeClr val="accent1"/>
+          </a:effectRef>
+          <a:fontRef idx="minor">
+            <a:schemeClr val="lt1"/>
+          </a:fontRef>
+        </p:style>
+        <p:txBody>
+          <a:bodyPr rtlCol="0" anchor="ctr"/>
+          <a:lstStyle/>
+          <a:p>
+            <a:pPr algn="r"/>
+            <a:endParaRPr lang="de-DE" sz="2000" cap="small" dirty="0">
+              <a:solidFill>
+                <a:schemeClr val="tx1"/>
+              </a:solidFill>
+              <a:latin typeface="Times New Roman" pitchFamily="18" charset="0"/>
+              <a:cs typeface="Times New Roman" pitchFamily="18" charset="0"/>
+            </a:endParaRPr>
+          </a:p>
+        </p:txBody>
+      </p:sp>
+      <p:sp>
+        <p:nvSpPr>
+          <p:cNvPr id="8" name="Abgerundetes Rechteck 7"/>
+          <p:cNvSpPr/>
+          <p:nvPr/>
+        </p:nvSpPr>
+        <p:spPr>
+          <a:xfrm>
+            <a:off x="6338347" y="2590965"/>
+            <a:ext cx="1329997" cy="360831"/>
+          </a:xfrm>
+          <a:prstGeom prst="roundRect">
+            <a:avLst/>
+          </a:prstGeom>
+          <a:solidFill>
+            <a:schemeClr val="bg2"/>
+          </a:solidFill>
+          <a:ln>
+            <a:solidFill>
+              <a:schemeClr val="tx1"/>
+            </a:solidFill>
+          </a:ln>
+        </p:spPr>
+        <p:style>
+          <a:lnRef idx="2">
+            <a:schemeClr val="accent1">
+              <a:shade val="50000"/>
+            </a:schemeClr>
+          </a:lnRef>
+          <a:fillRef idx="1">
+            <a:schemeClr val="accent1"/>
+          </a:fillRef>
+          <a:effectRef idx="0">
+            <a:schemeClr val="accent1"/>
+          </a:effectRef>
+          <a:fontRef idx="minor">
+            <a:schemeClr val="lt1"/>
+          </a:fontRef>
+        </p:style>
+        <p:txBody>
+          <a:bodyPr rtlCol="0" anchor="ctr"/>
+          <a:lstStyle/>
+          <a:p>
+            <a:pPr algn="r"/>
+            <a:endParaRPr lang="de-DE" sz="2000" cap="small" dirty="0">
+              <a:solidFill>
+                <a:schemeClr val="tx1"/>
+              </a:solidFill>
+              <a:latin typeface="Times New Roman" pitchFamily="18" charset="0"/>
+              <a:cs typeface="Times New Roman" pitchFamily="18" charset="0"/>
+            </a:endParaRPr>
+          </a:p>
+        </p:txBody>
+      </p:sp>
+      <p:sp>
+        <p:nvSpPr>
+          <p:cNvPr id="9" name="Abgerundetes Rechteck 8"/>
+          <p:cNvSpPr/>
+          <p:nvPr/>
+        </p:nvSpPr>
+        <p:spPr>
+          <a:xfrm>
+            <a:off x="5004048" y="3426787"/>
+            <a:ext cx="1329997" cy="360831"/>
+          </a:xfrm>
+          <a:prstGeom prst="roundRect">
+            <a:avLst/>
+          </a:prstGeom>
+          <a:solidFill>
+            <a:schemeClr val="bg1"/>
+          </a:solidFill>
+          <a:ln>
+            <a:solidFill>
+              <a:schemeClr val="tx1"/>
+            </a:solidFill>
+          </a:ln>
+        </p:spPr>
+        <p:style>
+          <a:lnRef idx="2">
+            <a:schemeClr val="accent1">
+              <a:shade val="50000"/>
+            </a:schemeClr>
+          </a:lnRef>
+          <a:fillRef idx="1">
+            <a:schemeClr val="accent1"/>
+          </a:fillRef>
+          <a:effectRef idx="0">
+            <a:schemeClr val="accent1"/>
+          </a:effectRef>
+          <a:fontRef idx="minor">
+            <a:schemeClr val="lt1"/>
+          </a:fontRef>
+        </p:style>
+        <p:txBody>
+          <a:bodyPr rtlCol="0" anchor="ctr"/>
+          <a:lstStyle/>
+          <a:p>
+            <a:pPr algn="ctr"/>
+            <a:r>
+              <a:rPr lang="de-DE" sz="2000" cap="small" dirty="0" smtClean="0">
+                <a:solidFill>
+                  <a:schemeClr val="tx1"/>
+                </a:solidFill>
+                <a:latin typeface="Times New Roman" pitchFamily="18" charset="0"/>
+                <a:cs typeface="Times New Roman" pitchFamily="18" charset="0"/>
+              </a:rPr>
+              <a:t>Black</a:t>
+            </a:r>
+            <a:endParaRPr lang="de-DE" sz="2000" cap="small" dirty="0">
+              <a:solidFill>
+                <a:schemeClr val="tx1"/>
+              </a:solidFill>
+              <a:latin typeface="Times New Roman" pitchFamily="18" charset="0"/>
+              <a:cs typeface="Times New Roman" pitchFamily="18" charset="0"/>
+            </a:endParaRPr>
+          </a:p>
+        </p:txBody>
+      </p:sp>
+      <p:sp>
+        <p:nvSpPr>
+          <p:cNvPr id="10" name="Abgerundetes Rechteck 9"/>
+          <p:cNvSpPr/>
+          <p:nvPr/>
+        </p:nvSpPr>
+        <p:spPr>
+          <a:xfrm>
+            <a:off x="5695713" y="3860257"/>
+            <a:ext cx="1329997" cy="360831"/>
+          </a:xfrm>
+          <a:prstGeom prst="roundRect">
+            <a:avLst/>
+          </a:prstGeom>
+          <a:solidFill>
+            <a:schemeClr val="accent2">
+              <a:lumMod val="60000"/>
+              <a:lumOff val="40000"/>
+            </a:schemeClr>
+          </a:solidFill>
+          <a:ln>
+            <a:solidFill>
+              <a:schemeClr val="tx1"/>
+            </a:solidFill>
+          </a:ln>
+        </p:spPr>
+        <p:style>
+          <a:lnRef idx="2">
+            <a:schemeClr val="accent1">
+              <a:shade val="50000"/>
+            </a:schemeClr>
+          </a:lnRef>
+          <a:fillRef idx="1">
+            <a:schemeClr val="accent1"/>
+          </a:fillRef>
+          <a:effectRef idx="0">
+            <a:schemeClr val="accent1"/>
+          </a:effectRef>
+          <a:fontRef idx="minor">
+            <a:schemeClr val="lt1"/>
+          </a:fontRef>
+        </p:style>
+        <p:txBody>
+          <a:bodyPr rtlCol="0" anchor="ctr"/>
+          <a:lstStyle/>
+          <a:p>
+            <a:pPr algn="ctr"/>
+            <a:r>
+              <a:rPr lang="de-DE" sz="2000" cap="small" dirty="0" smtClean="0">
+                <a:solidFill>
+                  <a:schemeClr val="bg1"/>
+                </a:solidFill>
+                <a:latin typeface="Times New Roman" pitchFamily="18" charset="0"/>
+                <a:cs typeface="Times New Roman" pitchFamily="18" charset="0"/>
+              </a:rPr>
+              <a:t>White</a:t>
+            </a:r>
+            <a:endParaRPr lang="de-DE" sz="2000" cap="small" dirty="0">
+              <a:solidFill>
+                <a:schemeClr val="bg1"/>
+              </a:solidFill>
+              <a:latin typeface="Times New Roman" pitchFamily="18" charset="0"/>
+              <a:cs typeface="Times New Roman" pitchFamily="18" charset="0"/>
+            </a:endParaRPr>
           </a:p>
         </p:txBody>
       </p:sp>
@@ -19611,11 +19715,11 @@
   <p:clrMapOvr>
     <a:masterClrMapping/>
   </p:clrMapOvr>
-  <mc:AlternateContent xmlns:mc="http://schemas.openxmlformats.org/markup-compatibility/2006">
-    <mc:Choice xmlns:p14="http://schemas.microsoft.com/office/powerpoint/2010/main" Requires="p14">
+  <mc:AlternateContent xmlns:mc="http://schemas.openxmlformats.org/markup-compatibility/2006" xmlns:p14="http://schemas.microsoft.com/office/powerpoint/2010/main">
+    <mc:Choice Requires="p14">
       <p:transition spd="slow" p14:dur="2000"/>
     </mc:Choice>
-    <mc:Fallback>
+    <mc:Fallback xmlns="">
       <p:transition spd="slow"/>
     </mc:Fallback>
   </mc:AlternateContent>
@@ -19630,6 +19734,2087 @@
 </file>
 
 <file path=ppt/slides/slide28.xml><?xml version="1.0" encoding="utf-8"?>
+<p:sld xmlns:a="http://schemas.openxmlformats.org/drawingml/2006/main" xmlns:r="http://schemas.openxmlformats.org/officeDocument/2006/relationships" xmlns:p="http://schemas.openxmlformats.org/presentationml/2006/main">
+  <p:cSld>
+    <p:spTree>
+      <p:nvGrpSpPr>
+        <p:cNvPr id="1" name=""/>
+        <p:cNvGrpSpPr/>
+        <p:nvPr/>
+      </p:nvGrpSpPr>
+      <p:grpSpPr>
+        <a:xfrm>
+          <a:off x="0" y="0"/>
+          <a:ext cx="0" cy="0"/>
+          <a:chOff x="0" y="0"/>
+          <a:chExt cx="0" cy="0"/>
+        </a:xfrm>
+      </p:grpSpPr>
+      <p:sp>
+        <p:nvSpPr>
+          <p:cNvPr id="4" name="Rechteck 3"/>
+          <p:cNvSpPr/>
+          <p:nvPr/>
+        </p:nvSpPr>
+        <p:spPr>
+          <a:xfrm>
+            <a:off x="0" y="0"/>
+            <a:ext cx="9144000" cy="620688"/>
+          </a:xfrm>
+          <a:prstGeom prst="rect">
+            <a:avLst/>
+          </a:prstGeom>
+          <a:solidFill>
+            <a:schemeClr val="accent2">
+              <a:lumMod val="60000"/>
+              <a:lumOff val="40000"/>
+            </a:schemeClr>
+          </a:solidFill>
+          <a:ln>
+            <a:noFill/>
+          </a:ln>
+        </p:spPr>
+        <p:style>
+          <a:lnRef idx="2">
+            <a:schemeClr val="accent1">
+              <a:shade val="50000"/>
+            </a:schemeClr>
+          </a:lnRef>
+          <a:fillRef idx="1">
+            <a:schemeClr val="accent1"/>
+          </a:fillRef>
+          <a:effectRef idx="0">
+            <a:schemeClr val="accent1"/>
+          </a:effectRef>
+          <a:fontRef idx="minor">
+            <a:schemeClr val="lt1"/>
+          </a:fontRef>
+        </p:style>
+        <p:txBody>
+          <a:bodyPr rtlCol="0" anchor="ctr"/>
+          <a:lstStyle/>
+          <a:p>
+            <a:pPr algn="r"/>
+            <a:r>
+              <a:rPr lang="de-DE" sz="2000" cap="small" dirty="0">
+                <a:solidFill>
+                  <a:schemeClr val="tx1"/>
+                </a:solidFill>
+                <a:latin typeface="Times New Roman" pitchFamily="18" charset="0"/>
+                <a:cs typeface="Times New Roman" pitchFamily="18" charset="0"/>
+              </a:rPr>
+              <a:t>Daily </a:t>
+            </a:r>
+            <a:r>
+              <a:rPr lang="de-DE" sz="2000" cap="small" dirty="0" err="1">
+                <a:solidFill>
+                  <a:schemeClr val="tx1"/>
+                </a:solidFill>
+                <a:latin typeface="Times New Roman" pitchFamily="18" charset="0"/>
+                <a:cs typeface="Times New Roman" pitchFamily="18" charset="0"/>
+              </a:rPr>
+              <a:t>Scrum</a:t>
+            </a:r>
+            <a:endParaRPr lang="de-DE" sz="2000" cap="small" dirty="0">
+              <a:solidFill>
+                <a:schemeClr val="tx1"/>
+              </a:solidFill>
+              <a:latin typeface="Times New Roman" pitchFamily="18" charset="0"/>
+              <a:cs typeface="Times New Roman" pitchFamily="18" charset="0"/>
+            </a:endParaRPr>
+          </a:p>
+        </p:txBody>
+      </p:sp>
+      <p:sp>
+        <p:nvSpPr>
+          <p:cNvPr id="5" name="Rechteck 4"/>
+          <p:cNvSpPr/>
+          <p:nvPr/>
+        </p:nvSpPr>
+        <p:spPr>
+          <a:xfrm>
+            <a:off x="0" y="6237312"/>
+            <a:ext cx="9144000" cy="620688"/>
+          </a:xfrm>
+          <a:prstGeom prst="rect">
+            <a:avLst/>
+          </a:prstGeom>
+          <a:solidFill>
+            <a:schemeClr val="accent2">
+              <a:lumMod val="60000"/>
+              <a:lumOff val="40000"/>
+            </a:schemeClr>
+          </a:solidFill>
+          <a:ln>
+            <a:noFill/>
+          </a:ln>
+        </p:spPr>
+        <p:style>
+          <a:lnRef idx="2">
+            <a:schemeClr val="accent1">
+              <a:shade val="50000"/>
+            </a:schemeClr>
+          </a:lnRef>
+          <a:fillRef idx="1">
+            <a:schemeClr val="accent1"/>
+          </a:fillRef>
+          <a:effectRef idx="0">
+            <a:schemeClr val="accent1"/>
+          </a:effectRef>
+          <a:fontRef idx="minor">
+            <a:schemeClr val="lt1"/>
+          </a:fontRef>
+        </p:style>
+        <p:txBody>
+          <a:bodyPr rtlCol="0" anchor="ctr"/>
+          <a:lstStyle/>
+          <a:p>
+            <a:pPr algn="ctr"/>
+            <a:endParaRPr lang="de-DE">
+              <a:latin typeface="Times New Roman" pitchFamily="18" charset="0"/>
+              <a:cs typeface="Times New Roman" pitchFamily="18" charset="0"/>
+            </a:endParaRPr>
+          </a:p>
+        </p:txBody>
+      </p:sp>
+      <p:sp>
+        <p:nvSpPr>
+          <p:cNvPr id="70" name="Rechteck 69"/>
+          <p:cNvSpPr/>
+          <p:nvPr/>
+        </p:nvSpPr>
+        <p:spPr>
+          <a:xfrm>
+            <a:off x="395536" y="908720"/>
+            <a:ext cx="8136904" cy="790035"/>
+          </a:xfrm>
+          <a:prstGeom prst="rect">
+            <a:avLst/>
+          </a:prstGeom>
+          <a:noFill/>
+          <a:ln>
+            <a:noFill/>
+          </a:ln>
+        </p:spPr>
+        <p:style>
+          <a:lnRef idx="2">
+            <a:schemeClr val="accent1">
+              <a:shade val="50000"/>
+            </a:schemeClr>
+          </a:lnRef>
+          <a:fillRef idx="1">
+            <a:schemeClr val="accent1"/>
+          </a:fillRef>
+          <a:effectRef idx="0">
+            <a:schemeClr val="accent1"/>
+          </a:effectRef>
+          <a:fontRef idx="minor">
+            <a:schemeClr val="lt1"/>
+          </a:fontRef>
+        </p:style>
+        <p:txBody>
+          <a:bodyPr rtlCol="0" anchor="t"/>
+          <a:lstStyle/>
+          <a:p>
+            <a:pPr marL="285750" indent="-285750">
+              <a:lnSpc>
+                <a:spcPct val="150000"/>
+              </a:lnSpc>
+              <a:buFont typeface="Arial" panose="020B0604020202020204" pitchFamily="34" charset="0"/>
+              <a:buChar char="•"/>
+            </a:pPr>
+            <a:r>
+              <a:rPr lang="en-US" b="1" dirty="0" err="1" smtClean="0">
+                <a:solidFill>
+                  <a:schemeClr val="tx1"/>
+                </a:solidFill>
+                <a:latin typeface="Times New Roman" pitchFamily="18" charset="0"/>
+                <a:cs typeface="Times New Roman" pitchFamily="18" charset="0"/>
+              </a:rPr>
+              <a:t>MokUp</a:t>
+            </a:r>
+            <a:endParaRPr lang="en-US" b="1" dirty="0" smtClean="0">
+              <a:solidFill>
+                <a:schemeClr val="tx1"/>
+              </a:solidFill>
+              <a:latin typeface="Times New Roman" pitchFamily="18" charset="0"/>
+              <a:cs typeface="Times New Roman" pitchFamily="18" charset="0"/>
+            </a:endParaRPr>
+          </a:p>
+          <a:p>
+            <a:pPr marL="742950" lvl="1" indent="-285750">
+              <a:lnSpc>
+                <a:spcPct val="150000"/>
+              </a:lnSpc>
+              <a:buFont typeface="Arial" panose="020B0604020202020204" pitchFamily="34" charset="0"/>
+              <a:buChar char="•"/>
+            </a:pPr>
+            <a:r>
+              <a:rPr lang="en-US" dirty="0" smtClean="0">
+                <a:solidFill>
+                  <a:schemeClr val="tx1"/>
+                </a:solidFill>
+                <a:latin typeface="Times New Roman" pitchFamily="18" charset="0"/>
+                <a:cs typeface="Times New Roman" pitchFamily="18" charset="0"/>
+              </a:rPr>
+              <a:t>Defined GUI-Elements</a:t>
+            </a:r>
+          </a:p>
+          <a:p>
+            <a:pPr marL="1200150" lvl="2" indent="-285750">
+              <a:lnSpc>
+                <a:spcPct val="150000"/>
+              </a:lnSpc>
+              <a:buFont typeface="Arial" panose="020B0604020202020204" pitchFamily="34" charset="0"/>
+              <a:buChar char="•"/>
+            </a:pPr>
+            <a:r>
+              <a:rPr lang="en-US" dirty="0" smtClean="0">
+                <a:solidFill>
+                  <a:schemeClr val="tx1"/>
+                </a:solidFill>
+                <a:latin typeface="Times New Roman" pitchFamily="18" charset="0"/>
+                <a:cs typeface="Times New Roman" pitchFamily="18" charset="0"/>
+              </a:rPr>
+              <a:t>Buttons</a:t>
+            </a:r>
+          </a:p>
+          <a:p>
+            <a:pPr marL="1200150" lvl="2" indent="-285750">
+              <a:lnSpc>
+                <a:spcPct val="150000"/>
+              </a:lnSpc>
+              <a:buFont typeface="Arial" panose="020B0604020202020204" pitchFamily="34" charset="0"/>
+              <a:buChar char="•"/>
+            </a:pPr>
+            <a:r>
+              <a:rPr lang="en-US" dirty="0" smtClean="0">
+                <a:solidFill>
+                  <a:schemeClr val="tx1"/>
+                </a:solidFill>
+                <a:latin typeface="Times New Roman" pitchFamily="18" charset="0"/>
+                <a:cs typeface="Times New Roman" pitchFamily="18" charset="0"/>
+              </a:rPr>
+              <a:t>Tables</a:t>
+            </a:r>
+          </a:p>
+          <a:p>
+            <a:pPr marL="1657350" lvl="3" indent="-285750">
+              <a:lnSpc>
+                <a:spcPct val="150000"/>
+              </a:lnSpc>
+              <a:buFont typeface="Arial" panose="020B0604020202020204" pitchFamily="34" charset="0"/>
+              <a:buChar char="•"/>
+            </a:pPr>
+            <a:r>
+              <a:rPr lang="en-US" dirty="0" smtClean="0">
+                <a:solidFill>
+                  <a:schemeClr val="tx1"/>
+                </a:solidFill>
+                <a:latin typeface="Times New Roman" pitchFamily="18" charset="0"/>
+                <a:cs typeface="Times New Roman" pitchFamily="18" charset="0"/>
+              </a:rPr>
+              <a:t>Header</a:t>
+            </a:r>
+          </a:p>
+          <a:p>
+            <a:pPr marL="1657350" lvl="3" indent="-285750">
+              <a:lnSpc>
+                <a:spcPct val="150000"/>
+              </a:lnSpc>
+              <a:buFont typeface="Arial" panose="020B0604020202020204" pitchFamily="34" charset="0"/>
+              <a:buChar char="•"/>
+            </a:pPr>
+            <a:r>
+              <a:rPr lang="en-US" dirty="0" smtClean="0">
+                <a:solidFill>
+                  <a:schemeClr val="tx1"/>
+                </a:solidFill>
+                <a:latin typeface="Times New Roman" pitchFamily="18" charset="0"/>
+                <a:cs typeface="Times New Roman" pitchFamily="18" charset="0"/>
+              </a:rPr>
+              <a:t>Data</a:t>
+            </a:r>
+          </a:p>
+          <a:p>
+            <a:pPr marL="1200150" lvl="2" indent="-285750">
+              <a:lnSpc>
+                <a:spcPct val="150000"/>
+              </a:lnSpc>
+              <a:buFont typeface="Arial" panose="020B0604020202020204" pitchFamily="34" charset="0"/>
+              <a:buChar char="•"/>
+            </a:pPr>
+            <a:r>
+              <a:rPr lang="en-US" dirty="0" smtClean="0">
+                <a:solidFill>
+                  <a:schemeClr val="tx1"/>
+                </a:solidFill>
+                <a:latin typeface="Times New Roman" pitchFamily="18" charset="0"/>
+                <a:cs typeface="Times New Roman" pitchFamily="18" charset="0"/>
+              </a:rPr>
+              <a:t>1x Dropdown Box</a:t>
+            </a:r>
+          </a:p>
+          <a:p>
+            <a:pPr marL="1657350" lvl="3" indent="-285750">
+              <a:lnSpc>
+                <a:spcPct val="150000"/>
+              </a:lnSpc>
+              <a:buFont typeface="Arial" panose="020B0604020202020204" pitchFamily="34" charset="0"/>
+              <a:buChar char="•"/>
+            </a:pPr>
+            <a:r>
+              <a:rPr lang="en-US" dirty="0" smtClean="0">
+                <a:solidFill>
+                  <a:schemeClr val="tx1"/>
+                </a:solidFill>
+                <a:latin typeface="Times New Roman" pitchFamily="18" charset="0"/>
+                <a:cs typeface="Times New Roman" pitchFamily="18" charset="0"/>
+              </a:rPr>
+              <a:t>Category on </a:t>
+            </a:r>
+            <a:r>
+              <a:rPr lang="en-US" dirty="0" err="1" smtClean="0">
+                <a:solidFill>
+                  <a:schemeClr val="tx1"/>
+                </a:solidFill>
+                <a:latin typeface="Times New Roman" pitchFamily="18" charset="0"/>
+                <a:cs typeface="Times New Roman" pitchFamily="18" charset="0"/>
+              </a:rPr>
+              <a:t>EditView</a:t>
+            </a:r>
+            <a:endParaRPr lang="en-US" dirty="0" smtClean="0">
+              <a:solidFill>
+                <a:schemeClr val="tx1"/>
+              </a:solidFill>
+              <a:latin typeface="Times New Roman" pitchFamily="18" charset="0"/>
+              <a:cs typeface="Times New Roman" pitchFamily="18" charset="0"/>
+            </a:endParaRPr>
+          </a:p>
+          <a:p>
+            <a:pPr marL="1200150" lvl="2" indent="-285750">
+              <a:lnSpc>
+                <a:spcPct val="150000"/>
+              </a:lnSpc>
+              <a:buFont typeface="Arial" panose="020B0604020202020204" pitchFamily="34" charset="0"/>
+              <a:buChar char="•"/>
+            </a:pPr>
+            <a:r>
+              <a:rPr lang="en-US" dirty="0" smtClean="0">
+                <a:solidFill>
+                  <a:schemeClr val="tx1"/>
+                </a:solidFill>
+                <a:latin typeface="Times New Roman" pitchFamily="18" charset="0"/>
+                <a:cs typeface="Times New Roman" pitchFamily="18" charset="0"/>
+              </a:rPr>
+              <a:t>1x Undefined very fancy element to choose different reports</a:t>
+            </a:r>
+          </a:p>
+        </p:txBody>
+      </p:sp>
+      <p:sp>
+        <p:nvSpPr>
+          <p:cNvPr id="6" name="Abgerundetes Rechteck 5"/>
+          <p:cNvSpPr/>
+          <p:nvPr/>
+        </p:nvSpPr>
+        <p:spPr>
+          <a:xfrm>
+            <a:off x="5004048" y="1806371"/>
+            <a:ext cx="1329997" cy="360831"/>
+          </a:xfrm>
+          <a:prstGeom prst="roundRect">
+            <a:avLst/>
+          </a:prstGeom>
+          <a:solidFill>
+            <a:schemeClr val="accent2">
+              <a:lumMod val="60000"/>
+              <a:lumOff val="40000"/>
+            </a:schemeClr>
+          </a:solidFill>
+          <a:ln>
+            <a:solidFill>
+              <a:schemeClr val="bg1"/>
+            </a:solidFill>
+          </a:ln>
+        </p:spPr>
+        <p:style>
+          <a:lnRef idx="2">
+            <a:schemeClr val="accent1">
+              <a:shade val="50000"/>
+            </a:schemeClr>
+          </a:lnRef>
+          <a:fillRef idx="1">
+            <a:schemeClr val="accent1"/>
+          </a:fillRef>
+          <a:effectRef idx="0">
+            <a:schemeClr val="accent1"/>
+          </a:effectRef>
+          <a:fontRef idx="minor">
+            <a:schemeClr val="lt1"/>
+          </a:fontRef>
+        </p:style>
+        <p:txBody>
+          <a:bodyPr rtlCol="0" anchor="ctr"/>
+          <a:lstStyle/>
+          <a:p>
+            <a:pPr algn="r"/>
+            <a:r>
+              <a:rPr lang="de-DE" sz="2000" cap="small" dirty="0" smtClean="0">
+                <a:solidFill>
+                  <a:schemeClr val="bg1"/>
+                </a:solidFill>
+                <a:latin typeface="Times New Roman" pitchFamily="18" charset="0"/>
+                <a:cs typeface="Times New Roman" pitchFamily="18" charset="0"/>
+              </a:rPr>
+              <a:t>Click </a:t>
+            </a:r>
+            <a:r>
+              <a:rPr lang="de-DE" sz="2000" cap="small" dirty="0" err="1" smtClean="0">
+                <a:solidFill>
+                  <a:schemeClr val="bg1"/>
+                </a:solidFill>
+                <a:latin typeface="Times New Roman" pitchFamily="18" charset="0"/>
+                <a:cs typeface="Times New Roman" pitchFamily="18" charset="0"/>
+              </a:rPr>
+              <a:t>Me</a:t>
+            </a:r>
+            <a:endParaRPr lang="de-DE" sz="2000" cap="small" dirty="0">
+              <a:solidFill>
+                <a:schemeClr val="bg1"/>
+              </a:solidFill>
+              <a:latin typeface="Times New Roman" pitchFamily="18" charset="0"/>
+              <a:cs typeface="Times New Roman" pitchFamily="18" charset="0"/>
+            </a:endParaRPr>
+          </a:p>
+        </p:txBody>
+      </p:sp>
+      <p:sp>
+        <p:nvSpPr>
+          <p:cNvPr id="11" name="Abgerundetes Rechteck 10"/>
+          <p:cNvSpPr/>
+          <p:nvPr/>
+        </p:nvSpPr>
+        <p:spPr>
+          <a:xfrm>
+            <a:off x="4996491" y="2594174"/>
+            <a:ext cx="1329997" cy="360831"/>
+          </a:xfrm>
+          <a:prstGeom prst="roundRect">
+            <a:avLst/>
+          </a:prstGeom>
+          <a:solidFill>
+            <a:schemeClr val="accent2">
+              <a:lumMod val="60000"/>
+              <a:lumOff val="40000"/>
+            </a:schemeClr>
+          </a:solidFill>
+          <a:ln>
+            <a:solidFill>
+              <a:schemeClr val="bg1"/>
+            </a:solidFill>
+          </a:ln>
+        </p:spPr>
+        <p:style>
+          <a:lnRef idx="2">
+            <a:schemeClr val="accent1">
+              <a:shade val="50000"/>
+            </a:schemeClr>
+          </a:lnRef>
+          <a:fillRef idx="1">
+            <a:schemeClr val="accent1"/>
+          </a:fillRef>
+          <a:effectRef idx="0">
+            <a:schemeClr val="accent1"/>
+          </a:effectRef>
+          <a:fontRef idx="minor">
+            <a:schemeClr val="lt1"/>
+          </a:fontRef>
+        </p:style>
+        <p:txBody>
+          <a:bodyPr rtlCol="0" anchor="ctr"/>
+          <a:lstStyle/>
+          <a:p>
+            <a:pPr algn="ctr"/>
+            <a:r>
+              <a:rPr lang="de-DE" sz="2000" cap="small" dirty="0" err="1" smtClean="0">
+                <a:solidFill>
+                  <a:schemeClr val="bg1"/>
+                </a:solidFill>
+                <a:latin typeface="Times New Roman" pitchFamily="18" charset="0"/>
+                <a:cs typeface="Times New Roman" pitchFamily="18" charset="0"/>
+              </a:rPr>
+              <a:t>Column</a:t>
+            </a:r>
+            <a:r>
+              <a:rPr lang="de-DE" sz="2000" cap="small" dirty="0" smtClean="0">
+                <a:solidFill>
+                  <a:schemeClr val="bg1"/>
+                </a:solidFill>
+                <a:latin typeface="Times New Roman" pitchFamily="18" charset="0"/>
+                <a:cs typeface="Times New Roman" pitchFamily="18" charset="0"/>
+              </a:rPr>
+              <a:t> </a:t>
+            </a:r>
+            <a:endParaRPr lang="de-DE" sz="2000" cap="small" dirty="0">
+              <a:solidFill>
+                <a:schemeClr val="bg1"/>
+              </a:solidFill>
+              <a:latin typeface="Times New Roman" pitchFamily="18" charset="0"/>
+              <a:cs typeface="Times New Roman" pitchFamily="18" charset="0"/>
+            </a:endParaRPr>
+          </a:p>
+        </p:txBody>
+      </p:sp>
+      <p:sp>
+        <p:nvSpPr>
+          <p:cNvPr id="12" name="Abgerundetes Rechteck 11"/>
+          <p:cNvSpPr/>
+          <p:nvPr/>
+        </p:nvSpPr>
+        <p:spPr>
+          <a:xfrm>
+            <a:off x="6311481" y="2598771"/>
+            <a:ext cx="1329997" cy="360831"/>
+          </a:xfrm>
+          <a:prstGeom prst="roundRect">
+            <a:avLst/>
+          </a:prstGeom>
+          <a:solidFill>
+            <a:schemeClr val="accent2">
+              <a:lumMod val="60000"/>
+              <a:lumOff val="40000"/>
+            </a:schemeClr>
+          </a:solidFill>
+          <a:ln>
+            <a:solidFill>
+              <a:schemeClr val="bg1"/>
+            </a:solidFill>
+          </a:ln>
+        </p:spPr>
+        <p:style>
+          <a:lnRef idx="2">
+            <a:schemeClr val="accent1">
+              <a:shade val="50000"/>
+            </a:schemeClr>
+          </a:lnRef>
+          <a:fillRef idx="1">
+            <a:schemeClr val="accent1"/>
+          </a:fillRef>
+          <a:effectRef idx="0">
+            <a:schemeClr val="accent1"/>
+          </a:effectRef>
+          <a:fontRef idx="minor">
+            <a:schemeClr val="lt1"/>
+          </a:fontRef>
+        </p:style>
+        <p:txBody>
+          <a:bodyPr rtlCol="0" anchor="ctr"/>
+          <a:lstStyle/>
+          <a:p>
+            <a:pPr algn="ctr"/>
+            <a:r>
+              <a:rPr lang="de-DE" sz="2000" cap="small" dirty="0" err="1" smtClean="0">
+                <a:solidFill>
+                  <a:schemeClr val="bg1"/>
+                </a:solidFill>
+                <a:latin typeface="Times New Roman" pitchFamily="18" charset="0"/>
+                <a:cs typeface="Times New Roman" pitchFamily="18" charset="0"/>
+              </a:rPr>
+              <a:t>Column</a:t>
+            </a:r>
+            <a:r>
+              <a:rPr lang="de-DE" sz="2000" cap="small" dirty="0" smtClean="0">
+                <a:solidFill>
+                  <a:schemeClr val="bg1"/>
+                </a:solidFill>
+                <a:latin typeface="Times New Roman" pitchFamily="18" charset="0"/>
+                <a:cs typeface="Times New Roman" pitchFamily="18" charset="0"/>
+              </a:rPr>
+              <a:t> </a:t>
+            </a:r>
+            <a:endParaRPr lang="de-DE" sz="2000" cap="small" dirty="0">
+              <a:solidFill>
+                <a:schemeClr val="bg1"/>
+              </a:solidFill>
+              <a:latin typeface="Times New Roman" pitchFamily="18" charset="0"/>
+              <a:cs typeface="Times New Roman" pitchFamily="18" charset="0"/>
+            </a:endParaRPr>
+          </a:p>
+        </p:txBody>
+      </p:sp>
+      <p:sp>
+        <p:nvSpPr>
+          <p:cNvPr id="13" name="Abgerundetes Rechteck 12"/>
+          <p:cNvSpPr/>
+          <p:nvPr/>
+        </p:nvSpPr>
+        <p:spPr>
+          <a:xfrm>
+            <a:off x="4990018" y="2962210"/>
+            <a:ext cx="1329997" cy="360831"/>
+          </a:xfrm>
+          <a:prstGeom prst="roundRect">
+            <a:avLst/>
+          </a:prstGeom>
+          <a:solidFill>
+            <a:schemeClr val="bg2"/>
+          </a:solidFill>
+          <a:ln>
+            <a:solidFill>
+              <a:schemeClr val="bg1"/>
+            </a:solidFill>
+          </a:ln>
+        </p:spPr>
+        <p:style>
+          <a:lnRef idx="2">
+            <a:schemeClr val="accent1">
+              <a:shade val="50000"/>
+            </a:schemeClr>
+          </a:lnRef>
+          <a:fillRef idx="1">
+            <a:schemeClr val="accent1"/>
+          </a:fillRef>
+          <a:effectRef idx="0">
+            <a:schemeClr val="accent1"/>
+          </a:effectRef>
+          <a:fontRef idx="minor">
+            <a:schemeClr val="lt1"/>
+          </a:fontRef>
+        </p:style>
+        <p:txBody>
+          <a:bodyPr rtlCol="0" anchor="ctr"/>
+          <a:lstStyle/>
+          <a:p>
+            <a:pPr algn="ctr"/>
+            <a:r>
+              <a:rPr lang="de-DE" sz="2000" cap="small" dirty="0" smtClean="0">
+                <a:solidFill>
+                  <a:schemeClr val="tx1"/>
+                </a:solidFill>
+                <a:latin typeface="Times New Roman" pitchFamily="18" charset="0"/>
+                <a:cs typeface="Times New Roman" pitchFamily="18" charset="0"/>
+              </a:rPr>
+              <a:t>Data</a:t>
+            </a:r>
+            <a:endParaRPr lang="de-DE" sz="2000" cap="small" dirty="0">
+              <a:solidFill>
+                <a:schemeClr val="tx1"/>
+              </a:solidFill>
+              <a:latin typeface="Times New Roman" pitchFamily="18" charset="0"/>
+              <a:cs typeface="Times New Roman" pitchFamily="18" charset="0"/>
+            </a:endParaRPr>
+          </a:p>
+        </p:txBody>
+      </p:sp>
+      <p:sp>
+        <p:nvSpPr>
+          <p:cNvPr id="14" name="Abgerundetes Rechteck 13"/>
+          <p:cNvSpPr/>
+          <p:nvPr/>
+        </p:nvSpPr>
+        <p:spPr>
+          <a:xfrm>
+            <a:off x="6315755" y="2974374"/>
+            <a:ext cx="1329997" cy="360831"/>
+          </a:xfrm>
+          <a:prstGeom prst="roundRect">
+            <a:avLst/>
+          </a:prstGeom>
+          <a:solidFill>
+            <a:schemeClr val="bg2"/>
+          </a:solidFill>
+          <a:ln>
+            <a:solidFill>
+              <a:schemeClr val="bg1"/>
+            </a:solidFill>
+          </a:ln>
+        </p:spPr>
+        <p:style>
+          <a:lnRef idx="2">
+            <a:schemeClr val="accent1">
+              <a:shade val="50000"/>
+            </a:schemeClr>
+          </a:lnRef>
+          <a:fillRef idx="1">
+            <a:schemeClr val="accent1"/>
+          </a:fillRef>
+          <a:effectRef idx="0">
+            <a:schemeClr val="accent1"/>
+          </a:effectRef>
+          <a:fontRef idx="minor">
+            <a:schemeClr val="lt1"/>
+          </a:fontRef>
+        </p:style>
+        <p:txBody>
+          <a:bodyPr rtlCol="0" anchor="ctr"/>
+          <a:lstStyle/>
+          <a:p>
+            <a:pPr algn="ctr"/>
+            <a:r>
+              <a:rPr lang="de-DE" sz="2000" cap="small" dirty="0" smtClean="0">
+                <a:solidFill>
+                  <a:schemeClr val="tx1"/>
+                </a:solidFill>
+                <a:latin typeface="Times New Roman" pitchFamily="18" charset="0"/>
+                <a:cs typeface="Times New Roman" pitchFamily="18" charset="0"/>
+              </a:rPr>
+              <a:t>Data</a:t>
+            </a:r>
+            <a:endParaRPr lang="de-DE" sz="2000" cap="small" dirty="0">
+              <a:solidFill>
+                <a:schemeClr val="tx1"/>
+              </a:solidFill>
+              <a:latin typeface="Times New Roman" pitchFamily="18" charset="0"/>
+              <a:cs typeface="Times New Roman" pitchFamily="18" charset="0"/>
+            </a:endParaRPr>
+          </a:p>
+        </p:txBody>
+      </p:sp>
+    </p:spTree>
+    <p:extLst>
+      <p:ext uri="{BB962C8B-B14F-4D97-AF65-F5344CB8AC3E}">
+        <p14:creationId xmlns:p14="http://schemas.microsoft.com/office/powerpoint/2010/main" val="3524643301"/>
+      </p:ext>
+    </p:extLst>
+  </p:cSld>
+  <p:clrMapOvr>
+    <a:masterClrMapping/>
+  </p:clrMapOvr>
+  <mc:AlternateContent xmlns:mc="http://schemas.openxmlformats.org/markup-compatibility/2006" xmlns:p14="http://schemas.microsoft.com/office/powerpoint/2010/main">
+    <mc:Choice Requires="p14">
+      <p:transition spd="slow" p14:dur="2000"/>
+    </mc:Choice>
+    <mc:Fallback xmlns="">
+      <p:transition spd="slow"/>
+    </mc:Fallback>
+  </mc:AlternateContent>
+  <p:timing>
+    <p:tnLst>
+      <p:par>
+        <p:cTn id="1" dur="indefinite" restart="never" nodeType="tmRoot"/>
+      </p:par>
+    </p:tnLst>
+  </p:timing>
+</p:sld>
+</file>
+
+<file path=ppt/slides/slide29.xml><?xml version="1.0" encoding="utf-8"?>
+<p:sld xmlns:a="http://schemas.openxmlformats.org/drawingml/2006/main" xmlns:r="http://schemas.openxmlformats.org/officeDocument/2006/relationships" xmlns:p="http://schemas.openxmlformats.org/presentationml/2006/main">
+  <p:cSld>
+    <p:spTree>
+      <p:nvGrpSpPr>
+        <p:cNvPr id="1" name=""/>
+        <p:cNvGrpSpPr/>
+        <p:nvPr/>
+      </p:nvGrpSpPr>
+      <p:grpSpPr>
+        <a:xfrm>
+          <a:off x="0" y="0"/>
+          <a:ext cx="0" cy="0"/>
+          <a:chOff x="0" y="0"/>
+          <a:chExt cx="0" cy="0"/>
+        </a:xfrm>
+      </p:grpSpPr>
+      <p:sp>
+        <p:nvSpPr>
+          <p:cNvPr id="4" name="Rechteck 3"/>
+          <p:cNvSpPr/>
+          <p:nvPr/>
+        </p:nvSpPr>
+        <p:spPr>
+          <a:xfrm>
+            <a:off x="0" y="0"/>
+            <a:ext cx="9144000" cy="620688"/>
+          </a:xfrm>
+          <a:prstGeom prst="rect">
+            <a:avLst/>
+          </a:prstGeom>
+          <a:solidFill>
+            <a:schemeClr val="accent2">
+              <a:lumMod val="60000"/>
+              <a:lumOff val="40000"/>
+            </a:schemeClr>
+          </a:solidFill>
+          <a:ln>
+            <a:noFill/>
+          </a:ln>
+        </p:spPr>
+        <p:style>
+          <a:lnRef idx="2">
+            <a:schemeClr val="accent1">
+              <a:shade val="50000"/>
+            </a:schemeClr>
+          </a:lnRef>
+          <a:fillRef idx="1">
+            <a:schemeClr val="accent1"/>
+          </a:fillRef>
+          <a:effectRef idx="0">
+            <a:schemeClr val="accent1"/>
+          </a:effectRef>
+          <a:fontRef idx="minor">
+            <a:schemeClr val="lt1"/>
+          </a:fontRef>
+        </p:style>
+        <p:txBody>
+          <a:bodyPr rtlCol="0" anchor="ctr"/>
+          <a:lstStyle/>
+          <a:p>
+            <a:pPr algn="r"/>
+            <a:r>
+              <a:rPr lang="de-DE" sz="2000" cap="small" dirty="0" smtClean="0">
+                <a:solidFill>
+                  <a:schemeClr val="tx1"/>
+                </a:solidFill>
+                <a:latin typeface="Times New Roman" pitchFamily="18" charset="0"/>
+                <a:cs typeface="Times New Roman" pitchFamily="18" charset="0"/>
+              </a:rPr>
+              <a:t>Daily </a:t>
+            </a:r>
+            <a:r>
+              <a:rPr lang="de-DE" sz="2000" cap="small" dirty="0" err="1" smtClean="0">
+                <a:solidFill>
+                  <a:schemeClr val="tx1"/>
+                </a:solidFill>
+                <a:latin typeface="Times New Roman" pitchFamily="18" charset="0"/>
+                <a:cs typeface="Times New Roman" pitchFamily="18" charset="0"/>
+              </a:rPr>
+              <a:t>Scrum</a:t>
+            </a:r>
+            <a:endParaRPr lang="de-DE" sz="2000" cap="small" dirty="0">
+              <a:solidFill>
+                <a:schemeClr val="tx1"/>
+              </a:solidFill>
+              <a:latin typeface="Times New Roman" pitchFamily="18" charset="0"/>
+              <a:cs typeface="Times New Roman" pitchFamily="18" charset="0"/>
+            </a:endParaRPr>
+          </a:p>
+        </p:txBody>
+      </p:sp>
+      <p:sp>
+        <p:nvSpPr>
+          <p:cNvPr id="5" name="Rechteck 4"/>
+          <p:cNvSpPr/>
+          <p:nvPr/>
+        </p:nvSpPr>
+        <p:spPr>
+          <a:xfrm>
+            <a:off x="0" y="6237312"/>
+            <a:ext cx="9144000" cy="620688"/>
+          </a:xfrm>
+          <a:prstGeom prst="rect">
+            <a:avLst/>
+          </a:prstGeom>
+          <a:solidFill>
+            <a:schemeClr val="accent2">
+              <a:lumMod val="60000"/>
+              <a:lumOff val="40000"/>
+            </a:schemeClr>
+          </a:solidFill>
+          <a:ln>
+            <a:noFill/>
+          </a:ln>
+        </p:spPr>
+        <p:style>
+          <a:lnRef idx="2">
+            <a:schemeClr val="accent1">
+              <a:shade val="50000"/>
+            </a:schemeClr>
+          </a:lnRef>
+          <a:fillRef idx="1">
+            <a:schemeClr val="accent1"/>
+          </a:fillRef>
+          <a:effectRef idx="0">
+            <a:schemeClr val="accent1"/>
+          </a:effectRef>
+          <a:fontRef idx="minor">
+            <a:schemeClr val="lt1"/>
+          </a:fontRef>
+        </p:style>
+        <p:txBody>
+          <a:bodyPr rtlCol="0" anchor="ctr"/>
+          <a:lstStyle/>
+          <a:p>
+            <a:pPr algn="ctr"/>
+            <a:endParaRPr lang="de-DE">
+              <a:latin typeface="Times New Roman" pitchFamily="18" charset="0"/>
+              <a:cs typeface="Times New Roman" pitchFamily="18" charset="0"/>
+            </a:endParaRPr>
+          </a:p>
+        </p:txBody>
+      </p:sp>
+      <p:sp>
+        <p:nvSpPr>
+          <p:cNvPr id="70" name="Rechteck 69"/>
+          <p:cNvSpPr/>
+          <p:nvPr/>
+        </p:nvSpPr>
+        <p:spPr>
+          <a:xfrm>
+            <a:off x="395536" y="908720"/>
+            <a:ext cx="8136904" cy="5112568"/>
+          </a:xfrm>
+          <a:prstGeom prst="rect">
+            <a:avLst/>
+          </a:prstGeom>
+          <a:noFill/>
+          <a:ln>
+            <a:noFill/>
+          </a:ln>
+        </p:spPr>
+        <p:style>
+          <a:lnRef idx="2">
+            <a:schemeClr val="accent1">
+              <a:shade val="50000"/>
+            </a:schemeClr>
+          </a:lnRef>
+          <a:fillRef idx="1">
+            <a:schemeClr val="accent1"/>
+          </a:fillRef>
+          <a:effectRef idx="0">
+            <a:schemeClr val="accent1"/>
+          </a:effectRef>
+          <a:fontRef idx="minor">
+            <a:schemeClr val="lt1"/>
+          </a:fontRef>
+        </p:style>
+        <p:txBody>
+          <a:bodyPr rtlCol="0" anchor="t"/>
+          <a:lstStyle/>
+          <a:p>
+            <a:pPr lvl="0">
+              <a:lnSpc>
+                <a:spcPct val="150000"/>
+              </a:lnSpc>
+            </a:pPr>
+            <a:r>
+              <a:rPr lang="en-US" b="1" dirty="0" smtClean="0">
+                <a:solidFill>
+                  <a:schemeClr val="tx1"/>
+                </a:solidFill>
+                <a:latin typeface="Times New Roman" pitchFamily="18" charset="0"/>
+                <a:cs typeface="Times New Roman" pitchFamily="18" charset="0"/>
+              </a:rPr>
+              <a:t>Impediments</a:t>
+            </a:r>
+            <a:r>
+              <a:rPr lang="en-US" dirty="0" smtClean="0">
+                <a:solidFill>
+                  <a:schemeClr val="tx1"/>
+                </a:solidFill>
+                <a:latin typeface="Times New Roman" pitchFamily="18" charset="0"/>
+                <a:cs typeface="Times New Roman" pitchFamily="18" charset="0"/>
+              </a:rPr>
+              <a:t>:</a:t>
+            </a:r>
+          </a:p>
+          <a:p>
+            <a:pPr marL="742950" lvl="1" indent="-285750">
+              <a:lnSpc>
+                <a:spcPct val="150000"/>
+              </a:lnSpc>
+              <a:buFont typeface="Arial" panose="020B0604020202020204" pitchFamily="34" charset="0"/>
+              <a:buChar char="•"/>
+            </a:pPr>
+            <a:r>
+              <a:rPr lang="en-US" b="1" dirty="0">
+                <a:solidFill>
+                  <a:schemeClr val="tx1"/>
+                </a:solidFill>
+                <a:latin typeface="Times New Roman" pitchFamily="18" charset="0"/>
+                <a:cs typeface="Times New Roman" pitchFamily="18" charset="0"/>
+              </a:rPr>
+              <a:t>Pigs!</a:t>
+            </a:r>
+            <a:r>
+              <a:rPr lang="en-US" dirty="0">
+                <a:solidFill>
+                  <a:schemeClr val="tx1"/>
+                </a:solidFill>
+                <a:latin typeface="Times New Roman" pitchFamily="18" charset="0"/>
+                <a:cs typeface="Times New Roman" pitchFamily="18" charset="0"/>
+              </a:rPr>
+              <a:t> We need more pigs</a:t>
+            </a:r>
+            <a:r>
+              <a:rPr lang="en-US" dirty="0" smtClean="0">
+                <a:solidFill>
+                  <a:schemeClr val="tx1"/>
+                </a:solidFill>
+                <a:latin typeface="Times New Roman" pitchFamily="18" charset="0"/>
+                <a:cs typeface="Times New Roman" pitchFamily="18" charset="0"/>
+              </a:rPr>
+              <a:t>…</a:t>
+            </a:r>
+          </a:p>
+          <a:p>
+            <a:pPr marL="742950" lvl="1" indent="-285750">
+              <a:lnSpc>
+                <a:spcPct val="150000"/>
+              </a:lnSpc>
+              <a:buFont typeface="Arial" panose="020B0604020202020204" pitchFamily="34" charset="0"/>
+              <a:buChar char="•"/>
+            </a:pPr>
+            <a:endParaRPr lang="en-US" dirty="0" smtClean="0">
+              <a:solidFill>
+                <a:schemeClr val="tx1"/>
+              </a:solidFill>
+              <a:latin typeface="Times New Roman" pitchFamily="18" charset="0"/>
+              <a:cs typeface="Times New Roman" pitchFamily="18" charset="0"/>
+            </a:endParaRPr>
+          </a:p>
+          <a:p>
+            <a:pPr marL="742950" lvl="1" indent="-285750">
+              <a:lnSpc>
+                <a:spcPct val="150000"/>
+              </a:lnSpc>
+              <a:buFont typeface="Arial" panose="020B0604020202020204" pitchFamily="34" charset="0"/>
+              <a:buChar char="•"/>
+            </a:pPr>
+            <a:r>
+              <a:rPr lang="en-US" b="1" dirty="0" smtClean="0">
+                <a:solidFill>
+                  <a:schemeClr val="tx1"/>
+                </a:solidFill>
+                <a:latin typeface="Times New Roman" pitchFamily="18" charset="0"/>
+                <a:cs typeface="Times New Roman" pitchFamily="18" charset="0"/>
+              </a:rPr>
+              <a:t>User Stories</a:t>
+            </a:r>
+            <a:r>
+              <a:rPr lang="en-US" dirty="0" smtClean="0">
+                <a:solidFill>
+                  <a:schemeClr val="tx1"/>
+                </a:solidFill>
+                <a:latin typeface="Times New Roman" pitchFamily="18" charset="0"/>
+                <a:cs typeface="Times New Roman" pitchFamily="18" charset="0"/>
+              </a:rPr>
+              <a:t>:</a:t>
+            </a:r>
+          </a:p>
+          <a:p>
+            <a:pPr marL="1200150" lvl="2" indent="-285750">
+              <a:lnSpc>
+                <a:spcPct val="150000"/>
+              </a:lnSpc>
+              <a:buFont typeface="Arial" panose="020B0604020202020204" pitchFamily="34" charset="0"/>
+              <a:buChar char="•"/>
+            </a:pPr>
+            <a:r>
+              <a:rPr lang="en-US" dirty="0" smtClean="0">
+                <a:solidFill>
+                  <a:schemeClr val="tx1"/>
+                </a:solidFill>
+                <a:latin typeface="Times New Roman" pitchFamily="18" charset="0"/>
+                <a:cs typeface="Times New Roman" pitchFamily="18" charset="0"/>
+              </a:rPr>
+              <a:t>Dependencies regarding developments. </a:t>
+            </a:r>
+          </a:p>
+          <a:p>
+            <a:pPr marL="1657350" lvl="3" indent="-285750">
+              <a:lnSpc>
+                <a:spcPct val="150000"/>
+              </a:lnSpc>
+              <a:buFont typeface="Arial" panose="020B0604020202020204" pitchFamily="34" charset="0"/>
+              <a:buChar char="•"/>
+            </a:pPr>
+            <a:r>
+              <a:rPr lang="en-US" dirty="0" smtClean="0">
+                <a:solidFill>
+                  <a:schemeClr val="tx1"/>
+                </a:solidFill>
+                <a:latin typeface="Times New Roman" pitchFamily="18" charset="0"/>
+                <a:cs typeface="Times New Roman" pitchFamily="18" charset="0"/>
+              </a:rPr>
+              <a:t>I.e. activity </a:t>
+            </a:r>
+            <a:r>
+              <a:rPr lang="en-US" i="1" dirty="0" smtClean="0">
+                <a:solidFill>
+                  <a:schemeClr val="tx1"/>
+                </a:solidFill>
+                <a:latin typeface="Times New Roman" pitchFamily="18" charset="0"/>
+                <a:cs typeface="Times New Roman" pitchFamily="18" charset="0"/>
+              </a:rPr>
+              <a:t>register</a:t>
+            </a:r>
+            <a:r>
+              <a:rPr lang="en-US" dirty="0" smtClean="0">
+                <a:solidFill>
+                  <a:schemeClr val="tx1"/>
+                </a:solidFill>
+                <a:latin typeface="Times New Roman" pitchFamily="18" charset="0"/>
+                <a:cs typeface="Times New Roman" pitchFamily="18" charset="0"/>
+              </a:rPr>
+              <a:t> needs to be finished before work on activity </a:t>
+            </a:r>
+            <a:r>
+              <a:rPr lang="en-US" i="1" dirty="0" smtClean="0">
+                <a:solidFill>
+                  <a:schemeClr val="tx1"/>
+                </a:solidFill>
+                <a:latin typeface="Times New Roman" pitchFamily="18" charset="0"/>
+                <a:cs typeface="Times New Roman" pitchFamily="18" charset="0"/>
+              </a:rPr>
+              <a:t>login</a:t>
+            </a:r>
+            <a:r>
+              <a:rPr lang="en-US" dirty="0" smtClean="0">
+                <a:solidFill>
+                  <a:schemeClr val="tx1"/>
+                </a:solidFill>
+                <a:latin typeface="Times New Roman" pitchFamily="18" charset="0"/>
+                <a:cs typeface="Times New Roman" pitchFamily="18" charset="0"/>
+              </a:rPr>
+              <a:t> can start. </a:t>
+            </a:r>
+            <a:endParaRPr lang="en-US" dirty="0">
+              <a:solidFill>
+                <a:schemeClr val="tx1"/>
+              </a:solidFill>
+              <a:latin typeface="Times New Roman" pitchFamily="18" charset="0"/>
+              <a:cs typeface="Times New Roman" pitchFamily="18" charset="0"/>
+            </a:endParaRPr>
+          </a:p>
+          <a:p>
+            <a:pPr marL="1200150" lvl="2" indent="-285750">
+              <a:lnSpc>
+                <a:spcPct val="150000"/>
+              </a:lnSpc>
+              <a:buFont typeface="Wingdings" panose="05000000000000000000" pitchFamily="2" charset="2"/>
+              <a:buChar char="Ø"/>
+            </a:pPr>
+            <a:r>
+              <a:rPr lang="en-US" dirty="0" smtClean="0">
+                <a:solidFill>
+                  <a:schemeClr val="tx1"/>
+                </a:solidFill>
+                <a:latin typeface="Times New Roman" pitchFamily="18" charset="0"/>
+                <a:cs typeface="Times New Roman" pitchFamily="18" charset="0"/>
+              </a:rPr>
+              <a:t>Reduce scope of user stories, so that one developer can work individually on one user story.</a:t>
+            </a:r>
+          </a:p>
+          <a:p>
+            <a:pPr marL="1657350" lvl="3" indent="-285750">
+              <a:lnSpc>
+                <a:spcPct val="150000"/>
+              </a:lnSpc>
+              <a:buFont typeface="Arial" panose="020B0604020202020204" pitchFamily="34" charset="0"/>
+              <a:buChar char="•"/>
+            </a:pPr>
+            <a:r>
+              <a:rPr lang="en-US" dirty="0" smtClean="0">
+                <a:solidFill>
+                  <a:schemeClr val="tx1"/>
+                </a:solidFill>
+                <a:latin typeface="Times New Roman" pitchFamily="18" charset="0"/>
+                <a:cs typeface="Times New Roman" pitchFamily="18" charset="0"/>
+              </a:rPr>
+              <a:t>User stories will be recombined via Epics in </a:t>
+            </a:r>
+            <a:r>
+              <a:rPr lang="en-US" dirty="0" err="1" smtClean="0">
+                <a:solidFill>
+                  <a:schemeClr val="tx1"/>
+                </a:solidFill>
+                <a:latin typeface="Times New Roman" pitchFamily="18" charset="0"/>
+                <a:cs typeface="Times New Roman" pitchFamily="18" charset="0"/>
+              </a:rPr>
+              <a:t>ScrumDesk</a:t>
+            </a:r>
+            <a:endParaRPr lang="en-US" dirty="0" smtClean="0">
+              <a:solidFill>
+                <a:schemeClr val="tx1"/>
+              </a:solidFill>
+              <a:latin typeface="Times New Roman" pitchFamily="18" charset="0"/>
+              <a:cs typeface="Times New Roman" pitchFamily="18" charset="0"/>
+            </a:endParaRPr>
+          </a:p>
+          <a:p>
+            <a:pPr marL="1200150" lvl="2" indent="-285750">
+              <a:lnSpc>
+                <a:spcPct val="150000"/>
+              </a:lnSpc>
+              <a:buFont typeface="Wingdings" panose="05000000000000000000" pitchFamily="2" charset="2"/>
+              <a:buChar char="Ø"/>
+            </a:pPr>
+            <a:r>
+              <a:rPr lang="en-US" dirty="0" smtClean="0">
+                <a:solidFill>
+                  <a:schemeClr val="tx1"/>
+                </a:solidFill>
+                <a:latin typeface="Times New Roman" pitchFamily="18" charset="0"/>
+                <a:cs typeface="Times New Roman" pitchFamily="18" charset="0"/>
+              </a:rPr>
+              <a:t>Furthermore the impediment adapted to the commonly used android app</a:t>
+            </a:r>
+          </a:p>
+          <a:p>
+            <a:pPr marL="1657350" lvl="3" indent="-285750">
+              <a:lnSpc>
+                <a:spcPct val="150000"/>
+              </a:lnSpc>
+              <a:buFont typeface="Arial" panose="020B0604020202020204" pitchFamily="34" charset="0"/>
+              <a:buChar char="•"/>
+            </a:pPr>
+            <a:r>
+              <a:rPr lang="en-US" dirty="0">
+                <a:solidFill>
+                  <a:schemeClr val="tx1"/>
+                </a:solidFill>
+                <a:latin typeface="Times New Roman" pitchFamily="18" charset="0"/>
+                <a:cs typeface="Times New Roman" pitchFamily="18" charset="0"/>
+              </a:rPr>
+              <a:t>Technical resolution is based on interfaces</a:t>
+            </a:r>
+          </a:p>
+          <a:p>
+            <a:pPr lvl="3">
+              <a:lnSpc>
+                <a:spcPct val="150000"/>
+              </a:lnSpc>
+            </a:pPr>
+            <a:endParaRPr lang="en-US" dirty="0" smtClean="0">
+              <a:solidFill>
+                <a:schemeClr val="tx1"/>
+              </a:solidFill>
+              <a:latin typeface="Times New Roman" pitchFamily="18" charset="0"/>
+              <a:cs typeface="Times New Roman" pitchFamily="18" charset="0"/>
+            </a:endParaRPr>
+          </a:p>
+        </p:txBody>
+      </p:sp>
+      <p:pic>
+        <p:nvPicPr>
+          <p:cNvPr id="2" name="Grafik 1"/>
+          <p:cNvPicPr>
+            <a:picLocks noChangeAspect="1"/>
+          </p:cNvPicPr>
+          <p:nvPr/>
+        </p:nvPicPr>
+        <p:blipFill>
+          <a:blip r:embed="rId2" cstate="print">
+            <a:extLst>
+              <a:ext uri="{28A0092B-C50C-407E-A947-70E740481C1C}">
+                <a14:useLocalDpi xmlns:a14="http://schemas.microsoft.com/office/drawing/2010/main" val="0"/>
+              </a:ext>
+            </a:extLst>
+          </a:blip>
+          <a:stretch>
+            <a:fillRect/>
+          </a:stretch>
+        </p:blipFill>
+        <p:spPr>
+          <a:xfrm>
+            <a:off x="4932040" y="1628800"/>
+            <a:ext cx="694186" cy="691662"/>
+          </a:xfrm>
+          <a:prstGeom prst="rect">
+            <a:avLst/>
+          </a:prstGeom>
+        </p:spPr>
+      </p:pic>
+      <p:pic>
+        <p:nvPicPr>
+          <p:cNvPr id="3" name="Grafik 2"/>
+          <p:cNvPicPr>
+            <a:picLocks noChangeAspect="1"/>
+          </p:cNvPicPr>
+          <p:nvPr/>
+        </p:nvPicPr>
+        <p:blipFill>
+          <a:blip r:embed="rId3" cstate="print">
+            <a:extLst>
+              <a:ext uri="{28A0092B-C50C-407E-A947-70E740481C1C}">
+                <a14:useLocalDpi xmlns:a14="http://schemas.microsoft.com/office/drawing/2010/main" val="0"/>
+              </a:ext>
+            </a:extLst>
+          </a:blip>
+          <a:stretch>
+            <a:fillRect/>
+          </a:stretch>
+        </p:blipFill>
+        <p:spPr>
+          <a:xfrm>
+            <a:off x="6010892" y="1527118"/>
+            <a:ext cx="910451" cy="846719"/>
+          </a:xfrm>
+          <a:prstGeom prst="rect">
+            <a:avLst/>
+          </a:prstGeom>
+        </p:spPr>
+      </p:pic>
+      <p:pic>
+        <p:nvPicPr>
+          <p:cNvPr id="6" name="Grafik 5"/>
+          <p:cNvPicPr>
+            <a:picLocks noChangeAspect="1"/>
+          </p:cNvPicPr>
+          <p:nvPr/>
+        </p:nvPicPr>
+        <p:blipFill>
+          <a:blip r:embed="rId4" cstate="print">
+            <a:extLst>
+              <a:ext uri="{28A0092B-C50C-407E-A947-70E740481C1C}">
+                <a14:useLocalDpi xmlns:a14="http://schemas.microsoft.com/office/drawing/2010/main" val="0"/>
+              </a:ext>
+            </a:extLst>
+          </a:blip>
+          <a:stretch>
+            <a:fillRect/>
+          </a:stretch>
+        </p:blipFill>
+        <p:spPr>
+          <a:xfrm>
+            <a:off x="4804486" y="775682"/>
+            <a:ext cx="2138561" cy="709102"/>
+          </a:xfrm>
+          <a:prstGeom prst="rect">
+            <a:avLst/>
+          </a:prstGeom>
+        </p:spPr>
+      </p:pic>
+    </p:spTree>
+    <p:extLst>
+      <p:ext uri="{BB962C8B-B14F-4D97-AF65-F5344CB8AC3E}">
+        <p14:creationId xmlns:p14="http://schemas.microsoft.com/office/powerpoint/2010/main" val="255842437"/>
+      </p:ext>
+    </p:extLst>
+  </p:cSld>
+  <p:clrMapOvr>
+    <a:masterClrMapping/>
+  </p:clrMapOvr>
+  <mc:AlternateContent xmlns:mc="http://schemas.openxmlformats.org/markup-compatibility/2006" xmlns:p14="http://schemas.microsoft.com/office/powerpoint/2010/main">
+    <mc:Choice Requires="p14">
+      <p:transition spd="slow" p14:dur="2000"/>
+    </mc:Choice>
+    <mc:Fallback xmlns="">
+      <p:transition spd="slow"/>
+    </mc:Fallback>
+  </mc:AlternateContent>
+  <p:timing>
+    <p:tnLst>
+      <p:par>
+        <p:cTn id="1" dur="indefinite" restart="never" nodeType="tmRoot"/>
+      </p:par>
+    </p:tnLst>
+  </p:timing>
+</p:sld>
+</file>
+
+<file path=ppt/slides/slide3.xml><?xml version="1.0" encoding="utf-8"?>
+<p:sld xmlns:a="http://schemas.openxmlformats.org/drawingml/2006/main" xmlns:r="http://schemas.openxmlformats.org/officeDocument/2006/relationships" xmlns:p="http://schemas.openxmlformats.org/presentationml/2006/main">
+  <p:cSld>
+    <p:spTree>
+      <p:nvGrpSpPr>
+        <p:cNvPr id="1" name=""/>
+        <p:cNvGrpSpPr/>
+        <p:nvPr/>
+      </p:nvGrpSpPr>
+      <p:grpSpPr>
+        <a:xfrm>
+          <a:off x="0" y="0"/>
+          <a:ext cx="0" cy="0"/>
+          <a:chOff x="0" y="0"/>
+          <a:chExt cx="0" cy="0"/>
+        </a:xfrm>
+      </p:grpSpPr>
+      <p:sp>
+        <p:nvSpPr>
+          <p:cNvPr id="4" name="Rechteck 3"/>
+          <p:cNvSpPr/>
+          <p:nvPr/>
+        </p:nvSpPr>
+        <p:spPr>
+          <a:xfrm>
+            <a:off x="0" y="0"/>
+            <a:ext cx="9144000" cy="620688"/>
+          </a:xfrm>
+          <a:prstGeom prst="rect">
+            <a:avLst/>
+          </a:prstGeom>
+          <a:solidFill>
+            <a:schemeClr val="accent2">
+              <a:lumMod val="60000"/>
+              <a:lumOff val="40000"/>
+            </a:schemeClr>
+          </a:solidFill>
+          <a:ln>
+            <a:noFill/>
+          </a:ln>
+        </p:spPr>
+        <p:style>
+          <a:lnRef idx="2">
+            <a:schemeClr val="accent1">
+              <a:shade val="50000"/>
+            </a:schemeClr>
+          </a:lnRef>
+          <a:fillRef idx="1">
+            <a:schemeClr val="accent1"/>
+          </a:fillRef>
+          <a:effectRef idx="0">
+            <a:schemeClr val="accent1"/>
+          </a:effectRef>
+          <a:fontRef idx="minor">
+            <a:schemeClr val="lt1"/>
+          </a:fontRef>
+        </p:style>
+        <p:txBody>
+          <a:bodyPr rtlCol="0" anchor="ctr"/>
+          <a:lstStyle/>
+          <a:p>
+            <a:pPr algn="r"/>
+            <a:r>
+              <a:rPr lang="en-US" sz="2000" dirty="0" err="1" smtClean="0">
+                <a:solidFill>
+                  <a:schemeClr val="tx1"/>
+                </a:solidFill>
+                <a:latin typeface="Times New Roman" pitchFamily="18" charset="0"/>
+                <a:cs typeface="Times New Roman" pitchFamily="18" charset="0"/>
+              </a:rPr>
+              <a:t>Kateryna</a:t>
+            </a:r>
+            <a:r>
+              <a:rPr lang="en-US" sz="2000" dirty="0" smtClean="0">
+                <a:solidFill>
+                  <a:schemeClr val="tx1"/>
+                </a:solidFill>
+                <a:latin typeface="Times New Roman" pitchFamily="18" charset="0"/>
+                <a:cs typeface="Times New Roman" pitchFamily="18" charset="0"/>
+              </a:rPr>
+              <a:t> </a:t>
+            </a:r>
+            <a:r>
+              <a:rPr lang="en-US" sz="2000" dirty="0" err="1" smtClean="0">
+                <a:solidFill>
+                  <a:schemeClr val="tx1"/>
+                </a:solidFill>
+                <a:latin typeface="Times New Roman" pitchFamily="18" charset="0"/>
+                <a:cs typeface="Times New Roman" pitchFamily="18" charset="0"/>
+              </a:rPr>
+              <a:t>Pryshchepa</a:t>
+            </a:r>
+            <a:r>
+              <a:rPr lang="en-US" sz="2000" dirty="0" smtClean="0">
+                <a:solidFill>
+                  <a:schemeClr val="tx1"/>
+                </a:solidFill>
+                <a:latin typeface="Times New Roman" pitchFamily="18" charset="0"/>
+                <a:cs typeface="Times New Roman" pitchFamily="18" charset="0"/>
+              </a:rPr>
+              <a:t>, </a:t>
+            </a:r>
+            <a:r>
+              <a:rPr lang="en-US" sz="2000" dirty="0" err="1" smtClean="0">
+                <a:solidFill>
+                  <a:schemeClr val="tx1"/>
+                </a:solidFill>
+                <a:latin typeface="Times New Roman" pitchFamily="18" charset="0"/>
+                <a:cs typeface="Times New Roman" pitchFamily="18" charset="0"/>
+              </a:rPr>
+              <a:t>Iuliia</a:t>
+            </a:r>
+            <a:r>
+              <a:rPr lang="en-US" sz="2000" dirty="0" smtClean="0">
+                <a:solidFill>
+                  <a:schemeClr val="tx1"/>
+                </a:solidFill>
+                <a:latin typeface="Times New Roman" pitchFamily="18" charset="0"/>
+                <a:cs typeface="Times New Roman" pitchFamily="18" charset="0"/>
+              </a:rPr>
+              <a:t> </a:t>
+            </a:r>
+            <a:r>
+              <a:rPr lang="en-US" sz="2000" dirty="0" err="1" smtClean="0">
+                <a:solidFill>
+                  <a:schemeClr val="tx1"/>
+                </a:solidFill>
+                <a:latin typeface="Times New Roman" pitchFamily="18" charset="0"/>
+                <a:cs typeface="Times New Roman" pitchFamily="18" charset="0"/>
+              </a:rPr>
+              <a:t>Guk</a:t>
+            </a:r>
+            <a:endParaRPr lang="de-DE" sz="2000" dirty="0">
+              <a:solidFill>
+                <a:schemeClr val="tx1"/>
+              </a:solidFill>
+              <a:latin typeface="Times New Roman" pitchFamily="18" charset="0"/>
+              <a:cs typeface="Times New Roman" pitchFamily="18" charset="0"/>
+            </a:endParaRPr>
+          </a:p>
+        </p:txBody>
+      </p:sp>
+      <p:sp>
+        <p:nvSpPr>
+          <p:cNvPr id="5" name="Rechteck 4"/>
+          <p:cNvSpPr/>
+          <p:nvPr/>
+        </p:nvSpPr>
+        <p:spPr>
+          <a:xfrm>
+            <a:off x="0" y="6237312"/>
+            <a:ext cx="9144000" cy="620688"/>
+          </a:xfrm>
+          <a:prstGeom prst="rect">
+            <a:avLst/>
+          </a:prstGeom>
+          <a:solidFill>
+            <a:schemeClr val="accent2">
+              <a:lumMod val="60000"/>
+              <a:lumOff val="40000"/>
+            </a:schemeClr>
+          </a:solidFill>
+          <a:ln>
+            <a:noFill/>
+          </a:ln>
+        </p:spPr>
+        <p:style>
+          <a:lnRef idx="2">
+            <a:schemeClr val="accent1">
+              <a:shade val="50000"/>
+            </a:schemeClr>
+          </a:lnRef>
+          <a:fillRef idx="1">
+            <a:schemeClr val="accent1"/>
+          </a:fillRef>
+          <a:effectRef idx="0">
+            <a:schemeClr val="accent1"/>
+          </a:effectRef>
+          <a:fontRef idx="minor">
+            <a:schemeClr val="lt1"/>
+          </a:fontRef>
+        </p:style>
+        <p:txBody>
+          <a:bodyPr rtlCol="0" anchor="ctr"/>
+          <a:lstStyle/>
+          <a:p>
+            <a:pPr algn="ctr"/>
+            <a:endParaRPr lang="de-DE">
+              <a:latin typeface="Times New Roman" pitchFamily="18" charset="0"/>
+              <a:cs typeface="Times New Roman" pitchFamily="18" charset="0"/>
+            </a:endParaRPr>
+          </a:p>
+        </p:txBody>
+      </p:sp>
+      <p:pic>
+        <p:nvPicPr>
+          <p:cNvPr id="6" name="Grafik 5" descr="android.jpg"/>
+          <p:cNvPicPr>
+            <a:picLocks noChangeAspect="1"/>
+          </p:cNvPicPr>
+          <p:nvPr/>
+        </p:nvPicPr>
+        <p:blipFill>
+          <a:blip r:embed="rId2" cstate="print"/>
+          <a:stretch>
+            <a:fillRect/>
+          </a:stretch>
+        </p:blipFill>
+        <p:spPr>
+          <a:xfrm>
+            <a:off x="179512" y="692696"/>
+            <a:ext cx="1761076" cy="2088232"/>
+          </a:xfrm>
+          <a:prstGeom prst="rect">
+            <a:avLst/>
+          </a:prstGeom>
+        </p:spPr>
+      </p:pic>
+      <p:sp>
+        <p:nvSpPr>
+          <p:cNvPr id="12" name="Rechteck 11"/>
+          <p:cNvSpPr/>
+          <p:nvPr/>
+        </p:nvSpPr>
+        <p:spPr>
+          <a:xfrm>
+            <a:off x="251520" y="2996952"/>
+            <a:ext cx="9144000" cy="620688"/>
+          </a:xfrm>
+          <a:prstGeom prst="rect">
+            <a:avLst/>
+          </a:prstGeom>
+          <a:noFill/>
+          <a:ln>
+            <a:noFill/>
+          </a:ln>
+        </p:spPr>
+        <p:style>
+          <a:lnRef idx="2">
+            <a:schemeClr val="accent1">
+              <a:shade val="50000"/>
+            </a:schemeClr>
+          </a:lnRef>
+          <a:fillRef idx="1">
+            <a:schemeClr val="accent1"/>
+          </a:fillRef>
+          <a:effectRef idx="0">
+            <a:schemeClr val="accent1"/>
+          </a:effectRef>
+          <a:fontRef idx="minor">
+            <a:schemeClr val="lt1"/>
+          </a:fontRef>
+        </p:style>
+        <p:txBody>
+          <a:bodyPr rtlCol="0" anchor="ctr"/>
+          <a:lstStyle/>
+          <a:p>
+            <a:pPr algn="ctr"/>
+            <a:endParaRPr lang="de-DE">
+              <a:latin typeface="Times New Roman" pitchFamily="18" charset="0"/>
+              <a:cs typeface="Times New Roman" pitchFamily="18" charset="0"/>
+            </a:endParaRPr>
+          </a:p>
+        </p:txBody>
+      </p:sp>
+      <p:sp>
+        <p:nvSpPr>
+          <p:cNvPr id="8" name="Titel 7"/>
+          <p:cNvSpPr>
+            <a:spLocks noGrp="1"/>
+          </p:cNvSpPr>
+          <p:nvPr>
+            <p:ph type="title"/>
+          </p:nvPr>
+        </p:nvSpPr>
+        <p:spPr>
+          <a:xfrm>
+            <a:off x="467544" y="764704"/>
+            <a:ext cx="8229600" cy="940966"/>
+          </a:xfrm>
+        </p:spPr>
+        <p:txBody>
+          <a:bodyPr>
+            <a:normAutofit fontScale="90000"/>
+          </a:bodyPr>
+          <a:lstStyle/>
+          <a:p>
+            <a:r>
+              <a:rPr lang="en-US" sz="4900" b="1" dirty="0" err="1" smtClean="0">
+                <a:solidFill>
+                  <a:schemeClr val="accent4"/>
+                </a:solidFill>
+                <a:latin typeface="Times New Roman" pitchFamily="18" charset="0"/>
+                <a:cs typeface="Times New Roman" pitchFamily="18" charset="0"/>
+              </a:rPr>
+              <a:t>ShopAdmin</a:t>
+            </a:r>
+            <a:r>
+              <a:rPr lang="en-US" b="1" dirty="0" smtClean="0">
+                <a:solidFill>
+                  <a:schemeClr val="accent4"/>
+                </a:solidFill>
+                <a:latin typeface="Times New Roman" pitchFamily="18" charset="0"/>
+                <a:cs typeface="Times New Roman" pitchFamily="18" charset="0"/>
+              </a:rPr>
+              <a:t> </a:t>
+            </a:r>
+            <a:br>
+              <a:rPr lang="en-US" b="1" dirty="0" smtClean="0">
+                <a:solidFill>
+                  <a:schemeClr val="accent4"/>
+                </a:solidFill>
+                <a:latin typeface="Times New Roman" pitchFamily="18" charset="0"/>
+                <a:cs typeface="Times New Roman" pitchFamily="18" charset="0"/>
+              </a:rPr>
+            </a:br>
+            <a:r>
+              <a:rPr lang="en-US" dirty="0" smtClean="0">
+                <a:latin typeface="Times New Roman" pitchFamily="18" charset="0"/>
+                <a:cs typeface="Times New Roman" pitchFamily="18" charset="0"/>
+              </a:rPr>
+              <a:t>            </a:t>
+            </a:r>
+            <a:r>
+              <a:rPr lang="en-US" sz="2700" dirty="0" smtClean="0">
+                <a:solidFill>
+                  <a:schemeClr val="accent2">
+                    <a:lumMod val="75000"/>
+                  </a:schemeClr>
+                </a:solidFill>
+                <a:latin typeface="Times New Roman" pitchFamily="18" charset="0"/>
+                <a:cs typeface="Times New Roman" pitchFamily="18" charset="0"/>
+              </a:rPr>
+              <a:t>Control expenses app with receipt scanner</a:t>
+            </a:r>
+            <a:endParaRPr lang="de-DE" sz="2700" dirty="0">
+              <a:solidFill>
+                <a:schemeClr val="accent2">
+                  <a:lumMod val="75000"/>
+                </a:schemeClr>
+              </a:solidFill>
+              <a:latin typeface="Times New Roman" pitchFamily="18" charset="0"/>
+              <a:cs typeface="Times New Roman" pitchFamily="18" charset="0"/>
+            </a:endParaRPr>
+          </a:p>
+        </p:txBody>
+      </p:sp>
+      <p:sp>
+        <p:nvSpPr>
+          <p:cNvPr id="9" name="Inhaltsplatzhalter 8"/>
+          <p:cNvSpPr>
+            <a:spLocks noGrp="1"/>
+          </p:cNvSpPr>
+          <p:nvPr>
+            <p:ph sz="half" idx="1"/>
+          </p:nvPr>
+        </p:nvSpPr>
+        <p:spPr>
+          <a:xfrm>
+            <a:off x="457200" y="1772816"/>
+            <a:ext cx="4038600" cy="4353347"/>
+          </a:xfrm>
+        </p:spPr>
+        <p:txBody>
+          <a:bodyPr>
+            <a:normAutofit/>
+          </a:bodyPr>
+          <a:lstStyle/>
+          <a:p>
+            <a:pPr algn="r">
+              <a:buNone/>
+            </a:pPr>
+            <a:r>
+              <a:rPr lang="en-US" sz="4000" b="1" dirty="0" smtClean="0">
+                <a:latin typeface="Times New Roman" pitchFamily="18" charset="0"/>
+                <a:cs typeface="Times New Roman" pitchFamily="18" charset="0"/>
+              </a:rPr>
+              <a:t>            Vision</a:t>
+            </a:r>
+          </a:p>
+          <a:p>
+            <a:pPr>
+              <a:buNone/>
+            </a:pPr>
+            <a:endParaRPr lang="en-US" sz="2000" i="1" u="sng" dirty="0" smtClean="0">
+              <a:latin typeface="Times New Roman" pitchFamily="18" charset="0"/>
+              <a:cs typeface="Times New Roman" pitchFamily="18" charset="0"/>
+            </a:endParaRPr>
+          </a:p>
+          <a:p>
+            <a:pPr>
+              <a:buNone/>
+            </a:pPr>
+            <a:r>
+              <a:rPr lang="en-US" sz="2000" i="1" u="sng" dirty="0" smtClean="0">
+                <a:latin typeface="Times New Roman" pitchFamily="18" charset="0"/>
+                <a:cs typeface="Times New Roman" pitchFamily="18" charset="0"/>
+              </a:rPr>
+              <a:t>Whom is it for</a:t>
+            </a:r>
+            <a:r>
+              <a:rPr lang="en-US" sz="2000" u="sng" dirty="0" smtClean="0">
+                <a:latin typeface="Times New Roman" pitchFamily="18" charset="0"/>
+                <a:cs typeface="Times New Roman" pitchFamily="18" charset="0"/>
+              </a:rPr>
+              <a:t>? </a:t>
+            </a:r>
+            <a:endParaRPr lang="de-DE" sz="2000" dirty="0" smtClean="0">
+              <a:latin typeface="Times New Roman" pitchFamily="18" charset="0"/>
+              <a:cs typeface="Times New Roman" pitchFamily="18" charset="0"/>
+            </a:endParaRPr>
+          </a:p>
+          <a:p>
+            <a:pPr>
+              <a:buNone/>
+            </a:pPr>
+            <a:r>
+              <a:rPr lang="en-US" sz="2000" dirty="0" smtClean="0">
+                <a:latin typeface="Times New Roman" pitchFamily="18" charset="0"/>
+                <a:cs typeface="Times New Roman" pitchFamily="18" charset="0"/>
+              </a:rPr>
+              <a:t>students or young family.</a:t>
+            </a:r>
+            <a:endParaRPr lang="de-DE" sz="2000" dirty="0" smtClean="0">
+              <a:latin typeface="Times New Roman" pitchFamily="18" charset="0"/>
+              <a:cs typeface="Times New Roman" pitchFamily="18" charset="0"/>
+            </a:endParaRPr>
+          </a:p>
+          <a:p>
+            <a:pPr>
+              <a:buNone/>
+            </a:pPr>
+            <a:endParaRPr lang="de-DE" sz="2000" dirty="0" smtClean="0">
+              <a:latin typeface="Times New Roman" pitchFamily="18" charset="0"/>
+              <a:cs typeface="Times New Roman" pitchFamily="18" charset="0"/>
+            </a:endParaRPr>
+          </a:p>
+          <a:p>
+            <a:pPr>
+              <a:buNone/>
+            </a:pPr>
+            <a:r>
+              <a:rPr lang="en-US" sz="2000" i="1" u="sng" dirty="0" smtClean="0">
+                <a:latin typeface="Times New Roman" pitchFamily="18" charset="0"/>
+                <a:cs typeface="Times New Roman" pitchFamily="18" charset="0"/>
+              </a:rPr>
+              <a:t>Functionality:</a:t>
+            </a:r>
+            <a:endParaRPr lang="de-DE" sz="2000" dirty="0" smtClean="0">
+              <a:latin typeface="Times New Roman" pitchFamily="18" charset="0"/>
+              <a:cs typeface="Times New Roman" pitchFamily="18" charset="0"/>
+            </a:endParaRPr>
+          </a:p>
+          <a:p>
+            <a:pPr lvl="0">
+              <a:buFont typeface="Wingdings" pitchFamily="2" charset="2"/>
+              <a:buChar char="§"/>
+            </a:pPr>
+            <a:r>
+              <a:rPr lang="en-US" sz="2000" dirty="0" smtClean="0">
+                <a:latin typeface="Times New Roman" pitchFamily="18" charset="0"/>
+                <a:cs typeface="Times New Roman" pitchFamily="18" charset="0"/>
+              </a:rPr>
+              <a:t>Manually enter your outgoing transactions</a:t>
+            </a:r>
+            <a:endParaRPr lang="de-DE" sz="2000" dirty="0" smtClean="0">
+              <a:latin typeface="Times New Roman" pitchFamily="18" charset="0"/>
+              <a:cs typeface="Times New Roman" pitchFamily="18" charset="0"/>
+            </a:endParaRPr>
+          </a:p>
+          <a:p>
+            <a:pPr lvl="0">
+              <a:buFont typeface="Wingdings" pitchFamily="2" charset="2"/>
+              <a:buChar char="§"/>
+            </a:pPr>
+            <a:r>
+              <a:rPr lang="en-US" sz="2000" dirty="0" smtClean="0">
+                <a:latin typeface="Times New Roman" pitchFamily="18" charset="0"/>
+                <a:cs typeface="Times New Roman" pitchFamily="18" charset="0"/>
+              </a:rPr>
+              <a:t>Scanners that auto-extract receipt information such as shop names, data and time, amount</a:t>
+            </a:r>
+            <a:endParaRPr lang="de-DE" sz="2000" dirty="0" smtClean="0">
+              <a:latin typeface="Times New Roman" pitchFamily="18" charset="0"/>
+              <a:cs typeface="Times New Roman" pitchFamily="18" charset="0"/>
+            </a:endParaRPr>
+          </a:p>
+          <a:p>
+            <a:pPr>
+              <a:buNone/>
+            </a:pPr>
+            <a:endParaRPr lang="de-DE" dirty="0" smtClean="0">
+              <a:latin typeface="Times New Roman" pitchFamily="18" charset="0"/>
+              <a:cs typeface="Times New Roman" pitchFamily="18" charset="0"/>
+            </a:endParaRPr>
+          </a:p>
+          <a:p>
+            <a:pPr>
+              <a:buNone/>
+            </a:pPr>
+            <a:endParaRPr lang="de-DE" dirty="0">
+              <a:latin typeface="Times New Roman" pitchFamily="18" charset="0"/>
+              <a:cs typeface="Times New Roman" pitchFamily="18" charset="0"/>
+            </a:endParaRPr>
+          </a:p>
+        </p:txBody>
+      </p:sp>
+      <p:sp>
+        <p:nvSpPr>
+          <p:cNvPr id="10" name="Inhaltsplatzhalter 9"/>
+          <p:cNvSpPr>
+            <a:spLocks noGrp="1"/>
+          </p:cNvSpPr>
+          <p:nvPr>
+            <p:ph sz="half" idx="2"/>
+          </p:nvPr>
+        </p:nvSpPr>
+        <p:spPr>
+          <a:xfrm>
+            <a:off x="4648200" y="1772816"/>
+            <a:ext cx="4038600" cy="4353347"/>
+          </a:xfrm>
+        </p:spPr>
+        <p:txBody>
+          <a:bodyPr>
+            <a:normAutofit/>
+          </a:bodyPr>
+          <a:lstStyle/>
+          <a:p>
+            <a:pPr>
+              <a:buNone/>
+            </a:pPr>
+            <a:endParaRPr lang="en-US" sz="2000" i="1" u="sng" dirty="0" smtClean="0">
+              <a:latin typeface="Times New Roman" pitchFamily="18" charset="0"/>
+              <a:cs typeface="Times New Roman" pitchFamily="18" charset="0"/>
+            </a:endParaRPr>
+          </a:p>
+          <a:p>
+            <a:pPr>
+              <a:buNone/>
+            </a:pPr>
+            <a:endParaRPr lang="en-US" sz="2000" i="1" u="sng" dirty="0" smtClean="0">
+              <a:latin typeface="Times New Roman" pitchFamily="18" charset="0"/>
+              <a:cs typeface="Times New Roman" pitchFamily="18" charset="0"/>
+            </a:endParaRPr>
+          </a:p>
+          <a:p>
+            <a:pPr>
+              <a:buNone/>
+            </a:pPr>
+            <a:r>
+              <a:rPr lang="en-US" sz="2000" i="1" u="sng" dirty="0" smtClean="0">
+                <a:latin typeface="Times New Roman" pitchFamily="18" charset="0"/>
+                <a:cs typeface="Times New Roman" pitchFamily="18" charset="0"/>
+              </a:rPr>
+              <a:t>What problems does it solve? </a:t>
+            </a:r>
+            <a:endParaRPr lang="de-DE" sz="2000" dirty="0" smtClean="0">
+              <a:latin typeface="Times New Roman" pitchFamily="18" charset="0"/>
+              <a:cs typeface="Times New Roman" pitchFamily="18" charset="0"/>
+            </a:endParaRPr>
+          </a:p>
+          <a:p>
+            <a:pPr>
+              <a:buNone/>
+            </a:pPr>
+            <a:r>
+              <a:rPr lang="en-US" sz="2000" dirty="0" smtClean="0">
+                <a:latin typeface="Times New Roman" pitchFamily="18" charset="0"/>
+                <a:cs typeface="Times New Roman" pitchFamily="18" charset="0"/>
+              </a:rPr>
+              <a:t>Save time for counting expenses.</a:t>
+            </a:r>
+          </a:p>
+          <a:p>
+            <a:pPr>
+              <a:buNone/>
+            </a:pPr>
+            <a:endParaRPr lang="en-US" sz="2000" dirty="0" smtClean="0">
+              <a:latin typeface="Times New Roman" pitchFamily="18" charset="0"/>
+              <a:cs typeface="Times New Roman" pitchFamily="18" charset="0"/>
+            </a:endParaRPr>
+          </a:p>
+          <a:p>
+            <a:pPr>
+              <a:buNone/>
+            </a:pPr>
+            <a:r>
+              <a:rPr lang="en-US" sz="2000" i="1" u="sng" dirty="0" smtClean="0">
+                <a:latin typeface="Times New Roman" pitchFamily="18" charset="0"/>
+                <a:cs typeface="Times New Roman" pitchFamily="18" charset="0"/>
+              </a:rPr>
+              <a:t>What alternatives are available?</a:t>
+            </a:r>
+            <a:r>
+              <a:rPr lang="en-US" sz="2000" u="sng" dirty="0" smtClean="0">
+                <a:latin typeface="Times New Roman" pitchFamily="18" charset="0"/>
+                <a:cs typeface="Times New Roman" pitchFamily="18" charset="0"/>
+              </a:rPr>
+              <a:t> </a:t>
+            </a:r>
+            <a:endParaRPr lang="de-DE" sz="2000" dirty="0" smtClean="0">
+              <a:latin typeface="Times New Roman" pitchFamily="18" charset="0"/>
+              <a:cs typeface="Times New Roman" pitchFamily="18" charset="0"/>
+            </a:endParaRPr>
+          </a:p>
+          <a:p>
+            <a:pPr>
+              <a:buFont typeface="Wingdings" pitchFamily="2" charset="2"/>
+              <a:buChar char="§"/>
+            </a:pPr>
+            <a:r>
+              <a:rPr lang="en-US" sz="2000" dirty="0" smtClean="0">
+                <a:latin typeface="Times New Roman" pitchFamily="18" charset="0"/>
+                <a:cs typeface="Times New Roman" pitchFamily="18" charset="0"/>
+              </a:rPr>
+              <a:t>Cashbook Expense Tracker</a:t>
+            </a:r>
+          </a:p>
+          <a:p>
+            <a:pPr>
+              <a:buFont typeface="Wingdings" pitchFamily="2" charset="2"/>
+              <a:buChar char="§"/>
+            </a:pPr>
+            <a:r>
+              <a:rPr lang="en-US" sz="2000" dirty="0" smtClean="0">
+                <a:latin typeface="Times New Roman" pitchFamily="18" charset="0"/>
+                <a:cs typeface="Times New Roman" pitchFamily="18" charset="0"/>
+              </a:rPr>
+              <a:t>Expense Manager</a:t>
+            </a:r>
+          </a:p>
+          <a:p>
+            <a:pPr>
+              <a:buFont typeface="Wingdings" pitchFamily="2" charset="2"/>
+              <a:buChar char="§"/>
+            </a:pPr>
+            <a:r>
+              <a:rPr lang="en-US" sz="2000" dirty="0" err="1" smtClean="0">
+                <a:latin typeface="Times New Roman" pitchFamily="18" charset="0"/>
+                <a:cs typeface="Times New Roman" pitchFamily="18" charset="0"/>
+              </a:rPr>
+              <a:t>Expensify</a:t>
+            </a:r>
+            <a:endParaRPr lang="en-US" sz="2000" dirty="0" smtClean="0">
+              <a:latin typeface="Times New Roman" pitchFamily="18" charset="0"/>
+              <a:cs typeface="Times New Roman" pitchFamily="18" charset="0"/>
+            </a:endParaRPr>
+          </a:p>
+          <a:p>
+            <a:pPr>
+              <a:buNone/>
+            </a:pPr>
+            <a:endParaRPr lang="en-US" sz="2000" dirty="0" smtClean="0">
+              <a:latin typeface="Times New Roman" pitchFamily="18" charset="0"/>
+              <a:cs typeface="Times New Roman" pitchFamily="18" charset="0"/>
+            </a:endParaRPr>
+          </a:p>
+          <a:p>
+            <a:endParaRPr lang="de-DE" dirty="0">
+              <a:latin typeface="Times New Roman" pitchFamily="18" charset="0"/>
+              <a:cs typeface="Times New Roman" pitchFamily="18" charset="0"/>
+            </a:endParaRPr>
+          </a:p>
+        </p:txBody>
+      </p:sp>
+      <p:pic>
+        <p:nvPicPr>
+          <p:cNvPr id="11" name="Grafik 10" descr="sparschwein.gif"/>
+          <p:cNvPicPr>
+            <a:picLocks noChangeAspect="1"/>
+          </p:cNvPicPr>
+          <p:nvPr/>
+        </p:nvPicPr>
+        <p:blipFill>
+          <a:blip r:embed="rId3" cstate="print"/>
+          <a:stretch>
+            <a:fillRect/>
+          </a:stretch>
+        </p:blipFill>
+        <p:spPr>
+          <a:xfrm>
+            <a:off x="6695728" y="4221088"/>
+            <a:ext cx="2448272" cy="1985275"/>
+          </a:xfrm>
+          <a:prstGeom prst="rect">
+            <a:avLst/>
+          </a:prstGeom>
+        </p:spPr>
+      </p:pic>
+    </p:spTree>
+    <p:extLst>
+      <p:ext uri="{BB962C8B-B14F-4D97-AF65-F5344CB8AC3E}">
+        <p14:creationId xmlns:p14="http://schemas.microsoft.com/office/powerpoint/2010/main" val="562429209"/>
+      </p:ext>
+    </p:extLst>
+  </p:cSld>
+  <p:clrMapOvr>
+    <a:masterClrMapping/>
+  </p:clrMapOvr>
+  <p:timing>
+    <p:tnLst>
+      <p:par>
+        <p:cTn id="1" dur="indefinite" restart="never" nodeType="tmRoot"/>
+      </p:par>
+    </p:tnLst>
+  </p:timing>
+</p:sld>
+</file>
+
+<file path=ppt/slides/slide30.xml><?xml version="1.0" encoding="utf-8"?>
 <p:sld xmlns:a="http://schemas.openxmlformats.org/drawingml/2006/main" xmlns:r="http://schemas.openxmlformats.org/officeDocument/2006/relationships" xmlns:p="http://schemas.openxmlformats.org/presentationml/2006/main" show="0">
   <p:cSld>
     <p:spTree>
@@ -19838,7 +22023,7 @@
 </p:sld>
 </file>
 
-<file path=ppt/slides/slide29.xml><?xml version="1.0" encoding="utf-8"?>
+<file path=ppt/slides/slide31.xml><?xml version="1.0" encoding="utf-8"?>
 <p:sld xmlns:a="http://schemas.openxmlformats.org/drawingml/2006/main" xmlns:r="http://schemas.openxmlformats.org/officeDocument/2006/relationships" xmlns:p="http://schemas.openxmlformats.org/presentationml/2006/main" show="0">
   <p:cSld>
     <p:spTree>
@@ -20829,716 +23014,6 @@
       <p:transition spd="slow"/>
     </mc:Fallback>
   </mc:AlternateContent>
-</p:sld>
-</file>
-
-<file path=ppt/slides/slide3.xml><?xml version="1.0" encoding="utf-8"?>
-<p:sld xmlns:a="http://schemas.openxmlformats.org/drawingml/2006/main" xmlns:r="http://schemas.openxmlformats.org/officeDocument/2006/relationships" xmlns:p="http://schemas.openxmlformats.org/presentationml/2006/main">
-  <p:cSld>
-    <p:spTree>
-      <p:nvGrpSpPr>
-        <p:cNvPr id="1" name=""/>
-        <p:cNvGrpSpPr/>
-        <p:nvPr/>
-      </p:nvGrpSpPr>
-      <p:grpSpPr>
-        <a:xfrm>
-          <a:off x="0" y="0"/>
-          <a:ext cx="0" cy="0"/>
-          <a:chOff x="0" y="0"/>
-          <a:chExt cx="0" cy="0"/>
-        </a:xfrm>
-      </p:grpSpPr>
-      <p:sp>
-        <p:nvSpPr>
-          <p:cNvPr id="4" name="Rechteck 3"/>
-          <p:cNvSpPr/>
-          <p:nvPr/>
-        </p:nvSpPr>
-        <p:spPr>
-          <a:xfrm>
-            <a:off x="0" y="0"/>
-            <a:ext cx="9144000" cy="620688"/>
-          </a:xfrm>
-          <a:prstGeom prst="rect">
-            <a:avLst/>
-          </a:prstGeom>
-          <a:solidFill>
-            <a:schemeClr val="accent2">
-              <a:lumMod val="60000"/>
-              <a:lumOff val="40000"/>
-            </a:schemeClr>
-          </a:solidFill>
-          <a:ln>
-            <a:noFill/>
-          </a:ln>
-        </p:spPr>
-        <p:style>
-          <a:lnRef idx="2">
-            <a:schemeClr val="accent1">
-              <a:shade val="50000"/>
-            </a:schemeClr>
-          </a:lnRef>
-          <a:fillRef idx="1">
-            <a:schemeClr val="accent1"/>
-          </a:fillRef>
-          <a:effectRef idx="0">
-            <a:schemeClr val="accent1"/>
-          </a:effectRef>
-          <a:fontRef idx="minor">
-            <a:schemeClr val="lt1"/>
-          </a:fontRef>
-        </p:style>
-        <p:txBody>
-          <a:bodyPr rtlCol="0" anchor="ctr"/>
-          <a:lstStyle/>
-          <a:p>
-            <a:pPr algn="r"/>
-            <a:r>
-              <a:rPr lang="en-US" sz="2000" dirty="0" err="1" smtClean="0">
-                <a:solidFill>
-                  <a:schemeClr val="tx1"/>
-                </a:solidFill>
-                <a:latin typeface="Times New Roman" pitchFamily="18" charset="0"/>
-                <a:cs typeface="Times New Roman" pitchFamily="18" charset="0"/>
-              </a:rPr>
-              <a:t>Kateryna</a:t>
-            </a:r>
-            <a:r>
-              <a:rPr lang="en-US" sz="2000" dirty="0" smtClean="0">
-                <a:solidFill>
-                  <a:schemeClr val="tx1"/>
-                </a:solidFill>
-                <a:latin typeface="Times New Roman" pitchFamily="18" charset="0"/>
-                <a:cs typeface="Times New Roman" pitchFamily="18" charset="0"/>
-              </a:rPr>
-              <a:t> </a:t>
-            </a:r>
-            <a:r>
-              <a:rPr lang="en-US" sz="2000" dirty="0" err="1" smtClean="0">
-                <a:solidFill>
-                  <a:schemeClr val="tx1"/>
-                </a:solidFill>
-                <a:latin typeface="Times New Roman" pitchFamily="18" charset="0"/>
-                <a:cs typeface="Times New Roman" pitchFamily="18" charset="0"/>
-              </a:rPr>
-              <a:t>Pryshchepa</a:t>
-            </a:r>
-            <a:r>
-              <a:rPr lang="en-US" sz="2000" dirty="0" smtClean="0">
-                <a:solidFill>
-                  <a:schemeClr val="tx1"/>
-                </a:solidFill>
-                <a:latin typeface="Times New Roman" pitchFamily="18" charset="0"/>
-                <a:cs typeface="Times New Roman" pitchFamily="18" charset="0"/>
-              </a:rPr>
-              <a:t>, </a:t>
-            </a:r>
-            <a:r>
-              <a:rPr lang="en-US" sz="2000" dirty="0" err="1" smtClean="0">
-                <a:solidFill>
-                  <a:schemeClr val="tx1"/>
-                </a:solidFill>
-                <a:latin typeface="Times New Roman" pitchFamily="18" charset="0"/>
-                <a:cs typeface="Times New Roman" pitchFamily="18" charset="0"/>
-              </a:rPr>
-              <a:t>Iuliia</a:t>
-            </a:r>
-            <a:r>
-              <a:rPr lang="en-US" sz="2000" dirty="0" smtClean="0">
-                <a:solidFill>
-                  <a:schemeClr val="tx1"/>
-                </a:solidFill>
-                <a:latin typeface="Times New Roman" pitchFamily="18" charset="0"/>
-                <a:cs typeface="Times New Roman" pitchFamily="18" charset="0"/>
-              </a:rPr>
-              <a:t> </a:t>
-            </a:r>
-            <a:r>
-              <a:rPr lang="en-US" sz="2000" dirty="0" err="1" smtClean="0">
-                <a:solidFill>
-                  <a:schemeClr val="tx1"/>
-                </a:solidFill>
-                <a:latin typeface="Times New Roman" pitchFamily="18" charset="0"/>
-                <a:cs typeface="Times New Roman" pitchFamily="18" charset="0"/>
-              </a:rPr>
-              <a:t>Guk</a:t>
-            </a:r>
-            <a:endParaRPr lang="de-DE" sz="2000" dirty="0">
-              <a:solidFill>
-                <a:schemeClr val="tx1"/>
-              </a:solidFill>
-              <a:latin typeface="Times New Roman" pitchFamily="18" charset="0"/>
-              <a:cs typeface="Times New Roman" pitchFamily="18" charset="0"/>
-            </a:endParaRPr>
-          </a:p>
-        </p:txBody>
-      </p:sp>
-      <p:sp>
-        <p:nvSpPr>
-          <p:cNvPr id="5" name="Rechteck 4"/>
-          <p:cNvSpPr/>
-          <p:nvPr/>
-        </p:nvSpPr>
-        <p:spPr>
-          <a:xfrm>
-            <a:off x="0" y="6237312"/>
-            <a:ext cx="9144000" cy="620688"/>
-          </a:xfrm>
-          <a:prstGeom prst="rect">
-            <a:avLst/>
-          </a:prstGeom>
-          <a:solidFill>
-            <a:schemeClr val="accent2">
-              <a:lumMod val="60000"/>
-              <a:lumOff val="40000"/>
-            </a:schemeClr>
-          </a:solidFill>
-          <a:ln>
-            <a:noFill/>
-          </a:ln>
-        </p:spPr>
-        <p:style>
-          <a:lnRef idx="2">
-            <a:schemeClr val="accent1">
-              <a:shade val="50000"/>
-            </a:schemeClr>
-          </a:lnRef>
-          <a:fillRef idx="1">
-            <a:schemeClr val="accent1"/>
-          </a:fillRef>
-          <a:effectRef idx="0">
-            <a:schemeClr val="accent1"/>
-          </a:effectRef>
-          <a:fontRef idx="minor">
-            <a:schemeClr val="lt1"/>
-          </a:fontRef>
-        </p:style>
-        <p:txBody>
-          <a:bodyPr rtlCol="0" anchor="ctr"/>
-          <a:lstStyle/>
-          <a:p>
-            <a:pPr algn="ctr"/>
-            <a:endParaRPr lang="de-DE">
-              <a:latin typeface="Times New Roman" pitchFamily="18" charset="0"/>
-              <a:cs typeface="Times New Roman" pitchFamily="18" charset="0"/>
-            </a:endParaRPr>
-          </a:p>
-        </p:txBody>
-      </p:sp>
-      <p:pic>
-        <p:nvPicPr>
-          <p:cNvPr id="6" name="Grafik 5" descr="android.jpg"/>
-          <p:cNvPicPr>
-            <a:picLocks noChangeAspect="1"/>
-          </p:cNvPicPr>
-          <p:nvPr/>
-        </p:nvPicPr>
-        <p:blipFill>
-          <a:blip r:embed="rId2" cstate="print"/>
-          <a:stretch>
-            <a:fillRect/>
-          </a:stretch>
-        </p:blipFill>
-        <p:spPr>
-          <a:xfrm>
-            <a:off x="179512" y="692696"/>
-            <a:ext cx="1761076" cy="2088232"/>
-          </a:xfrm>
-          <a:prstGeom prst="rect">
-            <a:avLst/>
-          </a:prstGeom>
-        </p:spPr>
-      </p:pic>
-      <p:sp>
-        <p:nvSpPr>
-          <p:cNvPr id="12" name="Rechteck 11"/>
-          <p:cNvSpPr/>
-          <p:nvPr/>
-        </p:nvSpPr>
-        <p:spPr>
-          <a:xfrm>
-            <a:off x="251520" y="2996952"/>
-            <a:ext cx="9144000" cy="620688"/>
-          </a:xfrm>
-          <a:prstGeom prst="rect">
-            <a:avLst/>
-          </a:prstGeom>
-          <a:noFill/>
-          <a:ln>
-            <a:noFill/>
-          </a:ln>
-        </p:spPr>
-        <p:style>
-          <a:lnRef idx="2">
-            <a:schemeClr val="accent1">
-              <a:shade val="50000"/>
-            </a:schemeClr>
-          </a:lnRef>
-          <a:fillRef idx="1">
-            <a:schemeClr val="accent1"/>
-          </a:fillRef>
-          <a:effectRef idx="0">
-            <a:schemeClr val="accent1"/>
-          </a:effectRef>
-          <a:fontRef idx="minor">
-            <a:schemeClr val="lt1"/>
-          </a:fontRef>
-        </p:style>
-        <p:txBody>
-          <a:bodyPr rtlCol="0" anchor="ctr"/>
-          <a:lstStyle/>
-          <a:p>
-            <a:pPr algn="ctr"/>
-            <a:endParaRPr lang="de-DE">
-              <a:latin typeface="Times New Roman" pitchFamily="18" charset="0"/>
-              <a:cs typeface="Times New Roman" pitchFamily="18" charset="0"/>
-            </a:endParaRPr>
-          </a:p>
-        </p:txBody>
-      </p:sp>
-      <p:sp>
-        <p:nvSpPr>
-          <p:cNvPr id="8" name="Titel 7"/>
-          <p:cNvSpPr>
-            <a:spLocks noGrp="1"/>
-          </p:cNvSpPr>
-          <p:nvPr>
-            <p:ph type="title"/>
-          </p:nvPr>
-        </p:nvSpPr>
-        <p:spPr>
-          <a:xfrm>
-            <a:off x="467544" y="764704"/>
-            <a:ext cx="8229600" cy="940966"/>
-          </a:xfrm>
-        </p:spPr>
-        <p:txBody>
-          <a:bodyPr>
-            <a:normAutofit fontScale="90000"/>
-          </a:bodyPr>
-          <a:lstStyle/>
-          <a:p>
-            <a:r>
-              <a:rPr lang="en-US" sz="4900" b="1" dirty="0" err="1" smtClean="0">
-                <a:solidFill>
-                  <a:schemeClr val="accent4"/>
-                </a:solidFill>
-                <a:latin typeface="Times New Roman" pitchFamily="18" charset="0"/>
-                <a:cs typeface="Times New Roman" pitchFamily="18" charset="0"/>
-              </a:rPr>
-              <a:t>ShopAdmin</a:t>
-            </a:r>
-            <a:r>
-              <a:rPr lang="en-US" b="1" dirty="0" smtClean="0">
-                <a:solidFill>
-                  <a:schemeClr val="accent4"/>
-                </a:solidFill>
-                <a:latin typeface="Times New Roman" pitchFamily="18" charset="0"/>
-                <a:cs typeface="Times New Roman" pitchFamily="18" charset="0"/>
-              </a:rPr>
-              <a:t> </a:t>
-            </a:r>
-            <a:br>
-              <a:rPr lang="en-US" b="1" dirty="0" smtClean="0">
-                <a:solidFill>
-                  <a:schemeClr val="accent4"/>
-                </a:solidFill>
-                <a:latin typeface="Times New Roman" pitchFamily="18" charset="0"/>
-                <a:cs typeface="Times New Roman" pitchFamily="18" charset="0"/>
-              </a:rPr>
-            </a:br>
-            <a:r>
-              <a:rPr lang="en-US" dirty="0" smtClean="0">
-                <a:latin typeface="Times New Roman" pitchFamily="18" charset="0"/>
-                <a:cs typeface="Times New Roman" pitchFamily="18" charset="0"/>
-              </a:rPr>
-              <a:t>            </a:t>
-            </a:r>
-            <a:r>
-              <a:rPr lang="en-US" sz="2700" dirty="0" smtClean="0">
-                <a:solidFill>
-                  <a:schemeClr val="accent2">
-                    <a:lumMod val="75000"/>
-                  </a:schemeClr>
-                </a:solidFill>
-                <a:latin typeface="Times New Roman" pitchFamily="18" charset="0"/>
-                <a:cs typeface="Times New Roman" pitchFamily="18" charset="0"/>
-              </a:rPr>
-              <a:t>Control expenses app with receipt scanner</a:t>
-            </a:r>
-            <a:endParaRPr lang="de-DE" sz="2700" dirty="0">
-              <a:solidFill>
-                <a:schemeClr val="accent2">
-                  <a:lumMod val="75000"/>
-                </a:schemeClr>
-              </a:solidFill>
-              <a:latin typeface="Times New Roman" pitchFamily="18" charset="0"/>
-              <a:cs typeface="Times New Roman" pitchFamily="18" charset="0"/>
-            </a:endParaRPr>
-          </a:p>
-        </p:txBody>
-      </p:sp>
-      <p:sp>
-        <p:nvSpPr>
-          <p:cNvPr id="9" name="Inhaltsplatzhalter 8"/>
-          <p:cNvSpPr>
-            <a:spLocks noGrp="1"/>
-          </p:cNvSpPr>
-          <p:nvPr>
-            <p:ph sz="half" idx="1"/>
-          </p:nvPr>
-        </p:nvSpPr>
-        <p:spPr>
-          <a:xfrm>
-            <a:off x="457200" y="1772816"/>
-            <a:ext cx="4038600" cy="4353347"/>
-          </a:xfrm>
-        </p:spPr>
-        <p:txBody>
-          <a:bodyPr>
-            <a:normAutofit/>
-          </a:bodyPr>
-          <a:lstStyle/>
-          <a:p>
-            <a:pPr algn="r">
-              <a:buNone/>
-            </a:pPr>
-            <a:r>
-              <a:rPr lang="en-US" sz="4000" b="1" dirty="0" smtClean="0">
-                <a:latin typeface="Times New Roman" pitchFamily="18" charset="0"/>
-                <a:cs typeface="Times New Roman" pitchFamily="18" charset="0"/>
-              </a:rPr>
-              <a:t>            Vision</a:t>
-            </a:r>
-          </a:p>
-          <a:p>
-            <a:pPr>
-              <a:buNone/>
-            </a:pPr>
-            <a:endParaRPr lang="en-US" sz="2000" i="1" u="sng" dirty="0" smtClean="0">
-              <a:latin typeface="Times New Roman" pitchFamily="18" charset="0"/>
-              <a:cs typeface="Times New Roman" pitchFamily="18" charset="0"/>
-            </a:endParaRPr>
-          </a:p>
-          <a:p>
-            <a:pPr>
-              <a:buNone/>
-            </a:pPr>
-            <a:r>
-              <a:rPr lang="en-US" sz="2000" i="1" u="sng" dirty="0" smtClean="0">
-                <a:latin typeface="Times New Roman" pitchFamily="18" charset="0"/>
-                <a:cs typeface="Times New Roman" pitchFamily="18" charset="0"/>
-              </a:rPr>
-              <a:t>Whom is it for</a:t>
-            </a:r>
-            <a:r>
-              <a:rPr lang="en-US" sz="2000" u="sng" dirty="0" smtClean="0">
-                <a:latin typeface="Times New Roman" pitchFamily="18" charset="0"/>
-                <a:cs typeface="Times New Roman" pitchFamily="18" charset="0"/>
-              </a:rPr>
-              <a:t>? </a:t>
-            </a:r>
-            <a:endParaRPr lang="de-DE" sz="2000" dirty="0" smtClean="0">
-              <a:latin typeface="Times New Roman" pitchFamily="18" charset="0"/>
-              <a:cs typeface="Times New Roman" pitchFamily="18" charset="0"/>
-            </a:endParaRPr>
-          </a:p>
-          <a:p>
-            <a:pPr>
-              <a:buNone/>
-            </a:pPr>
-            <a:r>
-              <a:rPr lang="en-US" sz="2000" dirty="0" smtClean="0">
-                <a:latin typeface="Times New Roman" pitchFamily="18" charset="0"/>
-                <a:cs typeface="Times New Roman" pitchFamily="18" charset="0"/>
-              </a:rPr>
-              <a:t>students or young family.</a:t>
-            </a:r>
-            <a:endParaRPr lang="de-DE" sz="2000" dirty="0" smtClean="0">
-              <a:latin typeface="Times New Roman" pitchFamily="18" charset="0"/>
-              <a:cs typeface="Times New Roman" pitchFamily="18" charset="0"/>
-            </a:endParaRPr>
-          </a:p>
-          <a:p>
-            <a:pPr>
-              <a:buNone/>
-            </a:pPr>
-            <a:endParaRPr lang="de-DE" sz="2000" dirty="0" smtClean="0">
-              <a:latin typeface="Times New Roman" pitchFamily="18" charset="0"/>
-              <a:cs typeface="Times New Roman" pitchFamily="18" charset="0"/>
-            </a:endParaRPr>
-          </a:p>
-          <a:p>
-            <a:pPr>
-              <a:buNone/>
-            </a:pPr>
-            <a:r>
-              <a:rPr lang="en-US" sz="2000" i="1" u="sng" dirty="0" smtClean="0">
-                <a:latin typeface="Times New Roman" pitchFamily="18" charset="0"/>
-                <a:cs typeface="Times New Roman" pitchFamily="18" charset="0"/>
-              </a:rPr>
-              <a:t>Functionality:</a:t>
-            </a:r>
-            <a:endParaRPr lang="de-DE" sz="2000" dirty="0" smtClean="0">
-              <a:latin typeface="Times New Roman" pitchFamily="18" charset="0"/>
-              <a:cs typeface="Times New Roman" pitchFamily="18" charset="0"/>
-            </a:endParaRPr>
-          </a:p>
-          <a:p>
-            <a:pPr lvl="0">
-              <a:buFont typeface="Wingdings" pitchFamily="2" charset="2"/>
-              <a:buChar char="§"/>
-            </a:pPr>
-            <a:r>
-              <a:rPr lang="en-US" sz="2000" dirty="0" smtClean="0">
-                <a:latin typeface="Times New Roman" pitchFamily="18" charset="0"/>
-                <a:cs typeface="Times New Roman" pitchFamily="18" charset="0"/>
-              </a:rPr>
-              <a:t>Manually enter your outgoing transactions</a:t>
-            </a:r>
-            <a:endParaRPr lang="de-DE" sz="2000" dirty="0" smtClean="0">
-              <a:latin typeface="Times New Roman" pitchFamily="18" charset="0"/>
-              <a:cs typeface="Times New Roman" pitchFamily="18" charset="0"/>
-            </a:endParaRPr>
-          </a:p>
-          <a:p>
-            <a:pPr lvl="0">
-              <a:buFont typeface="Wingdings" pitchFamily="2" charset="2"/>
-              <a:buChar char="§"/>
-            </a:pPr>
-            <a:r>
-              <a:rPr lang="en-US" sz="2000" dirty="0" smtClean="0">
-                <a:latin typeface="Times New Roman" pitchFamily="18" charset="0"/>
-                <a:cs typeface="Times New Roman" pitchFamily="18" charset="0"/>
-              </a:rPr>
-              <a:t>Scanners that auto-extract receipt information such as shop names, data and time, amount</a:t>
-            </a:r>
-            <a:endParaRPr lang="de-DE" sz="2000" dirty="0" smtClean="0">
-              <a:latin typeface="Times New Roman" pitchFamily="18" charset="0"/>
-              <a:cs typeface="Times New Roman" pitchFamily="18" charset="0"/>
-            </a:endParaRPr>
-          </a:p>
-          <a:p>
-            <a:pPr>
-              <a:buNone/>
-            </a:pPr>
-            <a:endParaRPr lang="de-DE" dirty="0" smtClean="0">
-              <a:latin typeface="Times New Roman" pitchFamily="18" charset="0"/>
-              <a:cs typeface="Times New Roman" pitchFamily="18" charset="0"/>
-            </a:endParaRPr>
-          </a:p>
-          <a:p>
-            <a:pPr>
-              <a:buNone/>
-            </a:pPr>
-            <a:endParaRPr lang="de-DE" dirty="0">
-              <a:latin typeface="Times New Roman" pitchFamily="18" charset="0"/>
-              <a:cs typeface="Times New Roman" pitchFamily="18" charset="0"/>
-            </a:endParaRPr>
-          </a:p>
-        </p:txBody>
-      </p:sp>
-      <p:sp>
-        <p:nvSpPr>
-          <p:cNvPr id="10" name="Inhaltsplatzhalter 9"/>
-          <p:cNvSpPr>
-            <a:spLocks noGrp="1"/>
-          </p:cNvSpPr>
-          <p:nvPr>
-            <p:ph sz="half" idx="2"/>
-          </p:nvPr>
-        </p:nvSpPr>
-        <p:spPr>
-          <a:xfrm>
-            <a:off x="4648200" y="1772816"/>
-            <a:ext cx="4038600" cy="4353347"/>
-          </a:xfrm>
-        </p:spPr>
-        <p:txBody>
-          <a:bodyPr>
-            <a:normAutofit/>
-          </a:bodyPr>
-          <a:lstStyle/>
-          <a:p>
-            <a:pPr>
-              <a:buNone/>
-            </a:pPr>
-            <a:endParaRPr lang="en-US" sz="2000" i="1" u="sng" dirty="0" smtClean="0">
-              <a:latin typeface="Times New Roman" pitchFamily="18" charset="0"/>
-              <a:cs typeface="Times New Roman" pitchFamily="18" charset="0"/>
-            </a:endParaRPr>
-          </a:p>
-          <a:p>
-            <a:pPr>
-              <a:buNone/>
-            </a:pPr>
-            <a:endParaRPr lang="en-US" sz="2000" i="1" u="sng" dirty="0" smtClean="0">
-              <a:latin typeface="Times New Roman" pitchFamily="18" charset="0"/>
-              <a:cs typeface="Times New Roman" pitchFamily="18" charset="0"/>
-            </a:endParaRPr>
-          </a:p>
-          <a:p>
-            <a:pPr>
-              <a:buNone/>
-            </a:pPr>
-            <a:r>
-              <a:rPr lang="en-US" sz="2000" i="1" u="sng" dirty="0" smtClean="0">
-                <a:latin typeface="Times New Roman" pitchFamily="18" charset="0"/>
-                <a:cs typeface="Times New Roman" pitchFamily="18" charset="0"/>
-              </a:rPr>
-              <a:t>What problems does it solve? </a:t>
-            </a:r>
-            <a:endParaRPr lang="de-DE" sz="2000" dirty="0" smtClean="0">
-              <a:latin typeface="Times New Roman" pitchFamily="18" charset="0"/>
-              <a:cs typeface="Times New Roman" pitchFamily="18" charset="0"/>
-            </a:endParaRPr>
-          </a:p>
-          <a:p>
-            <a:pPr>
-              <a:buNone/>
-            </a:pPr>
-            <a:r>
-              <a:rPr lang="en-US" sz="2000" dirty="0" smtClean="0">
-                <a:latin typeface="Times New Roman" pitchFamily="18" charset="0"/>
-                <a:cs typeface="Times New Roman" pitchFamily="18" charset="0"/>
-              </a:rPr>
-              <a:t>Save time for counting expenses.</a:t>
-            </a:r>
-          </a:p>
-          <a:p>
-            <a:pPr>
-              <a:buNone/>
-            </a:pPr>
-            <a:endParaRPr lang="en-US" sz="2000" dirty="0" smtClean="0">
-              <a:latin typeface="Times New Roman" pitchFamily="18" charset="0"/>
-              <a:cs typeface="Times New Roman" pitchFamily="18" charset="0"/>
-            </a:endParaRPr>
-          </a:p>
-          <a:p>
-            <a:pPr>
-              <a:buNone/>
-            </a:pPr>
-            <a:r>
-              <a:rPr lang="en-US" sz="2000" i="1" u="sng" dirty="0" smtClean="0">
-                <a:latin typeface="Times New Roman" pitchFamily="18" charset="0"/>
-                <a:cs typeface="Times New Roman" pitchFamily="18" charset="0"/>
-              </a:rPr>
-              <a:t>What alternatives are available?</a:t>
-            </a:r>
-            <a:r>
-              <a:rPr lang="en-US" sz="2000" u="sng" dirty="0" smtClean="0">
-                <a:latin typeface="Times New Roman" pitchFamily="18" charset="0"/>
-                <a:cs typeface="Times New Roman" pitchFamily="18" charset="0"/>
-              </a:rPr>
-              <a:t> </a:t>
-            </a:r>
-            <a:endParaRPr lang="de-DE" sz="2000" dirty="0" smtClean="0">
-              <a:latin typeface="Times New Roman" pitchFamily="18" charset="0"/>
-              <a:cs typeface="Times New Roman" pitchFamily="18" charset="0"/>
-            </a:endParaRPr>
-          </a:p>
-          <a:p>
-            <a:pPr>
-              <a:buFont typeface="Wingdings" pitchFamily="2" charset="2"/>
-              <a:buChar char="§"/>
-            </a:pPr>
-            <a:r>
-              <a:rPr lang="en-US" sz="2000" dirty="0" smtClean="0">
-                <a:latin typeface="Times New Roman" pitchFamily="18" charset="0"/>
-                <a:cs typeface="Times New Roman" pitchFamily="18" charset="0"/>
-              </a:rPr>
-              <a:t>Cashbook Expense Tracker</a:t>
-            </a:r>
-          </a:p>
-          <a:p>
-            <a:pPr>
-              <a:buFont typeface="Wingdings" pitchFamily="2" charset="2"/>
-              <a:buChar char="§"/>
-            </a:pPr>
-            <a:r>
-              <a:rPr lang="en-US" sz="2000" dirty="0" smtClean="0">
-                <a:latin typeface="Times New Roman" pitchFamily="18" charset="0"/>
-                <a:cs typeface="Times New Roman" pitchFamily="18" charset="0"/>
-              </a:rPr>
-              <a:t>Expense Manager</a:t>
-            </a:r>
-          </a:p>
-          <a:p>
-            <a:pPr>
-              <a:buFont typeface="Wingdings" pitchFamily="2" charset="2"/>
-              <a:buChar char="§"/>
-            </a:pPr>
-            <a:r>
-              <a:rPr lang="en-US" sz="2000" dirty="0" err="1" smtClean="0">
-                <a:latin typeface="Times New Roman" pitchFamily="18" charset="0"/>
-                <a:cs typeface="Times New Roman" pitchFamily="18" charset="0"/>
-              </a:rPr>
-              <a:t>Expensify</a:t>
-            </a:r>
-            <a:endParaRPr lang="en-US" sz="2000" dirty="0" smtClean="0">
-              <a:latin typeface="Times New Roman" pitchFamily="18" charset="0"/>
-              <a:cs typeface="Times New Roman" pitchFamily="18" charset="0"/>
-            </a:endParaRPr>
-          </a:p>
-          <a:p>
-            <a:pPr>
-              <a:buNone/>
-            </a:pPr>
-            <a:endParaRPr lang="en-US" sz="2000" dirty="0" smtClean="0">
-              <a:latin typeface="Times New Roman" pitchFamily="18" charset="0"/>
-              <a:cs typeface="Times New Roman" pitchFamily="18" charset="0"/>
-            </a:endParaRPr>
-          </a:p>
-          <a:p>
-            <a:endParaRPr lang="de-DE" dirty="0">
-              <a:latin typeface="Times New Roman" pitchFamily="18" charset="0"/>
-              <a:cs typeface="Times New Roman" pitchFamily="18" charset="0"/>
-            </a:endParaRPr>
-          </a:p>
-        </p:txBody>
-      </p:sp>
-      <p:pic>
-        <p:nvPicPr>
-          <p:cNvPr id="11" name="Grafik 10" descr="sparschwein.gif"/>
-          <p:cNvPicPr>
-            <a:picLocks noChangeAspect="1"/>
-          </p:cNvPicPr>
-          <p:nvPr/>
-        </p:nvPicPr>
-        <p:blipFill>
-          <a:blip r:embed="rId3" cstate="print"/>
-          <a:stretch>
-            <a:fillRect/>
-          </a:stretch>
-        </p:blipFill>
-        <p:spPr>
-          <a:xfrm>
-            <a:off x="6695728" y="4221088"/>
-            <a:ext cx="2448272" cy="1985275"/>
-          </a:xfrm>
-          <a:prstGeom prst="rect">
-            <a:avLst/>
-          </a:prstGeom>
-        </p:spPr>
-      </p:pic>
-    </p:spTree>
-    <p:extLst>
-      <p:ext uri="{BB962C8B-B14F-4D97-AF65-F5344CB8AC3E}">
-        <p14:creationId xmlns:p14="http://schemas.microsoft.com/office/powerpoint/2010/main" val="562429209"/>
-      </p:ext>
-    </p:extLst>
-  </p:cSld>
-  <p:clrMapOvr>
-    <a:masterClrMapping/>
-  </p:clrMapOvr>
-  <p:timing>
-    <p:tnLst>
-      <p:par>
-        <p:cTn id="1" dur="indefinite" restart="never" nodeType="tmRoot"/>
-      </p:par>
-    </p:tnLst>
-  </p:timing>
 </p:sld>
 </file>
 

--- a/Dokumentation/ShopAdmin_slidecollection.pptx
+++ b/Dokumentation/ShopAdmin_slidecollection.pptx
@@ -339,7 +339,7 @@
             <a:fld id="{682900CF-52F1-4F95-BCD7-A007BF19B186}" type="datetimeFigureOut">
               <a:rPr lang="de-DE" smtClean="0"/>
               <a:pPr/>
-              <a:t>17.12.2015</a:t>
+              <a:t>18.12.2015</a:t>
             </a:fld>
             <a:endParaRPr lang="de-DE"/>
           </a:p>
@@ -506,7 +506,7 @@
             <a:fld id="{682900CF-52F1-4F95-BCD7-A007BF19B186}" type="datetimeFigureOut">
               <a:rPr lang="de-DE" smtClean="0"/>
               <a:pPr/>
-              <a:t>17.12.2015</a:t>
+              <a:t>18.12.2015</a:t>
             </a:fld>
             <a:endParaRPr lang="de-DE"/>
           </a:p>
@@ -683,7 +683,7 @@
             <a:fld id="{682900CF-52F1-4F95-BCD7-A007BF19B186}" type="datetimeFigureOut">
               <a:rPr lang="de-DE" smtClean="0"/>
               <a:pPr/>
-              <a:t>17.12.2015</a:t>
+              <a:t>18.12.2015</a:t>
             </a:fld>
             <a:endParaRPr lang="de-DE"/>
           </a:p>
@@ -850,7 +850,7 @@
             <a:fld id="{682900CF-52F1-4F95-BCD7-A007BF19B186}" type="datetimeFigureOut">
               <a:rPr lang="de-DE" smtClean="0"/>
               <a:pPr/>
-              <a:t>17.12.2015</a:t>
+              <a:t>18.12.2015</a:t>
             </a:fld>
             <a:endParaRPr lang="de-DE"/>
           </a:p>
@@ -1093,7 +1093,7 @@
             <a:fld id="{682900CF-52F1-4F95-BCD7-A007BF19B186}" type="datetimeFigureOut">
               <a:rPr lang="de-DE" smtClean="0"/>
               <a:pPr/>
-              <a:t>17.12.2015</a:t>
+              <a:t>18.12.2015</a:t>
             </a:fld>
             <a:endParaRPr lang="de-DE"/>
           </a:p>
@@ -1378,7 +1378,7 @@
             <a:fld id="{682900CF-52F1-4F95-BCD7-A007BF19B186}" type="datetimeFigureOut">
               <a:rPr lang="de-DE" smtClean="0"/>
               <a:pPr/>
-              <a:t>17.12.2015</a:t>
+              <a:t>18.12.2015</a:t>
             </a:fld>
             <a:endParaRPr lang="de-DE"/>
           </a:p>
@@ -1797,7 +1797,7 @@
             <a:fld id="{682900CF-52F1-4F95-BCD7-A007BF19B186}" type="datetimeFigureOut">
               <a:rPr lang="de-DE" smtClean="0"/>
               <a:pPr/>
-              <a:t>17.12.2015</a:t>
+              <a:t>18.12.2015</a:t>
             </a:fld>
             <a:endParaRPr lang="de-DE"/>
           </a:p>
@@ -1912,7 +1912,7 @@
             <a:fld id="{682900CF-52F1-4F95-BCD7-A007BF19B186}" type="datetimeFigureOut">
               <a:rPr lang="de-DE" smtClean="0"/>
               <a:pPr/>
-              <a:t>17.12.2015</a:t>
+              <a:t>18.12.2015</a:t>
             </a:fld>
             <a:endParaRPr lang="de-DE"/>
           </a:p>
@@ -2004,7 +2004,7 @@
             <a:fld id="{682900CF-52F1-4F95-BCD7-A007BF19B186}" type="datetimeFigureOut">
               <a:rPr lang="de-DE" smtClean="0"/>
               <a:pPr/>
-              <a:t>17.12.2015</a:t>
+              <a:t>18.12.2015</a:t>
             </a:fld>
             <a:endParaRPr lang="de-DE"/>
           </a:p>
@@ -2278,7 +2278,7 @@
             <a:fld id="{682900CF-52F1-4F95-BCD7-A007BF19B186}" type="datetimeFigureOut">
               <a:rPr lang="de-DE" smtClean="0"/>
               <a:pPr/>
-              <a:t>17.12.2015</a:t>
+              <a:t>18.12.2015</a:t>
             </a:fld>
             <a:endParaRPr lang="de-DE"/>
           </a:p>
@@ -2528,7 +2528,7 @@
             <a:fld id="{682900CF-52F1-4F95-BCD7-A007BF19B186}" type="datetimeFigureOut">
               <a:rPr lang="de-DE" smtClean="0"/>
               <a:pPr/>
-              <a:t>17.12.2015</a:t>
+              <a:t>18.12.2015</a:t>
             </a:fld>
             <a:endParaRPr lang="de-DE"/>
           </a:p>
@@ -2738,7 +2738,7 @@
             <a:fld id="{682900CF-52F1-4F95-BCD7-A007BF19B186}" type="datetimeFigureOut">
               <a:rPr lang="de-DE" smtClean="0"/>
               <a:pPr/>
-              <a:t>17.12.2015</a:t>
+              <a:t>18.12.2015</a:t>
             </a:fld>
             <a:endParaRPr lang="de-DE"/>
           </a:p>
@@ -22498,11 +22498,11 @@
   <p:clrMapOvr>
     <a:masterClrMapping/>
   </p:clrMapOvr>
-  <mc:AlternateContent xmlns:mc="http://schemas.openxmlformats.org/markup-compatibility/2006">
-    <mc:Choice xmlns:p14="http://schemas.microsoft.com/office/powerpoint/2010/main" Requires="p14">
+  <mc:AlternateContent xmlns:mc="http://schemas.openxmlformats.org/markup-compatibility/2006" xmlns:p14="http://schemas.microsoft.com/office/powerpoint/2010/main">
+    <mc:Choice Requires="p14">
       <p:transition spd="slow" p14:dur="2000"/>
     </mc:Choice>
-    <mc:Fallback>
+    <mc:Fallback xmlns="">
       <p:transition spd="slow"/>
     </mc:Fallback>
   </mc:AlternateContent>
@@ -24120,11 +24120,11 @@
   <p:clrMapOvr>
     <a:masterClrMapping/>
   </p:clrMapOvr>
-  <mc:AlternateContent xmlns:mc="http://schemas.openxmlformats.org/markup-compatibility/2006">
-    <mc:Choice xmlns:p14="http://schemas.microsoft.com/office/powerpoint/2010/main" Requires="p14">
+  <mc:AlternateContent xmlns:mc="http://schemas.openxmlformats.org/markup-compatibility/2006" xmlns:p14="http://schemas.microsoft.com/office/powerpoint/2010/main">
+    <mc:Choice Requires="p14">
       <p:transition spd="slow" p14:dur="2000"/>
     </mc:Choice>
-    <mc:Fallback>
+    <mc:Fallback xmlns="">
       <p:transition spd="slow"/>
     </mc:Fallback>
   </mc:AlternateContent>
@@ -25295,7 +25295,7 @@
         </p:nvSpPr>
         <p:spPr>
           <a:xfrm>
-            <a:off x="395536" y="908720"/>
+            <a:off x="395536" y="620688"/>
             <a:ext cx="8136904" cy="620429"/>
           </a:xfrm>
           <a:prstGeom prst="rect">
@@ -25362,14 +25362,14 @@
           <p:nvPr>
             <p:extLst>
               <p:ext uri="{D42A27DB-BD31-4B8C-83A1-F6EECF244321}">
-                <p14:modId xmlns:p14="http://schemas.microsoft.com/office/powerpoint/2010/main" val="1493045008"/>
+                <p14:modId xmlns:p14="http://schemas.microsoft.com/office/powerpoint/2010/main" val="1563270663"/>
               </p:ext>
             </p:extLst>
           </p:nvPr>
         </p:nvGraphicFramePr>
         <p:xfrm>
-          <a:off x="899915" y="1651744"/>
-          <a:ext cx="7056461" cy="3073400"/>
+          <a:off x="899915" y="1052736"/>
+          <a:ext cx="7056461" cy="2397760"/>
         </p:xfrm>
         <a:graphic>
           <a:graphicData uri="http://schemas.openxmlformats.org/drawingml/2006/table">
@@ -26720,6 +26720,11 @@
                       <a:headEnd type="none" w="med" len="med"/>
                       <a:tailEnd type="none" w="med" len="med"/>
                     </a:lnB>
+                    <a:solidFill>
+                      <a:schemeClr val="accent2">
+                        <a:lumMod val="75000"/>
+                      </a:schemeClr>
+                    </a:solidFill>
                   </a:tcPr>
                 </a:tc>
                 <a:tc>
@@ -26758,6 +26763,11 @@
                       <a:headEnd type="none" w="med" len="med"/>
                       <a:tailEnd type="none" w="med" len="med"/>
                     </a:lnB>
+                    <a:solidFill>
+                      <a:schemeClr val="accent2">
+                        <a:lumMod val="75000"/>
+                      </a:schemeClr>
+                    </a:solidFill>
                   </a:tcPr>
                 </a:tc>
               </a:tr>
@@ -27542,7 +27552,9 @@
                       <a:tailEnd type="none" w="med" len="med"/>
                     </a:lnB>
                     <a:solidFill>
-                      <a:schemeClr val="bg1"/>
+                      <a:schemeClr val="accent2">
+                        <a:lumMod val="75000"/>
+                      </a:schemeClr>
                     </a:solidFill>
                   </a:tcPr>
                 </a:tc>
@@ -27990,11 +28002,7 @@
                       <a:headEnd type="none" w="med" len="med"/>
                       <a:tailEnd type="none" w="med" len="med"/>
                     </a:lnB>
-                    <a:solidFill>
-                      <a:schemeClr val="accent2">
-                        <a:lumMod val="75000"/>
-                      </a:schemeClr>
-                    </a:solidFill>
+                    <a:noFill/>
                   </a:tcPr>
                 </a:tc>
                 <a:tc>
@@ -28559,828 +28567,6 @@
                   </a:tcPr>
                 </a:tc>
               </a:tr>
-              <a:tr h="370840">
-                <a:tc>
-                  <a:txBody>
-                    <a:bodyPr/>
-                    <a:lstStyle/>
-                    <a:p>
-                      <a:r>
-                        <a:rPr lang="en-US" b="1" noProof="0" dirty="0" smtClean="0">
-                          <a:solidFill>
-                            <a:schemeClr val="bg1"/>
-                          </a:solidFill>
-                        </a:rPr>
-                        <a:t>Sprint II</a:t>
-                      </a:r>
-                      <a:endParaRPr lang="en-US" b="1" noProof="0" dirty="0">
-                        <a:solidFill>
-                          <a:schemeClr val="bg1"/>
-                        </a:solidFill>
-                      </a:endParaRPr>
-                    </a:p>
-                  </a:txBody>
-                  <a:tcPr>
-                    <a:lnT w="12700" cap="flat" cmpd="sng" algn="ctr">
-                      <a:solidFill>
-                        <a:schemeClr val="tx1"/>
-                      </a:solidFill>
-                      <a:prstDash val="solid"/>
-                      <a:round/>
-                      <a:headEnd type="none" w="med" len="med"/>
-                      <a:tailEnd type="none" w="med" len="med"/>
-                    </a:lnT>
-                    <a:solidFill>
-                      <a:schemeClr val="accent2">
-                        <a:lumMod val="40000"/>
-                        <a:lumOff val="60000"/>
-                      </a:schemeClr>
-                    </a:solidFill>
-                  </a:tcPr>
-                </a:tc>
-                <a:tc>
-                  <a:txBody>
-                    <a:bodyPr/>
-                    <a:lstStyle/>
-                    <a:p>
-                      <a:endParaRPr lang="en-US" noProof="0" dirty="0"/>
-                    </a:p>
-                  </a:txBody>
-                  <a:tcPr>
-                    <a:lnR w="12700" cap="flat" cmpd="sng" algn="ctr">
-                      <a:solidFill>
-                        <a:schemeClr val="tx1"/>
-                      </a:solidFill>
-                      <a:prstDash val="solid"/>
-                      <a:round/>
-                      <a:headEnd type="none" w="med" len="med"/>
-                      <a:tailEnd type="none" w="med" len="med"/>
-                    </a:lnR>
-                    <a:lnT w="12700" cap="flat" cmpd="sng" algn="ctr">
-                      <a:solidFill>
-                        <a:schemeClr val="tx1"/>
-                      </a:solidFill>
-                      <a:prstDash val="solid"/>
-                      <a:round/>
-                      <a:headEnd type="none" w="med" len="med"/>
-                      <a:tailEnd type="none" w="med" len="med"/>
-                    </a:lnT>
-                    <a:solidFill>
-                      <a:schemeClr val="accent2">
-                        <a:lumMod val="40000"/>
-                        <a:lumOff val="60000"/>
-                      </a:schemeClr>
-                    </a:solidFill>
-                  </a:tcPr>
-                </a:tc>
-                <a:tc>
-                  <a:txBody>
-                    <a:bodyPr/>
-                    <a:lstStyle/>
-                    <a:p>
-                      <a:endParaRPr lang="en-US" noProof="0" dirty="0"/>
-                    </a:p>
-                  </a:txBody>
-                  <a:tcPr>
-                    <a:lnL w="12700" cap="flat" cmpd="sng" algn="ctr">
-                      <a:solidFill>
-                        <a:schemeClr val="tx1"/>
-                      </a:solidFill>
-                      <a:prstDash val="solid"/>
-                      <a:round/>
-                      <a:headEnd type="none" w="med" len="med"/>
-                      <a:tailEnd type="none" w="med" len="med"/>
-                    </a:lnL>
-                    <a:lnR w="12700" cap="flat" cmpd="sng" algn="ctr">
-                      <a:solidFill>
-                        <a:schemeClr val="tx1"/>
-                      </a:solidFill>
-                      <a:prstDash val="solid"/>
-                      <a:round/>
-                      <a:headEnd type="none" w="med" len="med"/>
-                      <a:tailEnd type="none" w="med" len="med"/>
-                    </a:lnR>
-                    <a:lnT w="12700" cap="flat" cmpd="sng" algn="ctr">
-                      <a:solidFill>
-                        <a:schemeClr val="tx1"/>
-                      </a:solidFill>
-                      <a:prstDash val="solid"/>
-                      <a:round/>
-                      <a:headEnd type="none" w="med" len="med"/>
-                      <a:tailEnd type="none" w="med" len="med"/>
-                    </a:lnT>
-                    <a:lnB w="12700" cap="flat" cmpd="sng" algn="ctr">
-                      <a:solidFill>
-                        <a:schemeClr val="tx1"/>
-                      </a:solidFill>
-                      <a:prstDash val="solid"/>
-                      <a:round/>
-                      <a:headEnd type="none" w="med" len="med"/>
-                      <a:tailEnd type="none" w="med" len="med"/>
-                    </a:lnB>
-                  </a:tcPr>
-                </a:tc>
-                <a:tc>
-                  <a:txBody>
-                    <a:bodyPr/>
-                    <a:lstStyle/>
-                    <a:p>
-                      <a:endParaRPr lang="en-US" noProof="0" dirty="0"/>
-                    </a:p>
-                  </a:txBody>
-                  <a:tcPr>
-                    <a:lnL w="12700" cap="flat" cmpd="sng" algn="ctr">
-                      <a:solidFill>
-                        <a:schemeClr val="tx1"/>
-                      </a:solidFill>
-                      <a:prstDash val="solid"/>
-                      <a:round/>
-                      <a:headEnd type="none" w="med" len="med"/>
-                      <a:tailEnd type="none" w="med" len="med"/>
-                    </a:lnL>
-                    <a:lnR w="12700" cap="flat" cmpd="sng" algn="ctr">
-                      <a:solidFill>
-                        <a:schemeClr val="tx1"/>
-                      </a:solidFill>
-                      <a:prstDash val="solid"/>
-                      <a:round/>
-                      <a:headEnd type="none" w="med" len="med"/>
-                      <a:tailEnd type="none" w="med" len="med"/>
-                    </a:lnR>
-                    <a:lnT w="12700" cap="flat" cmpd="sng" algn="ctr">
-                      <a:solidFill>
-                        <a:schemeClr val="tx1"/>
-                      </a:solidFill>
-                      <a:prstDash val="solid"/>
-                      <a:round/>
-                      <a:headEnd type="none" w="med" len="med"/>
-                      <a:tailEnd type="none" w="med" len="med"/>
-                    </a:lnT>
-                    <a:lnB w="12700" cap="flat" cmpd="sng" algn="ctr">
-                      <a:solidFill>
-                        <a:schemeClr val="tx1"/>
-                      </a:solidFill>
-                      <a:prstDash val="solid"/>
-                      <a:round/>
-                      <a:headEnd type="none" w="med" len="med"/>
-                      <a:tailEnd type="none" w="med" len="med"/>
-                    </a:lnB>
-                  </a:tcPr>
-                </a:tc>
-                <a:tc>
-                  <a:txBody>
-                    <a:bodyPr/>
-                    <a:lstStyle/>
-                    <a:p>
-                      <a:endParaRPr lang="en-US" noProof="0" dirty="0"/>
-                    </a:p>
-                  </a:txBody>
-                  <a:tcPr>
-                    <a:lnL w="12700" cap="flat" cmpd="sng" algn="ctr">
-                      <a:solidFill>
-                        <a:schemeClr val="tx1"/>
-                      </a:solidFill>
-                      <a:prstDash val="solid"/>
-                      <a:round/>
-                      <a:headEnd type="none" w="med" len="med"/>
-                      <a:tailEnd type="none" w="med" len="med"/>
-                    </a:lnL>
-                    <a:lnR w="12700" cap="flat" cmpd="sng" algn="ctr">
-                      <a:solidFill>
-                        <a:schemeClr val="tx1"/>
-                      </a:solidFill>
-                      <a:prstDash val="solid"/>
-                      <a:round/>
-                      <a:headEnd type="none" w="med" len="med"/>
-                      <a:tailEnd type="none" w="med" len="med"/>
-                    </a:lnR>
-                    <a:lnT w="12700" cap="flat" cmpd="sng" algn="ctr">
-                      <a:solidFill>
-                        <a:schemeClr val="tx1"/>
-                      </a:solidFill>
-                      <a:prstDash val="solid"/>
-                      <a:round/>
-                      <a:headEnd type="none" w="med" len="med"/>
-                      <a:tailEnd type="none" w="med" len="med"/>
-                    </a:lnT>
-                    <a:lnB w="12700" cap="flat" cmpd="sng" algn="ctr">
-                      <a:solidFill>
-                        <a:schemeClr val="tx1"/>
-                      </a:solidFill>
-                      <a:prstDash val="solid"/>
-                      <a:round/>
-                      <a:headEnd type="none" w="med" len="med"/>
-                      <a:tailEnd type="none" w="med" len="med"/>
-                    </a:lnB>
-                  </a:tcPr>
-                </a:tc>
-                <a:tc>
-                  <a:txBody>
-                    <a:bodyPr/>
-                    <a:lstStyle/>
-                    <a:p>
-                      <a:endParaRPr lang="en-US" noProof="0" dirty="0"/>
-                    </a:p>
-                  </a:txBody>
-                  <a:tcPr>
-                    <a:lnL w="12700" cap="flat" cmpd="sng" algn="ctr">
-                      <a:solidFill>
-                        <a:schemeClr val="tx1"/>
-                      </a:solidFill>
-                      <a:prstDash val="solid"/>
-                      <a:round/>
-                      <a:headEnd type="none" w="med" len="med"/>
-                      <a:tailEnd type="none" w="med" len="med"/>
-                    </a:lnL>
-                    <a:lnR w="12700" cap="flat" cmpd="sng" algn="ctr">
-                      <a:solidFill>
-                        <a:schemeClr val="tx1"/>
-                      </a:solidFill>
-                      <a:prstDash val="solid"/>
-                      <a:round/>
-                      <a:headEnd type="none" w="med" len="med"/>
-                      <a:tailEnd type="none" w="med" len="med"/>
-                    </a:lnR>
-                    <a:lnT w="12700" cap="flat" cmpd="sng" algn="ctr">
-                      <a:solidFill>
-                        <a:schemeClr val="tx1"/>
-                      </a:solidFill>
-                      <a:prstDash val="solid"/>
-                      <a:round/>
-                      <a:headEnd type="none" w="med" len="med"/>
-                      <a:tailEnd type="none" w="med" len="med"/>
-                    </a:lnT>
-                    <a:lnB w="12700" cap="flat" cmpd="sng" algn="ctr">
-                      <a:solidFill>
-                        <a:schemeClr val="tx1"/>
-                      </a:solidFill>
-                      <a:prstDash val="solid"/>
-                      <a:round/>
-                      <a:headEnd type="none" w="med" len="med"/>
-                      <a:tailEnd type="none" w="med" len="med"/>
-                    </a:lnB>
-                  </a:tcPr>
-                </a:tc>
-                <a:tc>
-                  <a:txBody>
-                    <a:bodyPr/>
-                    <a:lstStyle/>
-                    <a:p>
-                      <a:endParaRPr lang="en-US" noProof="0" dirty="0"/>
-                    </a:p>
-                  </a:txBody>
-                  <a:tcPr>
-                    <a:lnL w="12700" cap="flat" cmpd="sng" algn="ctr">
-                      <a:solidFill>
-                        <a:schemeClr val="tx1"/>
-                      </a:solidFill>
-                      <a:prstDash val="solid"/>
-                      <a:round/>
-                      <a:headEnd type="none" w="med" len="med"/>
-                      <a:tailEnd type="none" w="med" len="med"/>
-                    </a:lnL>
-                    <a:lnR w="12700" cap="flat" cmpd="sng" algn="ctr">
-                      <a:solidFill>
-                        <a:schemeClr val="tx1"/>
-                      </a:solidFill>
-                      <a:prstDash val="solid"/>
-                      <a:round/>
-                      <a:headEnd type="none" w="med" len="med"/>
-                      <a:tailEnd type="none" w="med" len="med"/>
-                    </a:lnR>
-                    <a:lnT w="12700" cap="flat" cmpd="sng" algn="ctr">
-                      <a:solidFill>
-                        <a:schemeClr val="tx1"/>
-                      </a:solidFill>
-                      <a:prstDash val="solid"/>
-                      <a:round/>
-                      <a:headEnd type="none" w="med" len="med"/>
-                      <a:tailEnd type="none" w="med" len="med"/>
-                    </a:lnT>
-                    <a:lnB w="12700" cap="flat" cmpd="sng" algn="ctr">
-                      <a:solidFill>
-                        <a:schemeClr val="tx1"/>
-                      </a:solidFill>
-                      <a:prstDash val="solid"/>
-                      <a:round/>
-                      <a:headEnd type="none" w="med" len="med"/>
-                      <a:tailEnd type="none" w="med" len="med"/>
-                    </a:lnB>
-                  </a:tcPr>
-                </a:tc>
-                <a:tc>
-                  <a:txBody>
-                    <a:bodyPr/>
-                    <a:lstStyle/>
-                    <a:p>
-                      <a:endParaRPr lang="en-US" noProof="0" dirty="0"/>
-                    </a:p>
-                  </a:txBody>
-                  <a:tcPr>
-                    <a:lnL w="12700" cap="flat" cmpd="sng" algn="ctr">
-                      <a:solidFill>
-                        <a:schemeClr val="tx1"/>
-                      </a:solidFill>
-                      <a:prstDash val="solid"/>
-                      <a:round/>
-                      <a:headEnd type="none" w="med" len="med"/>
-                      <a:tailEnd type="none" w="med" len="med"/>
-                    </a:lnL>
-                    <a:lnR w="12700" cap="flat" cmpd="sng" algn="ctr">
-                      <a:solidFill>
-                        <a:schemeClr val="tx1"/>
-                      </a:solidFill>
-                      <a:prstDash val="solid"/>
-                      <a:round/>
-                      <a:headEnd type="none" w="med" len="med"/>
-                      <a:tailEnd type="none" w="med" len="med"/>
-                    </a:lnR>
-                    <a:lnT w="12700" cap="flat" cmpd="sng" algn="ctr">
-                      <a:solidFill>
-                        <a:schemeClr val="tx1"/>
-                      </a:solidFill>
-                      <a:prstDash val="solid"/>
-                      <a:round/>
-                      <a:headEnd type="none" w="med" len="med"/>
-                      <a:tailEnd type="none" w="med" len="med"/>
-                    </a:lnT>
-                    <a:lnB w="12700" cap="flat" cmpd="sng" algn="ctr">
-                      <a:solidFill>
-                        <a:schemeClr val="tx1"/>
-                      </a:solidFill>
-                      <a:prstDash val="solid"/>
-                      <a:round/>
-                      <a:headEnd type="none" w="med" len="med"/>
-                      <a:tailEnd type="none" w="med" len="med"/>
-                    </a:lnB>
-                    <a:solidFill>
-                      <a:schemeClr val="accent2">
-                        <a:lumMod val="40000"/>
-                        <a:lumOff val="60000"/>
-                      </a:schemeClr>
-                    </a:solidFill>
-                  </a:tcPr>
-                </a:tc>
-                <a:tc>
-                  <a:txBody>
-                    <a:bodyPr/>
-                    <a:lstStyle/>
-                    <a:p>
-                      <a:endParaRPr lang="en-US" noProof="0" dirty="0"/>
-                    </a:p>
-                  </a:txBody>
-                  <a:tcPr>
-                    <a:lnL w="12700" cap="flat" cmpd="sng" algn="ctr">
-                      <a:solidFill>
-                        <a:schemeClr val="tx1"/>
-                      </a:solidFill>
-                      <a:prstDash val="solid"/>
-                      <a:round/>
-                      <a:headEnd type="none" w="med" len="med"/>
-                      <a:tailEnd type="none" w="med" len="med"/>
-                    </a:lnL>
-                    <a:lnR w="12700" cap="flat" cmpd="sng" algn="ctr">
-                      <a:solidFill>
-                        <a:schemeClr val="tx1"/>
-                      </a:solidFill>
-                      <a:prstDash val="solid"/>
-                      <a:round/>
-                      <a:headEnd type="none" w="med" len="med"/>
-                      <a:tailEnd type="none" w="med" len="med"/>
-                    </a:lnR>
-                    <a:lnT w="12700" cap="flat" cmpd="sng" algn="ctr">
-                      <a:solidFill>
-                        <a:schemeClr val="tx1"/>
-                      </a:solidFill>
-                      <a:prstDash val="solid"/>
-                      <a:round/>
-                      <a:headEnd type="none" w="med" len="med"/>
-                      <a:tailEnd type="none" w="med" len="med"/>
-                    </a:lnT>
-                    <a:lnB w="12700" cap="flat" cmpd="sng" algn="ctr">
-                      <a:solidFill>
-                        <a:schemeClr val="tx1"/>
-                      </a:solidFill>
-                      <a:prstDash val="solid"/>
-                      <a:round/>
-                      <a:headEnd type="none" w="med" len="med"/>
-                      <a:tailEnd type="none" w="med" len="med"/>
-                    </a:lnB>
-                    <a:solidFill>
-                      <a:schemeClr val="accent2">
-                        <a:lumMod val="40000"/>
-                        <a:lumOff val="60000"/>
-                      </a:schemeClr>
-                    </a:solidFill>
-                  </a:tcPr>
-                </a:tc>
-                <a:tc>
-                  <a:txBody>
-                    <a:bodyPr/>
-                    <a:lstStyle/>
-                    <a:p>
-                      <a:endParaRPr lang="en-US" noProof="0" dirty="0"/>
-                    </a:p>
-                  </a:txBody>
-                  <a:tcPr>
-                    <a:lnL w="12700" cap="flat" cmpd="sng" algn="ctr">
-                      <a:solidFill>
-                        <a:schemeClr val="tx1"/>
-                      </a:solidFill>
-                      <a:prstDash val="solid"/>
-                      <a:round/>
-                      <a:headEnd type="none" w="med" len="med"/>
-                      <a:tailEnd type="none" w="med" len="med"/>
-                    </a:lnL>
-                    <a:lnT w="12700" cap="flat" cmpd="sng" algn="ctr">
-                      <a:solidFill>
-                        <a:schemeClr val="tx1"/>
-                      </a:solidFill>
-                      <a:prstDash val="solid"/>
-                      <a:round/>
-                      <a:headEnd type="none" w="med" len="med"/>
-                      <a:tailEnd type="none" w="med" len="med"/>
-                    </a:lnT>
-                    <a:lnB w="12700" cap="flat" cmpd="sng" algn="ctr">
-                      <a:solidFill>
-                        <a:schemeClr val="tx1"/>
-                      </a:solidFill>
-                      <a:prstDash val="solid"/>
-                      <a:round/>
-                      <a:headEnd type="none" w="med" len="med"/>
-                      <a:tailEnd type="none" w="med" len="med"/>
-                    </a:lnB>
-                    <a:solidFill>
-                      <a:schemeClr val="accent2">
-                        <a:lumMod val="40000"/>
-                        <a:lumOff val="60000"/>
-                      </a:schemeClr>
-                    </a:solidFill>
-                  </a:tcPr>
-                </a:tc>
-              </a:tr>
-              <a:tr h="183728">
-                <a:tc>
-                  <a:txBody>
-                    <a:bodyPr/>
-                    <a:lstStyle/>
-                    <a:p>
-                      <a:endParaRPr lang="en-US" sz="1400" b="1" noProof="0" dirty="0">
-                        <a:solidFill>
-                          <a:schemeClr val="bg1"/>
-                        </a:solidFill>
-                      </a:endParaRPr>
-                    </a:p>
-                  </a:txBody>
-                  <a:tcPr>
-                    <a:solidFill>
-                      <a:schemeClr val="accent2">
-                        <a:lumMod val="40000"/>
-                        <a:lumOff val="60000"/>
-                      </a:schemeClr>
-                    </a:solidFill>
-                  </a:tcPr>
-                </a:tc>
-                <a:tc>
-                  <a:txBody>
-                    <a:bodyPr/>
-                    <a:lstStyle/>
-                    <a:p>
-                      <a:r>
-                        <a:rPr lang="en-US" sz="1400" noProof="0" dirty="0" smtClean="0">
-                          <a:solidFill>
-                            <a:schemeClr val="bg1"/>
-                          </a:solidFill>
-                        </a:rPr>
-                        <a:t>Sprint Planning</a:t>
-                      </a:r>
-                      <a:endParaRPr lang="en-US" sz="1400" noProof="0" dirty="0">
-                        <a:solidFill>
-                          <a:schemeClr val="bg1"/>
-                        </a:solidFill>
-                      </a:endParaRPr>
-                    </a:p>
-                  </a:txBody>
-                  <a:tcPr>
-                    <a:lnR w="12700" cap="flat" cmpd="sng" algn="ctr">
-                      <a:solidFill>
-                        <a:schemeClr val="tx1"/>
-                      </a:solidFill>
-                      <a:prstDash val="solid"/>
-                      <a:round/>
-                      <a:headEnd type="none" w="med" len="med"/>
-                      <a:tailEnd type="none" w="med" len="med"/>
-                    </a:lnR>
-                    <a:solidFill>
-                      <a:schemeClr val="accent2">
-                        <a:lumMod val="40000"/>
-                        <a:lumOff val="60000"/>
-                      </a:schemeClr>
-                    </a:solidFill>
-                  </a:tcPr>
-                </a:tc>
-                <a:tc>
-                  <a:txBody>
-                    <a:bodyPr/>
-                    <a:lstStyle/>
-                    <a:p>
-                      <a:endParaRPr lang="en-US" sz="1400" noProof="0" dirty="0"/>
-                    </a:p>
-                  </a:txBody>
-                  <a:tcPr>
-                    <a:lnL w="12700" cap="flat" cmpd="sng" algn="ctr">
-                      <a:solidFill>
-                        <a:schemeClr val="tx1"/>
-                      </a:solidFill>
-                      <a:prstDash val="solid"/>
-                      <a:round/>
-                      <a:headEnd type="none" w="med" len="med"/>
-                      <a:tailEnd type="none" w="med" len="med"/>
-                    </a:lnL>
-                    <a:lnR w="12700" cap="flat" cmpd="sng" algn="ctr">
-                      <a:solidFill>
-                        <a:schemeClr val="tx1"/>
-                      </a:solidFill>
-                      <a:prstDash val="solid"/>
-                      <a:round/>
-                      <a:headEnd type="none" w="med" len="med"/>
-                      <a:tailEnd type="none" w="med" len="med"/>
-                    </a:lnR>
-                    <a:lnT w="12700" cap="flat" cmpd="sng" algn="ctr">
-                      <a:solidFill>
-                        <a:schemeClr val="tx1"/>
-                      </a:solidFill>
-                      <a:prstDash val="solid"/>
-                      <a:round/>
-                      <a:headEnd type="none" w="med" len="med"/>
-                      <a:tailEnd type="none" w="med" len="med"/>
-                    </a:lnT>
-                  </a:tcPr>
-                </a:tc>
-                <a:tc>
-                  <a:txBody>
-                    <a:bodyPr/>
-                    <a:lstStyle/>
-                    <a:p>
-                      <a:endParaRPr lang="en-US" sz="1400" noProof="0" dirty="0"/>
-                    </a:p>
-                  </a:txBody>
-                  <a:tcPr>
-                    <a:lnL w="12700" cap="flat" cmpd="sng" algn="ctr">
-                      <a:solidFill>
-                        <a:schemeClr val="tx1"/>
-                      </a:solidFill>
-                      <a:prstDash val="solid"/>
-                      <a:round/>
-                      <a:headEnd type="none" w="med" len="med"/>
-                      <a:tailEnd type="none" w="med" len="med"/>
-                    </a:lnL>
-                    <a:lnR w="12700" cap="flat" cmpd="sng" algn="ctr">
-                      <a:solidFill>
-                        <a:schemeClr val="tx1"/>
-                      </a:solidFill>
-                      <a:prstDash val="solid"/>
-                      <a:round/>
-                      <a:headEnd type="none" w="med" len="med"/>
-                      <a:tailEnd type="none" w="med" len="med"/>
-                    </a:lnR>
-                    <a:lnT w="12700" cap="flat" cmpd="sng" algn="ctr">
-                      <a:solidFill>
-                        <a:schemeClr val="tx1"/>
-                      </a:solidFill>
-                      <a:prstDash val="solid"/>
-                      <a:round/>
-                      <a:headEnd type="none" w="med" len="med"/>
-                      <a:tailEnd type="none" w="med" len="med"/>
-                    </a:lnT>
-                  </a:tcPr>
-                </a:tc>
-                <a:tc>
-                  <a:txBody>
-                    <a:bodyPr/>
-                    <a:lstStyle/>
-                    <a:p>
-                      <a:endParaRPr lang="en-US" sz="1400" noProof="0" dirty="0"/>
-                    </a:p>
-                  </a:txBody>
-                  <a:tcPr>
-                    <a:lnL w="12700" cap="flat" cmpd="sng" algn="ctr">
-                      <a:solidFill>
-                        <a:schemeClr val="tx1"/>
-                      </a:solidFill>
-                      <a:prstDash val="solid"/>
-                      <a:round/>
-                      <a:headEnd type="none" w="med" len="med"/>
-                      <a:tailEnd type="none" w="med" len="med"/>
-                    </a:lnL>
-                    <a:lnR w="12700" cap="flat" cmpd="sng" algn="ctr">
-                      <a:solidFill>
-                        <a:schemeClr val="tx1"/>
-                      </a:solidFill>
-                      <a:prstDash val="solid"/>
-                      <a:round/>
-                      <a:headEnd type="none" w="med" len="med"/>
-                      <a:tailEnd type="none" w="med" len="med"/>
-                    </a:lnR>
-                    <a:lnT w="12700" cap="flat" cmpd="sng" algn="ctr">
-                      <a:solidFill>
-                        <a:schemeClr val="tx1"/>
-                      </a:solidFill>
-                      <a:prstDash val="solid"/>
-                      <a:round/>
-                      <a:headEnd type="none" w="med" len="med"/>
-                      <a:tailEnd type="none" w="med" len="med"/>
-                    </a:lnT>
-                  </a:tcPr>
-                </a:tc>
-                <a:tc>
-                  <a:txBody>
-                    <a:bodyPr/>
-                    <a:lstStyle/>
-                    <a:p>
-                      <a:endParaRPr lang="en-US" sz="1400" noProof="0" dirty="0"/>
-                    </a:p>
-                  </a:txBody>
-                  <a:tcPr>
-                    <a:lnL w="12700" cap="flat" cmpd="sng" algn="ctr">
-                      <a:solidFill>
-                        <a:schemeClr val="tx1"/>
-                      </a:solidFill>
-                      <a:prstDash val="solid"/>
-                      <a:round/>
-                      <a:headEnd type="none" w="med" len="med"/>
-                      <a:tailEnd type="none" w="med" len="med"/>
-                    </a:lnL>
-                    <a:lnR w="12700" cap="flat" cmpd="sng" algn="ctr">
-                      <a:solidFill>
-                        <a:schemeClr val="tx1"/>
-                      </a:solidFill>
-                      <a:prstDash val="solid"/>
-                      <a:round/>
-                      <a:headEnd type="none" w="med" len="med"/>
-                      <a:tailEnd type="none" w="med" len="med"/>
-                    </a:lnR>
-                    <a:lnT w="12700" cap="flat" cmpd="sng" algn="ctr">
-                      <a:solidFill>
-                        <a:schemeClr val="tx1"/>
-                      </a:solidFill>
-                      <a:prstDash val="solid"/>
-                      <a:round/>
-                      <a:headEnd type="none" w="med" len="med"/>
-                      <a:tailEnd type="none" w="med" len="med"/>
-                    </a:lnT>
-                  </a:tcPr>
-                </a:tc>
-                <a:tc>
-                  <a:txBody>
-                    <a:bodyPr/>
-                    <a:lstStyle/>
-                    <a:p>
-                      <a:endParaRPr lang="en-US" sz="1400" noProof="0" dirty="0"/>
-                    </a:p>
-                  </a:txBody>
-                  <a:tcPr>
-                    <a:lnL w="12700" cap="flat" cmpd="sng" algn="ctr">
-                      <a:solidFill>
-                        <a:schemeClr val="tx1"/>
-                      </a:solidFill>
-                      <a:prstDash val="solid"/>
-                      <a:round/>
-                      <a:headEnd type="none" w="med" len="med"/>
-                      <a:tailEnd type="none" w="med" len="med"/>
-                    </a:lnL>
-                    <a:lnR w="12700" cap="flat" cmpd="sng" algn="ctr">
-                      <a:solidFill>
-                        <a:schemeClr val="tx1"/>
-                      </a:solidFill>
-                      <a:prstDash val="solid"/>
-                      <a:round/>
-                      <a:headEnd type="none" w="med" len="med"/>
-                      <a:tailEnd type="none" w="med" len="med"/>
-                    </a:lnR>
-                    <a:lnT w="12700" cap="flat" cmpd="sng" algn="ctr">
-                      <a:solidFill>
-                        <a:schemeClr val="tx1"/>
-                      </a:solidFill>
-                      <a:prstDash val="solid"/>
-                      <a:round/>
-                      <a:headEnd type="none" w="med" len="med"/>
-                      <a:tailEnd type="none" w="med" len="med"/>
-                    </a:lnT>
-                  </a:tcPr>
-                </a:tc>
-                <a:tc>
-                  <a:txBody>
-                    <a:bodyPr/>
-                    <a:lstStyle/>
-                    <a:p>
-                      <a:endParaRPr lang="en-US" sz="1400" noProof="0" dirty="0"/>
-                    </a:p>
-                  </a:txBody>
-                  <a:tcPr>
-                    <a:lnL w="12700" cap="flat" cmpd="sng" algn="ctr">
-                      <a:solidFill>
-                        <a:schemeClr val="tx1"/>
-                      </a:solidFill>
-                      <a:prstDash val="solid"/>
-                      <a:round/>
-                      <a:headEnd type="none" w="med" len="med"/>
-                      <a:tailEnd type="none" w="med" len="med"/>
-                    </a:lnL>
-                    <a:lnR w="12700" cap="flat" cmpd="sng" algn="ctr">
-                      <a:solidFill>
-                        <a:schemeClr val="tx1"/>
-                      </a:solidFill>
-                      <a:prstDash val="solid"/>
-                      <a:round/>
-                      <a:headEnd type="none" w="med" len="med"/>
-                      <a:tailEnd type="none" w="med" len="med"/>
-                    </a:lnR>
-                    <a:lnT w="12700" cap="flat" cmpd="sng" algn="ctr">
-                      <a:solidFill>
-                        <a:schemeClr val="tx1"/>
-                      </a:solidFill>
-                      <a:prstDash val="solid"/>
-                      <a:round/>
-                      <a:headEnd type="none" w="med" len="med"/>
-                      <a:tailEnd type="none" w="med" len="med"/>
-                    </a:lnT>
-                    <a:solidFill>
-                      <a:schemeClr val="accent2">
-                        <a:lumMod val="40000"/>
-                        <a:lumOff val="60000"/>
-                      </a:schemeClr>
-                    </a:solidFill>
-                  </a:tcPr>
-                </a:tc>
-                <a:tc>
-                  <a:txBody>
-                    <a:bodyPr/>
-                    <a:lstStyle/>
-                    <a:p>
-                      <a:endParaRPr lang="en-US" sz="1400" noProof="0" dirty="0"/>
-                    </a:p>
-                  </a:txBody>
-                  <a:tcPr>
-                    <a:lnL w="12700" cap="flat" cmpd="sng" algn="ctr">
-                      <a:solidFill>
-                        <a:schemeClr val="tx1"/>
-                      </a:solidFill>
-                      <a:prstDash val="solid"/>
-                      <a:round/>
-                      <a:headEnd type="none" w="med" len="med"/>
-                      <a:tailEnd type="none" w="med" len="med"/>
-                    </a:lnL>
-                    <a:lnR w="12700" cap="flat" cmpd="sng" algn="ctr">
-                      <a:solidFill>
-                        <a:schemeClr val="tx1"/>
-                      </a:solidFill>
-                      <a:prstDash val="solid"/>
-                      <a:round/>
-                      <a:headEnd type="none" w="med" len="med"/>
-                      <a:tailEnd type="none" w="med" len="med"/>
-                    </a:lnR>
-                    <a:lnT w="12700" cap="flat" cmpd="sng" algn="ctr">
-                      <a:solidFill>
-                        <a:schemeClr val="tx1"/>
-                      </a:solidFill>
-                      <a:prstDash val="solid"/>
-                      <a:round/>
-                      <a:headEnd type="none" w="med" len="med"/>
-                      <a:tailEnd type="none" w="med" len="med"/>
-                    </a:lnT>
-                  </a:tcPr>
-                </a:tc>
-                <a:tc>
-                  <a:txBody>
-                    <a:bodyPr/>
-                    <a:lstStyle/>
-                    <a:p>
-                      <a:endParaRPr lang="en-US" sz="1400" noProof="0" dirty="0"/>
-                    </a:p>
-                  </a:txBody>
-                  <a:tcPr>
-                    <a:lnL w="12700" cap="flat" cmpd="sng" algn="ctr">
-                      <a:solidFill>
-                        <a:schemeClr val="tx1"/>
-                      </a:solidFill>
-                      <a:prstDash val="solid"/>
-                      <a:round/>
-                      <a:headEnd type="none" w="med" len="med"/>
-                      <a:tailEnd type="none" w="med" len="med"/>
-                    </a:lnL>
-                    <a:lnT w="12700" cap="flat" cmpd="sng" algn="ctr">
-                      <a:solidFill>
-                        <a:schemeClr val="tx1"/>
-                      </a:solidFill>
-                      <a:prstDash val="solid"/>
-                      <a:round/>
-                      <a:headEnd type="none" w="med" len="med"/>
-                      <a:tailEnd type="none" w="med" len="med"/>
-                    </a:lnT>
-                  </a:tcPr>
-                </a:tc>
-              </a:tr>
             </a:tbl>
           </a:graphicData>
         </a:graphic>
@@ -29395,11 +28581,11 @@
   <p:clrMapOvr>
     <a:masterClrMapping/>
   </p:clrMapOvr>
-  <mc:AlternateContent xmlns:mc="http://schemas.openxmlformats.org/markup-compatibility/2006">
-    <mc:Choice xmlns:p14="http://schemas.microsoft.com/office/powerpoint/2010/main" Requires="p14">
+  <mc:AlternateContent xmlns:mc="http://schemas.openxmlformats.org/markup-compatibility/2006" xmlns:p14="http://schemas.microsoft.com/office/powerpoint/2010/main">
+    <mc:Choice Requires="p14">
       <p:transition spd="slow" p14:dur="2000"/>
     </mc:Choice>
-    <mc:Fallback>
+    <mc:Fallback xmlns="">
       <p:transition spd="slow"/>
     </mc:Fallback>
   </mc:AlternateContent>
@@ -29548,7 +28734,7 @@
         </p:nvSpPr>
         <p:spPr>
           <a:xfrm>
-            <a:off x="395536" y="908720"/>
+            <a:off x="395536" y="548680"/>
             <a:ext cx="8136904" cy="620429"/>
           </a:xfrm>
           <a:prstGeom prst="rect">
@@ -29615,14 +28801,14 @@
           <p:nvPr>
             <p:extLst>
               <p:ext uri="{D42A27DB-BD31-4B8C-83A1-F6EECF244321}">
-                <p14:modId xmlns:p14="http://schemas.microsoft.com/office/powerpoint/2010/main" val="2459636885"/>
+                <p14:modId xmlns:p14="http://schemas.microsoft.com/office/powerpoint/2010/main" val="1739621659"/>
               </p:ext>
             </p:extLst>
           </p:nvPr>
         </p:nvGraphicFramePr>
         <p:xfrm>
-          <a:off x="827584" y="1351880"/>
-          <a:ext cx="7056462" cy="4582160"/>
+          <a:off x="1187624" y="1039832"/>
+          <a:ext cx="7056462" cy="5557520"/>
         </p:xfrm>
         <a:graphic>
           <a:graphicData uri="http://schemas.openxmlformats.org/drawingml/2006/table">
@@ -29657,6 +28843,24 @@
                     </a:p>
                   </a:txBody>
                   <a:tcPr>
+                    <a:lnL w="12700" cap="flat" cmpd="sng" algn="ctr">
+                      <a:solidFill>
+                        <a:schemeClr val="tx1"/>
+                      </a:solidFill>
+                      <a:prstDash val="solid"/>
+                      <a:round/>
+                      <a:headEnd type="none" w="med" len="med"/>
+                      <a:tailEnd type="none" w="med" len="med"/>
+                    </a:lnL>
+                    <a:lnT w="12700" cap="flat" cmpd="sng" algn="ctr">
+                      <a:solidFill>
+                        <a:schemeClr val="tx1"/>
+                      </a:solidFill>
+                      <a:prstDash val="solid"/>
+                      <a:round/>
+                      <a:headEnd type="none" w="med" len="med"/>
+                      <a:tailEnd type="none" w="med" len="med"/>
+                    </a:lnT>
                     <a:lnB w="12700" cap="flat" cmpd="sng" algn="ctr">
                       <a:solidFill>
                         <a:schemeClr val="tx1"/>
@@ -29692,6 +28896,15 @@
                       <a:headEnd type="none" w="med" len="med"/>
                       <a:tailEnd type="none" w="med" len="med"/>
                     </a:lnR>
+                    <a:lnT w="12700" cap="flat" cmpd="sng" algn="ctr">
+                      <a:solidFill>
+                        <a:schemeClr val="tx1"/>
+                      </a:solidFill>
+                      <a:prstDash val="solid"/>
+                      <a:round/>
+                      <a:headEnd type="none" w="med" len="med"/>
+                      <a:tailEnd type="none" w="med" len="med"/>
+                    </a:lnT>
                     <a:lnB w="12700" cap="flat" cmpd="sng" algn="ctr">
                       <a:solidFill>
                         <a:schemeClr val="tx1"/>
@@ -29740,6 +28953,15 @@
                       <a:headEnd type="none" w="med" len="med"/>
                       <a:tailEnd type="none" w="med" len="med"/>
                     </a:lnR>
+                    <a:lnT w="12700" cap="flat" cmpd="sng" algn="ctr">
+                      <a:solidFill>
+                        <a:schemeClr val="tx1"/>
+                      </a:solidFill>
+                      <a:prstDash val="solid"/>
+                      <a:round/>
+                      <a:headEnd type="none" w="med" len="med"/>
+                      <a:tailEnd type="none" w="med" len="med"/>
+                    </a:lnT>
                     <a:lnB w="12700" cap="flat" cmpd="sng" algn="ctr">
                       <a:solidFill>
                         <a:schemeClr val="tx1"/>
@@ -29788,6 +29010,15 @@
                       <a:headEnd type="none" w="med" len="med"/>
                       <a:tailEnd type="none" w="med" len="med"/>
                     </a:lnR>
+                    <a:lnT w="12700" cap="flat" cmpd="sng" algn="ctr">
+                      <a:solidFill>
+                        <a:schemeClr val="tx1"/>
+                      </a:solidFill>
+                      <a:prstDash val="solid"/>
+                      <a:round/>
+                      <a:headEnd type="none" w="med" len="med"/>
+                      <a:tailEnd type="none" w="med" len="med"/>
+                    </a:lnT>
                     <a:lnB w="12700" cap="flat" cmpd="sng" algn="ctr">
                       <a:solidFill>
                         <a:schemeClr val="tx1"/>
@@ -29836,6 +29067,15 @@
                       <a:headEnd type="none" w="med" len="med"/>
                       <a:tailEnd type="none" w="med" len="med"/>
                     </a:lnR>
+                    <a:lnT w="12700" cap="flat" cmpd="sng" algn="ctr">
+                      <a:solidFill>
+                        <a:schemeClr val="tx1"/>
+                      </a:solidFill>
+                      <a:prstDash val="solid"/>
+                      <a:round/>
+                      <a:headEnd type="none" w="med" len="med"/>
+                      <a:tailEnd type="none" w="med" len="med"/>
+                    </a:lnT>
                     <a:lnB w="12700" cap="flat" cmpd="sng" algn="ctr">
                       <a:solidFill>
                         <a:schemeClr val="tx1"/>
@@ -29884,6 +29124,15 @@
                       <a:headEnd type="none" w="med" len="med"/>
                       <a:tailEnd type="none" w="med" len="med"/>
                     </a:lnR>
+                    <a:lnT w="12700" cap="flat" cmpd="sng" algn="ctr">
+                      <a:solidFill>
+                        <a:schemeClr val="tx1"/>
+                      </a:solidFill>
+                      <a:prstDash val="solid"/>
+                      <a:round/>
+                      <a:headEnd type="none" w="med" len="med"/>
+                      <a:tailEnd type="none" w="med" len="med"/>
+                    </a:lnT>
                     <a:lnB w="12700" cap="flat" cmpd="sng" algn="ctr">
                       <a:solidFill>
                         <a:schemeClr val="tx1"/>
@@ -29932,6 +29181,15 @@
                       <a:headEnd type="none" w="med" len="med"/>
                       <a:tailEnd type="none" w="med" len="med"/>
                     </a:lnR>
+                    <a:lnT w="12700" cap="flat" cmpd="sng" algn="ctr">
+                      <a:solidFill>
+                        <a:schemeClr val="tx1"/>
+                      </a:solidFill>
+                      <a:prstDash val="solid"/>
+                      <a:round/>
+                      <a:headEnd type="none" w="med" len="med"/>
+                      <a:tailEnd type="none" w="med" len="med"/>
+                    </a:lnT>
                     <a:lnB w="12700" cap="flat" cmpd="sng" algn="ctr">
                       <a:solidFill>
                         <a:schemeClr val="tx1"/>
@@ -29980,6 +29238,15 @@
                       <a:headEnd type="none" w="med" len="med"/>
                       <a:tailEnd type="none" w="med" len="med"/>
                     </a:lnR>
+                    <a:lnT w="12700" cap="flat" cmpd="sng" algn="ctr">
+                      <a:solidFill>
+                        <a:schemeClr val="tx1"/>
+                      </a:solidFill>
+                      <a:prstDash val="solid"/>
+                      <a:round/>
+                      <a:headEnd type="none" w="med" len="med"/>
+                      <a:tailEnd type="none" w="med" len="med"/>
+                    </a:lnT>
                     <a:lnB w="12700" cap="flat" cmpd="sng" algn="ctr">
                       <a:solidFill>
                         <a:schemeClr val="tx1"/>
@@ -30028,6 +29295,15 @@
                       <a:headEnd type="none" w="med" len="med"/>
                       <a:tailEnd type="none" w="med" len="med"/>
                     </a:lnR>
+                    <a:lnT w="12700" cap="flat" cmpd="sng" algn="ctr">
+                      <a:solidFill>
+                        <a:schemeClr val="tx1"/>
+                      </a:solidFill>
+                      <a:prstDash val="solid"/>
+                      <a:round/>
+                      <a:headEnd type="none" w="med" len="med"/>
+                      <a:tailEnd type="none" w="med" len="med"/>
+                    </a:lnT>
                     <a:lnB w="12700" cap="flat" cmpd="sng" algn="ctr">
                       <a:solidFill>
                         <a:schemeClr val="tx1"/>
@@ -30076,6 +29352,15 @@
                       <a:headEnd type="none" w="med" len="med"/>
                       <a:tailEnd type="none" w="med" len="med"/>
                     </a:lnR>
+                    <a:lnT w="12700" cap="flat" cmpd="sng" algn="ctr">
+                      <a:solidFill>
+                        <a:schemeClr val="tx1"/>
+                      </a:solidFill>
+                      <a:prstDash val="solid"/>
+                      <a:round/>
+                      <a:headEnd type="none" w="med" len="med"/>
+                      <a:tailEnd type="none" w="med" len="med"/>
+                    </a:lnT>
                     <a:lnB w="12700" cap="flat" cmpd="sng" algn="ctr">
                       <a:solidFill>
                         <a:schemeClr val="tx1"/>
@@ -30115,6 +29400,24 @@
                       <a:headEnd type="none" w="med" len="med"/>
                       <a:tailEnd type="none" w="med" len="med"/>
                     </a:lnL>
+                    <a:lnR w="12700" cap="flat" cmpd="sng" algn="ctr">
+                      <a:solidFill>
+                        <a:schemeClr val="tx1"/>
+                      </a:solidFill>
+                      <a:prstDash val="solid"/>
+                      <a:round/>
+                      <a:headEnd type="none" w="med" len="med"/>
+                      <a:tailEnd type="none" w="med" len="med"/>
+                    </a:lnR>
+                    <a:lnT w="12700" cap="flat" cmpd="sng" algn="ctr">
+                      <a:solidFill>
+                        <a:schemeClr val="tx1"/>
+                      </a:solidFill>
+                      <a:prstDash val="solid"/>
+                      <a:round/>
+                      <a:headEnd type="none" w="med" len="med"/>
+                      <a:tailEnd type="none" w="med" len="med"/>
+                    </a:lnT>
                     <a:lnB w="12700" cap="flat" cmpd="sng" algn="ctr">
                       <a:solidFill>
                         <a:schemeClr val="tx1"/>
@@ -30159,6 +29462,15 @@
                     </a:p>
                   </a:txBody>
                   <a:tcPr>
+                    <a:lnL w="12700" cap="flat" cmpd="sng" algn="ctr">
+                      <a:solidFill>
+                        <a:schemeClr val="tx1"/>
+                      </a:solidFill>
+                      <a:prstDash val="solid"/>
+                      <a:round/>
+                      <a:headEnd type="none" w="med" len="med"/>
+                      <a:tailEnd type="none" w="med" len="med"/>
+                    </a:lnL>
                     <a:lnT w="12700" cap="flat" cmpd="sng" algn="ctr">
                       <a:solidFill>
                         <a:schemeClr val="tx1"/>
@@ -30639,6 +29951,15 @@
                       <a:headEnd type="none" w="med" len="med"/>
                       <a:tailEnd type="none" w="med" len="med"/>
                     </a:lnL>
+                    <a:lnR w="12700" cap="flat" cmpd="sng" algn="ctr">
+                      <a:solidFill>
+                        <a:schemeClr val="tx1"/>
+                      </a:solidFill>
+                      <a:prstDash val="solid"/>
+                      <a:round/>
+                      <a:headEnd type="none" w="med" len="med"/>
+                      <a:tailEnd type="none" w="med" len="med"/>
+                    </a:lnR>
                     <a:lnT w="12700" cap="flat" cmpd="sng" algn="ctr">
                       <a:solidFill>
                         <a:schemeClr val="tx1"/>
@@ -30675,7 +29996,15 @@
                             <a:schemeClr val="bg1"/>
                           </a:solidFill>
                         </a:rPr>
-                        <a:t>Sprint II</a:t>
+                        <a:t>Sprint </a:t>
+                      </a:r>
+                      <a:r>
+                        <a:rPr lang="en-US" b="1" noProof="0" dirty="0" smtClean="0">
+                          <a:solidFill>
+                            <a:schemeClr val="bg1"/>
+                          </a:solidFill>
+                        </a:rPr>
+                        <a:t>I</a:t>
                       </a:r>
                       <a:endParaRPr lang="en-US" b="1" noProof="0" dirty="0">
                         <a:solidFill>
@@ -30685,6 +30014,15 @@
                     </a:p>
                   </a:txBody>
                   <a:tcPr>
+                    <a:lnL w="12700" cap="flat" cmpd="sng" algn="ctr">
+                      <a:solidFill>
+                        <a:schemeClr val="tx1"/>
+                      </a:solidFill>
+                      <a:prstDash val="solid"/>
+                      <a:round/>
+                      <a:headEnd type="none" w="med" len="med"/>
+                      <a:tailEnd type="none" w="med" len="med"/>
+                    </a:lnL>
                     <a:lnT w="12700" cap="flat" cmpd="sng" algn="ctr">
                       <a:solidFill>
                         <a:schemeClr val="tx1"/>
@@ -30696,8 +30034,7 @@
                     </a:lnT>
                     <a:solidFill>
                       <a:schemeClr val="accent2">
-                        <a:lumMod val="40000"/>
-                        <a:lumOff val="60000"/>
+                        <a:lumMod val="75000"/>
                       </a:schemeClr>
                     </a:solidFill>
                   </a:tcPr>
@@ -30731,8 +30068,7 @@
                     </a:lnT>
                     <a:solidFill>
                       <a:schemeClr val="accent2">
-                        <a:lumMod val="40000"/>
-                        <a:lumOff val="60000"/>
+                        <a:lumMod val="75000"/>
                       </a:schemeClr>
                     </a:solidFill>
                   </a:tcPr>
@@ -30784,8 +30120,7 @@
                     </a:lnB>
                     <a:solidFill>
                       <a:schemeClr val="accent2">
-                        <a:lumMod val="40000"/>
-                        <a:lumOff val="60000"/>
+                        <a:lumMod val="75000"/>
                       </a:schemeClr>
                     </a:solidFill>
                   </a:tcPr>
@@ -30837,157 +30172,9 @@
                     </a:lnB>
                     <a:solidFill>
                       <a:schemeClr val="accent2">
-                        <a:lumMod val="40000"/>
-                        <a:lumOff val="60000"/>
+                        <a:lumMod val="75000"/>
                       </a:schemeClr>
                     </a:solidFill>
-                  </a:tcPr>
-                </a:tc>
-                <a:tc>
-                  <a:txBody>
-                    <a:bodyPr/>
-                    <a:lstStyle/>
-                    <a:p>
-                      <a:endParaRPr lang="en-US" noProof="0" dirty="0"/>
-                    </a:p>
-                  </a:txBody>
-                  <a:tcPr>
-                    <a:lnL w="12700" cap="flat" cmpd="sng" algn="ctr">
-                      <a:solidFill>
-                        <a:schemeClr val="tx1"/>
-                      </a:solidFill>
-                      <a:prstDash val="solid"/>
-                      <a:round/>
-                      <a:headEnd type="none" w="med" len="med"/>
-                      <a:tailEnd type="none" w="med" len="med"/>
-                    </a:lnL>
-                    <a:lnR w="12700" cap="flat" cmpd="sng" algn="ctr">
-                      <a:solidFill>
-                        <a:schemeClr val="tx1"/>
-                      </a:solidFill>
-                      <a:prstDash val="solid"/>
-                      <a:round/>
-                      <a:headEnd type="none" w="med" len="med"/>
-                      <a:tailEnd type="none" w="med" len="med"/>
-                    </a:lnR>
-                    <a:lnT w="12700" cap="flat" cmpd="sng" algn="ctr">
-                      <a:solidFill>
-                        <a:schemeClr val="tx1"/>
-                      </a:solidFill>
-                      <a:prstDash val="solid"/>
-                      <a:round/>
-                      <a:headEnd type="none" w="med" len="med"/>
-                      <a:tailEnd type="none" w="med" len="med"/>
-                    </a:lnT>
-                    <a:lnB w="12700" cap="flat" cmpd="sng" algn="ctr">
-                      <a:solidFill>
-                        <a:schemeClr val="tx1"/>
-                      </a:solidFill>
-                      <a:prstDash val="solid"/>
-                      <a:round/>
-                      <a:headEnd type="none" w="med" len="med"/>
-                      <a:tailEnd type="none" w="med" len="med"/>
-                    </a:lnB>
-                    <a:solidFill>
-                      <a:schemeClr val="accent2">
-                        <a:lumMod val="40000"/>
-                        <a:lumOff val="60000"/>
-                      </a:schemeClr>
-                    </a:solidFill>
-                  </a:tcPr>
-                </a:tc>
-                <a:tc>
-                  <a:txBody>
-                    <a:bodyPr/>
-                    <a:lstStyle/>
-                    <a:p>
-                      <a:endParaRPr lang="en-US" noProof="0" dirty="0"/>
-                    </a:p>
-                  </a:txBody>
-                  <a:tcPr>
-                    <a:lnL w="12700" cap="flat" cmpd="sng" algn="ctr">
-                      <a:solidFill>
-                        <a:schemeClr val="tx1"/>
-                      </a:solidFill>
-                      <a:prstDash val="solid"/>
-                      <a:round/>
-                      <a:headEnd type="none" w="med" len="med"/>
-                      <a:tailEnd type="none" w="med" len="med"/>
-                    </a:lnL>
-                    <a:lnR w="12700" cap="flat" cmpd="sng" algn="ctr">
-                      <a:solidFill>
-                        <a:schemeClr val="tx1"/>
-                      </a:solidFill>
-                      <a:prstDash val="solid"/>
-                      <a:round/>
-                      <a:headEnd type="none" w="med" len="med"/>
-                      <a:tailEnd type="none" w="med" len="med"/>
-                    </a:lnR>
-                    <a:lnT w="12700" cap="flat" cmpd="sng" algn="ctr">
-                      <a:solidFill>
-                        <a:schemeClr val="tx1"/>
-                      </a:solidFill>
-                      <a:prstDash val="solid"/>
-                      <a:round/>
-                      <a:headEnd type="none" w="med" len="med"/>
-                      <a:tailEnd type="none" w="med" len="med"/>
-                    </a:lnT>
-                    <a:lnB w="12700" cap="flat" cmpd="sng" algn="ctr">
-                      <a:solidFill>
-                        <a:schemeClr val="tx1"/>
-                      </a:solidFill>
-                      <a:prstDash val="solid"/>
-                      <a:round/>
-                      <a:headEnd type="none" w="med" len="med"/>
-                      <a:tailEnd type="none" w="med" len="med"/>
-                    </a:lnB>
-                  </a:tcPr>
-                </a:tc>
-                <a:tc>
-                  <a:txBody>
-                    <a:bodyPr/>
-                    <a:lstStyle/>
-                    <a:p>
-                      <a:endParaRPr lang="en-US" noProof="0" dirty="0"/>
-                    </a:p>
-                  </a:txBody>
-                  <a:tcPr>
-                    <a:lnL w="12700" cap="flat" cmpd="sng" algn="ctr">
-                      <a:solidFill>
-                        <a:schemeClr val="tx1"/>
-                      </a:solidFill>
-                      <a:prstDash val="solid"/>
-                      <a:round/>
-                      <a:headEnd type="none" w="med" len="med"/>
-                      <a:tailEnd type="none" w="med" len="med"/>
-                    </a:lnL>
-                    <a:lnR w="12700" cap="flat" cmpd="sng" algn="ctr">
-                      <a:solidFill>
-                        <a:schemeClr val="tx1"/>
-                      </a:solidFill>
-                      <a:prstDash val="solid"/>
-                      <a:round/>
-                      <a:headEnd type="none" w="med" len="med"/>
-                      <a:tailEnd type="none" w="med" len="med"/>
-                    </a:lnR>
-                    <a:lnT w="12700" cap="flat" cmpd="sng" algn="ctr">
-                      <a:solidFill>
-                        <a:schemeClr val="tx1"/>
-                      </a:solidFill>
-                      <a:prstDash val="solid"/>
-                      <a:round/>
-                      <a:headEnd type="none" w="med" len="med"/>
-                      <a:tailEnd type="none" w="med" len="med"/>
-                    </a:lnT>
-                    <a:lnB w="12700" cap="flat" cmpd="sng" algn="ctr">
-                      <a:solidFill>
-                        <a:schemeClr val="tx1"/>
-                      </a:solidFill>
-                      <a:prstDash val="solid"/>
-                      <a:round/>
-                      <a:headEnd type="none" w="med" len="med"/>
-                      <a:tailEnd type="none" w="med" len="med"/>
-                    </a:lnB>
                   </a:tcPr>
                 </a:tc>
                 <a:tc>
@@ -31085,6 +30272,100 @@
                       <a:headEnd type="none" w="med" len="med"/>
                       <a:tailEnd type="none" w="med" len="med"/>
                     </a:lnB>
+                  </a:tcPr>
+                </a:tc>
+                <a:tc>
+                  <a:txBody>
+                    <a:bodyPr/>
+                    <a:lstStyle/>
+                    <a:p>
+                      <a:endParaRPr lang="en-US" noProof="0" dirty="0"/>
+                    </a:p>
+                  </a:txBody>
+                  <a:tcPr>
+                    <a:lnL w="12700" cap="flat" cmpd="sng" algn="ctr">
+                      <a:solidFill>
+                        <a:schemeClr val="tx1"/>
+                      </a:solidFill>
+                      <a:prstDash val="solid"/>
+                      <a:round/>
+                      <a:headEnd type="none" w="med" len="med"/>
+                      <a:tailEnd type="none" w="med" len="med"/>
+                    </a:lnL>
+                    <a:lnR w="12700" cap="flat" cmpd="sng" algn="ctr">
+                      <a:solidFill>
+                        <a:schemeClr val="tx1"/>
+                      </a:solidFill>
+                      <a:prstDash val="solid"/>
+                      <a:round/>
+                      <a:headEnd type="none" w="med" len="med"/>
+                      <a:tailEnd type="none" w="med" len="med"/>
+                    </a:lnR>
+                    <a:lnT w="12700" cap="flat" cmpd="sng" algn="ctr">
+                      <a:solidFill>
+                        <a:schemeClr val="tx1"/>
+                      </a:solidFill>
+                      <a:prstDash val="solid"/>
+                      <a:round/>
+                      <a:headEnd type="none" w="med" len="med"/>
+                      <a:tailEnd type="none" w="med" len="med"/>
+                    </a:lnT>
+                    <a:lnB w="12700" cap="flat" cmpd="sng" algn="ctr">
+                      <a:solidFill>
+                        <a:schemeClr val="tx1"/>
+                      </a:solidFill>
+                      <a:prstDash val="solid"/>
+                      <a:round/>
+                      <a:headEnd type="none" w="med" len="med"/>
+                      <a:tailEnd type="none" w="med" len="med"/>
+                    </a:lnB>
+                  </a:tcPr>
+                </a:tc>
+                <a:tc>
+                  <a:txBody>
+                    <a:bodyPr/>
+                    <a:lstStyle/>
+                    <a:p>
+                      <a:endParaRPr lang="en-US" noProof="0" dirty="0"/>
+                    </a:p>
+                  </a:txBody>
+                  <a:tcPr>
+                    <a:lnL w="12700" cap="flat" cmpd="sng" algn="ctr">
+                      <a:solidFill>
+                        <a:schemeClr val="tx1"/>
+                      </a:solidFill>
+                      <a:prstDash val="solid"/>
+                      <a:round/>
+                      <a:headEnd type="none" w="med" len="med"/>
+                      <a:tailEnd type="none" w="med" len="med"/>
+                    </a:lnL>
+                    <a:lnR w="12700" cap="flat" cmpd="sng" algn="ctr">
+                      <a:solidFill>
+                        <a:schemeClr val="tx1"/>
+                      </a:solidFill>
+                      <a:prstDash val="solid"/>
+                      <a:round/>
+                      <a:headEnd type="none" w="med" len="med"/>
+                      <a:tailEnd type="none" w="med" len="med"/>
+                    </a:lnR>
+                    <a:lnT w="12700" cap="flat" cmpd="sng" algn="ctr">
+                      <a:solidFill>
+                        <a:schemeClr val="tx1"/>
+                      </a:solidFill>
+                      <a:prstDash val="solid"/>
+                      <a:round/>
+                      <a:headEnd type="none" w="med" len="med"/>
+                      <a:tailEnd type="none" w="med" len="med"/>
+                    </a:lnT>
+                    <a:lnB w="12700" cap="flat" cmpd="sng" algn="ctr">
+                      <a:solidFill>
+                        <a:schemeClr val="tx1"/>
+                      </a:solidFill>
+                      <a:prstDash val="solid"/>
+                      <a:round/>
+                      <a:headEnd type="none" w="med" len="med"/>
+                      <a:tailEnd type="none" w="med" len="med"/>
+                    </a:lnB>
                     <a:solidFill>
                       <a:schemeClr val="bg1"/>
                     </a:solidFill>
@@ -31135,6 +30416,9 @@
                       <a:headEnd type="none" w="med" len="med"/>
                       <a:tailEnd type="none" w="med" len="med"/>
                     </a:lnB>
+                    <a:solidFill>
+                      <a:schemeClr val="bg1"/>
+                    </a:solidFill>
                   </a:tcPr>
                 </a:tc>
                 <a:tc>
@@ -31155,6 +30439,62 @@
                       <a:headEnd type="none" w="med" len="med"/>
                       <a:tailEnd type="none" w="med" len="med"/>
                     </a:lnL>
+                    <a:lnR w="12700" cap="flat" cmpd="sng" algn="ctr">
+                      <a:solidFill>
+                        <a:schemeClr val="tx1"/>
+                      </a:solidFill>
+                      <a:prstDash val="solid"/>
+                      <a:round/>
+                      <a:headEnd type="none" w="med" len="med"/>
+                      <a:tailEnd type="none" w="med" len="med"/>
+                    </a:lnR>
+                    <a:lnT w="12700" cap="flat" cmpd="sng" algn="ctr">
+                      <a:solidFill>
+                        <a:schemeClr val="tx1"/>
+                      </a:solidFill>
+                      <a:prstDash val="solid"/>
+                      <a:round/>
+                      <a:headEnd type="none" w="med" len="med"/>
+                      <a:tailEnd type="none" w="med" len="med"/>
+                    </a:lnT>
+                    <a:lnB w="12700" cap="flat" cmpd="sng" algn="ctr">
+                      <a:solidFill>
+                        <a:schemeClr val="tx1"/>
+                      </a:solidFill>
+                      <a:prstDash val="solid"/>
+                      <a:round/>
+                      <a:headEnd type="none" w="med" len="med"/>
+                      <a:tailEnd type="none" w="med" len="med"/>
+                    </a:lnB>
+                  </a:tcPr>
+                </a:tc>
+                <a:tc>
+                  <a:txBody>
+                    <a:bodyPr/>
+                    <a:lstStyle/>
+                    <a:p>
+                      <a:endParaRPr lang="en-US" noProof="0" dirty="0"/>
+                    </a:p>
+                  </a:txBody>
+                  <a:tcPr>
+                    <a:lnL w="12700" cap="flat" cmpd="sng" algn="ctr">
+                      <a:solidFill>
+                        <a:schemeClr val="tx1"/>
+                      </a:solidFill>
+                      <a:prstDash val="solid"/>
+                      <a:round/>
+                      <a:headEnd type="none" w="med" len="med"/>
+                      <a:tailEnd type="none" w="med" len="med"/>
+                    </a:lnL>
+                    <a:lnR w="12700" cap="flat" cmpd="sng" algn="ctr">
+                      <a:solidFill>
+                        <a:schemeClr val="tx1"/>
+                      </a:solidFill>
+                      <a:prstDash val="solid"/>
+                      <a:round/>
+                      <a:headEnd type="none" w="med" len="med"/>
+                      <a:tailEnd type="none" w="med" len="med"/>
+                    </a:lnR>
                     <a:lnT w="12700" cap="flat" cmpd="sng" algn="ctr">
                       <a:solidFill>
                         <a:schemeClr val="tx1"/>
@@ -31176,7 +30516,7 @@
                   </a:tcPr>
                 </a:tc>
               </a:tr>
-              <a:tr h="255632">
+              <a:tr h="150088">
                 <a:tc>
                   <a:txBody>
                     <a:bodyPr/>
@@ -31190,10 +30530,18 @@
                     </a:p>
                   </a:txBody>
                   <a:tcPr>
+                    <a:lnL w="12700" cap="flat" cmpd="sng" algn="ctr">
+                      <a:solidFill>
+                        <a:schemeClr val="tx1"/>
+                      </a:solidFill>
+                      <a:prstDash val="solid"/>
+                      <a:round/>
+                      <a:headEnd type="none" w="med" len="med"/>
+                      <a:tailEnd type="none" w="med" len="med"/>
+                    </a:lnL>
                     <a:solidFill>
                       <a:schemeClr val="accent2">
-                        <a:lumMod val="40000"/>
-                        <a:lumOff val="60000"/>
+                        <a:lumMod val="75000"/>
                       </a:schemeClr>
                     </a:solidFill>
                   </a:tcPr>
@@ -31209,7 +30557,7 @@
                             <a:schemeClr val="bg1"/>
                           </a:solidFill>
                         </a:rPr>
-                        <a:t>Daily Scrum</a:t>
+                        <a:t>Retrospective</a:t>
                       </a:r>
                       <a:endParaRPr lang="en-US" sz="1400" noProof="0" dirty="0">
                         <a:solidFill>
@@ -31230,8 +30578,7 @@
                     </a:lnR>
                     <a:solidFill>
                       <a:schemeClr val="accent2">
-                        <a:lumMod val="40000"/>
-                        <a:lumOff val="60000"/>
+                        <a:lumMod val="75000"/>
                       </a:schemeClr>
                     </a:solidFill>
                   </a:tcPr>
@@ -31330,151 +30677,9 @@
                     </a:lnB>
                     <a:solidFill>
                       <a:schemeClr val="accent2">
-                        <a:lumMod val="40000"/>
-                        <a:lumOff val="60000"/>
+                        <a:lumMod val="75000"/>
                       </a:schemeClr>
                     </a:solidFill>
-                  </a:tcPr>
-                </a:tc>
-                <a:tc>
-                  <a:txBody>
-                    <a:bodyPr/>
-                    <a:lstStyle/>
-                    <a:p>
-                      <a:endParaRPr lang="en-US" sz="1400" noProof="0" dirty="0"/>
-                    </a:p>
-                  </a:txBody>
-                  <a:tcPr>
-                    <a:lnL w="12700" cap="flat" cmpd="sng" algn="ctr">
-                      <a:solidFill>
-                        <a:schemeClr val="tx1"/>
-                      </a:solidFill>
-                      <a:prstDash val="solid"/>
-                      <a:round/>
-                      <a:headEnd type="none" w="med" len="med"/>
-                      <a:tailEnd type="none" w="med" len="med"/>
-                    </a:lnL>
-                    <a:lnR w="12700" cap="flat" cmpd="sng" algn="ctr">
-                      <a:solidFill>
-                        <a:schemeClr val="tx1"/>
-                      </a:solidFill>
-                      <a:prstDash val="solid"/>
-                      <a:round/>
-                      <a:headEnd type="none" w="med" len="med"/>
-                      <a:tailEnd type="none" w="med" len="med"/>
-                    </a:lnR>
-                    <a:lnT w="12700" cap="flat" cmpd="sng" algn="ctr">
-                      <a:solidFill>
-                        <a:schemeClr val="tx1"/>
-                      </a:solidFill>
-                      <a:prstDash val="solid"/>
-                      <a:round/>
-                      <a:headEnd type="none" w="med" len="med"/>
-                      <a:tailEnd type="none" w="med" len="med"/>
-                    </a:lnT>
-                    <a:lnB w="12700" cap="flat" cmpd="sng" algn="ctr">
-                      <a:solidFill>
-                        <a:schemeClr val="tx1"/>
-                      </a:solidFill>
-                      <a:prstDash val="solid"/>
-                      <a:round/>
-                      <a:headEnd type="none" w="med" len="med"/>
-                      <a:tailEnd type="none" w="med" len="med"/>
-                    </a:lnB>
-                  </a:tcPr>
-                </a:tc>
-                <a:tc>
-                  <a:txBody>
-                    <a:bodyPr/>
-                    <a:lstStyle/>
-                    <a:p>
-                      <a:endParaRPr lang="en-US" sz="1400" noProof="0" dirty="0"/>
-                    </a:p>
-                  </a:txBody>
-                  <a:tcPr>
-                    <a:lnL w="12700" cap="flat" cmpd="sng" algn="ctr">
-                      <a:solidFill>
-                        <a:schemeClr val="tx1"/>
-                      </a:solidFill>
-                      <a:prstDash val="solid"/>
-                      <a:round/>
-                      <a:headEnd type="none" w="med" len="med"/>
-                      <a:tailEnd type="none" w="med" len="med"/>
-                    </a:lnL>
-                    <a:lnR w="12700" cap="flat" cmpd="sng" algn="ctr">
-                      <a:solidFill>
-                        <a:schemeClr val="tx1"/>
-                      </a:solidFill>
-                      <a:prstDash val="solid"/>
-                      <a:round/>
-                      <a:headEnd type="none" w="med" len="med"/>
-                      <a:tailEnd type="none" w="med" len="med"/>
-                    </a:lnR>
-                    <a:lnT w="12700" cap="flat" cmpd="sng" algn="ctr">
-                      <a:solidFill>
-                        <a:schemeClr val="tx1"/>
-                      </a:solidFill>
-                      <a:prstDash val="solid"/>
-                      <a:round/>
-                      <a:headEnd type="none" w="med" len="med"/>
-                      <a:tailEnd type="none" w="med" len="med"/>
-                    </a:lnT>
-                    <a:lnB w="12700" cap="flat" cmpd="sng" algn="ctr">
-                      <a:solidFill>
-                        <a:schemeClr val="tx1"/>
-                      </a:solidFill>
-                      <a:prstDash val="solid"/>
-                      <a:round/>
-                      <a:headEnd type="none" w="med" len="med"/>
-                      <a:tailEnd type="none" w="med" len="med"/>
-                    </a:lnB>
-                  </a:tcPr>
-                </a:tc>
-                <a:tc>
-                  <a:txBody>
-                    <a:bodyPr/>
-                    <a:lstStyle/>
-                    <a:p>
-                      <a:endParaRPr lang="en-US" sz="1400" noProof="0" dirty="0"/>
-                    </a:p>
-                  </a:txBody>
-                  <a:tcPr>
-                    <a:lnL w="12700" cap="flat" cmpd="sng" algn="ctr">
-                      <a:solidFill>
-                        <a:schemeClr val="tx1"/>
-                      </a:solidFill>
-                      <a:prstDash val="solid"/>
-                      <a:round/>
-                      <a:headEnd type="none" w="med" len="med"/>
-                      <a:tailEnd type="none" w="med" len="med"/>
-                    </a:lnL>
-                    <a:lnR w="12700" cap="flat" cmpd="sng" algn="ctr">
-                      <a:solidFill>
-                        <a:schemeClr val="tx1"/>
-                      </a:solidFill>
-                      <a:prstDash val="solid"/>
-                      <a:round/>
-                      <a:headEnd type="none" w="med" len="med"/>
-                      <a:tailEnd type="none" w="med" len="med"/>
-                    </a:lnR>
-                    <a:lnT w="12700" cap="flat" cmpd="sng" algn="ctr">
-                      <a:solidFill>
-                        <a:schemeClr val="tx1"/>
-                      </a:solidFill>
-                      <a:prstDash val="solid"/>
-                      <a:round/>
-                      <a:headEnd type="none" w="med" len="med"/>
-                      <a:tailEnd type="none" w="med" len="med"/>
-                    </a:lnT>
-                    <a:lnB w="12700" cap="flat" cmpd="sng" algn="ctr">
-                      <a:solidFill>
-                        <a:schemeClr val="tx1"/>
-                      </a:solidFill>
-                      <a:prstDash val="solid"/>
-                      <a:round/>
-                      <a:headEnd type="none" w="med" len="med"/>
-                      <a:tailEnd type="none" w="med" len="med"/>
-                    </a:lnB>
                   </a:tcPr>
                 </a:tc>
                 <a:tc>
@@ -31572,6 +30777,100 @@
                       <a:headEnd type="none" w="med" len="med"/>
                       <a:tailEnd type="none" w="med" len="med"/>
                     </a:lnB>
+                  </a:tcPr>
+                </a:tc>
+                <a:tc>
+                  <a:txBody>
+                    <a:bodyPr/>
+                    <a:lstStyle/>
+                    <a:p>
+                      <a:endParaRPr lang="en-US" sz="1400" noProof="0" dirty="0"/>
+                    </a:p>
+                  </a:txBody>
+                  <a:tcPr>
+                    <a:lnL w="12700" cap="flat" cmpd="sng" algn="ctr">
+                      <a:solidFill>
+                        <a:schemeClr val="tx1"/>
+                      </a:solidFill>
+                      <a:prstDash val="solid"/>
+                      <a:round/>
+                      <a:headEnd type="none" w="med" len="med"/>
+                      <a:tailEnd type="none" w="med" len="med"/>
+                    </a:lnL>
+                    <a:lnR w="12700" cap="flat" cmpd="sng" algn="ctr">
+                      <a:solidFill>
+                        <a:schemeClr val="tx1"/>
+                      </a:solidFill>
+                      <a:prstDash val="solid"/>
+                      <a:round/>
+                      <a:headEnd type="none" w="med" len="med"/>
+                      <a:tailEnd type="none" w="med" len="med"/>
+                    </a:lnR>
+                    <a:lnT w="12700" cap="flat" cmpd="sng" algn="ctr">
+                      <a:solidFill>
+                        <a:schemeClr val="tx1"/>
+                      </a:solidFill>
+                      <a:prstDash val="solid"/>
+                      <a:round/>
+                      <a:headEnd type="none" w="med" len="med"/>
+                      <a:tailEnd type="none" w="med" len="med"/>
+                    </a:lnT>
+                    <a:lnB w="12700" cap="flat" cmpd="sng" algn="ctr">
+                      <a:solidFill>
+                        <a:schemeClr val="tx1"/>
+                      </a:solidFill>
+                      <a:prstDash val="solid"/>
+                      <a:round/>
+                      <a:headEnd type="none" w="med" len="med"/>
+                      <a:tailEnd type="none" w="med" len="med"/>
+                    </a:lnB>
+                  </a:tcPr>
+                </a:tc>
+                <a:tc>
+                  <a:txBody>
+                    <a:bodyPr/>
+                    <a:lstStyle/>
+                    <a:p>
+                      <a:endParaRPr lang="en-US" sz="1400" noProof="0" dirty="0"/>
+                    </a:p>
+                  </a:txBody>
+                  <a:tcPr>
+                    <a:lnL w="12700" cap="flat" cmpd="sng" algn="ctr">
+                      <a:solidFill>
+                        <a:schemeClr val="tx1"/>
+                      </a:solidFill>
+                      <a:prstDash val="solid"/>
+                      <a:round/>
+                      <a:headEnd type="none" w="med" len="med"/>
+                      <a:tailEnd type="none" w="med" len="med"/>
+                    </a:lnL>
+                    <a:lnR w="12700" cap="flat" cmpd="sng" algn="ctr">
+                      <a:solidFill>
+                        <a:schemeClr val="tx1"/>
+                      </a:solidFill>
+                      <a:prstDash val="solid"/>
+                      <a:round/>
+                      <a:headEnd type="none" w="med" len="med"/>
+                      <a:tailEnd type="none" w="med" len="med"/>
+                    </a:lnR>
+                    <a:lnT w="12700" cap="flat" cmpd="sng" algn="ctr">
+                      <a:solidFill>
+                        <a:schemeClr val="tx1"/>
+                      </a:solidFill>
+                      <a:prstDash val="solid"/>
+                      <a:round/>
+                      <a:headEnd type="none" w="med" len="med"/>
+                      <a:tailEnd type="none" w="med" len="med"/>
+                    </a:lnT>
+                    <a:lnB w="12700" cap="flat" cmpd="sng" algn="ctr">
+                      <a:solidFill>
+                        <a:schemeClr val="tx1"/>
+                      </a:solidFill>
+                      <a:prstDash val="solid"/>
+                      <a:round/>
+                      <a:headEnd type="none" w="med" len="med"/>
+                      <a:tailEnd type="none" w="med" len="med"/>
+                    </a:lnB>
                     <a:solidFill>
                       <a:schemeClr val="bg1"/>
                     </a:solidFill>
@@ -31622,6 +30921,9 @@
                       <a:headEnd type="none" w="med" len="med"/>
                       <a:tailEnd type="none" w="med" len="med"/>
                     </a:lnB>
+                    <a:solidFill>
+                      <a:schemeClr val="bg1"/>
+                    </a:solidFill>
                   </a:tcPr>
                 </a:tc>
                 <a:tc>
@@ -31642,6 +30944,62 @@
                       <a:headEnd type="none" w="med" len="med"/>
                       <a:tailEnd type="none" w="med" len="med"/>
                     </a:lnL>
+                    <a:lnR w="12700" cap="flat" cmpd="sng" algn="ctr">
+                      <a:solidFill>
+                        <a:schemeClr val="tx1"/>
+                      </a:solidFill>
+                      <a:prstDash val="solid"/>
+                      <a:round/>
+                      <a:headEnd type="none" w="med" len="med"/>
+                      <a:tailEnd type="none" w="med" len="med"/>
+                    </a:lnR>
+                    <a:lnT w="12700" cap="flat" cmpd="sng" algn="ctr">
+                      <a:solidFill>
+                        <a:schemeClr val="tx1"/>
+                      </a:solidFill>
+                      <a:prstDash val="solid"/>
+                      <a:round/>
+                      <a:headEnd type="none" w="med" len="med"/>
+                      <a:tailEnd type="none" w="med" len="med"/>
+                    </a:lnT>
+                    <a:lnB w="12700" cap="flat" cmpd="sng" algn="ctr">
+                      <a:solidFill>
+                        <a:schemeClr val="tx1"/>
+                      </a:solidFill>
+                      <a:prstDash val="solid"/>
+                      <a:round/>
+                      <a:headEnd type="none" w="med" len="med"/>
+                      <a:tailEnd type="none" w="med" len="med"/>
+                    </a:lnB>
+                  </a:tcPr>
+                </a:tc>
+                <a:tc>
+                  <a:txBody>
+                    <a:bodyPr/>
+                    <a:lstStyle/>
+                    <a:p>
+                      <a:endParaRPr lang="en-US" sz="1400" noProof="0" dirty="0"/>
+                    </a:p>
+                  </a:txBody>
+                  <a:tcPr>
+                    <a:lnL w="12700" cap="flat" cmpd="sng" algn="ctr">
+                      <a:solidFill>
+                        <a:schemeClr val="tx1"/>
+                      </a:solidFill>
+                      <a:prstDash val="solid"/>
+                      <a:round/>
+                      <a:headEnd type="none" w="med" len="med"/>
+                      <a:tailEnd type="none" w="med" len="med"/>
+                    </a:lnL>
+                    <a:lnR w="12700" cap="flat" cmpd="sng" algn="ctr">
+                      <a:solidFill>
+                        <a:schemeClr val="tx1"/>
+                      </a:solidFill>
+                      <a:prstDash val="solid"/>
+                      <a:round/>
+                      <a:headEnd type="none" w="med" len="med"/>
+                      <a:tailEnd type="none" w="med" len="med"/>
+                    </a:lnR>
                     <a:lnT w="12700" cap="flat" cmpd="sng" algn="ctr">
                       <a:solidFill>
                         <a:schemeClr val="tx1"/>
@@ -31663,7 +31021,7 @@
                   </a:tcPr>
                 </a:tc>
               </a:tr>
-              <a:tr h="238864">
+              <a:tr h="150088">
                 <a:tc>
                   <a:txBody>
                     <a:bodyPr/>
@@ -31677,10 +31035,18 @@
                     </a:p>
                   </a:txBody>
                   <a:tcPr>
+                    <a:lnL w="12700" cap="flat" cmpd="sng" algn="ctr">
+                      <a:solidFill>
+                        <a:schemeClr val="tx1"/>
+                      </a:solidFill>
+                      <a:prstDash val="solid"/>
+                      <a:round/>
+                      <a:headEnd type="none" w="med" len="med"/>
+                      <a:tailEnd type="none" w="med" len="med"/>
+                    </a:lnL>
                     <a:solidFill>
                       <a:schemeClr val="accent2">
-                        <a:lumMod val="40000"/>
-                        <a:lumOff val="60000"/>
+                        <a:lumMod val="75000"/>
                       </a:schemeClr>
                     </a:solidFill>
                   </a:tcPr>
@@ -31717,8 +31083,7 @@
                     </a:lnR>
                     <a:solidFill>
                       <a:schemeClr val="accent2">
-                        <a:lumMod val="40000"/>
-                        <a:lumOff val="60000"/>
+                        <a:lumMod val="75000"/>
                       </a:schemeClr>
                     </a:solidFill>
                   </a:tcPr>
@@ -31817,151 +31182,9 @@
                     </a:lnB>
                     <a:solidFill>
                       <a:schemeClr val="accent2">
-                        <a:lumMod val="40000"/>
-                        <a:lumOff val="60000"/>
+                        <a:lumMod val="75000"/>
                       </a:schemeClr>
                     </a:solidFill>
-                  </a:tcPr>
-                </a:tc>
-                <a:tc>
-                  <a:txBody>
-                    <a:bodyPr/>
-                    <a:lstStyle/>
-                    <a:p>
-                      <a:endParaRPr lang="en-US" sz="1400" noProof="0" dirty="0"/>
-                    </a:p>
-                  </a:txBody>
-                  <a:tcPr>
-                    <a:lnL w="12700" cap="flat" cmpd="sng" algn="ctr">
-                      <a:solidFill>
-                        <a:schemeClr val="tx1"/>
-                      </a:solidFill>
-                      <a:prstDash val="solid"/>
-                      <a:round/>
-                      <a:headEnd type="none" w="med" len="med"/>
-                      <a:tailEnd type="none" w="med" len="med"/>
-                    </a:lnL>
-                    <a:lnR w="12700" cap="flat" cmpd="sng" algn="ctr">
-                      <a:solidFill>
-                        <a:schemeClr val="tx1"/>
-                      </a:solidFill>
-                      <a:prstDash val="solid"/>
-                      <a:round/>
-                      <a:headEnd type="none" w="med" len="med"/>
-                      <a:tailEnd type="none" w="med" len="med"/>
-                    </a:lnR>
-                    <a:lnT w="12700" cap="flat" cmpd="sng" algn="ctr">
-                      <a:solidFill>
-                        <a:schemeClr val="tx1"/>
-                      </a:solidFill>
-                      <a:prstDash val="solid"/>
-                      <a:round/>
-                      <a:headEnd type="none" w="med" len="med"/>
-                      <a:tailEnd type="none" w="med" len="med"/>
-                    </a:lnT>
-                    <a:lnB w="12700" cap="flat" cmpd="sng" algn="ctr">
-                      <a:solidFill>
-                        <a:schemeClr val="tx1"/>
-                      </a:solidFill>
-                      <a:prstDash val="solid"/>
-                      <a:round/>
-                      <a:headEnd type="none" w="med" len="med"/>
-                      <a:tailEnd type="none" w="med" len="med"/>
-                    </a:lnB>
-                  </a:tcPr>
-                </a:tc>
-                <a:tc>
-                  <a:txBody>
-                    <a:bodyPr/>
-                    <a:lstStyle/>
-                    <a:p>
-                      <a:endParaRPr lang="en-US" sz="1400" noProof="0" dirty="0"/>
-                    </a:p>
-                  </a:txBody>
-                  <a:tcPr>
-                    <a:lnL w="12700" cap="flat" cmpd="sng" algn="ctr">
-                      <a:solidFill>
-                        <a:schemeClr val="tx1"/>
-                      </a:solidFill>
-                      <a:prstDash val="solid"/>
-                      <a:round/>
-                      <a:headEnd type="none" w="med" len="med"/>
-                      <a:tailEnd type="none" w="med" len="med"/>
-                    </a:lnL>
-                    <a:lnR w="12700" cap="flat" cmpd="sng" algn="ctr">
-                      <a:solidFill>
-                        <a:schemeClr val="tx1"/>
-                      </a:solidFill>
-                      <a:prstDash val="solid"/>
-                      <a:round/>
-                      <a:headEnd type="none" w="med" len="med"/>
-                      <a:tailEnd type="none" w="med" len="med"/>
-                    </a:lnR>
-                    <a:lnT w="12700" cap="flat" cmpd="sng" algn="ctr">
-                      <a:solidFill>
-                        <a:schemeClr val="tx1"/>
-                      </a:solidFill>
-                      <a:prstDash val="solid"/>
-                      <a:round/>
-                      <a:headEnd type="none" w="med" len="med"/>
-                      <a:tailEnd type="none" w="med" len="med"/>
-                    </a:lnT>
-                    <a:lnB w="12700" cap="flat" cmpd="sng" algn="ctr">
-                      <a:solidFill>
-                        <a:schemeClr val="tx1"/>
-                      </a:solidFill>
-                      <a:prstDash val="solid"/>
-                      <a:round/>
-                      <a:headEnd type="none" w="med" len="med"/>
-                      <a:tailEnd type="none" w="med" len="med"/>
-                    </a:lnB>
-                  </a:tcPr>
-                </a:tc>
-                <a:tc>
-                  <a:txBody>
-                    <a:bodyPr/>
-                    <a:lstStyle/>
-                    <a:p>
-                      <a:endParaRPr lang="en-US" sz="1400" noProof="0" dirty="0"/>
-                    </a:p>
-                  </a:txBody>
-                  <a:tcPr>
-                    <a:lnL w="12700" cap="flat" cmpd="sng" algn="ctr">
-                      <a:solidFill>
-                        <a:schemeClr val="tx1"/>
-                      </a:solidFill>
-                      <a:prstDash val="solid"/>
-                      <a:round/>
-                      <a:headEnd type="none" w="med" len="med"/>
-                      <a:tailEnd type="none" w="med" len="med"/>
-                    </a:lnL>
-                    <a:lnR w="12700" cap="flat" cmpd="sng" algn="ctr">
-                      <a:solidFill>
-                        <a:schemeClr val="tx1"/>
-                      </a:solidFill>
-                      <a:prstDash val="solid"/>
-                      <a:round/>
-                      <a:headEnd type="none" w="med" len="med"/>
-                      <a:tailEnd type="none" w="med" len="med"/>
-                    </a:lnR>
-                    <a:lnT w="12700" cap="flat" cmpd="sng" algn="ctr">
-                      <a:solidFill>
-                        <a:schemeClr val="tx1"/>
-                      </a:solidFill>
-                      <a:prstDash val="solid"/>
-                      <a:round/>
-                      <a:headEnd type="none" w="med" len="med"/>
-                      <a:tailEnd type="none" w="med" len="med"/>
-                    </a:lnT>
-                    <a:lnB w="12700" cap="flat" cmpd="sng" algn="ctr">
-                      <a:solidFill>
-                        <a:schemeClr val="tx1"/>
-                      </a:solidFill>
-                      <a:prstDash val="solid"/>
-                      <a:round/>
-                      <a:headEnd type="none" w="med" len="med"/>
-                      <a:tailEnd type="none" w="med" len="med"/>
-                    </a:lnB>
                   </a:tcPr>
                 </a:tc>
                 <a:tc>
@@ -32059,349 +31282,6 @@
                       <a:headEnd type="none" w="med" len="med"/>
                       <a:tailEnd type="none" w="med" len="med"/>
                     </a:lnB>
-                    <a:solidFill>
-                      <a:schemeClr val="bg1"/>
-                    </a:solidFill>
-                  </a:tcPr>
-                </a:tc>
-                <a:tc>
-                  <a:txBody>
-                    <a:bodyPr/>
-                    <a:lstStyle/>
-                    <a:p>
-                      <a:endParaRPr lang="en-US" sz="1400" noProof="0" dirty="0"/>
-                    </a:p>
-                  </a:txBody>
-                  <a:tcPr>
-                    <a:lnL w="12700" cap="flat" cmpd="sng" algn="ctr">
-                      <a:solidFill>
-                        <a:schemeClr val="tx1"/>
-                      </a:solidFill>
-                      <a:prstDash val="solid"/>
-                      <a:round/>
-                      <a:headEnd type="none" w="med" len="med"/>
-                      <a:tailEnd type="none" w="med" len="med"/>
-                    </a:lnL>
-                    <a:lnR w="12700" cap="flat" cmpd="sng" algn="ctr">
-                      <a:solidFill>
-                        <a:schemeClr val="tx1"/>
-                      </a:solidFill>
-                      <a:prstDash val="solid"/>
-                      <a:round/>
-                      <a:headEnd type="none" w="med" len="med"/>
-                      <a:tailEnd type="none" w="med" len="med"/>
-                    </a:lnR>
-                    <a:lnT w="12700" cap="flat" cmpd="sng" algn="ctr">
-                      <a:solidFill>
-                        <a:schemeClr val="tx1"/>
-                      </a:solidFill>
-                      <a:prstDash val="solid"/>
-                      <a:round/>
-                      <a:headEnd type="none" w="med" len="med"/>
-                      <a:tailEnd type="none" w="med" len="med"/>
-                    </a:lnT>
-                    <a:lnB w="12700" cap="flat" cmpd="sng" algn="ctr">
-                      <a:solidFill>
-                        <a:schemeClr val="tx1"/>
-                      </a:solidFill>
-                      <a:prstDash val="solid"/>
-                      <a:round/>
-                      <a:headEnd type="none" w="med" len="med"/>
-                      <a:tailEnd type="none" w="med" len="med"/>
-                    </a:lnB>
-                  </a:tcPr>
-                </a:tc>
-                <a:tc>
-                  <a:txBody>
-                    <a:bodyPr/>
-                    <a:lstStyle/>
-                    <a:p>
-                      <a:endParaRPr lang="en-US" sz="1400" noProof="0" dirty="0"/>
-                    </a:p>
-                  </a:txBody>
-                  <a:tcPr>
-                    <a:lnL w="12700" cap="flat" cmpd="sng" algn="ctr">
-                      <a:solidFill>
-                        <a:schemeClr val="tx1"/>
-                      </a:solidFill>
-                      <a:prstDash val="solid"/>
-                      <a:round/>
-                      <a:headEnd type="none" w="med" len="med"/>
-                      <a:tailEnd type="none" w="med" len="med"/>
-                    </a:lnL>
-                    <a:lnT w="12700" cap="flat" cmpd="sng" algn="ctr">
-                      <a:solidFill>
-                        <a:schemeClr val="tx1"/>
-                      </a:solidFill>
-                      <a:prstDash val="solid"/>
-                      <a:round/>
-                      <a:headEnd type="none" w="med" len="med"/>
-                      <a:tailEnd type="none" w="med" len="med"/>
-                    </a:lnT>
-                    <a:lnB w="12700" cap="flat" cmpd="sng" algn="ctr">
-                      <a:solidFill>
-                        <a:schemeClr val="tx1"/>
-                      </a:solidFill>
-                      <a:prstDash val="solid"/>
-                      <a:round/>
-                      <a:headEnd type="none" w="med" len="med"/>
-                      <a:tailEnd type="none" w="med" len="med"/>
-                    </a:lnB>
-                  </a:tcPr>
-                </a:tc>
-              </a:tr>
-              <a:tr h="150088">
-                <a:tc>
-                  <a:txBody>
-                    <a:bodyPr/>
-                    <a:lstStyle/>
-                    <a:p>
-                      <a:endParaRPr lang="en-US" sz="1400" b="1" noProof="0" dirty="0">
-                        <a:solidFill>
-                          <a:schemeClr val="bg1"/>
-                        </a:solidFill>
-                      </a:endParaRPr>
-                    </a:p>
-                  </a:txBody>
-                  <a:tcPr>
-                    <a:solidFill>
-                      <a:schemeClr val="accent2">
-                        <a:lumMod val="40000"/>
-                        <a:lumOff val="60000"/>
-                      </a:schemeClr>
-                    </a:solidFill>
-                  </a:tcPr>
-                </a:tc>
-                <a:tc>
-                  <a:txBody>
-                    <a:bodyPr/>
-                    <a:lstStyle/>
-                    <a:p>
-                      <a:r>
-                        <a:rPr lang="en-US" sz="1400" noProof="0" dirty="0" smtClean="0">
-                          <a:solidFill>
-                            <a:schemeClr val="bg1"/>
-                          </a:solidFill>
-                        </a:rPr>
-                        <a:t>Retrospective</a:t>
-                      </a:r>
-                      <a:endParaRPr lang="en-US" sz="1400" noProof="0" dirty="0">
-                        <a:solidFill>
-                          <a:schemeClr val="bg1"/>
-                        </a:solidFill>
-                      </a:endParaRPr>
-                    </a:p>
-                  </a:txBody>
-                  <a:tcPr>
-                    <a:lnR w="12700" cap="flat" cmpd="sng" algn="ctr">
-                      <a:solidFill>
-                        <a:schemeClr val="tx1"/>
-                      </a:solidFill>
-                      <a:prstDash val="solid"/>
-                      <a:round/>
-                      <a:headEnd type="none" w="med" len="med"/>
-                      <a:tailEnd type="none" w="med" len="med"/>
-                    </a:lnR>
-                    <a:solidFill>
-                      <a:schemeClr val="accent2">
-                        <a:lumMod val="40000"/>
-                        <a:lumOff val="60000"/>
-                      </a:schemeClr>
-                    </a:solidFill>
-                  </a:tcPr>
-                </a:tc>
-                <a:tc>
-                  <a:txBody>
-                    <a:bodyPr/>
-                    <a:lstStyle/>
-                    <a:p>
-                      <a:endParaRPr lang="en-US" sz="1400" noProof="0" dirty="0"/>
-                    </a:p>
-                  </a:txBody>
-                  <a:tcPr>
-                    <a:lnL w="12700" cap="flat" cmpd="sng" algn="ctr">
-                      <a:solidFill>
-                        <a:schemeClr val="tx1"/>
-                      </a:solidFill>
-                      <a:prstDash val="solid"/>
-                      <a:round/>
-                      <a:headEnd type="none" w="med" len="med"/>
-                      <a:tailEnd type="none" w="med" len="med"/>
-                    </a:lnL>
-                    <a:lnR w="12700" cap="flat" cmpd="sng" algn="ctr">
-                      <a:solidFill>
-                        <a:schemeClr val="tx1"/>
-                      </a:solidFill>
-                      <a:prstDash val="solid"/>
-                      <a:round/>
-                      <a:headEnd type="none" w="med" len="med"/>
-                      <a:tailEnd type="none" w="med" len="med"/>
-                    </a:lnR>
-                    <a:lnT w="12700" cap="flat" cmpd="sng" algn="ctr">
-                      <a:solidFill>
-                        <a:schemeClr val="tx1"/>
-                      </a:solidFill>
-                      <a:prstDash val="solid"/>
-                      <a:round/>
-                      <a:headEnd type="none" w="med" len="med"/>
-                      <a:tailEnd type="none" w="med" len="med"/>
-                    </a:lnT>
-                    <a:lnB w="12700" cap="flat" cmpd="sng" algn="ctr">
-                      <a:solidFill>
-                        <a:schemeClr val="tx1"/>
-                      </a:solidFill>
-                      <a:prstDash val="solid"/>
-                      <a:round/>
-                      <a:headEnd type="none" w="med" len="med"/>
-                      <a:tailEnd type="none" w="med" len="med"/>
-                    </a:lnB>
-                  </a:tcPr>
-                </a:tc>
-                <a:tc>
-                  <a:txBody>
-                    <a:bodyPr/>
-                    <a:lstStyle/>
-                    <a:p>
-                      <a:endParaRPr lang="en-US" sz="1400" noProof="0" dirty="0"/>
-                    </a:p>
-                  </a:txBody>
-                  <a:tcPr>
-                    <a:lnL w="12700" cap="flat" cmpd="sng" algn="ctr">
-                      <a:solidFill>
-                        <a:schemeClr val="tx1"/>
-                      </a:solidFill>
-                      <a:prstDash val="solid"/>
-                      <a:round/>
-                      <a:headEnd type="none" w="med" len="med"/>
-                      <a:tailEnd type="none" w="med" len="med"/>
-                    </a:lnL>
-                    <a:lnR w="12700" cap="flat" cmpd="sng" algn="ctr">
-                      <a:solidFill>
-                        <a:schemeClr val="tx1"/>
-                      </a:solidFill>
-                      <a:prstDash val="solid"/>
-                      <a:round/>
-                      <a:headEnd type="none" w="med" len="med"/>
-                      <a:tailEnd type="none" w="med" len="med"/>
-                    </a:lnR>
-                    <a:lnT w="12700" cap="flat" cmpd="sng" algn="ctr">
-                      <a:solidFill>
-                        <a:schemeClr val="tx1"/>
-                      </a:solidFill>
-                      <a:prstDash val="solid"/>
-                      <a:round/>
-                      <a:headEnd type="none" w="med" len="med"/>
-                      <a:tailEnd type="none" w="med" len="med"/>
-                    </a:lnT>
-                    <a:lnB w="12700" cap="flat" cmpd="sng" algn="ctr">
-                      <a:solidFill>
-                        <a:schemeClr val="tx1"/>
-                      </a:solidFill>
-                      <a:prstDash val="solid"/>
-                      <a:round/>
-                      <a:headEnd type="none" w="med" len="med"/>
-                      <a:tailEnd type="none" w="med" len="med"/>
-                    </a:lnB>
-                  </a:tcPr>
-                </a:tc>
-                <a:tc>
-                  <a:txBody>
-                    <a:bodyPr/>
-                    <a:lstStyle/>
-                    <a:p>
-                      <a:endParaRPr lang="en-US" sz="1400" noProof="0" dirty="0"/>
-                    </a:p>
-                  </a:txBody>
-                  <a:tcPr>
-                    <a:lnL w="12700" cap="flat" cmpd="sng" algn="ctr">
-                      <a:solidFill>
-                        <a:schemeClr val="tx1"/>
-                      </a:solidFill>
-                      <a:prstDash val="solid"/>
-                      <a:round/>
-                      <a:headEnd type="none" w="med" len="med"/>
-                      <a:tailEnd type="none" w="med" len="med"/>
-                    </a:lnL>
-                    <a:lnR w="12700" cap="flat" cmpd="sng" algn="ctr">
-                      <a:solidFill>
-                        <a:schemeClr val="tx1"/>
-                      </a:solidFill>
-                      <a:prstDash val="solid"/>
-                      <a:round/>
-                      <a:headEnd type="none" w="med" len="med"/>
-                      <a:tailEnd type="none" w="med" len="med"/>
-                    </a:lnR>
-                    <a:lnT w="12700" cap="flat" cmpd="sng" algn="ctr">
-                      <a:solidFill>
-                        <a:schemeClr val="tx1"/>
-                      </a:solidFill>
-                      <a:prstDash val="solid"/>
-                      <a:round/>
-                      <a:headEnd type="none" w="med" len="med"/>
-                      <a:tailEnd type="none" w="med" len="med"/>
-                    </a:lnT>
-                    <a:lnB w="12700" cap="flat" cmpd="sng" algn="ctr">
-                      <a:solidFill>
-                        <a:schemeClr val="tx1"/>
-                      </a:solidFill>
-                      <a:prstDash val="solid"/>
-                      <a:round/>
-                      <a:headEnd type="none" w="med" len="med"/>
-                      <a:tailEnd type="none" w="med" len="med"/>
-                    </a:lnB>
-                    <a:solidFill>
-                      <a:schemeClr val="accent2">
-                        <a:lumMod val="40000"/>
-                        <a:lumOff val="60000"/>
-                      </a:schemeClr>
-                    </a:solidFill>
-                  </a:tcPr>
-                </a:tc>
-                <a:tc>
-                  <a:txBody>
-                    <a:bodyPr/>
-                    <a:lstStyle/>
-                    <a:p>
-                      <a:endParaRPr lang="en-US" sz="1400" noProof="0" dirty="0"/>
-                    </a:p>
-                  </a:txBody>
-                  <a:tcPr>
-                    <a:lnL w="12700" cap="flat" cmpd="sng" algn="ctr">
-                      <a:solidFill>
-                        <a:schemeClr val="tx1"/>
-                      </a:solidFill>
-                      <a:prstDash val="solid"/>
-                      <a:round/>
-                      <a:headEnd type="none" w="med" len="med"/>
-                      <a:tailEnd type="none" w="med" len="med"/>
-                    </a:lnL>
-                    <a:lnR w="12700" cap="flat" cmpd="sng" algn="ctr">
-                      <a:solidFill>
-                        <a:schemeClr val="tx1"/>
-                      </a:solidFill>
-                      <a:prstDash val="solid"/>
-                      <a:round/>
-                      <a:headEnd type="none" w="med" len="med"/>
-                      <a:tailEnd type="none" w="med" len="med"/>
-                    </a:lnR>
-                    <a:lnT w="12700" cap="flat" cmpd="sng" algn="ctr">
-                      <a:solidFill>
-                        <a:schemeClr val="tx1"/>
-                      </a:solidFill>
-                      <a:prstDash val="solid"/>
-                      <a:round/>
-                      <a:headEnd type="none" w="med" len="med"/>
-                      <a:tailEnd type="none" w="med" len="med"/>
-                    </a:lnT>
-                    <a:lnB w="12700" cap="flat" cmpd="sng" algn="ctr">
-                      <a:solidFill>
-                        <a:schemeClr val="tx1"/>
-                      </a:solidFill>
-                      <a:prstDash val="solid"/>
-                      <a:round/>
-                      <a:headEnd type="none" w="med" len="med"/>
-                      <a:tailEnd type="none" w="med" len="med"/>
-                    </a:lnB>
                   </a:tcPr>
                 </a:tc>
                 <a:tc>
@@ -32616,6 +31496,15 @@
                       <a:headEnd type="none" w="med" len="med"/>
                       <a:tailEnd type="none" w="med" len="med"/>
                     </a:lnL>
+                    <a:lnR w="12700" cap="flat" cmpd="sng" algn="ctr">
+                      <a:solidFill>
+                        <a:schemeClr val="tx1"/>
+                      </a:solidFill>
+                      <a:prstDash val="solid"/>
+                      <a:round/>
+                      <a:headEnd type="none" w="med" len="med"/>
+                      <a:tailEnd type="none" w="med" len="med"/>
+                    </a:lnR>
                     <a:lnT w="12700" cap="flat" cmpd="sng" algn="ctr">
                       <a:solidFill>
                         <a:schemeClr val="tx1"/>
@@ -32649,7 +31538,15 @@
                             <a:schemeClr val="bg1"/>
                           </a:solidFill>
                         </a:rPr>
-                        <a:t>Sprint III</a:t>
+                        <a:t>Sprint </a:t>
+                      </a:r>
+                      <a:r>
+                        <a:rPr lang="en-US" b="1" noProof="0" dirty="0" smtClean="0">
+                          <a:solidFill>
+                            <a:schemeClr val="bg1"/>
+                          </a:solidFill>
+                        </a:rPr>
+                        <a:t>II</a:t>
                       </a:r>
                       <a:endParaRPr lang="en-US" b="1" noProof="0" dirty="0">
                         <a:solidFill>
@@ -32659,6 +31556,15 @@
                     </a:p>
                   </a:txBody>
                   <a:tcPr>
+                    <a:lnL w="12700" cap="flat" cmpd="sng" algn="ctr">
+                      <a:solidFill>
+                        <a:schemeClr val="tx1"/>
+                      </a:solidFill>
+                      <a:prstDash val="solid"/>
+                      <a:round/>
+                      <a:headEnd type="none" w="med" len="med"/>
+                      <a:tailEnd type="none" w="med" len="med"/>
+                    </a:lnL>
                     <a:solidFill>
                       <a:schemeClr val="accent2">
                         <a:lumMod val="60000"/>
@@ -32789,6 +31695,12 @@
                       <a:headEnd type="none" w="med" len="med"/>
                       <a:tailEnd type="none" w="med" len="med"/>
                     </a:lnB>
+                    <a:solidFill>
+                      <a:schemeClr val="accent2">
+                        <a:lumMod val="60000"/>
+                        <a:lumOff val="40000"/>
+                      </a:schemeClr>
+                    </a:solidFill>
                   </a:tcPr>
                 </a:tc>
                 <a:tc>
@@ -32943,10 +31855,7 @@
                       <a:tailEnd type="none" w="med" len="med"/>
                     </a:lnB>
                     <a:solidFill>
-                      <a:schemeClr val="accent2">
-                        <a:lumMod val="60000"/>
-                        <a:lumOff val="40000"/>
-                      </a:schemeClr>
+                      <a:schemeClr val="bg1"/>
                     </a:solidFill>
                   </a:tcPr>
                 </a:tc>
@@ -33115,6 +32024,15 @@
                       <a:headEnd type="none" w="med" len="med"/>
                       <a:tailEnd type="none" w="med" len="med"/>
                     </a:lnL>
+                    <a:lnR w="12700" cap="flat" cmpd="sng" algn="ctr">
+                      <a:solidFill>
+                        <a:schemeClr val="tx1"/>
+                      </a:solidFill>
+                      <a:prstDash val="solid"/>
+                      <a:round/>
+                      <a:headEnd type="none" w="med" len="med"/>
+                      <a:tailEnd type="none" w="med" len="med"/>
+                    </a:lnR>
                     <a:lnT w="12700" cap="flat" cmpd="sng" algn="ctr">
                       <a:solidFill>
                         <a:schemeClr val="tx1"/>
@@ -33150,6 +32068,15 @@
                     </a:p>
                   </a:txBody>
                   <a:tcPr>
+                    <a:lnL w="12700" cap="flat" cmpd="sng" algn="ctr">
+                      <a:solidFill>
+                        <a:schemeClr val="tx1"/>
+                      </a:solidFill>
+                      <a:prstDash val="solid"/>
+                      <a:round/>
+                      <a:headEnd type="none" w="med" len="med"/>
+                      <a:tailEnd type="none" w="med" len="med"/>
+                    </a:lnL>
                     <a:solidFill>
                       <a:schemeClr val="accent2">
                         <a:lumMod val="60000"/>
@@ -33288,53 +32215,6 @@
                       <a:headEnd type="none" w="med" len="med"/>
                       <a:tailEnd type="none" w="med" len="med"/>
                     </a:lnB>
-                  </a:tcPr>
-                </a:tc>
-                <a:tc>
-                  <a:txBody>
-                    <a:bodyPr/>
-                    <a:lstStyle/>
-                    <a:p>
-                      <a:endParaRPr lang="en-US" sz="1400" noProof="0" dirty="0"/>
-                    </a:p>
-                  </a:txBody>
-                  <a:tcPr>
-                    <a:lnL w="12700" cap="flat" cmpd="sng" algn="ctr">
-                      <a:solidFill>
-                        <a:schemeClr val="tx1"/>
-                      </a:solidFill>
-                      <a:prstDash val="solid"/>
-                      <a:round/>
-                      <a:headEnd type="none" w="med" len="med"/>
-                      <a:tailEnd type="none" w="med" len="med"/>
-                    </a:lnL>
-                    <a:lnR w="12700" cap="flat" cmpd="sng" algn="ctr">
-                      <a:solidFill>
-                        <a:schemeClr val="tx1"/>
-                      </a:solidFill>
-                      <a:prstDash val="solid"/>
-                      <a:round/>
-                      <a:headEnd type="none" w="med" len="med"/>
-                      <a:tailEnd type="none" w="med" len="med"/>
-                    </a:lnR>
-                    <a:lnT w="12700" cap="flat" cmpd="sng" algn="ctr">
-                      <a:solidFill>
-                        <a:schemeClr val="tx1"/>
-                      </a:solidFill>
-                      <a:prstDash val="solid"/>
-                      <a:round/>
-                      <a:headEnd type="none" w="med" len="med"/>
-                      <a:tailEnd type="none" w="med" len="med"/>
-                    </a:lnT>
-                    <a:lnB w="12700" cap="flat" cmpd="sng" algn="ctr">
-                      <a:solidFill>
-                        <a:schemeClr val="tx1"/>
-                      </a:solidFill>
-                      <a:prstDash val="solid"/>
-                      <a:round/>
-                      <a:headEnd type="none" w="med" len="med"/>
-                      <a:tailEnd type="none" w="med" len="med"/>
-                    </a:lnB>
                     <a:solidFill>
                       <a:schemeClr val="accent2">
                         <a:lumMod val="60000"/>
@@ -33388,6 +32268,56 @@
                       <a:headEnd type="none" w="med" len="med"/>
                       <a:tailEnd type="none" w="med" len="med"/>
                     </a:lnB>
+                    <a:solidFill>
+                      <a:schemeClr val="bg1"/>
+                    </a:solidFill>
+                  </a:tcPr>
+                </a:tc>
+                <a:tc>
+                  <a:txBody>
+                    <a:bodyPr/>
+                    <a:lstStyle/>
+                    <a:p>
+                      <a:endParaRPr lang="en-US" sz="1400" noProof="0" dirty="0"/>
+                    </a:p>
+                  </a:txBody>
+                  <a:tcPr>
+                    <a:lnL w="12700" cap="flat" cmpd="sng" algn="ctr">
+                      <a:solidFill>
+                        <a:schemeClr val="tx1"/>
+                      </a:solidFill>
+                      <a:prstDash val="solid"/>
+                      <a:round/>
+                      <a:headEnd type="none" w="med" len="med"/>
+                      <a:tailEnd type="none" w="med" len="med"/>
+                    </a:lnL>
+                    <a:lnR w="12700" cap="flat" cmpd="sng" algn="ctr">
+                      <a:solidFill>
+                        <a:schemeClr val="tx1"/>
+                      </a:solidFill>
+                      <a:prstDash val="solid"/>
+                      <a:round/>
+                      <a:headEnd type="none" w="med" len="med"/>
+                      <a:tailEnd type="none" w="med" len="med"/>
+                    </a:lnR>
+                    <a:lnT w="12700" cap="flat" cmpd="sng" algn="ctr">
+                      <a:solidFill>
+                        <a:schemeClr val="tx1"/>
+                      </a:solidFill>
+                      <a:prstDash val="solid"/>
+                      <a:round/>
+                      <a:headEnd type="none" w="med" len="med"/>
+                      <a:tailEnd type="none" w="med" len="med"/>
+                    </a:lnT>
+                    <a:lnB w="12700" cap="flat" cmpd="sng" algn="ctr">
+                      <a:solidFill>
+                        <a:schemeClr val="tx1"/>
+                      </a:solidFill>
+                      <a:prstDash val="solid"/>
+                      <a:round/>
+                      <a:headEnd type="none" w="med" len="med"/>
+                      <a:tailEnd type="none" w="med" len="med"/>
+                    </a:lnB>
                   </a:tcPr>
                 </a:tc>
                 <a:tc>
@@ -33602,6 +32532,15 @@
                       <a:headEnd type="none" w="med" len="med"/>
                       <a:tailEnd type="none" w="med" len="med"/>
                     </a:lnL>
+                    <a:lnR w="12700" cap="flat" cmpd="sng" algn="ctr">
+                      <a:solidFill>
+                        <a:schemeClr val="tx1"/>
+                      </a:solidFill>
+                      <a:prstDash val="solid"/>
+                      <a:round/>
+                      <a:headEnd type="none" w="med" len="med"/>
+                      <a:tailEnd type="none" w="med" len="med"/>
+                    </a:lnR>
                     <a:lnT w="12700" cap="flat" cmpd="sng" algn="ctr">
                       <a:solidFill>
                         <a:schemeClr val="tx1"/>
@@ -33637,6 +32576,15 @@
                     </a:p>
                   </a:txBody>
                   <a:tcPr>
+                    <a:lnL w="12700" cap="flat" cmpd="sng" algn="ctr">
+                      <a:solidFill>
+                        <a:schemeClr val="tx1"/>
+                      </a:solidFill>
+                      <a:prstDash val="solid"/>
+                      <a:round/>
+                      <a:headEnd type="none" w="med" len="med"/>
+                      <a:tailEnd type="none" w="med" len="med"/>
+                    </a:lnL>
                     <a:solidFill>
                       <a:schemeClr val="accent2">
                         <a:lumMod val="60000"/>
@@ -33822,53 +32770,6 @@
                       <a:headEnd type="none" w="med" len="med"/>
                       <a:tailEnd type="none" w="med" len="med"/>
                     </a:lnB>
-                  </a:tcPr>
-                </a:tc>
-                <a:tc>
-                  <a:txBody>
-                    <a:bodyPr/>
-                    <a:lstStyle/>
-                    <a:p>
-                      <a:endParaRPr lang="en-US" sz="1400" noProof="0" dirty="0"/>
-                    </a:p>
-                  </a:txBody>
-                  <a:tcPr>
-                    <a:lnL w="12700" cap="flat" cmpd="sng" algn="ctr">
-                      <a:solidFill>
-                        <a:schemeClr val="tx1"/>
-                      </a:solidFill>
-                      <a:prstDash val="solid"/>
-                      <a:round/>
-                      <a:headEnd type="none" w="med" len="med"/>
-                      <a:tailEnd type="none" w="med" len="med"/>
-                    </a:lnL>
-                    <a:lnR w="12700" cap="flat" cmpd="sng" algn="ctr">
-                      <a:solidFill>
-                        <a:schemeClr val="tx1"/>
-                      </a:solidFill>
-                      <a:prstDash val="solid"/>
-                      <a:round/>
-                      <a:headEnd type="none" w="med" len="med"/>
-                      <a:tailEnd type="none" w="med" len="med"/>
-                    </a:lnR>
-                    <a:lnT w="12700" cap="flat" cmpd="sng" algn="ctr">
-                      <a:solidFill>
-                        <a:schemeClr val="tx1"/>
-                      </a:solidFill>
-                      <a:prstDash val="solid"/>
-                      <a:round/>
-                      <a:headEnd type="none" w="med" len="med"/>
-                      <a:tailEnd type="none" w="med" len="med"/>
-                    </a:lnT>
-                    <a:lnB w="12700" cap="flat" cmpd="sng" algn="ctr">
-                      <a:solidFill>
-                        <a:schemeClr val="tx1"/>
-                      </a:solidFill>
-                      <a:prstDash val="solid"/>
-                      <a:round/>
-                      <a:headEnd type="none" w="med" len="med"/>
-                      <a:tailEnd type="none" w="med" len="med"/>
-                    </a:lnB>
                     <a:solidFill>
                       <a:schemeClr val="accent2">
                         <a:lumMod val="60000"/>
@@ -33922,6 +32823,56 @@
                       <a:headEnd type="none" w="med" len="med"/>
                       <a:tailEnd type="none" w="med" len="med"/>
                     </a:lnB>
+                    <a:solidFill>
+                      <a:schemeClr val="bg1"/>
+                    </a:solidFill>
+                  </a:tcPr>
+                </a:tc>
+                <a:tc>
+                  <a:txBody>
+                    <a:bodyPr/>
+                    <a:lstStyle/>
+                    <a:p>
+                      <a:endParaRPr lang="en-US" sz="1400" noProof="0" dirty="0"/>
+                    </a:p>
+                  </a:txBody>
+                  <a:tcPr>
+                    <a:lnL w="12700" cap="flat" cmpd="sng" algn="ctr">
+                      <a:solidFill>
+                        <a:schemeClr val="tx1"/>
+                      </a:solidFill>
+                      <a:prstDash val="solid"/>
+                      <a:round/>
+                      <a:headEnd type="none" w="med" len="med"/>
+                      <a:tailEnd type="none" w="med" len="med"/>
+                    </a:lnL>
+                    <a:lnR w="12700" cap="flat" cmpd="sng" algn="ctr">
+                      <a:solidFill>
+                        <a:schemeClr val="tx1"/>
+                      </a:solidFill>
+                      <a:prstDash val="solid"/>
+                      <a:round/>
+                      <a:headEnd type="none" w="med" len="med"/>
+                      <a:tailEnd type="none" w="med" len="med"/>
+                    </a:lnR>
+                    <a:lnT w="12700" cap="flat" cmpd="sng" algn="ctr">
+                      <a:solidFill>
+                        <a:schemeClr val="tx1"/>
+                      </a:solidFill>
+                      <a:prstDash val="solid"/>
+                      <a:round/>
+                      <a:headEnd type="none" w="med" len="med"/>
+                      <a:tailEnd type="none" w="med" len="med"/>
+                    </a:lnT>
+                    <a:lnB w="12700" cap="flat" cmpd="sng" algn="ctr">
+                      <a:solidFill>
+                        <a:schemeClr val="tx1"/>
+                      </a:solidFill>
+                      <a:prstDash val="solid"/>
+                      <a:round/>
+                      <a:headEnd type="none" w="med" len="med"/>
+                      <a:tailEnd type="none" w="med" len="med"/>
+                    </a:lnB>
                   </a:tcPr>
                 </a:tc>
                 <a:tc>
@@ -34089,6 +33040,15 @@
                       <a:headEnd type="none" w="med" len="med"/>
                       <a:tailEnd type="none" w="med" len="med"/>
                     </a:lnL>
+                    <a:lnR w="12700" cap="flat" cmpd="sng" algn="ctr">
+                      <a:solidFill>
+                        <a:schemeClr val="tx1"/>
+                      </a:solidFill>
+                      <a:prstDash val="solid"/>
+                      <a:round/>
+                      <a:headEnd type="none" w="med" len="med"/>
+                      <a:tailEnd type="none" w="med" len="med"/>
+                    </a:lnR>
                     <a:lnT w="12700" cap="flat" cmpd="sng" algn="ctr">
                       <a:solidFill>
                         <a:schemeClr val="tx1"/>
@@ -34124,6 +33084,15 @@
                     </a:p>
                   </a:txBody>
                   <a:tcPr>
+                    <a:lnL w="12700" cap="flat" cmpd="sng" algn="ctr">
+                      <a:solidFill>
+                        <a:schemeClr val="tx1"/>
+                      </a:solidFill>
+                      <a:prstDash val="solid"/>
+                      <a:round/>
+                      <a:headEnd type="none" w="med" len="med"/>
+                      <a:tailEnd type="none" w="med" len="med"/>
+                    </a:lnL>
                     <a:solidFill>
                       <a:schemeClr val="accent2">
                         <a:lumMod val="60000"/>
@@ -34356,53 +33325,6 @@
                       <a:headEnd type="none" w="med" len="med"/>
                       <a:tailEnd type="none" w="med" len="med"/>
                     </a:lnB>
-                  </a:tcPr>
-                </a:tc>
-                <a:tc>
-                  <a:txBody>
-                    <a:bodyPr/>
-                    <a:lstStyle/>
-                    <a:p>
-                      <a:endParaRPr lang="en-US" sz="1400" noProof="0" dirty="0"/>
-                    </a:p>
-                  </a:txBody>
-                  <a:tcPr>
-                    <a:lnL w="12700" cap="flat" cmpd="sng" algn="ctr">
-                      <a:solidFill>
-                        <a:schemeClr val="tx1"/>
-                      </a:solidFill>
-                      <a:prstDash val="solid"/>
-                      <a:round/>
-                      <a:headEnd type="none" w="med" len="med"/>
-                      <a:tailEnd type="none" w="med" len="med"/>
-                    </a:lnL>
-                    <a:lnR w="12700" cap="flat" cmpd="sng" algn="ctr">
-                      <a:solidFill>
-                        <a:schemeClr val="tx1"/>
-                      </a:solidFill>
-                      <a:prstDash val="solid"/>
-                      <a:round/>
-                      <a:headEnd type="none" w="med" len="med"/>
-                      <a:tailEnd type="none" w="med" len="med"/>
-                    </a:lnR>
-                    <a:lnT w="12700" cap="flat" cmpd="sng" algn="ctr">
-                      <a:solidFill>
-                        <a:schemeClr val="tx1"/>
-                      </a:solidFill>
-                      <a:prstDash val="solid"/>
-                      <a:round/>
-                      <a:headEnd type="none" w="med" len="med"/>
-                      <a:tailEnd type="none" w="med" len="med"/>
-                    </a:lnT>
-                    <a:lnB w="12700" cap="flat" cmpd="sng" algn="ctr">
-                      <a:solidFill>
-                        <a:schemeClr val="tx1"/>
-                      </a:solidFill>
-                      <a:prstDash val="solid"/>
-                      <a:round/>
-                      <a:headEnd type="none" w="med" len="med"/>
-                      <a:tailEnd type="none" w="med" len="med"/>
-                    </a:lnB>
                     <a:solidFill>
                       <a:schemeClr val="accent2">
                         <a:lumMod val="60000"/>
@@ -34556,6 +33478,9 @@
                       <a:headEnd type="none" w="med" len="med"/>
                       <a:tailEnd type="none" w="med" len="med"/>
                     </a:lnB>
+                    <a:solidFill>
+                      <a:schemeClr val="bg1"/>
+                    </a:solidFill>
                   </a:tcPr>
                 </a:tc>
                 <a:tc>
@@ -34576,6 +33501,62 @@
                       <a:headEnd type="none" w="med" len="med"/>
                       <a:tailEnd type="none" w="med" len="med"/>
                     </a:lnL>
+                    <a:lnR w="12700" cap="flat" cmpd="sng" algn="ctr">
+                      <a:solidFill>
+                        <a:schemeClr val="tx1"/>
+                      </a:solidFill>
+                      <a:prstDash val="solid"/>
+                      <a:round/>
+                      <a:headEnd type="none" w="med" len="med"/>
+                      <a:tailEnd type="none" w="med" len="med"/>
+                    </a:lnR>
+                    <a:lnT w="12700" cap="flat" cmpd="sng" algn="ctr">
+                      <a:solidFill>
+                        <a:schemeClr val="tx1"/>
+                      </a:solidFill>
+                      <a:prstDash val="solid"/>
+                      <a:round/>
+                      <a:headEnd type="none" w="med" len="med"/>
+                      <a:tailEnd type="none" w="med" len="med"/>
+                    </a:lnT>
+                    <a:lnB w="12700" cap="flat" cmpd="sng" algn="ctr">
+                      <a:solidFill>
+                        <a:schemeClr val="tx1"/>
+                      </a:solidFill>
+                      <a:prstDash val="solid"/>
+                      <a:round/>
+                      <a:headEnd type="none" w="med" len="med"/>
+                      <a:tailEnd type="none" w="med" len="med"/>
+                    </a:lnB>
+                  </a:tcPr>
+                </a:tc>
+                <a:tc>
+                  <a:txBody>
+                    <a:bodyPr/>
+                    <a:lstStyle/>
+                    <a:p>
+                      <a:endParaRPr lang="en-US" sz="1400" noProof="0" dirty="0"/>
+                    </a:p>
+                  </a:txBody>
+                  <a:tcPr>
+                    <a:lnL w="12700" cap="flat" cmpd="sng" algn="ctr">
+                      <a:solidFill>
+                        <a:schemeClr val="tx1"/>
+                      </a:solidFill>
+                      <a:prstDash val="solid"/>
+                      <a:round/>
+                      <a:headEnd type="none" w="med" len="med"/>
+                      <a:tailEnd type="none" w="med" len="med"/>
+                    </a:lnL>
+                    <a:lnR w="12700" cap="flat" cmpd="sng" algn="ctr">
+                      <a:solidFill>
+                        <a:schemeClr val="tx1"/>
+                      </a:solidFill>
+                      <a:prstDash val="solid"/>
+                      <a:round/>
+                      <a:headEnd type="none" w="med" len="med"/>
+                      <a:tailEnd type="none" w="med" len="med"/>
+                    </a:lnR>
                     <a:lnT w="12700" cap="flat" cmpd="sng" algn="ctr">
                       <a:solidFill>
                         <a:schemeClr val="tx1"/>
@@ -34609,7 +33590,15 @@
                             <a:schemeClr val="bg1"/>
                           </a:solidFill>
                         </a:rPr>
-                        <a:t>Sprint IV</a:t>
+                        <a:t>Sprint </a:t>
+                      </a:r>
+                      <a:r>
+                        <a:rPr lang="en-US" b="1" noProof="0" dirty="0" smtClean="0">
+                          <a:solidFill>
+                            <a:schemeClr val="bg1"/>
+                          </a:solidFill>
+                        </a:rPr>
+                        <a:t>III</a:t>
                       </a:r>
                       <a:endParaRPr lang="en-US" b="1" noProof="0" dirty="0">
                         <a:solidFill>
@@ -34619,6 +33608,15 @@
                     </a:p>
                   </a:txBody>
                   <a:tcPr>
+                    <a:lnL w="12700" cap="flat" cmpd="sng" algn="ctr">
+                      <a:solidFill>
+                        <a:schemeClr val="tx1"/>
+                      </a:solidFill>
+                      <a:prstDash val="solid"/>
+                      <a:round/>
+                      <a:headEnd type="none" w="med" len="med"/>
+                      <a:tailEnd type="none" w="med" len="med"/>
+                    </a:lnL>
                     <a:solidFill>
                       <a:schemeClr val="accent2">
                         <a:lumMod val="75000"/>
@@ -34841,6 +33839,11 @@
                       <a:headEnd type="none" w="med" len="med"/>
                       <a:tailEnd type="none" w="med" len="med"/>
                     </a:lnB>
+                    <a:solidFill>
+                      <a:schemeClr val="accent2">
+                        <a:lumMod val="75000"/>
+                      </a:schemeClr>
+                    </a:solidFill>
                   </a:tcPr>
                 </a:tc>
                 <a:tc>
@@ -34993,9 +33996,7 @@
                       <a:tailEnd type="none" w="med" len="med"/>
                     </a:lnB>
                     <a:solidFill>
-                      <a:schemeClr val="accent2">
-                        <a:lumMod val="75000"/>
-                      </a:schemeClr>
+                      <a:schemeClr val="bg1"/>
                     </a:solidFill>
                   </a:tcPr>
                 </a:tc>
@@ -35067,6 +34068,15 @@
                       <a:headEnd type="none" w="med" len="med"/>
                       <a:tailEnd type="none" w="med" len="med"/>
                     </a:lnL>
+                    <a:lnR w="12700" cap="flat" cmpd="sng" algn="ctr">
+                      <a:solidFill>
+                        <a:schemeClr val="tx1"/>
+                      </a:solidFill>
+                      <a:prstDash val="solid"/>
+                      <a:round/>
+                      <a:headEnd type="none" w="med" len="med"/>
+                      <a:tailEnd type="none" w="med" len="med"/>
+                    </a:lnR>
                     <a:lnT w="12700" cap="flat" cmpd="sng" algn="ctr">
                       <a:solidFill>
                         <a:schemeClr val="tx1"/>
@@ -35105,6 +34115,15 @@
                     </a:p>
                   </a:txBody>
                   <a:tcPr>
+                    <a:lnL w="12700" cap="flat" cmpd="sng" algn="ctr">
+                      <a:solidFill>
+                        <a:schemeClr val="tx1"/>
+                      </a:solidFill>
+                      <a:prstDash val="solid"/>
+                      <a:round/>
+                      <a:headEnd type="none" w="med" len="med"/>
+                      <a:tailEnd type="none" w="med" len="med"/>
+                    </a:lnL>
                     <a:solidFill>
                       <a:schemeClr val="accent2">
                         <a:lumMod val="75000"/>
@@ -35335,53 +34354,6 @@
                       <a:headEnd type="none" w="med" len="med"/>
                       <a:tailEnd type="none" w="med" len="med"/>
                     </a:lnB>
-                  </a:tcPr>
-                </a:tc>
-                <a:tc>
-                  <a:txBody>
-                    <a:bodyPr/>
-                    <a:lstStyle/>
-                    <a:p>
-                      <a:endParaRPr lang="en-US" sz="1400" noProof="0" dirty="0"/>
-                    </a:p>
-                  </a:txBody>
-                  <a:tcPr>
-                    <a:lnL w="12700" cap="flat" cmpd="sng" algn="ctr">
-                      <a:solidFill>
-                        <a:schemeClr val="tx1"/>
-                      </a:solidFill>
-                      <a:prstDash val="solid"/>
-                      <a:round/>
-                      <a:headEnd type="none" w="med" len="med"/>
-                      <a:tailEnd type="none" w="med" len="med"/>
-                    </a:lnL>
-                    <a:lnR w="12700" cap="flat" cmpd="sng" algn="ctr">
-                      <a:solidFill>
-                        <a:schemeClr val="tx1"/>
-                      </a:solidFill>
-                      <a:prstDash val="solid"/>
-                      <a:round/>
-                      <a:headEnd type="none" w="med" len="med"/>
-                      <a:tailEnd type="none" w="med" len="med"/>
-                    </a:lnR>
-                    <a:lnT w="12700" cap="flat" cmpd="sng" algn="ctr">
-                      <a:solidFill>
-                        <a:schemeClr val="tx1"/>
-                      </a:solidFill>
-                      <a:prstDash val="solid"/>
-                      <a:round/>
-                      <a:headEnd type="none" w="med" len="med"/>
-                      <a:tailEnd type="none" w="med" len="med"/>
-                    </a:lnT>
-                    <a:lnB w="12700" cap="flat" cmpd="sng" algn="ctr">
-                      <a:solidFill>
-                        <a:schemeClr val="tx1"/>
-                      </a:solidFill>
-                      <a:prstDash val="solid"/>
-                      <a:round/>
-                      <a:headEnd type="none" w="med" len="med"/>
-                      <a:tailEnd type="none" w="med" len="med"/>
-                    </a:lnB>
                     <a:solidFill>
                       <a:schemeClr val="accent2">
                         <a:lumMod val="75000"/>
@@ -35434,6 +34406,56 @@
                       <a:headEnd type="none" w="med" len="med"/>
                       <a:tailEnd type="none" w="med" len="med"/>
                     </a:lnB>
+                    <a:solidFill>
+                      <a:schemeClr val="bg1"/>
+                    </a:solidFill>
+                  </a:tcPr>
+                </a:tc>
+                <a:tc>
+                  <a:txBody>
+                    <a:bodyPr/>
+                    <a:lstStyle/>
+                    <a:p>
+                      <a:endParaRPr lang="en-US" sz="1400" noProof="0" dirty="0"/>
+                    </a:p>
+                  </a:txBody>
+                  <a:tcPr>
+                    <a:lnL w="12700" cap="flat" cmpd="sng" algn="ctr">
+                      <a:solidFill>
+                        <a:schemeClr val="tx1"/>
+                      </a:solidFill>
+                      <a:prstDash val="solid"/>
+                      <a:round/>
+                      <a:headEnd type="none" w="med" len="med"/>
+                      <a:tailEnd type="none" w="med" len="med"/>
+                    </a:lnL>
+                    <a:lnR w="12700" cap="flat" cmpd="sng" algn="ctr">
+                      <a:solidFill>
+                        <a:schemeClr val="tx1"/>
+                      </a:solidFill>
+                      <a:prstDash val="solid"/>
+                      <a:round/>
+                      <a:headEnd type="none" w="med" len="med"/>
+                      <a:tailEnd type="none" w="med" len="med"/>
+                    </a:lnR>
+                    <a:lnT w="12700" cap="flat" cmpd="sng" algn="ctr">
+                      <a:solidFill>
+                        <a:schemeClr val="tx1"/>
+                      </a:solidFill>
+                      <a:prstDash val="solid"/>
+                      <a:round/>
+                      <a:headEnd type="none" w="med" len="med"/>
+                      <a:tailEnd type="none" w="med" len="med"/>
+                    </a:lnT>
+                    <a:lnB w="12700" cap="flat" cmpd="sng" algn="ctr">
+                      <a:solidFill>
+                        <a:schemeClr val="tx1"/>
+                      </a:solidFill>
+                      <a:prstDash val="solid"/>
+                      <a:round/>
+                      <a:headEnd type="none" w="med" len="med"/>
+                      <a:tailEnd type="none" w="med" len="med"/>
+                    </a:lnB>
                   </a:tcPr>
                 </a:tc>
                 <a:tc>
@@ -35554,6 +34576,15 @@
                       <a:headEnd type="none" w="med" len="med"/>
                       <a:tailEnd type="none" w="med" len="med"/>
                     </a:lnL>
+                    <a:lnR w="12700" cap="flat" cmpd="sng" algn="ctr">
+                      <a:solidFill>
+                        <a:schemeClr val="tx1"/>
+                      </a:solidFill>
+                      <a:prstDash val="solid"/>
+                      <a:round/>
+                      <a:headEnd type="none" w="med" len="med"/>
+                      <a:tailEnd type="none" w="med" len="med"/>
+                    </a:lnR>
                     <a:lnT w="12700" cap="flat" cmpd="sng" algn="ctr">
                       <a:solidFill>
                         <a:schemeClr val="tx1"/>
@@ -35592,6 +34623,15 @@
                     </a:p>
                   </a:txBody>
                   <a:tcPr>
+                    <a:lnL w="12700" cap="flat" cmpd="sng" algn="ctr">
+                      <a:solidFill>
+                        <a:schemeClr val="tx1"/>
+                      </a:solidFill>
+                      <a:prstDash val="solid"/>
+                      <a:round/>
+                      <a:headEnd type="none" w="med" len="med"/>
+                      <a:tailEnd type="none" w="med" len="med"/>
+                    </a:lnL>
                     <a:solidFill>
                       <a:schemeClr val="accent2">
                         <a:lumMod val="75000"/>
@@ -35869,53 +34909,6 @@
                       <a:headEnd type="none" w="med" len="med"/>
                       <a:tailEnd type="none" w="med" len="med"/>
                     </a:lnB>
-                  </a:tcPr>
-                </a:tc>
-                <a:tc>
-                  <a:txBody>
-                    <a:bodyPr/>
-                    <a:lstStyle/>
-                    <a:p>
-                      <a:endParaRPr lang="en-US" sz="1400" noProof="0" dirty="0"/>
-                    </a:p>
-                  </a:txBody>
-                  <a:tcPr>
-                    <a:lnL w="12700" cap="flat" cmpd="sng" algn="ctr">
-                      <a:solidFill>
-                        <a:schemeClr val="tx1"/>
-                      </a:solidFill>
-                      <a:prstDash val="solid"/>
-                      <a:round/>
-                      <a:headEnd type="none" w="med" len="med"/>
-                      <a:tailEnd type="none" w="med" len="med"/>
-                    </a:lnL>
-                    <a:lnR w="12700" cap="flat" cmpd="sng" algn="ctr">
-                      <a:solidFill>
-                        <a:schemeClr val="tx1"/>
-                      </a:solidFill>
-                      <a:prstDash val="solid"/>
-                      <a:round/>
-                      <a:headEnd type="none" w="med" len="med"/>
-                      <a:tailEnd type="none" w="med" len="med"/>
-                    </a:lnR>
-                    <a:lnT w="12700" cap="flat" cmpd="sng" algn="ctr">
-                      <a:solidFill>
-                        <a:schemeClr val="tx1"/>
-                      </a:solidFill>
-                      <a:prstDash val="solid"/>
-                      <a:round/>
-                      <a:headEnd type="none" w="med" len="med"/>
-                      <a:tailEnd type="none" w="med" len="med"/>
-                    </a:lnT>
-                    <a:lnB w="12700" cap="flat" cmpd="sng" algn="ctr">
-                      <a:solidFill>
-                        <a:schemeClr val="tx1"/>
-                      </a:solidFill>
-                      <a:prstDash val="solid"/>
-                      <a:round/>
-                      <a:headEnd type="none" w="med" len="med"/>
-                      <a:tailEnd type="none" w="med" len="med"/>
-                    </a:lnB>
                     <a:solidFill>
                       <a:schemeClr val="accent2">
                         <a:lumMod val="75000"/>
@@ -36041,6 +35034,65 @@
                       <a:headEnd type="none" w="med" len="med"/>
                       <a:tailEnd type="none" w="med" len="med"/>
                     </a:lnL>
+                    <a:lnR w="12700" cap="flat" cmpd="sng" algn="ctr">
+                      <a:solidFill>
+                        <a:schemeClr val="tx1"/>
+                      </a:solidFill>
+                      <a:prstDash val="solid"/>
+                      <a:round/>
+                      <a:headEnd type="none" w="med" len="med"/>
+                      <a:tailEnd type="none" w="med" len="med"/>
+                    </a:lnR>
+                    <a:lnT w="12700" cap="flat" cmpd="sng" algn="ctr">
+                      <a:solidFill>
+                        <a:schemeClr val="tx1"/>
+                      </a:solidFill>
+                      <a:prstDash val="solid"/>
+                      <a:round/>
+                      <a:headEnd type="none" w="med" len="med"/>
+                      <a:tailEnd type="none" w="med" len="med"/>
+                    </a:lnT>
+                    <a:lnB w="12700" cap="flat" cmpd="sng" algn="ctr">
+                      <a:solidFill>
+                        <a:schemeClr val="tx1"/>
+                      </a:solidFill>
+                      <a:prstDash val="solid"/>
+                      <a:round/>
+                      <a:headEnd type="none" w="med" len="med"/>
+                      <a:tailEnd type="none" w="med" len="med"/>
+                    </a:lnB>
+                    <a:solidFill>
+                      <a:schemeClr val="bg1"/>
+                    </a:solidFill>
+                  </a:tcPr>
+                </a:tc>
+                <a:tc>
+                  <a:txBody>
+                    <a:bodyPr/>
+                    <a:lstStyle/>
+                    <a:p>
+                      <a:endParaRPr lang="en-US" sz="1400" noProof="0" dirty="0"/>
+                    </a:p>
+                  </a:txBody>
+                  <a:tcPr>
+                    <a:lnL w="12700" cap="flat" cmpd="sng" algn="ctr">
+                      <a:solidFill>
+                        <a:schemeClr val="tx1"/>
+                      </a:solidFill>
+                      <a:prstDash val="solid"/>
+                      <a:round/>
+                      <a:headEnd type="none" w="med" len="med"/>
+                      <a:tailEnd type="none" w="med" len="med"/>
+                    </a:lnL>
+                    <a:lnR w="12700" cap="flat" cmpd="sng" algn="ctr">
+                      <a:solidFill>
+                        <a:schemeClr val="tx1"/>
+                      </a:solidFill>
+                      <a:prstDash val="solid"/>
+                      <a:round/>
+                      <a:headEnd type="none" w="med" len="med"/>
+                      <a:tailEnd type="none" w="med" len="med"/>
+                    </a:lnR>
                     <a:lnT w="12700" cap="flat" cmpd="sng" algn="ctr">
                       <a:solidFill>
                         <a:schemeClr val="tx1"/>
@@ -36079,6 +35131,15 @@
                     </a:p>
                   </a:txBody>
                   <a:tcPr>
+                    <a:lnL w="12700" cap="flat" cmpd="sng" algn="ctr">
+                      <a:solidFill>
+                        <a:schemeClr val="tx1"/>
+                      </a:solidFill>
+                      <a:prstDash val="solid"/>
+                      <a:round/>
+                      <a:headEnd type="none" w="med" len="med"/>
+                      <a:tailEnd type="none" w="med" len="med"/>
+                    </a:lnL>
                     <a:solidFill>
                       <a:schemeClr val="accent2">
                         <a:lumMod val="75000"/>
@@ -36403,53 +35464,6 @@
                       <a:headEnd type="none" w="med" len="med"/>
                       <a:tailEnd type="none" w="med" len="med"/>
                     </a:lnB>
-                  </a:tcPr>
-                </a:tc>
-                <a:tc>
-                  <a:txBody>
-                    <a:bodyPr/>
-                    <a:lstStyle/>
-                    <a:p>
-                      <a:endParaRPr lang="en-US" sz="1400" noProof="0" dirty="0"/>
-                    </a:p>
-                  </a:txBody>
-                  <a:tcPr>
-                    <a:lnL w="12700" cap="flat" cmpd="sng" algn="ctr">
-                      <a:solidFill>
-                        <a:schemeClr val="tx1"/>
-                      </a:solidFill>
-                      <a:prstDash val="solid"/>
-                      <a:round/>
-                      <a:headEnd type="none" w="med" len="med"/>
-                      <a:tailEnd type="none" w="med" len="med"/>
-                    </a:lnL>
-                    <a:lnR w="12700" cap="flat" cmpd="sng" algn="ctr">
-                      <a:solidFill>
-                        <a:schemeClr val="tx1"/>
-                      </a:solidFill>
-                      <a:prstDash val="solid"/>
-                      <a:round/>
-                      <a:headEnd type="none" w="med" len="med"/>
-                      <a:tailEnd type="none" w="med" len="med"/>
-                    </a:lnR>
-                    <a:lnT w="12700" cap="flat" cmpd="sng" algn="ctr">
-                      <a:solidFill>
-                        <a:schemeClr val="tx1"/>
-                      </a:solidFill>
-                      <a:prstDash val="solid"/>
-                      <a:round/>
-                      <a:headEnd type="none" w="med" len="med"/>
-                      <a:tailEnd type="none" w="med" len="med"/>
-                    </a:lnT>
-                    <a:lnB w="12700" cap="flat" cmpd="sng" algn="ctr">
-                      <a:solidFill>
-                        <a:schemeClr val="tx1"/>
-                      </a:solidFill>
-                      <a:prstDash val="solid"/>
-                      <a:round/>
-                      <a:headEnd type="none" w="med" len="med"/>
-                      <a:tailEnd type="none" w="med" len="med"/>
-                    </a:lnB>
                     <a:solidFill>
                       <a:schemeClr val="accent2">
                         <a:lumMod val="75000"/>
@@ -36502,6 +35516,9 @@
                       <a:headEnd type="none" w="med" len="med"/>
                       <a:tailEnd type="none" w="med" len="med"/>
                     </a:lnB>
+                    <a:solidFill>
+                      <a:schemeClr val="bg1"/>
+                    </a:solidFill>
                   </a:tcPr>
                 </a:tc>
                 <a:tc>
@@ -36522,6 +35539,15 @@
                       <a:headEnd type="none" w="med" len="med"/>
                       <a:tailEnd type="none" w="med" len="med"/>
                     </a:lnL>
+                    <a:lnR w="12700" cap="flat" cmpd="sng" algn="ctr">
+                      <a:solidFill>
+                        <a:schemeClr val="tx1"/>
+                      </a:solidFill>
+                      <a:prstDash val="solid"/>
+                      <a:round/>
+                      <a:headEnd type="none" w="med" len="med"/>
+                      <a:tailEnd type="none" w="med" len="med"/>
+                    </a:lnR>
                     <a:lnT w="12700" cap="flat" cmpd="sng" algn="ctr">
                       <a:solidFill>
                         <a:schemeClr val="tx1"/>
@@ -36540,6 +35566,2134 @@
                       <a:headEnd type="none" w="med" len="med"/>
                       <a:tailEnd type="none" w="med" len="med"/>
                     </a:lnB>
+                  </a:tcPr>
+                </a:tc>
+                <a:tc>
+                  <a:txBody>
+                    <a:bodyPr/>
+                    <a:lstStyle/>
+                    <a:p>
+                      <a:endParaRPr lang="en-US" sz="1400" noProof="0" dirty="0"/>
+                    </a:p>
+                  </a:txBody>
+                  <a:tcPr>
+                    <a:lnL w="12700" cap="flat" cmpd="sng" algn="ctr">
+                      <a:solidFill>
+                        <a:schemeClr val="tx1"/>
+                      </a:solidFill>
+                      <a:prstDash val="solid"/>
+                      <a:round/>
+                      <a:headEnd type="none" w="med" len="med"/>
+                      <a:tailEnd type="none" w="med" len="med"/>
+                    </a:lnL>
+                    <a:lnR w="12700" cap="flat" cmpd="sng" algn="ctr">
+                      <a:solidFill>
+                        <a:schemeClr val="tx1"/>
+                      </a:solidFill>
+                      <a:prstDash val="solid"/>
+                      <a:round/>
+                      <a:headEnd type="none" w="med" len="med"/>
+                      <a:tailEnd type="none" w="med" len="med"/>
+                    </a:lnR>
+                    <a:lnT w="12700" cap="flat" cmpd="sng" algn="ctr">
+                      <a:solidFill>
+                        <a:schemeClr val="tx1"/>
+                      </a:solidFill>
+                      <a:prstDash val="solid"/>
+                      <a:round/>
+                      <a:headEnd type="none" w="med" len="med"/>
+                      <a:tailEnd type="none" w="med" len="med"/>
+                    </a:lnT>
+                    <a:lnB w="12700" cap="flat" cmpd="sng" algn="ctr">
+                      <a:solidFill>
+                        <a:schemeClr val="tx1"/>
+                      </a:solidFill>
+                      <a:prstDash val="solid"/>
+                      <a:round/>
+                      <a:headEnd type="none" w="med" len="med"/>
+                      <a:tailEnd type="none" w="med" len="med"/>
+                    </a:lnB>
+                  </a:tcPr>
+                </a:tc>
+              </a:tr>
+              <a:tr h="0">
+                <a:tc>
+                  <a:txBody>
+                    <a:bodyPr/>
+                    <a:lstStyle/>
+                    <a:p>
+                      <a:pPr marL="0" algn="l" defTabSz="914400" rtl="0" eaLnBrk="1" latinLnBrk="0" hangingPunct="1"/>
+                      <a:r>
+                        <a:rPr lang="en-US" sz="1800" b="1" kern="1200" noProof="0" dirty="0" smtClean="0">
+                          <a:solidFill>
+                            <a:schemeClr val="bg1"/>
+                          </a:solidFill>
+                          <a:latin typeface="+mn-lt"/>
+                          <a:ea typeface="+mn-ea"/>
+                          <a:cs typeface="+mn-cs"/>
+                        </a:rPr>
+                        <a:t>Sprint IV</a:t>
+                      </a:r>
+                      <a:endParaRPr lang="en-US" sz="1800" b="1" kern="1200" noProof="0" dirty="0">
+                        <a:solidFill>
+                          <a:schemeClr val="bg1"/>
+                        </a:solidFill>
+                        <a:latin typeface="+mn-lt"/>
+                        <a:ea typeface="+mn-ea"/>
+                        <a:cs typeface="+mn-cs"/>
+                      </a:endParaRPr>
+                    </a:p>
+                  </a:txBody>
+                  <a:tcPr>
+                    <a:lnL w="12700" cap="flat" cmpd="sng" algn="ctr">
+                      <a:solidFill>
+                        <a:schemeClr val="tx1"/>
+                      </a:solidFill>
+                      <a:prstDash val="solid"/>
+                      <a:round/>
+                      <a:headEnd type="none" w="med" len="med"/>
+                      <a:tailEnd type="none" w="med" len="med"/>
+                    </a:lnL>
+                    <a:solidFill>
+                      <a:srgbClr val="D99694"/>
+                    </a:solidFill>
+                  </a:tcPr>
+                </a:tc>
+                <a:tc>
+                  <a:txBody>
+                    <a:bodyPr/>
+                    <a:lstStyle/>
+                    <a:p>
+                      <a:endParaRPr lang="en-US" sz="1400" noProof="0" dirty="0">
+                        <a:solidFill>
+                          <a:schemeClr val="bg1"/>
+                        </a:solidFill>
+                      </a:endParaRPr>
+                    </a:p>
+                  </a:txBody>
+                  <a:tcPr>
+                    <a:lnR w="12700" cap="flat" cmpd="sng" algn="ctr">
+                      <a:solidFill>
+                        <a:schemeClr val="tx1"/>
+                      </a:solidFill>
+                      <a:prstDash val="solid"/>
+                      <a:round/>
+                      <a:headEnd type="none" w="med" len="med"/>
+                      <a:tailEnd type="none" w="med" len="med"/>
+                    </a:lnR>
+                    <a:solidFill>
+                      <a:srgbClr val="D99694"/>
+                    </a:solidFill>
+                  </a:tcPr>
+                </a:tc>
+                <a:tc>
+                  <a:txBody>
+                    <a:bodyPr/>
+                    <a:lstStyle/>
+                    <a:p>
+                      <a:endParaRPr lang="en-US" sz="1400" noProof="0" dirty="0"/>
+                    </a:p>
+                  </a:txBody>
+                  <a:tcPr>
+                    <a:lnL w="12700" cap="flat" cmpd="sng" algn="ctr">
+                      <a:solidFill>
+                        <a:schemeClr val="tx1"/>
+                      </a:solidFill>
+                      <a:prstDash val="solid"/>
+                      <a:round/>
+                      <a:headEnd type="none" w="med" len="med"/>
+                      <a:tailEnd type="none" w="med" len="med"/>
+                    </a:lnL>
+                    <a:lnR w="12700" cap="flat" cmpd="sng" algn="ctr">
+                      <a:solidFill>
+                        <a:schemeClr val="tx1"/>
+                      </a:solidFill>
+                      <a:prstDash val="solid"/>
+                      <a:round/>
+                      <a:headEnd type="none" w="med" len="med"/>
+                      <a:tailEnd type="none" w="med" len="med"/>
+                    </a:lnR>
+                    <a:lnT w="12700" cap="flat" cmpd="sng" algn="ctr">
+                      <a:solidFill>
+                        <a:schemeClr val="tx1"/>
+                      </a:solidFill>
+                      <a:prstDash val="solid"/>
+                      <a:round/>
+                      <a:headEnd type="none" w="med" len="med"/>
+                      <a:tailEnd type="none" w="med" len="med"/>
+                    </a:lnT>
+                    <a:lnB w="12700" cap="flat" cmpd="sng" algn="ctr">
+                      <a:solidFill>
+                        <a:schemeClr val="tx1"/>
+                      </a:solidFill>
+                      <a:prstDash val="solid"/>
+                      <a:round/>
+                      <a:headEnd type="none" w="med" len="med"/>
+                      <a:tailEnd type="none" w="med" len="med"/>
+                    </a:lnB>
+                    <a:solidFill>
+                      <a:schemeClr val="bg1"/>
+                    </a:solidFill>
+                  </a:tcPr>
+                </a:tc>
+                <a:tc>
+                  <a:txBody>
+                    <a:bodyPr/>
+                    <a:lstStyle/>
+                    <a:p>
+                      <a:endParaRPr lang="en-US" sz="1400" noProof="0" dirty="0"/>
+                    </a:p>
+                  </a:txBody>
+                  <a:tcPr>
+                    <a:lnL w="12700" cap="flat" cmpd="sng" algn="ctr">
+                      <a:solidFill>
+                        <a:schemeClr val="tx1"/>
+                      </a:solidFill>
+                      <a:prstDash val="solid"/>
+                      <a:round/>
+                      <a:headEnd type="none" w="med" len="med"/>
+                      <a:tailEnd type="none" w="med" len="med"/>
+                    </a:lnL>
+                    <a:lnR w="12700" cap="flat" cmpd="sng" algn="ctr">
+                      <a:solidFill>
+                        <a:schemeClr val="tx1"/>
+                      </a:solidFill>
+                      <a:prstDash val="solid"/>
+                      <a:round/>
+                      <a:headEnd type="none" w="med" len="med"/>
+                      <a:tailEnd type="none" w="med" len="med"/>
+                    </a:lnR>
+                    <a:lnT w="12700" cap="flat" cmpd="sng" algn="ctr">
+                      <a:solidFill>
+                        <a:schemeClr val="tx1"/>
+                      </a:solidFill>
+                      <a:prstDash val="solid"/>
+                      <a:round/>
+                      <a:headEnd type="none" w="med" len="med"/>
+                      <a:tailEnd type="none" w="med" len="med"/>
+                    </a:lnT>
+                    <a:lnB w="12700" cap="flat" cmpd="sng" algn="ctr">
+                      <a:solidFill>
+                        <a:schemeClr val="tx1"/>
+                      </a:solidFill>
+                      <a:prstDash val="solid"/>
+                      <a:round/>
+                      <a:headEnd type="none" w="med" len="med"/>
+                      <a:tailEnd type="none" w="med" len="med"/>
+                    </a:lnB>
+                    <a:solidFill>
+                      <a:schemeClr val="bg1"/>
+                    </a:solidFill>
+                  </a:tcPr>
+                </a:tc>
+                <a:tc>
+                  <a:txBody>
+                    <a:bodyPr/>
+                    <a:lstStyle/>
+                    <a:p>
+                      <a:endParaRPr lang="en-US" sz="1400" noProof="0" dirty="0"/>
+                    </a:p>
+                  </a:txBody>
+                  <a:tcPr>
+                    <a:lnL w="12700" cap="flat" cmpd="sng" algn="ctr">
+                      <a:solidFill>
+                        <a:schemeClr val="tx1"/>
+                      </a:solidFill>
+                      <a:prstDash val="solid"/>
+                      <a:round/>
+                      <a:headEnd type="none" w="med" len="med"/>
+                      <a:tailEnd type="none" w="med" len="med"/>
+                    </a:lnL>
+                    <a:lnR w="12700" cap="flat" cmpd="sng" algn="ctr">
+                      <a:solidFill>
+                        <a:schemeClr val="tx1"/>
+                      </a:solidFill>
+                      <a:prstDash val="solid"/>
+                      <a:round/>
+                      <a:headEnd type="none" w="med" len="med"/>
+                      <a:tailEnd type="none" w="med" len="med"/>
+                    </a:lnR>
+                    <a:lnT w="12700" cap="flat" cmpd="sng" algn="ctr">
+                      <a:solidFill>
+                        <a:schemeClr val="tx1"/>
+                      </a:solidFill>
+                      <a:prstDash val="solid"/>
+                      <a:round/>
+                      <a:headEnd type="none" w="med" len="med"/>
+                      <a:tailEnd type="none" w="med" len="med"/>
+                    </a:lnT>
+                    <a:lnB w="12700" cap="flat" cmpd="sng" algn="ctr">
+                      <a:solidFill>
+                        <a:schemeClr val="tx1"/>
+                      </a:solidFill>
+                      <a:prstDash val="solid"/>
+                      <a:round/>
+                      <a:headEnd type="none" w="med" len="med"/>
+                      <a:tailEnd type="none" w="med" len="med"/>
+                    </a:lnB>
+                    <a:solidFill>
+                      <a:schemeClr val="bg1"/>
+                    </a:solidFill>
+                  </a:tcPr>
+                </a:tc>
+                <a:tc>
+                  <a:txBody>
+                    <a:bodyPr/>
+                    <a:lstStyle/>
+                    <a:p>
+                      <a:endParaRPr lang="en-US" sz="1400" noProof="0" dirty="0"/>
+                    </a:p>
+                  </a:txBody>
+                  <a:tcPr>
+                    <a:lnL w="12700" cap="flat" cmpd="sng" algn="ctr">
+                      <a:solidFill>
+                        <a:schemeClr val="tx1"/>
+                      </a:solidFill>
+                      <a:prstDash val="solid"/>
+                      <a:round/>
+                      <a:headEnd type="none" w="med" len="med"/>
+                      <a:tailEnd type="none" w="med" len="med"/>
+                    </a:lnL>
+                    <a:lnR w="12700" cap="flat" cmpd="sng" algn="ctr">
+                      <a:solidFill>
+                        <a:schemeClr val="tx1"/>
+                      </a:solidFill>
+                      <a:prstDash val="solid"/>
+                      <a:round/>
+                      <a:headEnd type="none" w="med" len="med"/>
+                      <a:tailEnd type="none" w="med" len="med"/>
+                    </a:lnR>
+                    <a:lnT w="12700" cap="flat" cmpd="sng" algn="ctr">
+                      <a:solidFill>
+                        <a:schemeClr val="tx1"/>
+                      </a:solidFill>
+                      <a:prstDash val="solid"/>
+                      <a:round/>
+                      <a:headEnd type="none" w="med" len="med"/>
+                      <a:tailEnd type="none" w="med" len="med"/>
+                    </a:lnT>
+                    <a:lnB w="12700" cap="flat" cmpd="sng" algn="ctr">
+                      <a:solidFill>
+                        <a:schemeClr val="tx1"/>
+                      </a:solidFill>
+                      <a:prstDash val="solid"/>
+                      <a:round/>
+                      <a:headEnd type="none" w="med" len="med"/>
+                      <a:tailEnd type="none" w="med" len="med"/>
+                    </a:lnB>
+                    <a:solidFill>
+                      <a:schemeClr val="bg1"/>
+                    </a:solidFill>
+                  </a:tcPr>
+                </a:tc>
+                <a:tc>
+                  <a:txBody>
+                    <a:bodyPr/>
+                    <a:lstStyle/>
+                    <a:p>
+                      <a:endParaRPr lang="en-US" sz="1400" noProof="0" dirty="0"/>
+                    </a:p>
+                  </a:txBody>
+                  <a:tcPr>
+                    <a:lnL w="12700" cap="flat" cmpd="sng" algn="ctr">
+                      <a:solidFill>
+                        <a:schemeClr val="tx1"/>
+                      </a:solidFill>
+                      <a:prstDash val="solid"/>
+                      <a:round/>
+                      <a:headEnd type="none" w="med" len="med"/>
+                      <a:tailEnd type="none" w="med" len="med"/>
+                    </a:lnL>
+                    <a:lnR w="12700" cap="flat" cmpd="sng" algn="ctr">
+                      <a:solidFill>
+                        <a:schemeClr val="tx1"/>
+                      </a:solidFill>
+                      <a:prstDash val="solid"/>
+                      <a:round/>
+                      <a:headEnd type="none" w="med" len="med"/>
+                      <a:tailEnd type="none" w="med" len="med"/>
+                    </a:lnR>
+                    <a:lnT w="12700" cap="flat" cmpd="sng" algn="ctr">
+                      <a:solidFill>
+                        <a:schemeClr val="tx1"/>
+                      </a:solidFill>
+                      <a:prstDash val="solid"/>
+                      <a:round/>
+                      <a:headEnd type="none" w="med" len="med"/>
+                      <a:tailEnd type="none" w="med" len="med"/>
+                    </a:lnT>
+                    <a:lnB w="12700" cap="flat" cmpd="sng" algn="ctr">
+                      <a:solidFill>
+                        <a:schemeClr val="tx1"/>
+                      </a:solidFill>
+                      <a:prstDash val="solid"/>
+                      <a:round/>
+                      <a:headEnd type="none" w="med" len="med"/>
+                      <a:tailEnd type="none" w="med" len="med"/>
+                    </a:lnB>
+                    <a:solidFill>
+                      <a:schemeClr val="bg1"/>
+                    </a:solidFill>
+                  </a:tcPr>
+                </a:tc>
+                <a:tc>
+                  <a:txBody>
+                    <a:bodyPr/>
+                    <a:lstStyle/>
+                    <a:p>
+                      <a:endParaRPr lang="en-US" sz="1400" noProof="0" dirty="0"/>
+                    </a:p>
+                  </a:txBody>
+                  <a:tcPr>
+                    <a:lnL w="12700" cap="flat" cmpd="sng" algn="ctr">
+                      <a:solidFill>
+                        <a:schemeClr val="tx1"/>
+                      </a:solidFill>
+                      <a:prstDash val="solid"/>
+                      <a:round/>
+                      <a:headEnd type="none" w="med" len="med"/>
+                      <a:tailEnd type="none" w="med" len="med"/>
+                    </a:lnL>
+                    <a:lnR w="12700" cap="flat" cmpd="sng" algn="ctr">
+                      <a:solidFill>
+                        <a:schemeClr val="tx1"/>
+                      </a:solidFill>
+                      <a:prstDash val="solid"/>
+                      <a:round/>
+                      <a:headEnd type="none" w="med" len="med"/>
+                      <a:tailEnd type="none" w="med" len="med"/>
+                    </a:lnR>
+                    <a:lnT w="12700" cap="flat" cmpd="sng" algn="ctr">
+                      <a:solidFill>
+                        <a:schemeClr val="tx1"/>
+                      </a:solidFill>
+                      <a:prstDash val="solid"/>
+                      <a:round/>
+                      <a:headEnd type="none" w="med" len="med"/>
+                      <a:tailEnd type="none" w="med" len="med"/>
+                    </a:lnT>
+                    <a:lnB w="12700" cap="flat" cmpd="sng" algn="ctr">
+                      <a:solidFill>
+                        <a:schemeClr val="tx1"/>
+                      </a:solidFill>
+                      <a:prstDash val="solid"/>
+                      <a:round/>
+                      <a:headEnd type="none" w="med" len="med"/>
+                      <a:tailEnd type="none" w="med" len="med"/>
+                    </a:lnB>
+                    <a:solidFill>
+                      <a:srgbClr val="D99694"/>
+                    </a:solidFill>
+                  </a:tcPr>
+                </a:tc>
+                <a:tc>
+                  <a:txBody>
+                    <a:bodyPr/>
+                    <a:lstStyle/>
+                    <a:p>
+                      <a:endParaRPr lang="en-US" sz="1400" noProof="0" dirty="0"/>
+                    </a:p>
+                  </a:txBody>
+                  <a:tcPr>
+                    <a:lnL w="12700" cap="flat" cmpd="sng" algn="ctr">
+                      <a:solidFill>
+                        <a:schemeClr val="tx1"/>
+                      </a:solidFill>
+                      <a:prstDash val="solid"/>
+                      <a:round/>
+                      <a:headEnd type="none" w="med" len="med"/>
+                      <a:tailEnd type="none" w="med" len="med"/>
+                    </a:lnL>
+                    <a:lnR w="12700" cap="flat" cmpd="sng" algn="ctr">
+                      <a:solidFill>
+                        <a:schemeClr val="tx1"/>
+                      </a:solidFill>
+                      <a:prstDash val="solid"/>
+                      <a:round/>
+                      <a:headEnd type="none" w="med" len="med"/>
+                      <a:tailEnd type="none" w="med" len="med"/>
+                    </a:lnR>
+                    <a:lnT w="12700" cap="flat" cmpd="sng" algn="ctr">
+                      <a:solidFill>
+                        <a:schemeClr val="tx1"/>
+                      </a:solidFill>
+                      <a:prstDash val="solid"/>
+                      <a:round/>
+                      <a:headEnd type="none" w="med" len="med"/>
+                      <a:tailEnd type="none" w="med" len="med"/>
+                    </a:lnT>
+                    <a:lnB w="12700" cap="flat" cmpd="sng" algn="ctr">
+                      <a:solidFill>
+                        <a:schemeClr val="tx1"/>
+                      </a:solidFill>
+                      <a:prstDash val="solid"/>
+                      <a:round/>
+                      <a:headEnd type="none" w="med" len="med"/>
+                      <a:tailEnd type="none" w="med" len="med"/>
+                    </a:lnB>
+                    <a:solidFill>
+                      <a:srgbClr val="D99694"/>
+                    </a:solidFill>
+                  </a:tcPr>
+                </a:tc>
+                <a:tc>
+                  <a:txBody>
+                    <a:bodyPr/>
+                    <a:lstStyle/>
+                    <a:p>
+                      <a:endParaRPr lang="en-US" sz="1400" noProof="0" dirty="0"/>
+                    </a:p>
+                  </a:txBody>
+                  <a:tcPr>
+                    <a:lnL w="12700" cap="flat" cmpd="sng" algn="ctr">
+                      <a:solidFill>
+                        <a:schemeClr val="tx1"/>
+                      </a:solidFill>
+                      <a:prstDash val="solid"/>
+                      <a:round/>
+                      <a:headEnd type="none" w="med" len="med"/>
+                      <a:tailEnd type="none" w="med" len="med"/>
+                    </a:lnL>
+                    <a:lnR w="12700" cap="flat" cmpd="sng" algn="ctr">
+                      <a:solidFill>
+                        <a:schemeClr val="tx1"/>
+                      </a:solidFill>
+                      <a:prstDash val="solid"/>
+                      <a:round/>
+                      <a:headEnd type="none" w="med" len="med"/>
+                      <a:tailEnd type="none" w="med" len="med"/>
+                    </a:lnR>
+                    <a:lnT w="12700" cap="flat" cmpd="sng" algn="ctr">
+                      <a:solidFill>
+                        <a:schemeClr val="tx1"/>
+                      </a:solidFill>
+                      <a:prstDash val="solid"/>
+                      <a:round/>
+                      <a:headEnd type="none" w="med" len="med"/>
+                      <a:tailEnd type="none" w="med" len="med"/>
+                    </a:lnT>
+                    <a:lnB w="12700" cap="flat" cmpd="sng" algn="ctr">
+                      <a:solidFill>
+                        <a:schemeClr val="tx1"/>
+                      </a:solidFill>
+                      <a:prstDash val="solid"/>
+                      <a:round/>
+                      <a:headEnd type="none" w="med" len="med"/>
+                      <a:tailEnd type="none" w="med" len="med"/>
+                    </a:lnB>
+                    <a:solidFill>
+                      <a:srgbClr val="D99694"/>
+                    </a:solidFill>
+                  </a:tcPr>
+                </a:tc>
+                <a:tc>
+                  <a:txBody>
+                    <a:bodyPr/>
+                    <a:lstStyle/>
+                    <a:p>
+                      <a:endParaRPr lang="en-US" sz="1400" noProof="0" dirty="0"/>
+                    </a:p>
+                  </a:txBody>
+                  <a:tcPr>
+                    <a:lnL w="12700" cap="flat" cmpd="sng" algn="ctr">
+                      <a:solidFill>
+                        <a:schemeClr val="tx1"/>
+                      </a:solidFill>
+                      <a:prstDash val="solid"/>
+                      <a:round/>
+                      <a:headEnd type="none" w="med" len="med"/>
+                      <a:tailEnd type="none" w="med" len="med"/>
+                    </a:lnL>
+                    <a:lnR w="12700" cap="flat" cmpd="sng" algn="ctr">
+                      <a:solidFill>
+                        <a:schemeClr val="tx1"/>
+                      </a:solidFill>
+                      <a:prstDash val="solid"/>
+                      <a:round/>
+                      <a:headEnd type="none" w="med" len="med"/>
+                      <a:tailEnd type="none" w="med" len="med"/>
+                    </a:lnR>
+                    <a:lnT w="12700" cap="flat" cmpd="sng" algn="ctr">
+                      <a:solidFill>
+                        <a:schemeClr val="tx1"/>
+                      </a:solidFill>
+                      <a:prstDash val="solid"/>
+                      <a:round/>
+                      <a:headEnd type="none" w="med" len="med"/>
+                      <a:tailEnd type="none" w="med" len="med"/>
+                    </a:lnT>
+                    <a:lnB w="12700" cap="flat" cmpd="sng" algn="ctr">
+                      <a:solidFill>
+                        <a:schemeClr val="tx1"/>
+                      </a:solidFill>
+                      <a:prstDash val="solid"/>
+                      <a:round/>
+                      <a:headEnd type="none" w="med" len="med"/>
+                      <a:tailEnd type="none" w="med" len="med"/>
+                    </a:lnB>
+                    <a:solidFill>
+                      <a:schemeClr val="bg1"/>
+                    </a:solidFill>
+                  </a:tcPr>
+                </a:tc>
+              </a:tr>
+              <a:tr h="0">
+                <a:tc>
+                  <a:txBody>
+                    <a:bodyPr/>
+                    <a:lstStyle/>
+                    <a:p>
+                      <a:endParaRPr lang="en-US" sz="1400" b="1" noProof="0" dirty="0">
+                        <a:solidFill>
+                          <a:schemeClr val="bg1"/>
+                        </a:solidFill>
+                      </a:endParaRPr>
+                    </a:p>
+                  </a:txBody>
+                  <a:tcPr>
+                    <a:lnL w="12700" cap="flat" cmpd="sng" algn="ctr">
+                      <a:solidFill>
+                        <a:schemeClr val="tx1"/>
+                      </a:solidFill>
+                      <a:prstDash val="solid"/>
+                      <a:round/>
+                      <a:headEnd type="none" w="med" len="med"/>
+                      <a:tailEnd type="none" w="med" len="med"/>
+                    </a:lnL>
+                    <a:solidFill>
+                      <a:srgbClr val="D99694"/>
+                    </a:solidFill>
+                  </a:tcPr>
+                </a:tc>
+                <a:tc>
+                  <a:txBody>
+                    <a:bodyPr/>
+                    <a:lstStyle/>
+                    <a:p>
+                      <a:r>
+                        <a:rPr lang="en-US" sz="1400" noProof="0" dirty="0" smtClean="0">
+                          <a:solidFill>
+                            <a:schemeClr val="bg1"/>
+                          </a:solidFill>
+                        </a:rPr>
+                        <a:t>Planning</a:t>
+                      </a:r>
+                      <a:endParaRPr lang="en-US" sz="1400" noProof="0" dirty="0">
+                        <a:solidFill>
+                          <a:schemeClr val="bg1"/>
+                        </a:solidFill>
+                      </a:endParaRPr>
+                    </a:p>
+                  </a:txBody>
+                  <a:tcPr>
+                    <a:lnR w="12700" cap="flat" cmpd="sng" algn="ctr">
+                      <a:solidFill>
+                        <a:schemeClr val="tx1"/>
+                      </a:solidFill>
+                      <a:prstDash val="solid"/>
+                      <a:round/>
+                      <a:headEnd type="none" w="med" len="med"/>
+                      <a:tailEnd type="none" w="med" len="med"/>
+                    </a:lnR>
+                    <a:solidFill>
+                      <a:srgbClr val="D99694"/>
+                    </a:solidFill>
+                  </a:tcPr>
+                </a:tc>
+                <a:tc>
+                  <a:txBody>
+                    <a:bodyPr/>
+                    <a:lstStyle/>
+                    <a:p>
+                      <a:endParaRPr lang="en-US" sz="1400" noProof="0" dirty="0"/>
+                    </a:p>
+                  </a:txBody>
+                  <a:tcPr>
+                    <a:lnL w="12700" cap="flat" cmpd="sng" algn="ctr">
+                      <a:solidFill>
+                        <a:schemeClr val="tx1"/>
+                      </a:solidFill>
+                      <a:prstDash val="solid"/>
+                      <a:round/>
+                      <a:headEnd type="none" w="med" len="med"/>
+                      <a:tailEnd type="none" w="med" len="med"/>
+                    </a:lnL>
+                    <a:lnR w="12700" cap="flat" cmpd="sng" algn="ctr">
+                      <a:solidFill>
+                        <a:schemeClr val="tx1"/>
+                      </a:solidFill>
+                      <a:prstDash val="solid"/>
+                      <a:round/>
+                      <a:headEnd type="none" w="med" len="med"/>
+                      <a:tailEnd type="none" w="med" len="med"/>
+                    </a:lnR>
+                    <a:lnT w="12700" cap="flat" cmpd="sng" algn="ctr">
+                      <a:solidFill>
+                        <a:schemeClr val="tx1"/>
+                      </a:solidFill>
+                      <a:prstDash val="solid"/>
+                      <a:round/>
+                      <a:headEnd type="none" w="med" len="med"/>
+                      <a:tailEnd type="none" w="med" len="med"/>
+                    </a:lnT>
+                    <a:lnB w="12700" cap="flat" cmpd="sng" algn="ctr">
+                      <a:solidFill>
+                        <a:schemeClr val="tx1"/>
+                      </a:solidFill>
+                      <a:prstDash val="solid"/>
+                      <a:round/>
+                      <a:headEnd type="none" w="med" len="med"/>
+                      <a:tailEnd type="none" w="med" len="med"/>
+                    </a:lnB>
+                    <a:solidFill>
+                      <a:schemeClr val="bg1"/>
+                    </a:solidFill>
+                  </a:tcPr>
+                </a:tc>
+                <a:tc>
+                  <a:txBody>
+                    <a:bodyPr/>
+                    <a:lstStyle/>
+                    <a:p>
+                      <a:endParaRPr lang="en-US" sz="1400" noProof="0" dirty="0"/>
+                    </a:p>
+                  </a:txBody>
+                  <a:tcPr>
+                    <a:lnL w="12700" cap="flat" cmpd="sng" algn="ctr">
+                      <a:solidFill>
+                        <a:schemeClr val="tx1"/>
+                      </a:solidFill>
+                      <a:prstDash val="solid"/>
+                      <a:round/>
+                      <a:headEnd type="none" w="med" len="med"/>
+                      <a:tailEnd type="none" w="med" len="med"/>
+                    </a:lnL>
+                    <a:lnR w="12700" cap="flat" cmpd="sng" algn="ctr">
+                      <a:solidFill>
+                        <a:schemeClr val="tx1"/>
+                      </a:solidFill>
+                      <a:prstDash val="solid"/>
+                      <a:round/>
+                      <a:headEnd type="none" w="med" len="med"/>
+                      <a:tailEnd type="none" w="med" len="med"/>
+                    </a:lnR>
+                    <a:lnT w="12700" cap="flat" cmpd="sng" algn="ctr">
+                      <a:solidFill>
+                        <a:schemeClr val="tx1"/>
+                      </a:solidFill>
+                      <a:prstDash val="solid"/>
+                      <a:round/>
+                      <a:headEnd type="none" w="med" len="med"/>
+                      <a:tailEnd type="none" w="med" len="med"/>
+                    </a:lnT>
+                    <a:lnB w="12700" cap="flat" cmpd="sng" algn="ctr">
+                      <a:solidFill>
+                        <a:schemeClr val="tx1"/>
+                      </a:solidFill>
+                      <a:prstDash val="solid"/>
+                      <a:round/>
+                      <a:headEnd type="none" w="med" len="med"/>
+                      <a:tailEnd type="none" w="med" len="med"/>
+                    </a:lnB>
+                    <a:solidFill>
+                      <a:schemeClr val="bg1"/>
+                    </a:solidFill>
+                  </a:tcPr>
+                </a:tc>
+                <a:tc>
+                  <a:txBody>
+                    <a:bodyPr/>
+                    <a:lstStyle/>
+                    <a:p>
+                      <a:endParaRPr lang="en-US" sz="1400" noProof="0" dirty="0"/>
+                    </a:p>
+                  </a:txBody>
+                  <a:tcPr>
+                    <a:lnL w="12700" cap="flat" cmpd="sng" algn="ctr">
+                      <a:solidFill>
+                        <a:schemeClr val="tx1"/>
+                      </a:solidFill>
+                      <a:prstDash val="solid"/>
+                      <a:round/>
+                      <a:headEnd type="none" w="med" len="med"/>
+                      <a:tailEnd type="none" w="med" len="med"/>
+                    </a:lnL>
+                    <a:lnR w="12700" cap="flat" cmpd="sng" algn="ctr">
+                      <a:solidFill>
+                        <a:schemeClr val="tx1"/>
+                      </a:solidFill>
+                      <a:prstDash val="solid"/>
+                      <a:round/>
+                      <a:headEnd type="none" w="med" len="med"/>
+                      <a:tailEnd type="none" w="med" len="med"/>
+                    </a:lnR>
+                    <a:lnT w="12700" cap="flat" cmpd="sng" algn="ctr">
+                      <a:solidFill>
+                        <a:schemeClr val="tx1"/>
+                      </a:solidFill>
+                      <a:prstDash val="solid"/>
+                      <a:round/>
+                      <a:headEnd type="none" w="med" len="med"/>
+                      <a:tailEnd type="none" w="med" len="med"/>
+                    </a:lnT>
+                    <a:lnB w="12700" cap="flat" cmpd="sng" algn="ctr">
+                      <a:solidFill>
+                        <a:schemeClr val="tx1"/>
+                      </a:solidFill>
+                      <a:prstDash val="solid"/>
+                      <a:round/>
+                      <a:headEnd type="none" w="med" len="med"/>
+                      <a:tailEnd type="none" w="med" len="med"/>
+                    </a:lnB>
+                    <a:solidFill>
+                      <a:schemeClr val="bg1"/>
+                    </a:solidFill>
+                  </a:tcPr>
+                </a:tc>
+                <a:tc>
+                  <a:txBody>
+                    <a:bodyPr/>
+                    <a:lstStyle/>
+                    <a:p>
+                      <a:endParaRPr lang="en-US" sz="1400" noProof="0" dirty="0"/>
+                    </a:p>
+                  </a:txBody>
+                  <a:tcPr>
+                    <a:lnL w="12700" cap="flat" cmpd="sng" algn="ctr">
+                      <a:solidFill>
+                        <a:schemeClr val="tx1"/>
+                      </a:solidFill>
+                      <a:prstDash val="solid"/>
+                      <a:round/>
+                      <a:headEnd type="none" w="med" len="med"/>
+                      <a:tailEnd type="none" w="med" len="med"/>
+                    </a:lnL>
+                    <a:lnR w="12700" cap="flat" cmpd="sng" algn="ctr">
+                      <a:solidFill>
+                        <a:schemeClr val="tx1"/>
+                      </a:solidFill>
+                      <a:prstDash val="solid"/>
+                      <a:round/>
+                      <a:headEnd type="none" w="med" len="med"/>
+                      <a:tailEnd type="none" w="med" len="med"/>
+                    </a:lnR>
+                    <a:lnT w="12700" cap="flat" cmpd="sng" algn="ctr">
+                      <a:solidFill>
+                        <a:schemeClr val="tx1"/>
+                      </a:solidFill>
+                      <a:prstDash val="solid"/>
+                      <a:round/>
+                      <a:headEnd type="none" w="med" len="med"/>
+                      <a:tailEnd type="none" w="med" len="med"/>
+                    </a:lnT>
+                    <a:lnB w="12700" cap="flat" cmpd="sng" algn="ctr">
+                      <a:solidFill>
+                        <a:schemeClr val="tx1"/>
+                      </a:solidFill>
+                      <a:prstDash val="solid"/>
+                      <a:round/>
+                      <a:headEnd type="none" w="med" len="med"/>
+                      <a:tailEnd type="none" w="med" len="med"/>
+                    </a:lnB>
+                    <a:solidFill>
+                      <a:schemeClr val="bg1"/>
+                    </a:solidFill>
+                  </a:tcPr>
+                </a:tc>
+                <a:tc>
+                  <a:txBody>
+                    <a:bodyPr/>
+                    <a:lstStyle/>
+                    <a:p>
+                      <a:endParaRPr lang="en-US" sz="1400" noProof="0" dirty="0"/>
+                    </a:p>
+                  </a:txBody>
+                  <a:tcPr>
+                    <a:lnL w="12700" cap="flat" cmpd="sng" algn="ctr">
+                      <a:solidFill>
+                        <a:schemeClr val="tx1"/>
+                      </a:solidFill>
+                      <a:prstDash val="solid"/>
+                      <a:round/>
+                      <a:headEnd type="none" w="med" len="med"/>
+                      <a:tailEnd type="none" w="med" len="med"/>
+                    </a:lnL>
+                    <a:lnR w="12700" cap="flat" cmpd="sng" algn="ctr">
+                      <a:solidFill>
+                        <a:schemeClr val="tx1"/>
+                      </a:solidFill>
+                      <a:prstDash val="solid"/>
+                      <a:round/>
+                      <a:headEnd type="none" w="med" len="med"/>
+                      <a:tailEnd type="none" w="med" len="med"/>
+                    </a:lnR>
+                    <a:lnT w="12700" cap="flat" cmpd="sng" algn="ctr">
+                      <a:solidFill>
+                        <a:schemeClr val="tx1"/>
+                      </a:solidFill>
+                      <a:prstDash val="solid"/>
+                      <a:round/>
+                      <a:headEnd type="none" w="med" len="med"/>
+                      <a:tailEnd type="none" w="med" len="med"/>
+                    </a:lnT>
+                    <a:lnB w="12700" cap="flat" cmpd="sng" algn="ctr">
+                      <a:solidFill>
+                        <a:schemeClr val="tx1"/>
+                      </a:solidFill>
+                      <a:prstDash val="solid"/>
+                      <a:round/>
+                      <a:headEnd type="none" w="med" len="med"/>
+                      <a:tailEnd type="none" w="med" len="med"/>
+                    </a:lnB>
+                    <a:solidFill>
+                      <a:schemeClr val="bg1"/>
+                    </a:solidFill>
+                  </a:tcPr>
+                </a:tc>
+                <a:tc>
+                  <a:txBody>
+                    <a:bodyPr/>
+                    <a:lstStyle/>
+                    <a:p>
+                      <a:endParaRPr lang="en-US" sz="1400" noProof="0" dirty="0"/>
+                    </a:p>
+                  </a:txBody>
+                  <a:tcPr>
+                    <a:lnL w="12700" cap="flat" cmpd="sng" algn="ctr">
+                      <a:solidFill>
+                        <a:schemeClr val="tx1"/>
+                      </a:solidFill>
+                      <a:prstDash val="solid"/>
+                      <a:round/>
+                      <a:headEnd type="none" w="med" len="med"/>
+                      <a:tailEnd type="none" w="med" len="med"/>
+                    </a:lnL>
+                    <a:lnR w="12700" cap="flat" cmpd="sng" algn="ctr">
+                      <a:solidFill>
+                        <a:schemeClr val="tx1"/>
+                      </a:solidFill>
+                      <a:prstDash val="solid"/>
+                      <a:round/>
+                      <a:headEnd type="none" w="med" len="med"/>
+                      <a:tailEnd type="none" w="med" len="med"/>
+                    </a:lnR>
+                    <a:lnT w="12700" cap="flat" cmpd="sng" algn="ctr">
+                      <a:solidFill>
+                        <a:schemeClr val="tx1"/>
+                      </a:solidFill>
+                      <a:prstDash val="solid"/>
+                      <a:round/>
+                      <a:headEnd type="none" w="med" len="med"/>
+                      <a:tailEnd type="none" w="med" len="med"/>
+                    </a:lnT>
+                    <a:lnB w="12700" cap="flat" cmpd="sng" algn="ctr">
+                      <a:solidFill>
+                        <a:schemeClr val="tx1"/>
+                      </a:solidFill>
+                      <a:prstDash val="solid"/>
+                      <a:round/>
+                      <a:headEnd type="none" w="med" len="med"/>
+                      <a:tailEnd type="none" w="med" len="med"/>
+                    </a:lnB>
+                    <a:solidFill>
+                      <a:srgbClr val="D99694"/>
+                    </a:solidFill>
+                  </a:tcPr>
+                </a:tc>
+                <a:tc>
+                  <a:txBody>
+                    <a:bodyPr/>
+                    <a:lstStyle/>
+                    <a:p>
+                      <a:endParaRPr lang="en-US" sz="1400" noProof="0" dirty="0"/>
+                    </a:p>
+                  </a:txBody>
+                  <a:tcPr>
+                    <a:lnL w="12700" cap="flat" cmpd="sng" algn="ctr">
+                      <a:solidFill>
+                        <a:schemeClr val="tx1"/>
+                      </a:solidFill>
+                      <a:prstDash val="solid"/>
+                      <a:round/>
+                      <a:headEnd type="none" w="med" len="med"/>
+                      <a:tailEnd type="none" w="med" len="med"/>
+                    </a:lnL>
+                    <a:lnR w="12700" cap="flat" cmpd="sng" algn="ctr">
+                      <a:solidFill>
+                        <a:schemeClr val="tx1"/>
+                      </a:solidFill>
+                      <a:prstDash val="solid"/>
+                      <a:round/>
+                      <a:headEnd type="none" w="med" len="med"/>
+                      <a:tailEnd type="none" w="med" len="med"/>
+                    </a:lnR>
+                    <a:lnT w="12700" cap="flat" cmpd="sng" algn="ctr">
+                      <a:solidFill>
+                        <a:schemeClr val="tx1"/>
+                      </a:solidFill>
+                      <a:prstDash val="solid"/>
+                      <a:round/>
+                      <a:headEnd type="none" w="med" len="med"/>
+                      <a:tailEnd type="none" w="med" len="med"/>
+                    </a:lnT>
+                    <a:lnB w="12700" cap="flat" cmpd="sng" algn="ctr">
+                      <a:solidFill>
+                        <a:schemeClr val="tx1"/>
+                      </a:solidFill>
+                      <a:prstDash val="solid"/>
+                      <a:round/>
+                      <a:headEnd type="none" w="med" len="med"/>
+                      <a:tailEnd type="none" w="med" len="med"/>
+                    </a:lnB>
+                    <a:solidFill>
+                      <a:schemeClr val="bg1"/>
+                    </a:solidFill>
+                  </a:tcPr>
+                </a:tc>
+                <a:tc>
+                  <a:txBody>
+                    <a:bodyPr/>
+                    <a:lstStyle/>
+                    <a:p>
+                      <a:endParaRPr lang="en-US" sz="1400" noProof="0" dirty="0"/>
+                    </a:p>
+                  </a:txBody>
+                  <a:tcPr>
+                    <a:lnL w="12700" cap="flat" cmpd="sng" algn="ctr">
+                      <a:solidFill>
+                        <a:schemeClr val="tx1"/>
+                      </a:solidFill>
+                      <a:prstDash val="solid"/>
+                      <a:round/>
+                      <a:headEnd type="none" w="med" len="med"/>
+                      <a:tailEnd type="none" w="med" len="med"/>
+                    </a:lnL>
+                    <a:lnR w="12700" cap="flat" cmpd="sng" algn="ctr">
+                      <a:solidFill>
+                        <a:schemeClr val="tx1"/>
+                      </a:solidFill>
+                      <a:prstDash val="solid"/>
+                      <a:round/>
+                      <a:headEnd type="none" w="med" len="med"/>
+                      <a:tailEnd type="none" w="med" len="med"/>
+                    </a:lnR>
+                    <a:lnT w="12700" cap="flat" cmpd="sng" algn="ctr">
+                      <a:solidFill>
+                        <a:schemeClr val="tx1"/>
+                      </a:solidFill>
+                      <a:prstDash val="solid"/>
+                      <a:round/>
+                      <a:headEnd type="none" w="med" len="med"/>
+                      <a:tailEnd type="none" w="med" len="med"/>
+                    </a:lnT>
+                    <a:lnB w="12700" cap="flat" cmpd="sng" algn="ctr">
+                      <a:solidFill>
+                        <a:schemeClr val="tx1"/>
+                      </a:solidFill>
+                      <a:prstDash val="solid"/>
+                      <a:round/>
+                      <a:headEnd type="none" w="med" len="med"/>
+                      <a:tailEnd type="none" w="med" len="med"/>
+                    </a:lnB>
+                    <a:solidFill>
+                      <a:schemeClr val="bg1"/>
+                    </a:solidFill>
+                  </a:tcPr>
+                </a:tc>
+                <a:tc>
+                  <a:txBody>
+                    <a:bodyPr/>
+                    <a:lstStyle/>
+                    <a:p>
+                      <a:endParaRPr lang="en-US" sz="1400" noProof="0" dirty="0"/>
+                    </a:p>
+                  </a:txBody>
+                  <a:tcPr>
+                    <a:lnL w="12700" cap="flat" cmpd="sng" algn="ctr">
+                      <a:solidFill>
+                        <a:schemeClr val="tx1"/>
+                      </a:solidFill>
+                      <a:prstDash val="solid"/>
+                      <a:round/>
+                      <a:headEnd type="none" w="med" len="med"/>
+                      <a:tailEnd type="none" w="med" len="med"/>
+                    </a:lnL>
+                    <a:lnR w="12700" cap="flat" cmpd="sng" algn="ctr">
+                      <a:solidFill>
+                        <a:schemeClr val="tx1"/>
+                      </a:solidFill>
+                      <a:prstDash val="solid"/>
+                      <a:round/>
+                      <a:headEnd type="none" w="med" len="med"/>
+                      <a:tailEnd type="none" w="med" len="med"/>
+                    </a:lnR>
+                    <a:lnT w="12700" cap="flat" cmpd="sng" algn="ctr">
+                      <a:solidFill>
+                        <a:schemeClr val="tx1"/>
+                      </a:solidFill>
+                      <a:prstDash val="solid"/>
+                      <a:round/>
+                      <a:headEnd type="none" w="med" len="med"/>
+                      <a:tailEnd type="none" w="med" len="med"/>
+                    </a:lnT>
+                    <a:lnB w="12700" cap="flat" cmpd="sng" algn="ctr">
+                      <a:solidFill>
+                        <a:schemeClr val="tx1"/>
+                      </a:solidFill>
+                      <a:prstDash val="solid"/>
+                      <a:round/>
+                      <a:headEnd type="none" w="med" len="med"/>
+                      <a:tailEnd type="none" w="med" len="med"/>
+                    </a:lnB>
+                    <a:solidFill>
+                      <a:schemeClr val="bg1"/>
+                    </a:solidFill>
+                  </a:tcPr>
+                </a:tc>
+              </a:tr>
+              <a:tr h="0">
+                <a:tc>
+                  <a:txBody>
+                    <a:bodyPr/>
+                    <a:lstStyle/>
+                    <a:p>
+                      <a:endParaRPr lang="en-US" sz="1400" b="1" noProof="0" dirty="0">
+                        <a:solidFill>
+                          <a:schemeClr val="bg1"/>
+                        </a:solidFill>
+                      </a:endParaRPr>
+                    </a:p>
+                  </a:txBody>
+                  <a:tcPr>
+                    <a:lnL w="12700" cap="flat" cmpd="sng" algn="ctr">
+                      <a:solidFill>
+                        <a:schemeClr val="tx1"/>
+                      </a:solidFill>
+                      <a:prstDash val="solid"/>
+                      <a:round/>
+                      <a:headEnd type="none" w="med" len="med"/>
+                      <a:tailEnd type="none" w="med" len="med"/>
+                    </a:lnL>
+                    <a:solidFill>
+                      <a:srgbClr val="D99694"/>
+                    </a:solidFill>
+                  </a:tcPr>
+                </a:tc>
+                <a:tc>
+                  <a:txBody>
+                    <a:bodyPr/>
+                    <a:lstStyle/>
+                    <a:p>
+                      <a:r>
+                        <a:rPr lang="en-US" sz="1400" noProof="0" dirty="0" smtClean="0">
+                          <a:solidFill>
+                            <a:schemeClr val="bg1"/>
+                          </a:solidFill>
+                        </a:rPr>
+                        <a:t>Daily Scrum</a:t>
+                      </a:r>
+                      <a:endParaRPr lang="en-US" sz="1400" noProof="0" dirty="0">
+                        <a:solidFill>
+                          <a:schemeClr val="bg1"/>
+                        </a:solidFill>
+                      </a:endParaRPr>
+                    </a:p>
+                  </a:txBody>
+                  <a:tcPr>
+                    <a:lnR w="12700" cap="flat" cmpd="sng" algn="ctr">
+                      <a:solidFill>
+                        <a:schemeClr val="tx1"/>
+                      </a:solidFill>
+                      <a:prstDash val="solid"/>
+                      <a:round/>
+                      <a:headEnd type="none" w="med" len="med"/>
+                      <a:tailEnd type="none" w="med" len="med"/>
+                    </a:lnR>
+                    <a:solidFill>
+                      <a:srgbClr val="D99694"/>
+                    </a:solidFill>
+                  </a:tcPr>
+                </a:tc>
+                <a:tc>
+                  <a:txBody>
+                    <a:bodyPr/>
+                    <a:lstStyle/>
+                    <a:p>
+                      <a:endParaRPr lang="en-US" sz="1400" noProof="0" dirty="0"/>
+                    </a:p>
+                  </a:txBody>
+                  <a:tcPr>
+                    <a:lnL w="12700" cap="flat" cmpd="sng" algn="ctr">
+                      <a:solidFill>
+                        <a:schemeClr val="tx1"/>
+                      </a:solidFill>
+                      <a:prstDash val="solid"/>
+                      <a:round/>
+                      <a:headEnd type="none" w="med" len="med"/>
+                      <a:tailEnd type="none" w="med" len="med"/>
+                    </a:lnL>
+                    <a:lnR w="12700" cap="flat" cmpd="sng" algn="ctr">
+                      <a:solidFill>
+                        <a:schemeClr val="tx1"/>
+                      </a:solidFill>
+                      <a:prstDash val="solid"/>
+                      <a:round/>
+                      <a:headEnd type="none" w="med" len="med"/>
+                      <a:tailEnd type="none" w="med" len="med"/>
+                    </a:lnR>
+                    <a:lnT w="12700" cap="flat" cmpd="sng" algn="ctr">
+                      <a:solidFill>
+                        <a:schemeClr val="tx1"/>
+                      </a:solidFill>
+                      <a:prstDash val="solid"/>
+                      <a:round/>
+                      <a:headEnd type="none" w="med" len="med"/>
+                      <a:tailEnd type="none" w="med" len="med"/>
+                    </a:lnT>
+                    <a:lnB w="12700" cap="flat" cmpd="sng" algn="ctr">
+                      <a:solidFill>
+                        <a:schemeClr val="tx1"/>
+                      </a:solidFill>
+                      <a:prstDash val="solid"/>
+                      <a:round/>
+                      <a:headEnd type="none" w="med" len="med"/>
+                      <a:tailEnd type="none" w="med" len="med"/>
+                    </a:lnB>
+                    <a:solidFill>
+                      <a:schemeClr val="bg1"/>
+                    </a:solidFill>
+                  </a:tcPr>
+                </a:tc>
+                <a:tc>
+                  <a:txBody>
+                    <a:bodyPr/>
+                    <a:lstStyle/>
+                    <a:p>
+                      <a:endParaRPr lang="en-US" sz="1400" noProof="0" dirty="0"/>
+                    </a:p>
+                  </a:txBody>
+                  <a:tcPr>
+                    <a:lnL w="12700" cap="flat" cmpd="sng" algn="ctr">
+                      <a:solidFill>
+                        <a:schemeClr val="tx1"/>
+                      </a:solidFill>
+                      <a:prstDash val="solid"/>
+                      <a:round/>
+                      <a:headEnd type="none" w="med" len="med"/>
+                      <a:tailEnd type="none" w="med" len="med"/>
+                    </a:lnL>
+                    <a:lnR w="12700" cap="flat" cmpd="sng" algn="ctr">
+                      <a:solidFill>
+                        <a:schemeClr val="tx1"/>
+                      </a:solidFill>
+                      <a:prstDash val="solid"/>
+                      <a:round/>
+                      <a:headEnd type="none" w="med" len="med"/>
+                      <a:tailEnd type="none" w="med" len="med"/>
+                    </a:lnR>
+                    <a:lnT w="12700" cap="flat" cmpd="sng" algn="ctr">
+                      <a:solidFill>
+                        <a:schemeClr val="tx1"/>
+                      </a:solidFill>
+                      <a:prstDash val="solid"/>
+                      <a:round/>
+                      <a:headEnd type="none" w="med" len="med"/>
+                      <a:tailEnd type="none" w="med" len="med"/>
+                    </a:lnT>
+                    <a:lnB w="12700" cap="flat" cmpd="sng" algn="ctr">
+                      <a:solidFill>
+                        <a:schemeClr val="tx1"/>
+                      </a:solidFill>
+                      <a:prstDash val="solid"/>
+                      <a:round/>
+                      <a:headEnd type="none" w="med" len="med"/>
+                      <a:tailEnd type="none" w="med" len="med"/>
+                    </a:lnB>
+                    <a:solidFill>
+                      <a:schemeClr val="bg1"/>
+                    </a:solidFill>
+                  </a:tcPr>
+                </a:tc>
+                <a:tc>
+                  <a:txBody>
+                    <a:bodyPr/>
+                    <a:lstStyle/>
+                    <a:p>
+                      <a:endParaRPr lang="en-US" sz="1400" noProof="0" dirty="0"/>
+                    </a:p>
+                  </a:txBody>
+                  <a:tcPr>
+                    <a:lnL w="12700" cap="flat" cmpd="sng" algn="ctr">
+                      <a:solidFill>
+                        <a:schemeClr val="tx1"/>
+                      </a:solidFill>
+                      <a:prstDash val="solid"/>
+                      <a:round/>
+                      <a:headEnd type="none" w="med" len="med"/>
+                      <a:tailEnd type="none" w="med" len="med"/>
+                    </a:lnL>
+                    <a:lnR w="12700" cap="flat" cmpd="sng" algn="ctr">
+                      <a:solidFill>
+                        <a:schemeClr val="tx1"/>
+                      </a:solidFill>
+                      <a:prstDash val="solid"/>
+                      <a:round/>
+                      <a:headEnd type="none" w="med" len="med"/>
+                      <a:tailEnd type="none" w="med" len="med"/>
+                    </a:lnR>
+                    <a:lnT w="12700" cap="flat" cmpd="sng" algn="ctr">
+                      <a:solidFill>
+                        <a:schemeClr val="tx1"/>
+                      </a:solidFill>
+                      <a:prstDash val="solid"/>
+                      <a:round/>
+                      <a:headEnd type="none" w="med" len="med"/>
+                      <a:tailEnd type="none" w="med" len="med"/>
+                    </a:lnT>
+                    <a:lnB w="12700" cap="flat" cmpd="sng" algn="ctr">
+                      <a:solidFill>
+                        <a:schemeClr val="tx1"/>
+                      </a:solidFill>
+                      <a:prstDash val="solid"/>
+                      <a:round/>
+                      <a:headEnd type="none" w="med" len="med"/>
+                      <a:tailEnd type="none" w="med" len="med"/>
+                    </a:lnB>
+                    <a:solidFill>
+                      <a:schemeClr val="bg1"/>
+                    </a:solidFill>
+                  </a:tcPr>
+                </a:tc>
+                <a:tc>
+                  <a:txBody>
+                    <a:bodyPr/>
+                    <a:lstStyle/>
+                    <a:p>
+                      <a:endParaRPr lang="en-US" sz="1400" noProof="0" dirty="0"/>
+                    </a:p>
+                  </a:txBody>
+                  <a:tcPr>
+                    <a:lnL w="12700" cap="flat" cmpd="sng" algn="ctr">
+                      <a:solidFill>
+                        <a:schemeClr val="tx1"/>
+                      </a:solidFill>
+                      <a:prstDash val="solid"/>
+                      <a:round/>
+                      <a:headEnd type="none" w="med" len="med"/>
+                      <a:tailEnd type="none" w="med" len="med"/>
+                    </a:lnL>
+                    <a:lnR w="12700" cap="flat" cmpd="sng" algn="ctr">
+                      <a:solidFill>
+                        <a:schemeClr val="tx1"/>
+                      </a:solidFill>
+                      <a:prstDash val="solid"/>
+                      <a:round/>
+                      <a:headEnd type="none" w="med" len="med"/>
+                      <a:tailEnd type="none" w="med" len="med"/>
+                    </a:lnR>
+                    <a:lnT w="12700" cap="flat" cmpd="sng" algn="ctr">
+                      <a:solidFill>
+                        <a:schemeClr val="tx1"/>
+                      </a:solidFill>
+                      <a:prstDash val="solid"/>
+                      <a:round/>
+                      <a:headEnd type="none" w="med" len="med"/>
+                      <a:tailEnd type="none" w="med" len="med"/>
+                    </a:lnT>
+                    <a:lnB w="12700" cap="flat" cmpd="sng" algn="ctr">
+                      <a:solidFill>
+                        <a:schemeClr val="tx1"/>
+                      </a:solidFill>
+                      <a:prstDash val="solid"/>
+                      <a:round/>
+                      <a:headEnd type="none" w="med" len="med"/>
+                      <a:tailEnd type="none" w="med" len="med"/>
+                    </a:lnB>
+                    <a:solidFill>
+                      <a:schemeClr val="bg1"/>
+                    </a:solidFill>
+                  </a:tcPr>
+                </a:tc>
+                <a:tc>
+                  <a:txBody>
+                    <a:bodyPr/>
+                    <a:lstStyle/>
+                    <a:p>
+                      <a:endParaRPr lang="en-US" sz="1400" noProof="0" dirty="0"/>
+                    </a:p>
+                  </a:txBody>
+                  <a:tcPr>
+                    <a:lnL w="12700" cap="flat" cmpd="sng" algn="ctr">
+                      <a:solidFill>
+                        <a:schemeClr val="tx1"/>
+                      </a:solidFill>
+                      <a:prstDash val="solid"/>
+                      <a:round/>
+                      <a:headEnd type="none" w="med" len="med"/>
+                      <a:tailEnd type="none" w="med" len="med"/>
+                    </a:lnL>
+                    <a:lnR w="12700" cap="flat" cmpd="sng" algn="ctr">
+                      <a:solidFill>
+                        <a:schemeClr val="tx1"/>
+                      </a:solidFill>
+                      <a:prstDash val="solid"/>
+                      <a:round/>
+                      <a:headEnd type="none" w="med" len="med"/>
+                      <a:tailEnd type="none" w="med" len="med"/>
+                    </a:lnR>
+                    <a:lnT w="12700" cap="flat" cmpd="sng" algn="ctr">
+                      <a:solidFill>
+                        <a:schemeClr val="tx1"/>
+                      </a:solidFill>
+                      <a:prstDash val="solid"/>
+                      <a:round/>
+                      <a:headEnd type="none" w="med" len="med"/>
+                      <a:tailEnd type="none" w="med" len="med"/>
+                    </a:lnT>
+                    <a:lnB w="12700" cap="flat" cmpd="sng" algn="ctr">
+                      <a:solidFill>
+                        <a:schemeClr val="tx1"/>
+                      </a:solidFill>
+                      <a:prstDash val="solid"/>
+                      <a:round/>
+                      <a:headEnd type="none" w="med" len="med"/>
+                      <a:tailEnd type="none" w="med" len="med"/>
+                    </a:lnB>
+                    <a:solidFill>
+                      <a:schemeClr val="bg1"/>
+                    </a:solidFill>
+                  </a:tcPr>
+                </a:tc>
+                <a:tc>
+                  <a:txBody>
+                    <a:bodyPr/>
+                    <a:lstStyle/>
+                    <a:p>
+                      <a:endParaRPr lang="en-US" sz="1400" noProof="0" dirty="0"/>
+                    </a:p>
+                  </a:txBody>
+                  <a:tcPr>
+                    <a:lnL w="12700" cap="flat" cmpd="sng" algn="ctr">
+                      <a:solidFill>
+                        <a:schemeClr val="tx1"/>
+                      </a:solidFill>
+                      <a:prstDash val="solid"/>
+                      <a:round/>
+                      <a:headEnd type="none" w="med" len="med"/>
+                      <a:tailEnd type="none" w="med" len="med"/>
+                    </a:lnL>
+                    <a:lnR w="12700" cap="flat" cmpd="sng" algn="ctr">
+                      <a:solidFill>
+                        <a:schemeClr val="tx1"/>
+                      </a:solidFill>
+                      <a:prstDash val="solid"/>
+                      <a:round/>
+                      <a:headEnd type="none" w="med" len="med"/>
+                      <a:tailEnd type="none" w="med" len="med"/>
+                    </a:lnR>
+                    <a:lnT w="12700" cap="flat" cmpd="sng" algn="ctr">
+                      <a:solidFill>
+                        <a:schemeClr val="tx1"/>
+                      </a:solidFill>
+                      <a:prstDash val="solid"/>
+                      <a:round/>
+                      <a:headEnd type="none" w="med" len="med"/>
+                      <a:tailEnd type="none" w="med" len="med"/>
+                    </a:lnT>
+                    <a:lnB w="12700" cap="flat" cmpd="sng" algn="ctr">
+                      <a:solidFill>
+                        <a:schemeClr val="tx1"/>
+                      </a:solidFill>
+                      <a:prstDash val="solid"/>
+                      <a:round/>
+                      <a:headEnd type="none" w="med" len="med"/>
+                      <a:tailEnd type="none" w="med" len="med"/>
+                    </a:lnB>
+                    <a:solidFill>
+                      <a:schemeClr val="bg1"/>
+                    </a:solidFill>
+                  </a:tcPr>
+                </a:tc>
+                <a:tc>
+                  <a:txBody>
+                    <a:bodyPr/>
+                    <a:lstStyle/>
+                    <a:p>
+                      <a:endParaRPr lang="en-US" sz="1400" noProof="0" dirty="0"/>
+                    </a:p>
+                  </a:txBody>
+                  <a:tcPr>
+                    <a:lnL w="12700" cap="flat" cmpd="sng" algn="ctr">
+                      <a:solidFill>
+                        <a:schemeClr val="tx1"/>
+                      </a:solidFill>
+                      <a:prstDash val="solid"/>
+                      <a:round/>
+                      <a:headEnd type="none" w="med" len="med"/>
+                      <a:tailEnd type="none" w="med" len="med"/>
+                    </a:lnL>
+                    <a:lnR w="12700" cap="flat" cmpd="sng" algn="ctr">
+                      <a:solidFill>
+                        <a:schemeClr val="tx1"/>
+                      </a:solidFill>
+                      <a:prstDash val="solid"/>
+                      <a:round/>
+                      <a:headEnd type="none" w="med" len="med"/>
+                      <a:tailEnd type="none" w="med" len="med"/>
+                    </a:lnR>
+                    <a:lnT w="12700" cap="flat" cmpd="sng" algn="ctr">
+                      <a:solidFill>
+                        <a:schemeClr val="tx1"/>
+                      </a:solidFill>
+                      <a:prstDash val="solid"/>
+                      <a:round/>
+                      <a:headEnd type="none" w="med" len="med"/>
+                      <a:tailEnd type="none" w="med" len="med"/>
+                    </a:lnT>
+                    <a:lnB w="12700" cap="flat" cmpd="sng" algn="ctr">
+                      <a:solidFill>
+                        <a:schemeClr val="tx1"/>
+                      </a:solidFill>
+                      <a:prstDash val="solid"/>
+                      <a:round/>
+                      <a:headEnd type="none" w="med" len="med"/>
+                      <a:tailEnd type="none" w="med" len="med"/>
+                    </a:lnB>
+                    <a:solidFill>
+                      <a:srgbClr val="D99694"/>
+                    </a:solidFill>
+                  </a:tcPr>
+                </a:tc>
+                <a:tc>
+                  <a:txBody>
+                    <a:bodyPr/>
+                    <a:lstStyle/>
+                    <a:p>
+                      <a:endParaRPr lang="en-US" sz="1400" noProof="0" dirty="0"/>
+                    </a:p>
+                  </a:txBody>
+                  <a:tcPr>
+                    <a:lnL w="12700" cap="flat" cmpd="sng" algn="ctr">
+                      <a:solidFill>
+                        <a:schemeClr val="tx1"/>
+                      </a:solidFill>
+                      <a:prstDash val="solid"/>
+                      <a:round/>
+                      <a:headEnd type="none" w="med" len="med"/>
+                      <a:tailEnd type="none" w="med" len="med"/>
+                    </a:lnL>
+                    <a:lnR w="12700" cap="flat" cmpd="sng" algn="ctr">
+                      <a:solidFill>
+                        <a:schemeClr val="tx1"/>
+                      </a:solidFill>
+                      <a:prstDash val="solid"/>
+                      <a:round/>
+                      <a:headEnd type="none" w="med" len="med"/>
+                      <a:tailEnd type="none" w="med" len="med"/>
+                    </a:lnR>
+                    <a:lnT w="12700" cap="flat" cmpd="sng" algn="ctr">
+                      <a:solidFill>
+                        <a:schemeClr val="tx1"/>
+                      </a:solidFill>
+                      <a:prstDash val="solid"/>
+                      <a:round/>
+                      <a:headEnd type="none" w="med" len="med"/>
+                      <a:tailEnd type="none" w="med" len="med"/>
+                    </a:lnT>
+                    <a:lnB w="12700" cap="flat" cmpd="sng" algn="ctr">
+                      <a:solidFill>
+                        <a:schemeClr val="tx1"/>
+                      </a:solidFill>
+                      <a:prstDash val="solid"/>
+                      <a:round/>
+                      <a:headEnd type="none" w="med" len="med"/>
+                      <a:tailEnd type="none" w="med" len="med"/>
+                    </a:lnB>
+                    <a:solidFill>
+                      <a:schemeClr val="bg1"/>
+                    </a:solidFill>
+                  </a:tcPr>
+                </a:tc>
+                <a:tc>
+                  <a:txBody>
+                    <a:bodyPr/>
+                    <a:lstStyle/>
+                    <a:p>
+                      <a:endParaRPr lang="en-US" sz="1400" noProof="0" dirty="0"/>
+                    </a:p>
+                  </a:txBody>
+                  <a:tcPr>
+                    <a:lnL w="12700" cap="flat" cmpd="sng" algn="ctr">
+                      <a:solidFill>
+                        <a:schemeClr val="tx1"/>
+                      </a:solidFill>
+                      <a:prstDash val="solid"/>
+                      <a:round/>
+                      <a:headEnd type="none" w="med" len="med"/>
+                      <a:tailEnd type="none" w="med" len="med"/>
+                    </a:lnL>
+                    <a:lnR w="12700" cap="flat" cmpd="sng" algn="ctr">
+                      <a:solidFill>
+                        <a:schemeClr val="tx1"/>
+                      </a:solidFill>
+                      <a:prstDash val="solid"/>
+                      <a:round/>
+                      <a:headEnd type="none" w="med" len="med"/>
+                      <a:tailEnd type="none" w="med" len="med"/>
+                    </a:lnR>
+                    <a:lnT w="12700" cap="flat" cmpd="sng" algn="ctr">
+                      <a:solidFill>
+                        <a:schemeClr val="tx1"/>
+                      </a:solidFill>
+                      <a:prstDash val="solid"/>
+                      <a:round/>
+                      <a:headEnd type="none" w="med" len="med"/>
+                      <a:tailEnd type="none" w="med" len="med"/>
+                    </a:lnT>
+                    <a:lnB w="12700" cap="flat" cmpd="sng" algn="ctr">
+                      <a:solidFill>
+                        <a:schemeClr val="tx1"/>
+                      </a:solidFill>
+                      <a:prstDash val="solid"/>
+                      <a:round/>
+                      <a:headEnd type="none" w="med" len="med"/>
+                      <a:tailEnd type="none" w="med" len="med"/>
+                    </a:lnB>
+                    <a:solidFill>
+                      <a:schemeClr val="bg1"/>
+                    </a:solidFill>
+                  </a:tcPr>
+                </a:tc>
+              </a:tr>
+              <a:tr h="0">
+                <a:tc>
+                  <a:txBody>
+                    <a:bodyPr/>
+                    <a:lstStyle/>
+                    <a:p>
+                      <a:endParaRPr lang="en-US" sz="1400" b="1" noProof="0" dirty="0">
+                        <a:solidFill>
+                          <a:schemeClr val="bg1"/>
+                        </a:solidFill>
+                      </a:endParaRPr>
+                    </a:p>
+                  </a:txBody>
+                  <a:tcPr>
+                    <a:lnL w="12700" cap="flat" cmpd="sng" algn="ctr">
+                      <a:solidFill>
+                        <a:schemeClr val="tx1"/>
+                      </a:solidFill>
+                      <a:prstDash val="solid"/>
+                      <a:round/>
+                      <a:headEnd type="none" w="med" len="med"/>
+                      <a:tailEnd type="none" w="med" len="med"/>
+                    </a:lnL>
+                    <a:lnB w="12700" cap="flat" cmpd="sng" algn="ctr">
+                      <a:solidFill>
+                        <a:schemeClr val="tx1"/>
+                      </a:solidFill>
+                      <a:prstDash val="solid"/>
+                      <a:round/>
+                      <a:headEnd type="none" w="med" len="med"/>
+                      <a:tailEnd type="none" w="med" len="med"/>
+                    </a:lnB>
+                    <a:solidFill>
+                      <a:srgbClr val="D99694"/>
+                    </a:solidFill>
+                  </a:tcPr>
+                </a:tc>
+                <a:tc>
+                  <a:txBody>
+                    <a:bodyPr/>
+                    <a:lstStyle/>
+                    <a:p>
+                      <a:r>
+                        <a:rPr lang="en-US" sz="1400" noProof="0" dirty="0" smtClean="0">
+                          <a:solidFill>
+                            <a:schemeClr val="bg1"/>
+                          </a:solidFill>
+                        </a:rPr>
+                        <a:t>Retrospective</a:t>
+                      </a:r>
+                      <a:endParaRPr lang="en-US" sz="1400" noProof="0" dirty="0">
+                        <a:solidFill>
+                          <a:schemeClr val="bg1"/>
+                        </a:solidFill>
+                      </a:endParaRPr>
+                    </a:p>
+                  </a:txBody>
+                  <a:tcPr>
+                    <a:lnR w="12700" cap="flat" cmpd="sng" algn="ctr">
+                      <a:solidFill>
+                        <a:schemeClr val="tx1"/>
+                      </a:solidFill>
+                      <a:prstDash val="solid"/>
+                      <a:round/>
+                      <a:headEnd type="none" w="med" len="med"/>
+                      <a:tailEnd type="none" w="med" len="med"/>
+                    </a:lnR>
+                    <a:lnB w="12700" cap="flat" cmpd="sng" algn="ctr">
+                      <a:solidFill>
+                        <a:schemeClr val="tx1"/>
+                      </a:solidFill>
+                      <a:prstDash val="solid"/>
+                      <a:round/>
+                      <a:headEnd type="none" w="med" len="med"/>
+                      <a:tailEnd type="none" w="med" len="med"/>
+                    </a:lnB>
+                    <a:solidFill>
+                      <a:srgbClr val="D99694"/>
+                    </a:solidFill>
+                  </a:tcPr>
+                </a:tc>
+                <a:tc>
+                  <a:txBody>
+                    <a:bodyPr/>
+                    <a:lstStyle/>
+                    <a:p>
+                      <a:endParaRPr lang="en-US" sz="1400" noProof="0" dirty="0"/>
+                    </a:p>
+                  </a:txBody>
+                  <a:tcPr>
+                    <a:lnL w="12700" cap="flat" cmpd="sng" algn="ctr">
+                      <a:solidFill>
+                        <a:schemeClr val="tx1"/>
+                      </a:solidFill>
+                      <a:prstDash val="solid"/>
+                      <a:round/>
+                      <a:headEnd type="none" w="med" len="med"/>
+                      <a:tailEnd type="none" w="med" len="med"/>
+                    </a:lnL>
+                    <a:lnR w="12700" cap="flat" cmpd="sng" algn="ctr">
+                      <a:solidFill>
+                        <a:schemeClr val="tx1"/>
+                      </a:solidFill>
+                      <a:prstDash val="solid"/>
+                      <a:round/>
+                      <a:headEnd type="none" w="med" len="med"/>
+                      <a:tailEnd type="none" w="med" len="med"/>
+                    </a:lnR>
+                    <a:lnT w="12700" cap="flat" cmpd="sng" algn="ctr">
+                      <a:solidFill>
+                        <a:schemeClr val="tx1"/>
+                      </a:solidFill>
+                      <a:prstDash val="solid"/>
+                      <a:round/>
+                      <a:headEnd type="none" w="med" len="med"/>
+                      <a:tailEnd type="none" w="med" len="med"/>
+                    </a:lnT>
+                    <a:lnB w="12700" cap="flat" cmpd="sng" algn="ctr">
+                      <a:solidFill>
+                        <a:schemeClr val="tx1"/>
+                      </a:solidFill>
+                      <a:prstDash val="solid"/>
+                      <a:round/>
+                      <a:headEnd type="none" w="med" len="med"/>
+                      <a:tailEnd type="none" w="med" len="med"/>
+                    </a:lnB>
+                    <a:solidFill>
+                      <a:schemeClr val="bg1"/>
+                    </a:solidFill>
+                  </a:tcPr>
+                </a:tc>
+                <a:tc>
+                  <a:txBody>
+                    <a:bodyPr/>
+                    <a:lstStyle/>
+                    <a:p>
+                      <a:endParaRPr lang="en-US" sz="1400" noProof="0" dirty="0"/>
+                    </a:p>
+                  </a:txBody>
+                  <a:tcPr>
+                    <a:lnL w="12700" cap="flat" cmpd="sng" algn="ctr">
+                      <a:solidFill>
+                        <a:schemeClr val="tx1"/>
+                      </a:solidFill>
+                      <a:prstDash val="solid"/>
+                      <a:round/>
+                      <a:headEnd type="none" w="med" len="med"/>
+                      <a:tailEnd type="none" w="med" len="med"/>
+                    </a:lnL>
+                    <a:lnR w="12700" cap="flat" cmpd="sng" algn="ctr">
+                      <a:solidFill>
+                        <a:schemeClr val="tx1"/>
+                      </a:solidFill>
+                      <a:prstDash val="solid"/>
+                      <a:round/>
+                      <a:headEnd type="none" w="med" len="med"/>
+                      <a:tailEnd type="none" w="med" len="med"/>
+                    </a:lnR>
+                    <a:lnT w="12700" cap="flat" cmpd="sng" algn="ctr">
+                      <a:solidFill>
+                        <a:schemeClr val="tx1"/>
+                      </a:solidFill>
+                      <a:prstDash val="solid"/>
+                      <a:round/>
+                      <a:headEnd type="none" w="med" len="med"/>
+                      <a:tailEnd type="none" w="med" len="med"/>
+                    </a:lnT>
+                    <a:lnB w="12700" cap="flat" cmpd="sng" algn="ctr">
+                      <a:solidFill>
+                        <a:schemeClr val="tx1"/>
+                      </a:solidFill>
+                      <a:prstDash val="solid"/>
+                      <a:round/>
+                      <a:headEnd type="none" w="med" len="med"/>
+                      <a:tailEnd type="none" w="med" len="med"/>
+                    </a:lnB>
+                    <a:solidFill>
+                      <a:schemeClr val="bg1"/>
+                    </a:solidFill>
+                  </a:tcPr>
+                </a:tc>
+                <a:tc>
+                  <a:txBody>
+                    <a:bodyPr/>
+                    <a:lstStyle/>
+                    <a:p>
+                      <a:endParaRPr lang="en-US" sz="1400" noProof="0" dirty="0"/>
+                    </a:p>
+                  </a:txBody>
+                  <a:tcPr>
+                    <a:lnL w="12700" cap="flat" cmpd="sng" algn="ctr">
+                      <a:solidFill>
+                        <a:schemeClr val="tx1"/>
+                      </a:solidFill>
+                      <a:prstDash val="solid"/>
+                      <a:round/>
+                      <a:headEnd type="none" w="med" len="med"/>
+                      <a:tailEnd type="none" w="med" len="med"/>
+                    </a:lnL>
+                    <a:lnR w="12700" cap="flat" cmpd="sng" algn="ctr">
+                      <a:solidFill>
+                        <a:schemeClr val="tx1"/>
+                      </a:solidFill>
+                      <a:prstDash val="solid"/>
+                      <a:round/>
+                      <a:headEnd type="none" w="med" len="med"/>
+                      <a:tailEnd type="none" w="med" len="med"/>
+                    </a:lnR>
+                    <a:lnT w="12700" cap="flat" cmpd="sng" algn="ctr">
+                      <a:solidFill>
+                        <a:schemeClr val="tx1"/>
+                      </a:solidFill>
+                      <a:prstDash val="solid"/>
+                      <a:round/>
+                      <a:headEnd type="none" w="med" len="med"/>
+                      <a:tailEnd type="none" w="med" len="med"/>
+                    </a:lnT>
+                    <a:lnB w="12700" cap="flat" cmpd="sng" algn="ctr">
+                      <a:solidFill>
+                        <a:schemeClr val="tx1"/>
+                      </a:solidFill>
+                      <a:prstDash val="solid"/>
+                      <a:round/>
+                      <a:headEnd type="none" w="med" len="med"/>
+                      <a:tailEnd type="none" w="med" len="med"/>
+                    </a:lnB>
+                    <a:solidFill>
+                      <a:schemeClr val="bg1"/>
+                    </a:solidFill>
+                  </a:tcPr>
+                </a:tc>
+                <a:tc>
+                  <a:txBody>
+                    <a:bodyPr/>
+                    <a:lstStyle/>
+                    <a:p>
+                      <a:endParaRPr lang="en-US" sz="1400" noProof="0" dirty="0"/>
+                    </a:p>
+                  </a:txBody>
+                  <a:tcPr>
+                    <a:lnL w="12700" cap="flat" cmpd="sng" algn="ctr">
+                      <a:solidFill>
+                        <a:schemeClr val="tx1"/>
+                      </a:solidFill>
+                      <a:prstDash val="solid"/>
+                      <a:round/>
+                      <a:headEnd type="none" w="med" len="med"/>
+                      <a:tailEnd type="none" w="med" len="med"/>
+                    </a:lnL>
+                    <a:lnR w="12700" cap="flat" cmpd="sng" algn="ctr">
+                      <a:solidFill>
+                        <a:schemeClr val="tx1"/>
+                      </a:solidFill>
+                      <a:prstDash val="solid"/>
+                      <a:round/>
+                      <a:headEnd type="none" w="med" len="med"/>
+                      <a:tailEnd type="none" w="med" len="med"/>
+                    </a:lnR>
+                    <a:lnT w="12700" cap="flat" cmpd="sng" algn="ctr">
+                      <a:solidFill>
+                        <a:schemeClr val="tx1"/>
+                      </a:solidFill>
+                      <a:prstDash val="solid"/>
+                      <a:round/>
+                      <a:headEnd type="none" w="med" len="med"/>
+                      <a:tailEnd type="none" w="med" len="med"/>
+                    </a:lnT>
+                    <a:lnB w="12700" cap="flat" cmpd="sng" algn="ctr">
+                      <a:solidFill>
+                        <a:schemeClr val="tx1"/>
+                      </a:solidFill>
+                      <a:prstDash val="solid"/>
+                      <a:round/>
+                      <a:headEnd type="none" w="med" len="med"/>
+                      <a:tailEnd type="none" w="med" len="med"/>
+                    </a:lnB>
+                    <a:solidFill>
+                      <a:schemeClr val="bg1"/>
+                    </a:solidFill>
+                  </a:tcPr>
+                </a:tc>
+                <a:tc>
+                  <a:txBody>
+                    <a:bodyPr/>
+                    <a:lstStyle/>
+                    <a:p>
+                      <a:endParaRPr lang="en-US" sz="1400" noProof="0" dirty="0"/>
+                    </a:p>
+                  </a:txBody>
+                  <a:tcPr>
+                    <a:lnL w="12700" cap="flat" cmpd="sng" algn="ctr">
+                      <a:solidFill>
+                        <a:schemeClr val="tx1"/>
+                      </a:solidFill>
+                      <a:prstDash val="solid"/>
+                      <a:round/>
+                      <a:headEnd type="none" w="med" len="med"/>
+                      <a:tailEnd type="none" w="med" len="med"/>
+                    </a:lnL>
+                    <a:lnR w="12700" cap="flat" cmpd="sng" algn="ctr">
+                      <a:solidFill>
+                        <a:schemeClr val="tx1"/>
+                      </a:solidFill>
+                      <a:prstDash val="solid"/>
+                      <a:round/>
+                      <a:headEnd type="none" w="med" len="med"/>
+                      <a:tailEnd type="none" w="med" len="med"/>
+                    </a:lnR>
+                    <a:lnT w="12700" cap="flat" cmpd="sng" algn="ctr">
+                      <a:solidFill>
+                        <a:schemeClr val="tx1"/>
+                      </a:solidFill>
+                      <a:prstDash val="solid"/>
+                      <a:round/>
+                      <a:headEnd type="none" w="med" len="med"/>
+                      <a:tailEnd type="none" w="med" len="med"/>
+                    </a:lnT>
+                    <a:lnB w="12700" cap="flat" cmpd="sng" algn="ctr">
+                      <a:solidFill>
+                        <a:schemeClr val="tx1"/>
+                      </a:solidFill>
+                      <a:prstDash val="solid"/>
+                      <a:round/>
+                      <a:headEnd type="none" w="med" len="med"/>
+                      <a:tailEnd type="none" w="med" len="med"/>
+                    </a:lnB>
+                    <a:solidFill>
+                      <a:schemeClr val="bg1"/>
+                    </a:solidFill>
+                  </a:tcPr>
+                </a:tc>
+                <a:tc>
+                  <a:txBody>
+                    <a:bodyPr/>
+                    <a:lstStyle/>
+                    <a:p>
+                      <a:endParaRPr lang="en-US" sz="1400" noProof="0" dirty="0"/>
+                    </a:p>
+                  </a:txBody>
+                  <a:tcPr>
+                    <a:lnL w="12700" cap="flat" cmpd="sng" algn="ctr">
+                      <a:solidFill>
+                        <a:schemeClr val="tx1"/>
+                      </a:solidFill>
+                      <a:prstDash val="solid"/>
+                      <a:round/>
+                      <a:headEnd type="none" w="med" len="med"/>
+                      <a:tailEnd type="none" w="med" len="med"/>
+                    </a:lnL>
+                    <a:lnR w="12700" cap="flat" cmpd="sng" algn="ctr">
+                      <a:solidFill>
+                        <a:schemeClr val="tx1"/>
+                      </a:solidFill>
+                      <a:prstDash val="solid"/>
+                      <a:round/>
+                      <a:headEnd type="none" w="med" len="med"/>
+                      <a:tailEnd type="none" w="med" len="med"/>
+                    </a:lnR>
+                    <a:lnT w="12700" cap="flat" cmpd="sng" algn="ctr">
+                      <a:solidFill>
+                        <a:schemeClr val="tx1"/>
+                      </a:solidFill>
+                      <a:prstDash val="solid"/>
+                      <a:round/>
+                      <a:headEnd type="none" w="med" len="med"/>
+                      <a:tailEnd type="none" w="med" len="med"/>
+                    </a:lnT>
+                    <a:lnB w="12700" cap="flat" cmpd="sng" algn="ctr">
+                      <a:solidFill>
+                        <a:schemeClr val="tx1"/>
+                      </a:solidFill>
+                      <a:prstDash val="solid"/>
+                      <a:round/>
+                      <a:headEnd type="none" w="med" len="med"/>
+                      <a:tailEnd type="none" w="med" len="med"/>
+                    </a:lnB>
+                    <a:solidFill>
+                      <a:schemeClr val="bg1"/>
+                    </a:solidFill>
+                  </a:tcPr>
+                </a:tc>
+                <a:tc>
+                  <a:txBody>
+                    <a:bodyPr/>
+                    <a:lstStyle/>
+                    <a:p>
+                      <a:endParaRPr lang="en-US" sz="1400" noProof="0" dirty="0"/>
+                    </a:p>
+                  </a:txBody>
+                  <a:tcPr>
+                    <a:lnL w="12700" cap="flat" cmpd="sng" algn="ctr">
+                      <a:solidFill>
+                        <a:schemeClr val="tx1"/>
+                      </a:solidFill>
+                      <a:prstDash val="solid"/>
+                      <a:round/>
+                      <a:headEnd type="none" w="med" len="med"/>
+                      <a:tailEnd type="none" w="med" len="med"/>
+                    </a:lnL>
+                    <a:lnR w="12700" cap="flat" cmpd="sng" algn="ctr">
+                      <a:solidFill>
+                        <a:schemeClr val="tx1"/>
+                      </a:solidFill>
+                      <a:prstDash val="solid"/>
+                      <a:round/>
+                      <a:headEnd type="none" w="med" len="med"/>
+                      <a:tailEnd type="none" w="med" len="med"/>
+                    </a:lnR>
+                    <a:lnT w="12700" cap="flat" cmpd="sng" algn="ctr">
+                      <a:solidFill>
+                        <a:schemeClr val="tx1"/>
+                      </a:solidFill>
+                      <a:prstDash val="solid"/>
+                      <a:round/>
+                      <a:headEnd type="none" w="med" len="med"/>
+                      <a:tailEnd type="none" w="med" len="med"/>
+                    </a:lnT>
+                    <a:lnB w="12700" cap="flat" cmpd="sng" algn="ctr">
+                      <a:solidFill>
+                        <a:schemeClr val="tx1"/>
+                      </a:solidFill>
+                      <a:prstDash val="solid"/>
+                      <a:round/>
+                      <a:headEnd type="none" w="med" len="med"/>
+                      <a:tailEnd type="none" w="med" len="med"/>
+                    </a:lnB>
+                    <a:solidFill>
+                      <a:schemeClr val="bg1"/>
+                    </a:solidFill>
+                  </a:tcPr>
+                </a:tc>
+                <a:tc>
+                  <a:txBody>
+                    <a:bodyPr/>
+                    <a:lstStyle/>
+                    <a:p>
+                      <a:endParaRPr lang="en-US" sz="1400" noProof="0" dirty="0"/>
+                    </a:p>
+                  </a:txBody>
+                  <a:tcPr>
+                    <a:lnL w="12700" cap="flat" cmpd="sng" algn="ctr">
+                      <a:solidFill>
+                        <a:schemeClr val="tx1"/>
+                      </a:solidFill>
+                      <a:prstDash val="solid"/>
+                      <a:round/>
+                      <a:headEnd type="none" w="med" len="med"/>
+                      <a:tailEnd type="none" w="med" len="med"/>
+                    </a:lnL>
+                    <a:lnR w="12700" cap="flat" cmpd="sng" algn="ctr">
+                      <a:solidFill>
+                        <a:schemeClr val="tx1"/>
+                      </a:solidFill>
+                      <a:prstDash val="solid"/>
+                      <a:round/>
+                      <a:headEnd type="none" w="med" len="med"/>
+                      <a:tailEnd type="none" w="med" len="med"/>
+                    </a:lnR>
+                    <a:lnT w="12700" cap="flat" cmpd="sng" algn="ctr">
+                      <a:solidFill>
+                        <a:schemeClr val="tx1"/>
+                      </a:solidFill>
+                      <a:prstDash val="solid"/>
+                      <a:round/>
+                      <a:headEnd type="none" w="med" len="med"/>
+                      <a:tailEnd type="none" w="med" len="med"/>
+                    </a:lnT>
+                    <a:lnB w="12700" cap="flat" cmpd="sng" algn="ctr">
+                      <a:solidFill>
+                        <a:schemeClr val="tx1"/>
+                      </a:solidFill>
+                      <a:prstDash val="solid"/>
+                      <a:round/>
+                      <a:headEnd type="none" w="med" len="med"/>
+                      <a:tailEnd type="none" w="med" len="med"/>
+                    </a:lnB>
+                    <a:solidFill>
+                      <a:srgbClr val="D99694"/>
+                    </a:solidFill>
+                  </a:tcPr>
+                </a:tc>
+                <a:tc>
+                  <a:txBody>
+                    <a:bodyPr/>
+                    <a:lstStyle/>
+                    <a:p>
+                      <a:endParaRPr lang="en-US" sz="1400" noProof="0" dirty="0"/>
+                    </a:p>
+                  </a:txBody>
+                  <a:tcPr>
+                    <a:lnL w="12700" cap="flat" cmpd="sng" algn="ctr">
+                      <a:solidFill>
+                        <a:schemeClr val="tx1"/>
+                      </a:solidFill>
+                      <a:prstDash val="solid"/>
+                      <a:round/>
+                      <a:headEnd type="none" w="med" len="med"/>
+                      <a:tailEnd type="none" w="med" len="med"/>
+                    </a:lnL>
+                    <a:lnR w="12700" cap="flat" cmpd="sng" algn="ctr">
+                      <a:solidFill>
+                        <a:schemeClr val="tx1"/>
+                      </a:solidFill>
+                      <a:prstDash val="solid"/>
+                      <a:round/>
+                      <a:headEnd type="none" w="med" len="med"/>
+                      <a:tailEnd type="none" w="med" len="med"/>
+                    </a:lnR>
+                    <a:lnT w="12700" cap="flat" cmpd="sng" algn="ctr">
+                      <a:solidFill>
+                        <a:schemeClr val="tx1"/>
+                      </a:solidFill>
+                      <a:prstDash val="solid"/>
+                      <a:round/>
+                      <a:headEnd type="none" w="med" len="med"/>
+                      <a:tailEnd type="none" w="med" len="med"/>
+                    </a:lnT>
+                    <a:lnB w="12700" cap="flat" cmpd="sng" algn="ctr">
+                      <a:solidFill>
+                        <a:schemeClr val="tx1"/>
+                      </a:solidFill>
+                      <a:prstDash val="solid"/>
+                      <a:round/>
+                      <a:headEnd type="none" w="med" len="med"/>
+                      <a:tailEnd type="none" w="med" len="med"/>
+                    </a:lnB>
+                    <a:solidFill>
+                      <a:schemeClr val="bg1"/>
+                    </a:solidFill>
                   </a:tcPr>
                 </a:tc>
               </a:tr>
@@ -36557,11 +37711,11 @@
   <p:clrMapOvr>
     <a:masterClrMapping/>
   </p:clrMapOvr>
-  <mc:AlternateContent xmlns:mc="http://schemas.openxmlformats.org/markup-compatibility/2006">
-    <mc:Choice xmlns:p14="http://schemas.microsoft.com/office/powerpoint/2010/main" Requires="p14">
+  <mc:AlternateContent xmlns:mc="http://schemas.openxmlformats.org/markup-compatibility/2006" xmlns:p14="http://schemas.microsoft.com/office/powerpoint/2010/main">
+    <mc:Choice Requires="p14">
       <p:transition spd="slow" p14:dur="2000"/>
     </mc:Choice>
-    <mc:Fallback>
+    <mc:Fallback xmlns="">
       <p:transition spd="slow"/>
     </mc:Fallback>
   </mc:AlternateContent>
